--- a/uploads/นำเสนอหัวข้อโปรเจค.pptx
+++ b/uploads/นำเสนอหัวข้อโปรเจค.pptx
@@ -10,47 +10,46 @@
     <p:sldId id="288" r:id="rId4"/>
     <p:sldId id="453" r:id="rId5"/>
     <p:sldId id="454" r:id="rId6"/>
-    <p:sldId id="297" r:id="rId7"/>
-    <p:sldId id="298" r:id="rId8"/>
-    <p:sldId id="456" r:id="rId9"/>
-    <p:sldId id="457" r:id="rId10"/>
-    <p:sldId id="458" r:id="rId11"/>
-    <p:sldId id="464" r:id="rId12"/>
-    <p:sldId id="465" r:id="rId13"/>
-    <p:sldId id="466" r:id="rId14"/>
-    <p:sldId id="472" r:id="rId15"/>
-    <p:sldId id="473" r:id="rId16"/>
-    <p:sldId id="474" r:id="rId17"/>
-    <p:sldId id="476" r:id="rId18"/>
-    <p:sldId id="475" r:id="rId19"/>
-    <p:sldId id="285" r:id="rId20"/>
-    <p:sldId id="452" r:id="rId21"/>
+    <p:sldId id="285" r:id="rId7"/>
+    <p:sldId id="452" r:id="rId8"/>
+    <p:sldId id="297" r:id="rId9"/>
+    <p:sldId id="298" r:id="rId10"/>
+    <p:sldId id="456" r:id="rId11"/>
+    <p:sldId id="457" r:id="rId12"/>
+    <p:sldId id="458" r:id="rId13"/>
+    <p:sldId id="464" r:id="rId14"/>
+    <p:sldId id="465" r:id="rId15"/>
+    <p:sldId id="466" r:id="rId16"/>
+    <p:sldId id="467" r:id="rId17"/>
+    <p:sldId id="472" r:id="rId18"/>
+    <p:sldId id="473" r:id="rId19"/>
+    <p:sldId id="474" r:id="rId20"/>
   </p:sldIdLst>
   <p:sldSz cx="12192000" cy="6858000"/>
   <p:notesSz cx="6858000" cy="9144000"/>
   <p:embeddedFontLst>
     <p:embeddedFont>
       <p:font typeface="Calibri" panose="020F0502020204030204" pitchFamily="34" charset="0"/>
-      <p:regular r:id="rId22"/>
-      <p:bold r:id="rId23"/>
-      <p:italic r:id="rId24"/>
-      <p:boldItalic r:id="rId25"/>
+      <p:regular r:id="rId21"/>
+      <p:bold r:id="rId22"/>
+      <p:italic r:id="rId23"/>
+      <p:boldItalic r:id="rId24"/>
     </p:embeddedFont>
     <p:embeddedFont>
       <p:font typeface="Calibri Light" panose="020F0302020204030204" pitchFamily="34" charset="0"/>
-      <p:regular r:id="rId26"/>
-      <p:italic r:id="rId27"/>
+      <p:regular r:id="rId25"/>
+      <p:italic r:id="rId26"/>
     </p:embeddedFont>
     <p:embeddedFont>
       <p:font typeface="HYPE" pitchFamily="2" charset="0"/>
-      <p:regular r:id="rId28"/>
+      <p:regular r:id="rId27"/>
     </p:embeddedFont>
     <p:embeddedFont>
       <p:font typeface="TH SarabunPSK" panose="020B0500040200020003" pitchFamily="34" charset="-34"/>
-      <p:regular r:id="rId29"/>
-      <p:bold r:id="rId30"/>
-      <p:italic r:id="rId31"/>
-      <p:boldItalic r:id="rId32"/>
+      <p:regular r:id="rId28"/>
+      <p:bold r:id="rId29"/>
+      <p:italic r:id="rId30"/>
+      <p:boldItalic r:id="rId31"/>
     </p:embeddedFont>
   </p:embeddedFontLst>
   <p:defaultTextStyle>
@@ -305,7 +304,7 @@
           <a:p>
             <a:fld id="{F21ACF87-EC3E-4E39-9489-6905DA39CD00}" type="datetimeFigureOut">
               <a:rPr lang="th-TH" smtClean="0"/>
-              <a:t>15/12/62</a:t>
+              <a:t>28/11/62</a:t>
             </a:fld>
             <a:endParaRPr lang="th-TH"/>
           </a:p>
@@ -505,7 +504,7 @@
           <a:p>
             <a:fld id="{F21ACF87-EC3E-4E39-9489-6905DA39CD00}" type="datetimeFigureOut">
               <a:rPr lang="th-TH" smtClean="0"/>
-              <a:t>15/12/62</a:t>
+              <a:t>28/11/62</a:t>
             </a:fld>
             <a:endParaRPr lang="th-TH"/>
           </a:p>
@@ -715,7 +714,7 @@
           <a:p>
             <a:fld id="{F21ACF87-EC3E-4E39-9489-6905DA39CD00}" type="datetimeFigureOut">
               <a:rPr lang="th-TH" smtClean="0"/>
-              <a:t>15/12/62</a:t>
+              <a:t>28/11/62</a:t>
             </a:fld>
             <a:endParaRPr lang="th-TH"/>
           </a:p>
@@ -915,7 +914,7 @@
           <a:p>
             <a:fld id="{F21ACF87-EC3E-4E39-9489-6905DA39CD00}" type="datetimeFigureOut">
               <a:rPr lang="th-TH" smtClean="0"/>
-              <a:t>15/12/62</a:t>
+              <a:t>28/11/62</a:t>
             </a:fld>
             <a:endParaRPr lang="th-TH"/>
           </a:p>
@@ -1191,7 +1190,7 @@
           <a:p>
             <a:fld id="{F21ACF87-EC3E-4E39-9489-6905DA39CD00}" type="datetimeFigureOut">
               <a:rPr lang="th-TH" smtClean="0"/>
-              <a:t>15/12/62</a:t>
+              <a:t>28/11/62</a:t>
             </a:fld>
             <a:endParaRPr lang="th-TH"/>
           </a:p>
@@ -1459,7 +1458,7 @@
           <a:p>
             <a:fld id="{F21ACF87-EC3E-4E39-9489-6905DA39CD00}" type="datetimeFigureOut">
               <a:rPr lang="th-TH" smtClean="0"/>
-              <a:t>15/12/62</a:t>
+              <a:t>28/11/62</a:t>
             </a:fld>
             <a:endParaRPr lang="th-TH"/>
           </a:p>
@@ -1874,7 +1873,7 @@
           <a:p>
             <a:fld id="{F21ACF87-EC3E-4E39-9489-6905DA39CD00}" type="datetimeFigureOut">
               <a:rPr lang="th-TH" smtClean="0"/>
-              <a:t>15/12/62</a:t>
+              <a:t>28/11/62</a:t>
             </a:fld>
             <a:endParaRPr lang="th-TH"/>
           </a:p>
@@ -2016,7 +2015,7 @@
           <a:p>
             <a:fld id="{F21ACF87-EC3E-4E39-9489-6905DA39CD00}" type="datetimeFigureOut">
               <a:rPr lang="th-TH" smtClean="0"/>
-              <a:t>15/12/62</a:t>
+              <a:t>28/11/62</a:t>
             </a:fld>
             <a:endParaRPr lang="th-TH"/>
           </a:p>
@@ -2129,7 +2128,7 @@
           <a:p>
             <a:fld id="{F21ACF87-EC3E-4E39-9489-6905DA39CD00}" type="datetimeFigureOut">
               <a:rPr lang="th-TH" smtClean="0"/>
-              <a:t>15/12/62</a:t>
+              <a:t>28/11/62</a:t>
             </a:fld>
             <a:endParaRPr lang="th-TH"/>
           </a:p>
@@ -2442,7 +2441,7 @@
           <a:p>
             <a:fld id="{F21ACF87-EC3E-4E39-9489-6905DA39CD00}" type="datetimeFigureOut">
               <a:rPr lang="th-TH" smtClean="0"/>
-              <a:t>15/12/62</a:t>
+              <a:t>28/11/62</a:t>
             </a:fld>
             <a:endParaRPr lang="th-TH"/>
           </a:p>
@@ -2731,7 +2730,7 @@
           <a:p>
             <a:fld id="{F21ACF87-EC3E-4E39-9489-6905DA39CD00}" type="datetimeFigureOut">
               <a:rPr lang="th-TH" smtClean="0"/>
-              <a:t>15/12/62</a:t>
+              <a:t>28/11/62</a:t>
             </a:fld>
             <a:endParaRPr lang="th-TH"/>
           </a:p>
@@ -2974,7 +2973,7 @@
           <a:p>
             <a:fld id="{F21ACF87-EC3E-4E39-9489-6905DA39CD00}" type="datetimeFigureOut">
               <a:rPr lang="th-TH" smtClean="0"/>
-              <a:t>15/12/62</a:t>
+              <a:t>28/11/62</a:t>
             </a:fld>
             <a:endParaRPr lang="th-TH"/>
           </a:p>
@@ -3960,7 +3959,7 @@
         </p:nvSpPr>
         <p:spPr>
           <a:xfrm>
-            <a:off x="2109787" y="1799546"/>
+            <a:off x="2109787" y="2044873"/>
             <a:ext cx="8791575" cy="4181606"/>
           </a:xfrm>
         </p:spPr>
@@ -3978,7 +3977,7 @@
                 <a:latin typeface="TH SarabunPSK" panose="020B0500040200020003" pitchFamily="34" charset="-34"/>
                 <a:cs typeface="TH SarabunPSK" panose="020B0500040200020003" pitchFamily="34" charset="-34"/>
               </a:rPr>
-              <a:t> 1.3.1.6 แผนกงบประมาณ</a:t>
+              <a:t> 1.3.1.3 นักศึกษาที่เป็นสโมสรนักศึกษา</a:t>
             </a:r>
           </a:p>
           <a:p>
@@ -3990,7 +3989,7 @@
                 <a:latin typeface="TH SarabunPSK" panose="020B0500040200020003" pitchFamily="34" charset="-34"/>
                 <a:cs typeface="TH SarabunPSK" panose="020B0500040200020003" pitchFamily="34" charset="-34"/>
               </a:rPr>
-              <a:t>                         1) สามารถอนุมัติการขอดำเนินการจัดกิจกรรมของอาจารย์ได้</a:t>
+              <a:t>                          1) สามารถเข้าสู่ระบบ</a:t>
             </a:r>
           </a:p>
           <a:p>
@@ -4002,7 +4001,43 @@
                 <a:latin typeface="TH SarabunPSK" panose="020B0500040200020003" pitchFamily="34" charset="-34"/>
                 <a:cs typeface="TH SarabunPSK" panose="020B0500040200020003" pitchFamily="34" charset="-34"/>
               </a:rPr>
-              <a:t>        1.3.2 โมบายแอปพลิเคชัน (</a:t>
+              <a:t>                          2) สามารถตรวจสอบการแจ้งเตือน</a:t>
+            </a:r>
+          </a:p>
+          <a:p>
+            <a:r>
+              <a:rPr lang="th-TH" sz="1800" b="1" dirty="0">
+                <a:solidFill>
+                  <a:schemeClr val="bg1"/>
+                </a:solidFill>
+                <a:latin typeface="TH SarabunPSK" panose="020B0500040200020003" pitchFamily="34" charset="-34"/>
+                <a:cs typeface="TH SarabunPSK" panose="020B0500040200020003" pitchFamily="34" charset="-34"/>
+              </a:rPr>
+              <a:t>                          3) สามารถจัดการกิจกรรมของตนเอง</a:t>
+            </a:r>
+          </a:p>
+          <a:p>
+            <a:r>
+              <a:rPr lang="th-TH" sz="1800" b="1" dirty="0">
+                <a:solidFill>
+                  <a:schemeClr val="bg1"/>
+                </a:solidFill>
+                <a:latin typeface="TH SarabunPSK" panose="020B0500040200020003" pitchFamily="34" charset="-34"/>
+                <a:cs typeface="TH SarabunPSK" panose="020B0500040200020003" pitchFamily="34" charset="-34"/>
+              </a:rPr>
+              <a:t>                          4) สามารถจัดการคณะกรรมการในกิจกรรมของตนเอง</a:t>
+            </a:r>
+          </a:p>
+          <a:p>
+            <a:r>
+              <a:rPr lang="th-TH" sz="1800" b="1" dirty="0">
+                <a:solidFill>
+                  <a:schemeClr val="bg1"/>
+                </a:solidFill>
+                <a:latin typeface="TH SarabunPSK" panose="020B0500040200020003" pitchFamily="34" charset="-34"/>
+                <a:cs typeface="TH SarabunPSK" panose="020B0500040200020003" pitchFamily="34" charset="-34"/>
+              </a:rPr>
+              <a:t>                          5) สามารถดาวน์โหลด </a:t>
             </a:r>
             <a:r>
               <a:rPr lang="en-US" sz="1800" b="1" dirty="0">
@@ -4012,19 +4047,7 @@
                 <a:latin typeface="TH SarabunPSK" panose="020B0500040200020003" pitchFamily="34" charset="-34"/>
                 <a:cs typeface="TH SarabunPSK" panose="020B0500040200020003" pitchFamily="34" charset="-34"/>
               </a:rPr>
-              <a:t>Mobile Application)</a:t>
-            </a:r>
-          </a:p>
-          <a:p>
-            <a:r>
-              <a:rPr lang="en-US" sz="1800" b="1" dirty="0">
-                <a:solidFill>
-                  <a:schemeClr val="bg1"/>
-                </a:solidFill>
-                <a:latin typeface="TH SarabunPSK" panose="020B0500040200020003" pitchFamily="34" charset="-34"/>
-                <a:cs typeface="TH SarabunPSK" panose="020B0500040200020003" pitchFamily="34" charset="-34"/>
-              </a:rPr>
-              <a:t>                 1.3.2.1 </a:t>
+              <a:t>QR Code </a:t>
             </a:r>
             <a:r>
               <a:rPr lang="th-TH" sz="1800" b="1" dirty="0">
@@ -4034,7 +4057,7 @@
                 <a:latin typeface="TH SarabunPSK" panose="020B0500040200020003" pitchFamily="34" charset="-34"/>
                 <a:cs typeface="TH SarabunPSK" panose="020B0500040200020003" pitchFamily="34" charset="-34"/>
               </a:rPr>
-              <a:t>นักศึกษา</a:t>
+              <a:t>ลงทะเบียนเข้าร่วมและจบกิจกรรมของตนเอง</a:t>
             </a:r>
           </a:p>
           <a:p>
@@ -4046,7 +4069,7 @@
                 <a:latin typeface="TH SarabunPSK" panose="020B0500040200020003" pitchFamily="34" charset="-34"/>
                 <a:cs typeface="TH SarabunPSK" panose="020B0500040200020003" pitchFamily="34" charset="-34"/>
               </a:rPr>
-              <a:t>	             1) สามารถเข้าสู่ระบบ</a:t>
+              <a:t>                          6) สามารถดาวน์โหลดผลสรุปรายชื่อผู้เข้าร่วมกิจกรรมของตนเอง</a:t>
             </a:r>
           </a:p>
           <a:p>
@@ -4058,7 +4081,7 @@
                 <a:latin typeface="TH SarabunPSK" panose="020B0500040200020003" pitchFamily="34" charset="-34"/>
                 <a:cs typeface="TH SarabunPSK" panose="020B0500040200020003" pitchFamily="34" charset="-34"/>
               </a:rPr>
-              <a:t>                          2) สามารถตรวจสอบการแจ้งเตือน</a:t>
+              <a:t>                          7) สามารถจัดการเอกสารในกิจกรรมของตนเอง</a:t>
             </a:r>
           </a:p>
           <a:p>
@@ -4070,7 +4093,7 @@
                 <a:latin typeface="TH SarabunPSK" panose="020B0500040200020003" pitchFamily="34" charset="-34"/>
                 <a:cs typeface="TH SarabunPSK" panose="020B0500040200020003" pitchFamily="34" charset="-34"/>
               </a:rPr>
-              <a:t>                          3) สามารถตรวจสอบข้อมูลของตนเอง</a:t>
+              <a:t>                          8) สามารถตรวจสอบการแจ้งการจัดกิจกรรมของนักศึกษา</a:t>
             </a:r>
           </a:p>
           <a:p>
@@ -4082,7 +4105,7 @@
                 <a:latin typeface="TH SarabunPSK" panose="020B0500040200020003" pitchFamily="34" charset="-34"/>
                 <a:cs typeface="TH SarabunPSK" panose="020B0500040200020003" pitchFamily="34" charset="-34"/>
               </a:rPr>
-              <a:t>                          4) สามารถแก้ไขรหัสผ่านของตนเอง</a:t>
+              <a:t>                          9) สามารถอนุมัติการแจ้งการจัดการของกิจกรรมของนักศึกษา</a:t>
             </a:r>
           </a:p>
           <a:p>
@@ -4094,64 +4117,15 @@
                 <a:latin typeface="TH SarabunPSK" panose="020B0500040200020003" pitchFamily="34" charset="-34"/>
                 <a:cs typeface="TH SarabunPSK" panose="020B0500040200020003" pitchFamily="34" charset="-34"/>
               </a:rPr>
-              <a:t>                          5) สามารถค้นหากิจกรรม</a:t>
-            </a:r>
-          </a:p>
-          <a:p>
-            <a:r>
-              <a:rPr lang="th-TH" sz="1800" b="1" dirty="0">
-                <a:solidFill>
-                  <a:schemeClr val="bg1"/>
-                </a:solidFill>
-                <a:latin typeface="TH SarabunPSK" panose="020B0500040200020003" pitchFamily="34" charset="-34"/>
-                <a:cs typeface="TH SarabunPSK" panose="020B0500040200020003" pitchFamily="34" charset="-34"/>
-              </a:rPr>
-              <a:t>                          6) สามารถตรวจสอบรายละเอียดกิจกรรม</a:t>
-            </a:r>
-          </a:p>
-          <a:p>
-            <a:r>
-              <a:rPr lang="th-TH" sz="1800" b="1" dirty="0">
-                <a:solidFill>
-                  <a:schemeClr val="bg1"/>
-                </a:solidFill>
-                <a:latin typeface="TH SarabunPSK" panose="020B0500040200020003" pitchFamily="34" charset="-34"/>
-                <a:cs typeface="TH SarabunPSK" panose="020B0500040200020003" pitchFamily="34" charset="-34"/>
-              </a:rPr>
-              <a:t>                          7) สามารถลงทะเบียนเข้าร่วมและจบกิจกรรมด้วยการสแกน </a:t>
-            </a:r>
-            <a:r>
-              <a:rPr lang="en-US" sz="1800" b="1" dirty="0">
-                <a:solidFill>
-                  <a:schemeClr val="bg1"/>
-                </a:solidFill>
-                <a:latin typeface="TH SarabunPSK" panose="020B0500040200020003" pitchFamily="34" charset="-34"/>
-                <a:cs typeface="TH SarabunPSK" panose="020B0500040200020003" pitchFamily="34" charset="-34"/>
-              </a:rPr>
-              <a:t>QR Code</a:t>
-            </a:r>
-          </a:p>
-          <a:p>
-            <a:r>
-              <a:rPr lang="en-US" sz="1800" b="1" dirty="0">
-                <a:solidFill>
-                  <a:schemeClr val="bg1"/>
-                </a:solidFill>
-                <a:latin typeface="TH SarabunPSK" panose="020B0500040200020003" pitchFamily="34" charset="-34"/>
-                <a:cs typeface="TH SarabunPSK" panose="020B0500040200020003" pitchFamily="34" charset="-34"/>
-              </a:rPr>
-              <a:t>                          8) </a:t>
-            </a:r>
-            <a:r>
-              <a:rPr lang="th-TH" sz="1800" b="1" dirty="0">
-                <a:solidFill>
-                  <a:schemeClr val="bg1"/>
-                </a:solidFill>
-                <a:latin typeface="TH SarabunPSK" panose="020B0500040200020003" pitchFamily="34" charset="-34"/>
-                <a:cs typeface="TH SarabunPSK" panose="020B0500040200020003" pitchFamily="34" charset="-34"/>
-              </a:rPr>
-              <a:t>สามารถดาวน์โหลดเอกสารที่อยู่ในกิจกรรม</a:t>
-            </a:r>
+              <a:t>                          10) สามารถแจ้งปัญหา</a:t>
+            </a:r>
+            <a:endParaRPr lang="en-US" sz="1800" b="1" dirty="0">
+              <a:solidFill>
+                <a:schemeClr val="bg1"/>
+              </a:solidFill>
+              <a:latin typeface="TH SarabunPSK" panose="020B0500040200020003" pitchFamily="34" charset="-34"/>
+              <a:cs typeface="TH SarabunPSK" panose="020B0500040200020003" pitchFamily="34" charset="-34"/>
+            </a:endParaRPr>
           </a:p>
         </p:txBody>
       </p:sp>
@@ -4194,7 +4168,7 @@
     </p:spTree>
     <p:extLst>
       <p:ext uri="{BB962C8B-B14F-4D97-AF65-F5344CB8AC3E}">
-        <p14:creationId xmlns:p14="http://schemas.microsoft.com/office/powerpoint/2010/main" val="2085503371"/>
+        <p14:creationId xmlns:p14="http://schemas.microsoft.com/office/powerpoint/2010/main" val="41797922"/>
       </p:ext>
     </p:extLst>
   </p:cSld>
@@ -4295,7 +4269,7 @@
         <p:spPr>
           <a:xfrm>
             <a:off x="1771650" y="1690688"/>
-            <a:ext cx="8791575" cy="4964112"/>
+            <a:ext cx="8791575" cy="4181606"/>
           </a:xfrm>
         </p:spPr>
         <p:txBody>
@@ -4305,6 +4279,16 @@
           <a:lstStyle/>
           <a:p>
             <a:r>
+              <a:rPr lang="en-US" sz="1800" b="1" dirty="0">
+                <a:solidFill>
+                  <a:schemeClr val="bg1"/>
+                </a:solidFill>
+                <a:latin typeface="TH SarabunPSK" panose="020B0500040200020003" pitchFamily="34" charset="-34"/>
+                <a:cs typeface="TH SarabunPSK" panose="020B0500040200020003" pitchFamily="34" charset="-34"/>
+              </a:rPr>
+              <a:t>        </a:t>
+            </a:r>
+            <a:r>
               <a:rPr lang="th-TH" sz="1800" b="1" dirty="0">
                 <a:solidFill>
                   <a:schemeClr val="bg1"/>
@@ -4312,7 +4296,7 @@
                 <a:latin typeface="TH SarabunPSK" panose="020B0500040200020003" pitchFamily="34" charset="-34"/>
                 <a:cs typeface="TH SarabunPSK" panose="020B0500040200020003" pitchFamily="34" charset="-34"/>
               </a:rPr>
-              <a:t>                           9) สามารถขออนุมัติการฝากเงินเข้าบัญชีตนเอง</a:t>
+              <a:t> 1.3.1.4 อาจารย์</a:t>
             </a:r>
           </a:p>
           <a:p>
@@ -4324,7 +4308,7 @@
                 <a:latin typeface="TH SarabunPSK" panose="020B0500040200020003" pitchFamily="34" charset="-34"/>
                 <a:cs typeface="TH SarabunPSK" panose="020B0500040200020003" pitchFamily="34" charset="-34"/>
               </a:rPr>
-              <a:t>                          10) สามารถโอนเงินในบัญชีให้กับผู้อื่น</a:t>
+              <a:t>                          1) สามารถเข้าสู่ระบบ</a:t>
             </a:r>
           </a:p>
           <a:p>
@@ -4336,30 +4320,10 @@
                 <a:latin typeface="TH SarabunPSK" panose="020B0500040200020003" pitchFamily="34" charset="-34"/>
                 <a:cs typeface="TH SarabunPSK" panose="020B0500040200020003" pitchFamily="34" charset="-34"/>
               </a:rPr>
-              <a:t>                          11) สามารถชำระเงินแก่ผู้ประกอบการร้านค้าด้วยการสแกน </a:t>
-            </a:r>
-            <a:r>
-              <a:rPr lang="en-US" sz="1800" b="1" dirty="0">
-                <a:solidFill>
-                  <a:schemeClr val="bg1"/>
-                </a:solidFill>
-                <a:latin typeface="TH SarabunPSK" panose="020B0500040200020003" pitchFamily="34" charset="-34"/>
-                <a:cs typeface="TH SarabunPSK" panose="020B0500040200020003" pitchFamily="34" charset="-34"/>
-              </a:rPr>
-              <a:t>QR Code</a:t>
-            </a:r>
-          </a:p>
-          <a:p>
-            <a:r>
-              <a:rPr lang="en-US" sz="1800" b="1" dirty="0">
-                <a:solidFill>
-                  <a:schemeClr val="bg1"/>
-                </a:solidFill>
-                <a:latin typeface="TH SarabunPSK" panose="020B0500040200020003" pitchFamily="34" charset="-34"/>
-                <a:cs typeface="TH SarabunPSK" panose="020B0500040200020003" pitchFamily="34" charset="-34"/>
-              </a:rPr>
-              <a:t>                          12) </a:t>
-            </a:r>
+              <a:t>                          2) สามารถตรวจสอบการแจ้งเตือน</a:t>
+            </a:r>
+          </a:p>
+          <a:p>
             <a:r>
               <a:rPr lang="th-TH" sz="1800" b="1" dirty="0">
                 <a:solidFill>
@@ -4368,7 +4332,7 @@
                 <a:latin typeface="TH SarabunPSK" panose="020B0500040200020003" pitchFamily="34" charset="-34"/>
                 <a:cs typeface="TH SarabunPSK" panose="020B0500040200020003" pitchFamily="34" charset="-34"/>
               </a:rPr>
-              <a:t>สามารถตรวจสอบสมุดบัญชีของตนเอง</a:t>
+              <a:t>                          3) สามารถแจ้งการจัดกิจกรรมที่ตนเองรับผิดชอบ</a:t>
             </a:r>
           </a:p>
           <a:p>
@@ -4380,121 +4344,8 @@
                 <a:latin typeface="TH SarabunPSK" panose="020B0500040200020003" pitchFamily="34" charset="-34"/>
                 <a:cs typeface="TH SarabunPSK" panose="020B0500040200020003" pitchFamily="34" charset="-34"/>
               </a:rPr>
-              <a:t>                          13) สามารถขออนุมัติการถอนเงินของตนเอง</a:t>
-            </a:r>
-          </a:p>
-          <a:p>
-            <a:r>
-              <a:rPr lang="th-TH" sz="1800" b="1" dirty="0">
-                <a:solidFill>
-                  <a:schemeClr val="bg1"/>
-                </a:solidFill>
-                <a:latin typeface="TH SarabunPSK" panose="020B0500040200020003" pitchFamily="34" charset="-34"/>
-                <a:cs typeface="TH SarabunPSK" panose="020B0500040200020003" pitchFamily="34" charset="-34"/>
-              </a:rPr>
-              <a:t>                 1.3.2.3 อาจารย์</a:t>
-            </a:r>
-          </a:p>
-          <a:p>
-            <a:r>
-              <a:rPr lang="th-TH" sz="1800" b="1" dirty="0">
-                <a:solidFill>
-                  <a:schemeClr val="bg1"/>
-                </a:solidFill>
-                <a:latin typeface="TH SarabunPSK" panose="020B0500040200020003" pitchFamily="34" charset="-34"/>
-                <a:cs typeface="TH SarabunPSK" panose="020B0500040200020003" pitchFamily="34" charset="-34"/>
-              </a:rPr>
-              <a:t>                          1) สามารถเข้าสู่ระบบ</a:t>
-            </a:r>
-          </a:p>
-          <a:p>
-            <a:r>
-              <a:rPr lang="th-TH" sz="1800" b="1" dirty="0">
-                <a:solidFill>
-                  <a:schemeClr val="bg1"/>
-                </a:solidFill>
-                <a:latin typeface="TH SarabunPSK" panose="020B0500040200020003" pitchFamily="34" charset="-34"/>
-                <a:cs typeface="TH SarabunPSK" panose="020B0500040200020003" pitchFamily="34" charset="-34"/>
-              </a:rPr>
-              <a:t>                          2) สามารถตรวจสอบการแจ้งเตือน</a:t>
-            </a:r>
-          </a:p>
-          <a:p>
-            <a:r>
-              <a:rPr lang="th-TH" sz="1800" b="1" dirty="0">
-                <a:solidFill>
-                  <a:schemeClr val="bg1"/>
-                </a:solidFill>
-                <a:latin typeface="TH SarabunPSK" panose="020B0500040200020003" pitchFamily="34" charset="-34"/>
-                <a:cs typeface="TH SarabunPSK" panose="020B0500040200020003" pitchFamily="34" charset="-34"/>
-              </a:rPr>
-              <a:t>                          3) สามารถตรวจสอบข้อมูลของตนเอง</a:t>
-            </a:r>
-          </a:p>
-          <a:p>
-            <a:r>
-              <a:rPr lang="th-TH" sz="1800" b="1" dirty="0">
-                <a:solidFill>
-                  <a:schemeClr val="bg1"/>
-                </a:solidFill>
-                <a:latin typeface="TH SarabunPSK" panose="020B0500040200020003" pitchFamily="34" charset="-34"/>
-                <a:cs typeface="TH SarabunPSK" panose="020B0500040200020003" pitchFamily="34" charset="-34"/>
-              </a:rPr>
-              <a:t>                          4) สามารถแก้ไขรหัสผ่านของตนเอง</a:t>
-            </a:r>
-          </a:p>
-          <a:p>
-            <a:r>
-              <a:rPr lang="th-TH" sz="1800" b="1" dirty="0">
-                <a:solidFill>
-                  <a:schemeClr val="bg1"/>
-                </a:solidFill>
-                <a:latin typeface="TH SarabunPSK" panose="020B0500040200020003" pitchFamily="34" charset="-34"/>
-                <a:cs typeface="TH SarabunPSK" panose="020B0500040200020003" pitchFamily="34" charset="-34"/>
-              </a:rPr>
-              <a:t>                          5) สามารถค้นหากิจกรรม</a:t>
-            </a:r>
-          </a:p>
-          <a:p>
-            <a:r>
-              <a:rPr lang="th-TH" sz="1800" b="1" dirty="0">
-                <a:solidFill>
-                  <a:schemeClr val="bg1"/>
-                </a:solidFill>
-                <a:latin typeface="TH SarabunPSK" panose="020B0500040200020003" pitchFamily="34" charset="-34"/>
-                <a:cs typeface="TH SarabunPSK" panose="020B0500040200020003" pitchFamily="34" charset="-34"/>
-              </a:rPr>
-              <a:t>                          6) สามารถตรวจสอบรายละเอียดกิจกรรม</a:t>
-            </a:r>
-          </a:p>
-          <a:p>
-            <a:r>
-              <a:rPr lang="th-TH" sz="1800" b="1" dirty="0">
-                <a:solidFill>
-                  <a:schemeClr val="bg1"/>
-                </a:solidFill>
-                <a:latin typeface="TH SarabunPSK" panose="020B0500040200020003" pitchFamily="34" charset="-34"/>
-                <a:cs typeface="TH SarabunPSK" panose="020B0500040200020003" pitchFamily="34" charset="-34"/>
-              </a:rPr>
-              <a:t>                          7) สามารถลงทะเบียนเข้าร่วมและจบกิจกรรมด้วยการสแกน </a:t>
-            </a:r>
-            <a:r>
-              <a:rPr lang="en-US" sz="1800" b="1" dirty="0">
-                <a:solidFill>
-                  <a:schemeClr val="bg1"/>
-                </a:solidFill>
-                <a:latin typeface="TH SarabunPSK" panose="020B0500040200020003" pitchFamily="34" charset="-34"/>
-                <a:cs typeface="TH SarabunPSK" panose="020B0500040200020003" pitchFamily="34" charset="-34"/>
-              </a:rPr>
-              <a:t>QR Code</a:t>
-            </a:r>
-            <a:endParaRPr lang="th-TH" sz="1800" b="1" dirty="0">
-              <a:solidFill>
-                <a:schemeClr val="bg1"/>
-              </a:solidFill>
-              <a:latin typeface="TH SarabunPSK" panose="020B0500040200020003" pitchFamily="34" charset="-34"/>
-              <a:cs typeface="TH SarabunPSK" panose="020B0500040200020003" pitchFamily="34" charset="-34"/>
-            </a:endParaRPr>
+              <a:t>                          4) สามารถแจ้งปัญหา</a:t>
+            </a:r>
           </a:p>
         </p:txBody>
       </p:sp>
@@ -4537,7 +4388,7 @@
     </p:spTree>
     <p:extLst>
       <p:ext uri="{BB962C8B-B14F-4D97-AF65-F5344CB8AC3E}">
-        <p14:creationId xmlns:p14="http://schemas.microsoft.com/office/powerpoint/2010/main" val="2771905269"/>
+        <p14:creationId xmlns:p14="http://schemas.microsoft.com/office/powerpoint/2010/main" val="778023626"/>
       </p:ext>
     </p:extLst>
   </p:cSld>
@@ -4674,7 +4525,7 @@
         </p:nvSpPr>
         <p:spPr>
           <a:xfrm>
-            <a:off x="2109787" y="2044873"/>
+            <a:off x="2109787" y="1799546"/>
             <a:ext cx="8791575" cy="4181606"/>
           </a:xfrm>
         </p:spPr>
@@ -4692,7 +4543,7 @@
                 <a:latin typeface="TH SarabunPSK" panose="020B0500040200020003" pitchFamily="34" charset="-34"/>
                 <a:cs typeface="TH SarabunPSK" panose="020B0500040200020003" pitchFamily="34" charset="-34"/>
               </a:rPr>
-              <a:t>                          8) สามารถดาวน์โหลดเอกสารที่อยู่ในกิจกรรม</a:t>
+              <a:t> 	 1.3.1.5 เจ้าหน้าที่การเงิน</a:t>
             </a:r>
           </a:p>
           <a:p>
@@ -4704,7 +4555,7 @@
                 <a:latin typeface="TH SarabunPSK" panose="020B0500040200020003" pitchFamily="34" charset="-34"/>
                 <a:cs typeface="TH SarabunPSK" panose="020B0500040200020003" pitchFamily="34" charset="-34"/>
               </a:rPr>
-              <a:t>                          9) สามารถขออนุมัติการฝากเงินเข้าบัญชีตนเอง</a:t>
+              <a:t>                         1) สามารถเข้าสู่ระบบ</a:t>
             </a:r>
           </a:p>
           <a:p>
@@ -4716,7 +4567,7 @@
                 <a:latin typeface="TH SarabunPSK" panose="020B0500040200020003" pitchFamily="34" charset="-34"/>
                 <a:cs typeface="TH SarabunPSK" panose="020B0500040200020003" pitchFamily="34" charset="-34"/>
               </a:rPr>
-              <a:t>                          10) สามารถโอนเงินในบัญชีให้กับผู้อื่น</a:t>
+              <a:t>                          2) สามารถอนุมัติการจัดกิจกรรมของอาจารย์</a:t>
             </a:r>
           </a:p>
           <a:p>
@@ -4728,7 +4579,115 @@
                 <a:latin typeface="TH SarabunPSK" panose="020B0500040200020003" pitchFamily="34" charset="-34"/>
                 <a:cs typeface="TH SarabunPSK" panose="020B0500040200020003" pitchFamily="34" charset="-34"/>
               </a:rPr>
-              <a:t>                          11) สามารถชำระเงินแก่ผู้ประกอบการร้านค้าด้วยการสแกน </a:t>
+              <a:t>                          3) สามารถตรวจสอบสมุดบัญชี</a:t>
+            </a:r>
+          </a:p>
+          <a:p>
+            <a:r>
+              <a:rPr lang="th-TH" sz="1800" b="1" dirty="0">
+                <a:solidFill>
+                  <a:schemeClr val="bg1"/>
+                </a:solidFill>
+                <a:latin typeface="TH SarabunPSK" panose="020B0500040200020003" pitchFamily="34" charset="-34"/>
+                <a:cs typeface="TH SarabunPSK" panose="020B0500040200020003" pitchFamily="34" charset="-34"/>
+              </a:rPr>
+              <a:t>                          4) สามารถอนุมัติการโอนเงิน</a:t>
+            </a:r>
+          </a:p>
+          <a:p>
+            <a:r>
+              <a:rPr lang="th-TH" sz="1800" b="1" dirty="0">
+                <a:solidFill>
+                  <a:schemeClr val="bg1"/>
+                </a:solidFill>
+                <a:latin typeface="TH SarabunPSK" panose="020B0500040200020003" pitchFamily="34" charset="-34"/>
+                <a:cs typeface="TH SarabunPSK" panose="020B0500040200020003" pitchFamily="34" charset="-34"/>
+              </a:rPr>
+              <a:t>                          5) สามารถอนุมัติการถอนเงิน</a:t>
+            </a:r>
+          </a:p>
+          <a:p>
+            <a:r>
+              <a:rPr lang="th-TH" sz="1800" b="1" dirty="0">
+                <a:solidFill>
+                  <a:schemeClr val="bg1"/>
+                </a:solidFill>
+                <a:latin typeface="TH SarabunPSK" panose="020B0500040200020003" pitchFamily="34" charset="-34"/>
+                <a:cs typeface="TH SarabunPSK" panose="020B0500040200020003" pitchFamily="34" charset="-34"/>
+              </a:rPr>
+              <a:t>                          6) สามารถแจ้งปัญหา</a:t>
+            </a:r>
+          </a:p>
+          <a:p>
+            <a:r>
+              <a:rPr lang="th-TH" sz="1800" b="1" dirty="0">
+                <a:solidFill>
+                  <a:schemeClr val="bg1"/>
+                </a:solidFill>
+                <a:latin typeface="TH SarabunPSK" panose="020B0500040200020003" pitchFamily="34" charset="-34"/>
+                <a:cs typeface="TH SarabunPSK" panose="020B0500040200020003" pitchFamily="34" charset="-34"/>
+              </a:rPr>
+              <a:t>               1.3.1.6 ผู้ดูแลระบบ</a:t>
+            </a:r>
+          </a:p>
+          <a:p>
+            <a:r>
+              <a:rPr lang="th-TH" sz="1800" b="1" dirty="0">
+                <a:solidFill>
+                  <a:schemeClr val="bg1"/>
+                </a:solidFill>
+                <a:latin typeface="TH SarabunPSK" panose="020B0500040200020003" pitchFamily="34" charset="-34"/>
+                <a:cs typeface="TH SarabunPSK" panose="020B0500040200020003" pitchFamily="34" charset="-34"/>
+              </a:rPr>
+              <a:t>                         1) สามารถเข้าสู่ระบบ</a:t>
+            </a:r>
+          </a:p>
+          <a:p>
+            <a:r>
+              <a:rPr lang="th-TH" sz="1800" b="1" dirty="0">
+                <a:solidFill>
+                  <a:schemeClr val="bg1"/>
+                </a:solidFill>
+                <a:latin typeface="TH SarabunPSK" panose="020B0500040200020003" pitchFamily="34" charset="-34"/>
+                <a:cs typeface="TH SarabunPSK" panose="020B0500040200020003" pitchFamily="34" charset="-34"/>
+              </a:rPr>
+              <a:t>                         2) สามารถตรวจสอบการแจ้งเตือน</a:t>
+            </a:r>
+          </a:p>
+          <a:p>
+            <a:r>
+              <a:rPr lang="th-TH" sz="1800" b="1" dirty="0">
+                <a:solidFill>
+                  <a:schemeClr val="bg1"/>
+                </a:solidFill>
+                <a:latin typeface="TH SarabunPSK" panose="020B0500040200020003" pitchFamily="34" charset="-34"/>
+                <a:cs typeface="TH SarabunPSK" panose="020B0500040200020003" pitchFamily="34" charset="-34"/>
+              </a:rPr>
+              <a:t>                         3) สามารถจัดการกิจกรรม</a:t>
+            </a:r>
+          </a:p>
+          <a:p>
+            <a:r>
+              <a:rPr lang="th-TH" sz="1800" b="1" dirty="0">
+                <a:solidFill>
+                  <a:schemeClr val="bg1"/>
+                </a:solidFill>
+                <a:latin typeface="TH SarabunPSK" panose="020B0500040200020003" pitchFamily="34" charset="-34"/>
+                <a:cs typeface="TH SarabunPSK" panose="020B0500040200020003" pitchFamily="34" charset="-34"/>
+              </a:rPr>
+              <a:t>                         4) สามารถจัดการคณะกรรมการในกิจกรรม</a:t>
+            </a:r>
+          </a:p>
+          <a:p>
+            <a:r>
+              <a:rPr lang="th-TH" sz="1800" b="1" dirty="0">
+                <a:solidFill>
+                  <a:schemeClr val="bg1"/>
+                </a:solidFill>
+                <a:latin typeface="TH SarabunPSK" panose="020B0500040200020003" pitchFamily="34" charset="-34"/>
+                <a:cs typeface="TH SarabunPSK" panose="020B0500040200020003" pitchFamily="34" charset="-34"/>
+              </a:rPr>
+              <a:t>                         5) สามารถดาวน์โหลด </a:t>
             </a:r>
             <a:r>
               <a:rPr lang="en-US" sz="1800" b="1" dirty="0">
@@ -4738,19 +4697,7 @@
                 <a:latin typeface="TH SarabunPSK" panose="020B0500040200020003" pitchFamily="34" charset="-34"/>
                 <a:cs typeface="TH SarabunPSK" panose="020B0500040200020003" pitchFamily="34" charset="-34"/>
               </a:rPr>
-              <a:t>QR Code</a:t>
-            </a:r>
-          </a:p>
-          <a:p>
-            <a:r>
-              <a:rPr lang="en-US" sz="1800" b="1" dirty="0">
-                <a:solidFill>
-                  <a:schemeClr val="bg1"/>
-                </a:solidFill>
-                <a:latin typeface="TH SarabunPSK" panose="020B0500040200020003" pitchFamily="34" charset="-34"/>
-                <a:cs typeface="TH SarabunPSK" panose="020B0500040200020003" pitchFamily="34" charset="-34"/>
-              </a:rPr>
-              <a:t>                          12) </a:t>
+              <a:t>QR Code </a:t>
             </a:r>
             <a:r>
               <a:rPr lang="th-TH" sz="1800" b="1" dirty="0">
@@ -4760,19 +4707,7 @@
                 <a:latin typeface="TH SarabunPSK" panose="020B0500040200020003" pitchFamily="34" charset="-34"/>
                 <a:cs typeface="TH SarabunPSK" panose="020B0500040200020003" pitchFamily="34" charset="-34"/>
               </a:rPr>
-              <a:t>สามารถตรวจสอบสมุดบัญชีของตนเอง</a:t>
-            </a:r>
-          </a:p>
-          <a:p>
-            <a:r>
-              <a:rPr lang="th-TH" sz="1800" b="1" dirty="0">
-                <a:solidFill>
-                  <a:schemeClr val="bg1"/>
-                </a:solidFill>
-                <a:latin typeface="TH SarabunPSK" panose="020B0500040200020003" pitchFamily="34" charset="-34"/>
-                <a:cs typeface="TH SarabunPSK" panose="020B0500040200020003" pitchFamily="34" charset="-34"/>
-              </a:rPr>
-              <a:t>                          13) สามารถขออนุมัติการถอนเงินของตนเอง</a:t>
+              <a:t>ลงทะเบียนเข้าร่วมและจบกิจกรรมของตนเอง</a:t>
             </a:r>
           </a:p>
         </p:txBody>
@@ -4816,7 +4751,7 @@
     </p:spTree>
     <p:extLst>
       <p:ext uri="{BB962C8B-B14F-4D97-AF65-F5344CB8AC3E}">
-        <p14:creationId xmlns:p14="http://schemas.microsoft.com/office/powerpoint/2010/main" val="2556474909"/>
+        <p14:creationId xmlns:p14="http://schemas.microsoft.com/office/powerpoint/2010/main" val="2085503371"/>
       </p:ext>
     </p:extLst>
   </p:cSld>
@@ -4893,7 +4828,7 @@
                 <a:latin typeface="TH SarabunPSK" panose="020B0500040200020003" pitchFamily="34" charset="-34"/>
                 <a:cs typeface="TH SarabunPSK" panose="020B0500040200020003" pitchFamily="34" charset="-34"/>
               </a:rPr>
-              <a:t>ขอบเขตการทำงาน</a:t>
+              <a:t>ขอบเขตการทำงาน (ต่อ)</a:t>
             </a:r>
           </a:p>
         </p:txBody>
@@ -4934,10 +4869,30 @@
                 <a:latin typeface="TH SarabunPSK" panose="020B0500040200020003" pitchFamily="34" charset="-34"/>
                 <a:cs typeface="TH SarabunPSK" panose="020B0500040200020003" pitchFamily="34" charset="-34"/>
               </a:rPr>
-              <a:t> 1.3.2.4 ผู้ประกอบการร้านค้า</a:t>
-            </a:r>
-          </a:p>
-          <a:p>
+              <a:t> 1.3.2 โมบายแอปพลิเคชัน </a:t>
+            </a:r>
+            <a:r>
+              <a:rPr lang="en-US" sz="1800" b="1" dirty="0">
+                <a:solidFill>
+                  <a:schemeClr val="bg1"/>
+                </a:solidFill>
+                <a:latin typeface="TH SarabunPSK" panose="020B0500040200020003" pitchFamily="34" charset="-34"/>
+                <a:cs typeface="TH SarabunPSK" panose="020B0500040200020003" pitchFamily="34" charset="-34"/>
+              </a:rPr>
+              <a:t>(Mobile Application)</a:t>
+            </a:r>
+          </a:p>
+          <a:p>
+            <a:r>
+              <a:rPr lang="en-US" sz="1800" b="1" dirty="0">
+                <a:solidFill>
+                  <a:schemeClr val="bg1"/>
+                </a:solidFill>
+                <a:latin typeface="TH SarabunPSK" panose="020B0500040200020003" pitchFamily="34" charset="-34"/>
+                <a:cs typeface="TH SarabunPSK" panose="020B0500040200020003" pitchFamily="34" charset="-34"/>
+              </a:rPr>
+              <a:t>        1.3.2.1 </a:t>
+            </a:r>
             <a:r>
               <a:rPr lang="th-TH" sz="1800" b="1" dirty="0">
                 <a:solidFill>
@@ -4946,8 +4901,15 @@
                 <a:latin typeface="TH SarabunPSK" panose="020B0500040200020003" pitchFamily="34" charset="-34"/>
                 <a:cs typeface="TH SarabunPSK" panose="020B0500040200020003" pitchFamily="34" charset="-34"/>
               </a:rPr>
-              <a:t>                           1) สามารถเข้าสู่ระบบ</a:t>
-            </a:r>
+              <a:t>นักศึกษา</a:t>
+            </a:r>
+            <a:endParaRPr lang="en-US" sz="1800" b="1" dirty="0">
+              <a:solidFill>
+                <a:schemeClr val="bg1"/>
+              </a:solidFill>
+              <a:latin typeface="TH SarabunPSK" panose="020B0500040200020003" pitchFamily="34" charset="-34"/>
+              <a:cs typeface="TH SarabunPSK" panose="020B0500040200020003" pitchFamily="34" charset="-34"/>
+            </a:endParaRPr>
           </a:p>
           <a:p>
             <a:r>
@@ -4958,7 +4920,7 @@
                 <a:latin typeface="TH SarabunPSK" panose="020B0500040200020003" pitchFamily="34" charset="-34"/>
                 <a:cs typeface="TH SarabunPSK" panose="020B0500040200020003" pitchFamily="34" charset="-34"/>
               </a:rPr>
-              <a:t>                           2) สามารถตรวจสอบสมุดบัญชีของตนเอง</a:t>
+              <a:t>	            1) สามารถเข้าสู่ระบบ</a:t>
             </a:r>
           </a:p>
           <a:p>
@@ -4970,8 +4932,121 @@
                 <a:latin typeface="TH SarabunPSK" panose="020B0500040200020003" pitchFamily="34" charset="-34"/>
                 <a:cs typeface="TH SarabunPSK" panose="020B0500040200020003" pitchFamily="34" charset="-34"/>
               </a:rPr>
-              <a:t>                           3) สามารถอนุมัติการถอนเงินต่อเดือนของตนเอง</a:t>
-            </a:r>
+              <a:t>                          2) สามารถตรวจสอบการแจ้งเตือน</a:t>
+            </a:r>
+          </a:p>
+          <a:p>
+            <a:r>
+              <a:rPr lang="th-TH" sz="1800" b="1" dirty="0">
+                <a:solidFill>
+                  <a:schemeClr val="bg1"/>
+                </a:solidFill>
+                <a:latin typeface="TH SarabunPSK" panose="020B0500040200020003" pitchFamily="34" charset="-34"/>
+                <a:cs typeface="TH SarabunPSK" panose="020B0500040200020003" pitchFamily="34" charset="-34"/>
+              </a:rPr>
+              <a:t>                          3) สามารถตรวจสอบข้อมูลของตนเอง</a:t>
+            </a:r>
+          </a:p>
+          <a:p>
+            <a:r>
+              <a:rPr lang="th-TH" sz="1800" b="1" dirty="0">
+                <a:solidFill>
+                  <a:schemeClr val="bg1"/>
+                </a:solidFill>
+                <a:latin typeface="TH SarabunPSK" panose="020B0500040200020003" pitchFamily="34" charset="-34"/>
+                <a:cs typeface="TH SarabunPSK" panose="020B0500040200020003" pitchFamily="34" charset="-34"/>
+              </a:rPr>
+              <a:t>                          4) สามารถแก้ไขรหัสผ่านของตนเอง</a:t>
+            </a:r>
+          </a:p>
+          <a:p>
+            <a:r>
+              <a:rPr lang="th-TH" sz="1800" b="1" dirty="0">
+                <a:solidFill>
+                  <a:schemeClr val="bg1"/>
+                </a:solidFill>
+                <a:latin typeface="TH SarabunPSK" panose="020B0500040200020003" pitchFamily="34" charset="-34"/>
+                <a:cs typeface="TH SarabunPSK" panose="020B0500040200020003" pitchFamily="34" charset="-34"/>
+              </a:rPr>
+              <a:t>                          5) สามารถค้นหากิจกรรม</a:t>
+            </a:r>
+          </a:p>
+          <a:p>
+            <a:r>
+              <a:rPr lang="th-TH" sz="1800" b="1" dirty="0">
+                <a:solidFill>
+                  <a:schemeClr val="bg1"/>
+                </a:solidFill>
+                <a:latin typeface="TH SarabunPSK" panose="020B0500040200020003" pitchFamily="34" charset="-34"/>
+                <a:cs typeface="TH SarabunPSK" panose="020B0500040200020003" pitchFamily="34" charset="-34"/>
+              </a:rPr>
+              <a:t>                          6) สามารถตรวจสอบรายละเอียดกิจกรรม</a:t>
+            </a:r>
+          </a:p>
+          <a:p>
+            <a:r>
+              <a:rPr lang="th-TH" sz="1800" b="1" dirty="0">
+                <a:solidFill>
+                  <a:schemeClr val="bg1"/>
+                </a:solidFill>
+                <a:latin typeface="TH SarabunPSK" panose="020B0500040200020003" pitchFamily="34" charset="-34"/>
+                <a:cs typeface="TH SarabunPSK" panose="020B0500040200020003" pitchFamily="34" charset="-34"/>
+              </a:rPr>
+              <a:t>                          7) สามารถลงทะเบียนเข้าร่วมและจบกิจกรรมด้วยการสแกน </a:t>
+            </a:r>
+            <a:r>
+              <a:rPr lang="en-US" sz="1800" b="1" dirty="0">
+                <a:solidFill>
+                  <a:schemeClr val="bg1"/>
+                </a:solidFill>
+                <a:latin typeface="TH SarabunPSK" panose="020B0500040200020003" pitchFamily="34" charset="-34"/>
+                <a:cs typeface="TH SarabunPSK" panose="020B0500040200020003" pitchFamily="34" charset="-34"/>
+              </a:rPr>
+              <a:t>QR Code</a:t>
+            </a:r>
+          </a:p>
+          <a:p>
+            <a:r>
+              <a:rPr lang="en-US" sz="1800" b="1" dirty="0">
+                <a:solidFill>
+                  <a:schemeClr val="bg1"/>
+                </a:solidFill>
+                <a:latin typeface="TH SarabunPSK" panose="020B0500040200020003" pitchFamily="34" charset="-34"/>
+                <a:cs typeface="TH SarabunPSK" panose="020B0500040200020003" pitchFamily="34" charset="-34"/>
+              </a:rPr>
+              <a:t>                          8) </a:t>
+            </a:r>
+            <a:r>
+              <a:rPr lang="th-TH" sz="1800" b="1" dirty="0">
+                <a:solidFill>
+                  <a:schemeClr val="bg1"/>
+                </a:solidFill>
+                <a:latin typeface="TH SarabunPSK" panose="020B0500040200020003" pitchFamily="34" charset="-34"/>
+                <a:cs typeface="TH SarabunPSK" panose="020B0500040200020003" pitchFamily="34" charset="-34"/>
+              </a:rPr>
+              <a:t>สามารถดาวน์โหลดเอกสารที่อยู่ในกิจกรรม</a:t>
+            </a:r>
+          </a:p>
+          <a:p>
+            <a:r>
+              <a:rPr lang="th-TH" sz="1800" b="1" dirty="0">
+                <a:solidFill>
+                  <a:schemeClr val="bg1"/>
+                </a:solidFill>
+                <a:latin typeface="TH SarabunPSK" panose="020B0500040200020003" pitchFamily="34" charset="-34"/>
+                <a:cs typeface="TH SarabunPSK" panose="020B0500040200020003" pitchFamily="34" charset="-34"/>
+              </a:rPr>
+              <a:t>                          9) สามารถแจ้งการโอนเงินเข้าบัญชีตนเอง</a:t>
+            </a:r>
+          </a:p>
+          <a:p>
+            <a:endParaRPr lang="th-TH" sz="1800" b="1" dirty="0">
+              <a:solidFill>
+                <a:schemeClr val="bg1"/>
+              </a:solidFill>
+              <a:latin typeface="TH SarabunPSK" panose="020B0500040200020003" pitchFamily="34" charset="-34"/>
+              <a:cs typeface="TH SarabunPSK" panose="020B0500040200020003" pitchFamily="34" charset="-34"/>
+            </a:endParaRPr>
           </a:p>
         </p:txBody>
       </p:sp>
@@ -5014,7 +5089,7 @@
     </p:spTree>
     <p:extLst>
       <p:ext uri="{BB962C8B-B14F-4D97-AF65-F5344CB8AC3E}">
-        <p14:creationId xmlns:p14="http://schemas.microsoft.com/office/powerpoint/2010/main" val="1224544652"/>
+        <p14:creationId xmlns:p14="http://schemas.microsoft.com/office/powerpoint/2010/main" val="2771905269"/>
       </p:ext>
     </p:extLst>
   </p:cSld>
@@ -5091,8 +5166,45 @@
                 <a:latin typeface="TH SarabunPSK" panose="020B0500040200020003" pitchFamily="34" charset="-34"/>
                 <a:cs typeface="TH SarabunPSK" panose="020B0500040200020003" pitchFamily="34" charset="-34"/>
               </a:rPr>
-              <a:t>ประโยชน์ที่คาดว่าจะได้รับ</a:t>
-            </a:r>
+              <a:t>ขอบเขตการทำงาน </a:t>
+            </a:r>
+            <a:r>
+              <a:rPr lang="en-US" b="1" dirty="0">
+                <a:solidFill>
+                  <a:schemeClr val="bg1"/>
+                </a:solidFill>
+                <a:latin typeface="TH SarabunPSK" panose="020B0500040200020003" pitchFamily="34" charset="-34"/>
+                <a:cs typeface="TH SarabunPSK" panose="020B0500040200020003" pitchFamily="34" charset="-34"/>
+              </a:rPr>
+              <a:t>(</a:t>
+            </a:r>
+            <a:r>
+              <a:rPr lang="th-TH" b="1" dirty="0">
+                <a:solidFill>
+                  <a:schemeClr val="bg1"/>
+                </a:solidFill>
+                <a:latin typeface="TH SarabunPSK" panose="020B0500040200020003" pitchFamily="34" charset="-34"/>
+                <a:cs typeface="TH SarabunPSK" panose="020B0500040200020003" pitchFamily="34" charset="-34"/>
+              </a:rPr>
+              <a:t>ต่อ</a:t>
+            </a:r>
+            <a:r>
+              <a:rPr lang="en-US" b="1" dirty="0">
+                <a:solidFill>
+                  <a:schemeClr val="bg1"/>
+                </a:solidFill>
+                <a:latin typeface="TH SarabunPSK" panose="020B0500040200020003" pitchFamily="34" charset="-34"/>
+                <a:cs typeface="TH SarabunPSK" panose="020B0500040200020003" pitchFamily="34" charset="-34"/>
+              </a:rPr>
+              <a:t>)</a:t>
+            </a:r>
+            <a:endParaRPr lang="th-TH" b="1" dirty="0">
+              <a:solidFill>
+                <a:schemeClr val="bg1"/>
+              </a:solidFill>
+              <a:latin typeface="TH SarabunPSK" panose="020B0500040200020003" pitchFamily="34" charset="-34"/>
+              <a:cs typeface="TH SarabunPSK" panose="020B0500040200020003" pitchFamily="34" charset="-34"/>
+            </a:endParaRPr>
           </a:p>
         </p:txBody>
       </p:sp>
@@ -5114,8 +5226,8 @@
         </p:nvSpPr>
         <p:spPr>
           <a:xfrm>
-            <a:off x="1809750" y="1703388"/>
-            <a:ext cx="8791575" cy="3451224"/>
+            <a:off x="2109787" y="2044873"/>
+            <a:ext cx="8791575" cy="4181606"/>
           </a:xfrm>
         </p:spPr>
         <p:txBody>
@@ -5124,9 +5236,6 @@
           </a:bodyPr>
           <a:lstStyle/>
           <a:p>
-            <a:pPr marL="0" indent="0">
-              <a:buNone/>
-            </a:pPr>
             <a:r>
               <a:rPr lang="th-TH" sz="1800" b="1" dirty="0">
                 <a:solidFill>
@@ -5135,18 +5244,10 @@
                 <a:latin typeface="TH SarabunPSK" panose="020B0500040200020003" pitchFamily="34" charset="-34"/>
                 <a:cs typeface="TH SarabunPSK" panose="020B0500040200020003" pitchFamily="34" charset="-34"/>
               </a:rPr>
-              <a:t>เพื่อลงทะเบียนการเข้าร่วมกิจกรรมด้วยด้วยเทคโนโลยี </a:t>
-            </a:r>
-            <a:r>
-              <a:rPr lang="en" sz="1800" b="1" dirty="0">
-                <a:solidFill>
-                  <a:schemeClr val="bg1"/>
-                </a:solidFill>
-                <a:latin typeface="TH SarabunPSK" panose="020B0500040200020003" pitchFamily="34" charset="-34"/>
-                <a:cs typeface="TH SarabunPSK" panose="020B0500040200020003" pitchFamily="34" charset="-34"/>
-              </a:rPr>
-              <a:t>QR Code </a:t>
-            </a:r>
+              <a:t> 	             10) สามารถโอนเงินในบัญชีให้กับผู้อื่น</a:t>
+            </a:r>
+          </a:p>
+          <a:p>
             <a:r>
               <a:rPr lang="th-TH" sz="1800" b="1" dirty="0">
                 <a:solidFill>
@@ -5155,23 +5256,30 @@
                 <a:latin typeface="TH SarabunPSK" panose="020B0500040200020003" pitchFamily="34" charset="-34"/>
                 <a:cs typeface="TH SarabunPSK" panose="020B0500040200020003" pitchFamily="34" charset="-34"/>
               </a:rPr>
-              <a:t>และ </a:t>
-            </a:r>
-            <a:r>
-              <a:rPr lang="en" sz="1800" b="1" dirty="0">
-                <a:solidFill>
-                  <a:schemeClr val="bg1"/>
-                </a:solidFill>
-                <a:latin typeface="TH SarabunPSK" panose="020B0500040200020003" pitchFamily="34" charset="-34"/>
-                <a:cs typeface="TH SarabunPSK" panose="020B0500040200020003" pitchFamily="34" charset="-34"/>
-              </a:rPr>
-              <a:t>Location Base</a:t>
-            </a:r>
-          </a:p>
-          <a:p>
-            <a:pPr marL="0" indent="0">
-              <a:buNone/>
-            </a:pPr>
+              <a:t>                          11) สามารถชำระเงินแก่ผู้ประกอบการร้านค้าด้วยการสแกน </a:t>
+            </a:r>
+            <a:r>
+              <a:rPr lang="en-US" sz="1800" b="1" dirty="0">
+                <a:solidFill>
+                  <a:schemeClr val="bg1"/>
+                </a:solidFill>
+                <a:latin typeface="TH SarabunPSK" panose="020B0500040200020003" pitchFamily="34" charset="-34"/>
+                <a:cs typeface="TH SarabunPSK" panose="020B0500040200020003" pitchFamily="34" charset="-34"/>
+              </a:rPr>
+              <a:t>QR Code</a:t>
+            </a:r>
+          </a:p>
+          <a:p>
+            <a:r>
+              <a:rPr lang="en-US" sz="1800" b="1" dirty="0">
+                <a:solidFill>
+                  <a:schemeClr val="bg1"/>
+                </a:solidFill>
+                <a:latin typeface="TH SarabunPSK" panose="020B0500040200020003" pitchFamily="34" charset="-34"/>
+                <a:cs typeface="TH SarabunPSK" panose="020B0500040200020003" pitchFamily="34" charset="-34"/>
+              </a:rPr>
+              <a:t>                          12) </a:t>
+            </a:r>
             <a:r>
               <a:rPr lang="th-TH" sz="1800" b="1" dirty="0">
                 <a:solidFill>
@@ -5180,23 +5288,10 @@
                 <a:latin typeface="TH SarabunPSK" panose="020B0500040200020003" pitchFamily="34" charset="-34"/>
                 <a:cs typeface="TH SarabunPSK" panose="020B0500040200020003" pitchFamily="34" charset="-34"/>
               </a:rPr>
-              <a:t>เพื่อชำระเงินแก่ผู้ประกอบการร้านค้าด้วยเทคโนโลยี </a:t>
-            </a:r>
-            <a:r>
-              <a:rPr lang="en" sz="1800" b="1" dirty="0">
-                <a:solidFill>
-                  <a:schemeClr val="bg1"/>
-                </a:solidFill>
-                <a:latin typeface="TH SarabunPSK" panose="020B0500040200020003" pitchFamily="34" charset="-34"/>
-                <a:cs typeface="TH SarabunPSK" panose="020B0500040200020003" pitchFamily="34" charset="-34"/>
-              </a:rPr>
-              <a:t>QR Code</a:t>
-            </a:r>
-          </a:p>
-          <a:p>
-            <a:pPr marL="0" indent="0">
-              <a:buNone/>
-            </a:pPr>
+              <a:t>สามารถตรวจสอบสมุดบัญชีของตนเอง</a:t>
+            </a:r>
+          </a:p>
+          <a:p>
             <a:r>
               <a:rPr lang="th-TH" sz="1800" b="1" dirty="0">
                 <a:solidFill>
@@ -5205,18 +5300,10 @@
                 <a:latin typeface="TH SarabunPSK" panose="020B0500040200020003" pitchFamily="34" charset="-34"/>
                 <a:cs typeface="TH SarabunPSK" panose="020B0500040200020003" pitchFamily="34" charset="-34"/>
               </a:rPr>
-              <a:t>เพื่อสามารถตรวจสอบกิจกรรมของนักศึกษาบนแอ</a:t>
-            </a:r>
-            <a:r>
-              <a:rPr lang="th-TH" sz="1800" b="1" dirty="0" err="1">
-                <a:solidFill>
-                  <a:schemeClr val="bg1"/>
-                </a:solidFill>
-                <a:latin typeface="TH SarabunPSK" panose="020B0500040200020003" pitchFamily="34" charset="-34"/>
-                <a:cs typeface="TH SarabunPSK" panose="020B0500040200020003" pitchFamily="34" charset="-34"/>
-              </a:rPr>
-              <a:t>ป</a:t>
-            </a:r>
+              <a:t>                          13) สามารถแจ้งถอนเงินของตนเอง</a:t>
+            </a:r>
+          </a:p>
+          <a:p>
             <a:r>
               <a:rPr lang="th-TH" sz="1800" b="1" dirty="0">
                 <a:solidFill>
@@ -5225,27 +5312,7 @@
                 <a:latin typeface="TH SarabunPSK" panose="020B0500040200020003" pitchFamily="34" charset="-34"/>
                 <a:cs typeface="TH SarabunPSK" panose="020B0500040200020003" pitchFamily="34" charset="-34"/>
               </a:rPr>
-              <a:t>พลิ</a:t>
-            </a:r>
-            <a:r>
-              <a:rPr lang="th-TH" sz="1800" b="1" dirty="0" err="1">
-                <a:solidFill>
-                  <a:schemeClr val="bg1"/>
-                </a:solidFill>
-                <a:latin typeface="TH SarabunPSK" panose="020B0500040200020003" pitchFamily="34" charset="-34"/>
-                <a:cs typeface="TH SarabunPSK" panose="020B0500040200020003" pitchFamily="34" charset="-34"/>
-              </a:rPr>
-              <a:t>เค</a:t>
-            </a:r>
-            <a:r>
-              <a:rPr lang="th-TH" sz="1800" b="1" dirty="0">
-                <a:solidFill>
-                  <a:schemeClr val="bg1"/>
-                </a:solidFill>
-                <a:latin typeface="TH SarabunPSK" panose="020B0500040200020003" pitchFamily="34" charset="-34"/>
-                <a:cs typeface="TH SarabunPSK" panose="020B0500040200020003" pitchFamily="34" charset="-34"/>
-              </a:rPr>
-              <a:t>ชันแทนการใช้สมุดกิจกรรม</a:t>
+              <a:t>                          14) สามารถแจ้งปัญหา</a:t>
             </a:r>
           </a:p>
         </p:txBody>
@@ -5289,7 +5356,7 @@
     </p:spTree>
     <p:extLst>
       <p:ext uri="{BB962C8B-B14F-4D97-AF65-F5344CB8AC3E}">
-        <p14:creationId xmlns:p14="http://schemas.microsoft.com/office/powerpoint/2010/main" val="3771220552"/>
+        <p14:creationId xmlns:p14="http://schemas.microsoft.com/office/powerpoint/2010/main" val="2556474909"/>
       </p:ext>
     </p:extLst>
   </p:cSld>
@@ -5366,6 +5433,898 @@
                 <a:latin typeface="TH SarabunPSK" panose="020B0500040200020003" pitchFamily="34" charset="-34"/>
                 <a:cs typeface="TH SarabunPSK" panose="020B0500040200020003" pitchFamily="34" charset="-34"/>
               </a:rPr>
+              <a:t>ขอบเขตการทำงาน</a:t>
+            </a:r>
+          </a:p>
+        </p:txBody>
+      </p:sp>
+      <p:sp>
+        <p:nvSpPr>
+          <p:cNvPr id="3" name="Content Placeholder 2">
+            <a:extLst>
+              <a:ext uri="{FF2B5EF4-FFF2-40B4-BE49-F238E27FC236}">
+                <a16:creationId xmlns:a16="http://schemas.microsoft.com/office/drawing/2014/main" id="{23E7C118-00F2-471D-BF9E-6DCF8E58FDD9}"/>
+              </a:ext>
+            </a:extLst>
+          </p:cNvPr>
+          <p:cNvSpPr>
+            <a:spLocks noGrp="1"/>
+          </p:cNvSpPr>
+          <p:nvPr>
+            <p:ph idx="1"/>
+          </p:nvPr>
+        </p:nvSpPr>
+        <p:spPr>
+          <a:xfrm>
+            <a:off x="1771650" y="1690688"/>
+            <a:ext cx="8791575" cy="4964112"/>
+          </a:xfrm>
+        </p:spPr>
+        <p:txBody>
+          <a:bodyPr>
+            <a:noAutofit/>
+          </a:bodyPr>
+          <a:lstStyle/>
+          <a:p>
+            <a:r>
+              <a:rPr lang="th-TH" sz="1800" b="1" dirty="0">
+                <a:solidFill>
+                  <a:schemeClr val="bg1"/>
+                </a:solidFill>
+                <a:latin typeface="TH SarabunPSK" panose="020B0500040200020003" pitchFamily="34" charset="-34"/>
+                <a:cs typeface="TH SarabunPSK" panose="020B0500040200020003" pitchFamily="34" charset="-34"/>
+              </a:rPr>
+              <a:t> 1.3.2.2 อาจารย์</a:t>
+            </a:r>
+          </a:p>
+          <a:p>
+            <a:r>
+              <a:rPr lang="th-TH" sz="1800" b="1" dirty="0">
+                <a:solidFill>
+                  <a:schemeClr val="bg1"/>
+                </a:solidFill>
+                <a:latin typeface="TH SarabunPSK" panose="020B0500040200020003" pitchFamily="34" charset="-34"/>
+                <a:cs typeface="TH SarabunPSK" panose="020B0500040200020003" pitchFamily="34" charset="-34"/>
+              </a:rPr>
+              <a:t>                          1) สามารถเข้าสู่ระบบ</a:t>
+            </a:r>
+          </a:p>
+          <a:p>
+            <a:r>
+              <a:rPr lang="th-TH" sz="1800" b="1" dirty="0">
+                <a:solidFill>
+                  <a:schemeClr val="bg1"/>
+                </a:solidFill>
+                <a:latin typeface="TH SarabunPSK" panose="020B0500040200020003" pitchFamily="34" charset="-34"/>
+                <a:cs typeface="TH SarabunPSK" panose="020B0500040200020003" pitchFamily="34" charset="-34"/>
+              </a:rPr>
+              <a:t>                          2) สามารถตรวจสอบการแจ้งเตือน</a:t>
+            </a:r>
+          </a:p>
+          <a:p>
+            <a:r>
+              <a:rPr lang="th-TH" sz="1800" b="1" dirty="0">
+                <a:solidFill>
+                  <a:schemeClr val="bg1"/>
+                </a:solidFill>
+                <a:latin typeface="TH SarabunPSK" panose="020B0500040200020003" pitchFamily="34" charset="-34"/>
+                <a:cs typeface="TH SarabunPSK" panose="020B0500040200020003" pitchFamily="34" charset="-34"/>
+              </a:rPr>
+              <a:t>                          3) สามารถตรวจสอบข้อมูลของตนเอง</a:t>
+            </a:r>
+          </a:p>
+          <a:p>
+            <a:r>
+              <a:rPr lang="th-TH" sz="1800" b="1" dirty="0">
+                <a:solidFill>
+                  <a:schemeClr val="bg1"/>
+                </a:solidFill>
+                <a:latin typeface="TH SarabunPSK" panose="020B0500040200020003" pitchFamily="34" charset="-34"/>
+                <a:cs typeface="TH SarabunPSK" panose="020B0500040200020003" pitchFamily="34" charset="-34"/>
+              </a:rPr>
+              <a:t>                          4) สามารถแก้ไขรหัสผ่านของตนเอง</a:t>
+            </a:r>
+          </a:p>
+          <a:p>
+            <a:r>
+              <a:rPr lang="th-TH" sz="1800" b="1" dirty="0">
+                <a:solidFill>
+                  <a:schemeClr val="bg1"/>
+                </a:solidFill>
+                <a:latin typeface="TH SarabunPSK" panose="020B0500040200020003" pitchFamily="34" charset="-34"/>
+                <a:cs typeface="TH SarabunPSK" panose="020B0500040200020003" pitchFamily="34" charset="-34"/>
+              </a:rPr>
+              <a:t>                          5) สามารถค้นหากิจกรรม</a:t>
+            </a:r>
+          </a:p>
+          <a:p>
+            <a:r>
+              <a:rPr lang="th-TH" sz="1800" b="1" dirty="0">
+                <a:solidFill>
+                  <a:schemeClr val="bg1"/>
+                </a:solidFill>
+                <a:latin typeface="TH SarabunPSK" panose="020B0500040200020003" pitchFamily="34" charset="-34"/>
+                <a:cs typeface="TH SarabunPSK" panose="020B0500040200020003" pitchFamily="34" charset="-34"/>
+              </a:rPr>
+              <a:t>                          6) สามารถตรวจสอบรายละเอียดกิจกรรม</a:t>
+            </a:r>
+          </a:p>
+          <a:p>
+            <a:r>
+              <a:rPr lang="th-TH" sz="1800" b="1" dirty="0">
+                <a:solidFill>
+                  <a:schemeClr val="bg1"/>
+                </a:solidFill>
+                <a:latin typeface="TH SarabunPSK" panose="020B0500040200020003" pitchFamily="34" charset="-34"/>
+                <a:cs typeface="TH SarabunPSK" panose="020B0500040200020003" pitchFamily="34" charset="-34"/>
+              </a:rPr>
+              <a:t>                          7) สามารถลงทะเบียนเข้าร่วมและจบกิจกรรมด้วยการสแกน </a:t>
+            </a:r>
+            <a:r>
+              <a:rPr lang="en-US" sz="1800" b="1" dirty="0">
+                <a:solidFill>
+                  <a:schemeClr val="bg1"/>
+                </a:solidFill>
+                <a:latin typeface="TH SarabunPSK" panose="020B0500040200020003" pitchFamily="34" charset="-34"/>
+                <a:cs typeface="TH SarabunPSK" panose="020B0500040200020003" pitchFamily="34" charset="-34"/>
+              </a:rPr>
+              <a:t>QR Code</a:t>
+            </a:r>
+          </a:p>
+          <a:p>
+            <a:r>
+              <a:rPr lang="en-US" sz="1800" b="1" dirty="0">
+                <a:solidFill>
+                  <a:schemeClr val="bg1"/>
+                </a:solidFill>
+                <a:latin typeface="TH SarabunPSK" panose="020B0500040200020003" pitchFamily="34" charset="-34"/>
+                <a:cs typeface="TH SarabunPSK" panose="020B0500040200020003" pitchFamily="34" charset="-34"/>
+              </a:rPr>
+              <a:t>                          8) </a:t>
+            </a:r>
+            <a:r>
+              <a:rPr lang="th-TH" sz="1800" b="1" dirty="0">
+                <a:solidFill>
+                  <a:schemeClr val="bg1"/>
+                </a:solidFill>
+                <a:latin typeface="TH SarabunPSK" panose="020B0500040200020003" pitchFamily="34" charset="-34"/>
+                <a:cs typeface="TH SarabunPSK" panose="020B0500040200020003" pitchFamily="34" charset="-34"/>
+              </a:rPr>
+              <a:t>สามารถดาวน์โหลดเอกสารที่อยู่ในกิจกรรม</a:t>
+            </a:r>
+          </a:p>
+          <a:p>
+            <a:r>
+              <a:rPr lang="th-TH" sz="1800" b="1" dirty="0">
+                <a:solidFill>
+                  <a:schemeClr val="bg1"/>
+                </a:solidFill>
+                <a:latin typeface="TH SarabunPSK" panose="020B0500040200020003" pitchFamily="34" charset="-34"/>
+                <a:cs typeface="TH SarabunPSK" panose="020B0500040200020003" pitchFamily="34" charset="-34"/>
+              </a:rPr>
+              <a:t>                          9) สามารถแจ้งการโอนเงินเข้าบัญชีตนเอง</a:t>
+            </a:r>
+          </a:p>
+          <a:p>
+            <a:r>
+              <a:rPr lang="th-TH" sz="1800" b="1" dirty="0">
+                <a:solidFill>
+                  <a:schemeClr val="bg1"/>
+                </a:solidFill>
+                <a:latin typeface="TH SarabunPSK" panose="020B0500040200020003" pitchFamily="34" charset="-34"/>
+                <a:cs typeface="TH SarabunPSK" panose="020B0500040200020003" pitchFamily="34" charset="-34"/>
+              </a:rPr>
+              <a:t>                          10) สามารถโอนเงินในบัญชีให้กับผู้อื่น</a:t>
+            </a:r>
+          </a:p>
+        </p:txBody>
+      </p:sp>
+      <p:pic>
+        <p:nvPicPr>
+          <p:cNvPr id="4" name="Picture 3">
+            <a:extLst>
+              <a:ext uri="{FF2B5EF4-FFF2-40B4-BE49-F238E27FC236}">
+                <a16:creationId xmlns:a16="http://schemas.microsoft.com/office/drawing/2014/main" id="{90ADEC6B-FDB4-4129-AF06-7F9AAD11D107}"/>
+              </a:ext>
+            </a:extLst>
+          </p:cNvPr>
+          <p:cNvPicPr>
+            <a:picLocks noChangeAspect="1"/>
+          </p:cNvPicPr>
+          <p:nvPr/>
+        </p:nvPicPr>
+        <p:blipFill>
+          <a:blip r:embed="rId2">
+            <a:extLst>
+              <a:ext uri="{28A0092B-C50C-407E-A947-70E740481C1C}">
+                <a14:useLocalDpi xmlns:a14="http://schemas.microsoft.com/office/drawing/2010/main" val="0"/>
+              </a:ext>
+            </a:extLst>
+          </a:blip>
+          <a:stretch>
+            <a:fillRect/>
+          </a:stretch>
+        </p:blipFill>
+        <p:spPr>
+          <a:xfrm>
+            <a:off x="2109787" y="1438207"/>
+            <a:ext cx="7591425" cy="89831"/>
+          </a:xfrm>
+          <a:prstGeom prst="rect">
+            <a:avLst/>
+          </a:prstGeom>
+        </p:spPr>
+      </p:pic>
+    </p:spTree>
+    <p:extLst>
+      <p:ext uri="{BB962C8B-B14F-4D97-AF65-F5344CB8AC3E}">
+        <p14:creationId xmlns:p14="http://schemas.microsoft.com/office/powerpoint/2010/main" val="1224544652"/>
+      </p:ext>
+    </p:extLst>
+  </p:cSld>
+  <p:clrMapOvr>
+    <a:masterClrMapping/>
+  </p:clrMapOvr>
+  <mc:AlternateContent xmlns:mc="http://schemas.openxmlformats.org/markup-compatibility/2006" xmlns:p14="http://schemas.microsoft.com/office/powerpoint/2010/main">
+    <mc:Choice Requires="p14">
+      <p:transition spd="med" p14:dur="700">
+        <p:fade/>
+      </p:transition>
+    </mc:Choice>
+    <mc:Fallback xmlns="">
+      <p:transition spd="med">
+        <p:fade/>
+      </p:transition>
+    </mc:Fallback>
+  </mc:AlternateContent>
+</p:sld>
+</file>
+
+<file path=ppt/slides/slide16.xml><?xml version="1.0" encoding="utf-8"?>
+<p:sld xmlns:a="http://schemas.openxmlformats.org/drawingml/2006/main" xmlns:r="http://schemas.openxmlformats.org/officeDocument/2006/relationships" xmlns:p="http://schemas.openxmlformats.org/presentationml/2006/main">
+  <p:cSld>
+    <p:bg>
+      <p:bgPr>
+        <a:solidFill>
+          <a:srgbClr val="262626"/>
+        </a:solidFill>
+        <a:effectLst/>
+      </p:bgPr>
+    </p:bg>
+    <p:spTree>
+      <p:nvGrpSpPr>
+        <p:cNvPr id="1" name=""/>
+        <p:cNvGrpSpPr/>
+        <p:nvPr/>
+      </p:nvGrpSpPr>
+      <p:grpSpPr>
+        <a:xfrm>
+          <a:off x="0" y="0"/>
+          <a:ext cx="0" cy="0"/>
+          <a:chOff x="0" y="0"/>
+          <a:chExt cx="0" cy="0"/>
+        </a:xfrm>
+      </p:grpSpPr>
+      <p:sp>
+        <p:nvSpPr>
+          <p:cNvPr id="2" name="Title 1">
+            <a:extLst>
+              <a:ext uri="{FF2B5EF4-FFF2-40B4-BE49-F238E27FC236}">
+                <a16:creationId xmlns:a16="http://schemas.microsoft.com/office/drawing/2014/main" id="{36017D3D-0042-4BC6-92A9-9F4A35242BEC}"/>
+              </a:ext>
+            </a:extLst>
+          </p:cNvPr>
+          <p:cNvSpPr>
+            <a:spLocks noGrp="1"/>
+          </p:cNvSpPr>
+          <p:nvPr>
+            <p:ph type="title"/>
+          </p:nvPr>
+        </p:nvSpPr>
+        <p:spPr/>
+        <p:txBody>
+          <a:bodyPr/>
+          <a:lstStyle/>
+          <a:p>
+            <a:pPr algn="ctr"/>
+            <a:r>
+              <a:rPr lang="th-TH" b="1" dirty="0">
+                <a:solidFill>
+                  <a:schemeClr val="bg1"/>
+                </a:solidFill>
+                <a:latin typeface="TH SarabunPSK" panose="020B0500040200020003" pitchFamily="34" charset="-34"/>
+                <a:cs typeface="TH SarabunPSK" panose="020B0500040200020003" pitchFamily="34" charset="-34"/>
+              </a:rPr>
+              <a:t>ขอบเขตการทำงาน </a:t>
+            </a:r>
+            <a:r>
+              <a:rPr lang="en-US" b="1" dirty="0">
+                <a:solidFill>
+                  <a:schemeClr val="bg1"/>
+                </a:solidFill>
+                <a:latin typeface="TH SarabunPSK" panose="020B0500040200020003" pitchFamily="34" charset="-34"/>
+                <a:cs typeface="TH SarabunPSK" panose="020B0500040200020003" pitchFamily="34" charset="-34"/>
+              </a:rPr>
+              <a:t>(</a:t>
+            </a:r>
+            <a:r>
+              <a:rPr lang="th-TH" b="1" dirty="0">
+                <a:solidFill>
+                  <a:schemeClr val="bg1"/>
+                </a:solidFill>
+                <a:latin typeface="TH SarabunPSK" panose="020B0500040200020003" pitchFamily="34" charset="-34"/>
+                <a:cs typeface="TH SarabunPSK" panose="020B0500040200020003" pitchFamily="34" charset="-34"/>
+              </a:rPr>
+              <a:t>ต่อ</a:t>
+            </a:r>
+            <a:r>
+              <a:rPr lang="en-US" b="1" dirty="0">
+                <a:solidFill>
+                  <a:schemeClr val="bg1"/>
+                </a:solidFill>
+                <a:latin typeface="TH SarabunPSK" panose="020B0500040200020003" pitchFamily="34" charset="-34"/>
+                <a:cs typeface="TH SarabunPSK" panose="020B0500040200020003" pitchFamily="34" charset="-34"/>
+              </a:rPr>
+              <a:t>)</a:t>
+            </a:r>
+            <a:endParaRPr lang="th-TH" b="1" dirty="0">
+              <a:solidFill>
+                <a:schemeClr val="bg1"/>
+              </a:solidFill>
+              <a:latin typeface="TH SarabunPSK" panose="020B0500040200020003" pitchFamily="34" charset="-34"/>
+              <a:cs typeface="TH SarabunPSK" panose="020B0500040200020003" pitchFamily="34" charset="-34"/>
+            </a:endParaRPr>
+          </a:p>
+        </p:txBody>
+      </p:sp>
+      <p:sp>
+        <p:nvSpPr>
+          <p:cNvPr id="3" name="Content Placeholder 2">
+            <a:extLst>
+              <a:ext uri="{FF2B5EF4-FFF2-40B4-BE49-F238E27FC236}">
+                <a16:creationId xmlns:a16="http://schemas.microsoft.com/office/drawing/2014/main" id="{23E7C118-00F2-471D-BF9E-6DCF8E58FDD9}"/>
+              </a:ext>
+            </a:extLst>
+          </p:cNvPr>
+          <p:cNvSpPr>
+            <a:spLocks noGrp="1"/>
+          </p:cNvSpPr>
+          <p:nvPr>
+            <p:ph idx="1"/>
+          </p:nvPr>
+        </p:nvSpPr>
+        <p:spPr>
+          <a:xfrm>
+            <a:off x="2109787" y="1690687"/>
+            <a:ext cx="8791575" cy="4802187"/>
+          </a:xfrm>
+        </p:spPr>
+        <p:txBody>
+          <a:bodyPr>
+            <a:noAutofit/>
+          </a:bodyPr>
+          <a:lstStyle/>
+          <a:p>
+            <a:r>
+              <a:rPr lang="th-TH" sz="1800" b="1" dirty="0">
+                <a:solidFill>
+                  <a:schemeClr val="bg1"/>
+                </a:solidFill>
+                <a:latin typeface="TH SarabunPSK" panose="020B0500040200020003" pitchFamily="34" charset="-34"/>
+                <a:cs typeface="TH SarabunPSK" panose="020B0500040200020003" pitchFamily="34" charset="-34"/>
+              </a:rPr>
+              <a:t> 	            11) สามารถชำระเงินแก่ผู้ประกอบการร้านค้าด้วยการสแกน </a:t>
+            </a:r>
+            <a:r>
+              <a:rPr lang="en-US" sz="1800" b="1" dirty="0">
+                <a:solidFill>
+                  <a:schemeClr val="bg1"/>
+                </a:solidFill>
+                <a:latin typeface="TH SarabunPSK" panose="020B0500040200020003" pitchFamily="34" charset="-34"/>
+                <a:cs typeface="TH SarabunPSK" panose="020B0500040200020003" pitchFamily="34" charset="-34"/>
+              </a:rPr>
+              <a:t>QR Code</a:t>
+            </a:r>
+          </a:p>
+          <a:p>
+            <a:r>
+              <a:rPr lang="en-US" sz="1800" b="1" dirty="0">
+                <a:solidFill>
+                  <a:schemeClr val="bg1"/>
+                </a:solidFill>
+                <a:latin typeface="TH SarabunPSK" panose="020B0500040200020003" pitchFamily="34" charset="-34"/>
+                <a:cs typeface="TH SarabunPSK" panose="020B0500040200020003" pitchFamily="34" charset="-34"/>
+              </a:rPr>
+              <a:t>                          12) </a:t>
+            </a:r>
+            <a:r>
+              <a:rPr lang="th-TH" sz="1800" b="1" dirty="0">
+                <a:solidFill>
+                  <a:schemeClr val="bg1"/>
+                </a:solidFill>
+                <a:latin typeface="TH SarabunPSK" panose="020B0500040200020003" pitchFamily="34" charset="-34"/>
+                <a:cs typeface="TH SarabunPSK" panose="020B0500040200020003" pitchFamily="34" charset="-34"/>
+              </a:rPr>
+              <a:t>สามารถตรวจสอบสมุดบัญชีของตนเอง</a:t>
+            </a:r>
+          </a:p>
+          <a:p>
+            <a:r>
+              <a:rPr lang="th-TH" sz="1800" b="1" dirty="0">
+                <a:solidFill>
+                  <a:schemeClr val="bg1"/>
+                </a:solidFill>
+                <a:latin typeface="TH SarabunPSK" panose="020B0500040200020003" pitchFamily="34" charset="-34"/>
+                <a:cs typeface="TH SarabunPSK" panose="020B0500040200020003" pitchFamily="34" charset="-34"/>
+              </a:rPr>
+              <a:t>                          13) สามารถแจ้งถอนเงินของตนเอง</a:t>
+            </a:r>
+          </a:p>
+          <a:p>
+            <a:r>
+              <a:rPr lang="th-TH" sz="1800" b="1" dirty="0">
+                <a:solidFill>
+                  <a:schemeClr val="bg1"/>
+                </a:solidFill>
+                <a:latin typeface="TH SarabunPSK" panose="020B0500040200020003" pitchFamily="34" charset="-34"/>
+                <a:cs typeface="TH SarabunPSK" panose="020B0500040200020003" pitchFamily="34" charset="-34"/>
+              </a:rPr>
+              <a:t>                          14) สามารถแจ้งปัญหา</a:t>
+            </a:r>
+          </a:p>
+          <a:p>
+            <a:r>
+              <a:rPr lang="th-TH" sz="1800" b="1" dirty="0">
+                <a:solidFill>
+                  <a:schemeClr val="bg1"/>
+                </a:solidFill>
+                <a:latin typeface="TH SarabunPSK" panose="020B0500040200020003" pitchFamily="34" charset="-34"/>
+                <a:cs typeface="TH SarabunPSK" panose="020B0500040200020003" pitchFamily="34" charset="-34"/>
+              </a:rPr>
+              <a:t> 1.3.2.3 ผู้ประกอบการร้านค้า</a:t>
+            </a:r>
+          </a:p>
+          <a:p>
+            <a:r>
+              <a:rPr lang="th-TH" sz="1800" b="1" dirty="0">
+                <a:solidFill>
+                  <a:schemeClr val="bg1"/>
+                </a:solidFill>
+                <a:latin typeface="TH SarabunPSK" panose="020B0500040200020003" pitchFamily="34" charset="-34"/>
+                <a:cs typeface="TH SarabunPSK" panose="020B0500040200020003" pitchFamily="34" charset="-34"/>
+              </a:rPr>
+              <a:t>                          1) สามารถเข้าสู่ระบบ</a:t>
+            </a:r>
+          </a:p>
+          <a:p>
+            <a:r>
+              <a:rPr lang="th-TH" sz="1800" b="1" dirty="0">
+                <a:solidFill>
+                  <a:schemeClr val="bg1"/>
+                </a:solidFill>
+                <a:latin typeface="TH SarabunPSK" panose="020B0500040200020003" pitchFamily="34" charset="-34"/>
+                <a:cs typeface="TH SarabunPSK" panose="020B0500040200020003" pitchFamily="34" charset="-34"/>
+              </a:rPr>
+              <a:t>                           2) สามารถตรวจสอบสมุดบัญชีของตน</a:t>
+            </a:r>
+          </a:p>
+          <a:p>
+            <a:r>
+              <a:rPr lang="th-TH" sz="1800" b="1" dirty="0">
+                <a:solidFill>
+                  <a:schemeClr val="bg1"/>
+                </a:solidFill>
+                <a:latin typeface="TH SarabunPSK" panose="020B0500040200020003" pitchFamily="34" charset="-34"/>
+                <a:cs typeface="TH SarabunPSK" panose="020B0500040200020003" pitchFamily="34" charset="-34"/>
+              </a:rPr>
+              <a:t>                           3) สามารถแจ้งถอนเงินของตนเอง</a:t>
+            </a:r>
+          </a:p>
+          <a:p>
+            <a:r>
+              <a:rPr lang="th-TH" sz="1800" b="1" dirty="0">
+                <a:solidFill>
+                  <a:schemeClr val="bg1"/>
+                </a:solidFill>
+                <a:latin typeface="TH SarabunPSK" panose="020B0500040200020003" pitchFamily="34" charset="-34"/>
+                <a:cs typeface="TH SarabunPSK" panose="020B0500040200020003" pitchFamily="34" charset="-34"/>
+              </a:rPr>
+              <a:t>                           4) สามารถแจ้งปัญหา</a:t>
+            </a:r>
+          </a:p>
+        </p:txBody>
+      </p:sp>
+      <p:pic>
+        <p:nvPicPr>
+          <p:cNvPr id="4" name="Picture 3">
+            <a:extLst>
+              <a:ext uri="{FF2B5EF4-FFF2-40B4-BE49-F238E27FC236}">
+                <a16:creationId xmlns:a16="http://schemas.microsoft.com/office/drawing/2014/main" id="{90ADEC6B-FDB4-4129-AF06-7F9AAD11D107}"/>
+              </a:ext>
+            </a:extLst>
+          </p:cNvPr>
+          <p:cNvPicPr>
+            <a:picLocks noChangeAspect="1"/>
+          </p:cNvPicPr>
+          <p:nvPr/>
+        </p:nvPicPr>
+        <p:blipFill>
+          <a:blip r:embed="rId2">
+            <a:extLst>
+              <a:ext uri="{28A0092B-C50C-407E-A947-70E740481C1C}">
+                <a14:useLocalDpi xmlns:a14="http://schemas.microsoft.com/office/drawing/2010/main" val="0"/>
+              </a:ext>
+            </a:extLst>
+          </a:blip>
+          <a:stretch>
+            <a:fillRect/>
+          </a:stretch>
+        </p:blipFill>
+        <p:spPr>
+          <a:xfrm>
+            <a:off x="2109787" y="1438207"/>
+            <a:ext cx="7591425" cy="89831"/>
+          </a:xfrm>
+          <a:prstGeom prst="rect">
+            <a:avLst/>
+          </a:prstGeom>
+        </p:spPr>
+      </p:pic>
+    </p:spTree>
+    <p:extLst>
+      <p:ext uri="{BB962C8B-B14F-4D97-AF65-F5344CB8AC3E}">
+        <p14:creationId xmlns:p14="http://schemas.microsoft.com/office/powerpoint/2010/main" val="3397415581"/>
+      </p:ext>
+    </p:extLst>
+  </p:cSld>
+  <p:clrMapOvr>
+    <a:masterClrMapping/>
+  </p:clrMapOvr>
+  <mc:AlternateContent xmlns:mc="http://schemas.openxmlformats.org/markup-compatibility/2006" xmlns:p14="http://schemas.microsoft.com/office/powerpoint/2010/main">
+    <mc:Choice Requires="p14">
+      <p:transition spd="med" p14:dur="700">
+        <p:fade/>
+      </p:transition>
+    </mc:Choice>
+    <mc:Fallback xmlns="">
+      <p:transition spd="med">
+        <p:fade/>
+      </p:transition>
+    </mc:Fallback>
+  </mc:AlternateContent>
+</p:sld>
+</file>
+
+<file path=ppt/slides/slide17.xml><?xml version="1.0" encoding="utf-8"?>
+<p:sld xmlns:a="http://schemas.openxmlformats.org/drawingml/2006/main" xmlns:r="http://schemas.openxmlformats.org/officeDocument/2006/relationships" xmlns:p="http://schemas.openxmlformats.org/presentationml/2006/main">
+  <p:cSld>
+    <p:bg>
+      <p:bgPr>
+        <a:solidFill>
+          <a:srgbClr val="262626"/>
+        </a:solidFill>
+        <a:effectLst/>
+      </p:bgPr>
+    </p:bg>
+    <p:spTree>
+      <p:nvGrpSpPr>
+        <p:cNvPr id="1" name=""/>
+        <p:cNvGrpSpPr/>
+        <p:nvPr/>
+      </p:nvGrpSpPr>
+      <p:grpSpPr>
+        <a:xfrm>
+          <a:off x="0" y="0"/>
+          <a:ext cx="0" cy="0"/>
+          <a:chOff x="0" y="0"/>
+          <a:chExt cx="0" cy="0"/>
+        </a:xfrm>
+      </p:grpSpPr>
+      <p:sp>
+        <p:nvSpPr>
+          <p:cNvPr id="2" name="Title 1">
+            <a:extLst>
+              <a:ext uri="{FF2B5EF4-FFF2-40B4-BE49-F238E27FC236}">
+                <a16:creationId xmlns:a16="http://schemas.microsoft.com/office/drawing/2014/main" id="{36017D3D-0042-4BC6-92A9-9F4A35242BEC}"/>
+              </a:ext>
+            </a:extLst>
+          </p:cNvPr>
+          <p:cNvSpPr>
+            <a:spLocks noGrp="1"/>
+          </p:cNvSpPr>
+          <p:nvPr>
+            <p:ph type="title"/>
+          </p:nvPr>
+        </p:nvSpPr>
+        <p:spPr/>
+        <p:txBody>
+          <a:bodyPr/>
+          <a:lstStyle/>
+          <a:p>
+            <a:pPr algn="ctr"/>
+            <a:r>
+              <a:rPr lang="th-TH" b="1" dirty="0">
+                <a:solidFill>
+                  <a:schemeClr val="bg1"/>
+                </a:solidFill>
+                <a:latin typeface="TH SarabunPSK" panose="020B0500040200020003" pitchFamily="34" charset="-34"/>
+                <a:cs typeface="TH SarabunPSK" panose="020B0500040200020003" pitchFamily="34" charset="-34"/>
+              </a:rPr>
+              <a:t>ประโยชน์ที่คาดว่าจะได้รับ</a:t>
+            </a:r>
+          </a:p>
+        </p:txBody>
+      </p:sp>
+      <p:sp>
+        <p:nvSpPr>
+          <p:cNvPr id="3" name="Content Placeholder 2">
+            <a:extLst>
+              <a:ext uri="{FF2B5EF4-FFF2-40B4-BE49-F238E27FC236}">
+                <a16:creationId xmlns:a16="http://schemas.microsoft.com/office/drawing/2014/main" id="{23E7C118-00F2-471D-BF9E-6DCF8E58FDD9}"/>
+              </a:ext>
+            </a:extLst>
+          </p:cNvPr>
+          <p:cNvSpPr>
+            <a:spLocks noGrp="1"/>
+          </p:cNvSpPr>
+          <p:nvPr>
+            <p:ph idx="1"/>
+          </p:nvPr>
+        </p:nvSpPr>
+        <p:spPr>
+          <a:xfrm>
+            <a:off x="1809750" y="1703388"/>
+            <a:ext cx="8791575" cy="3451224"/>
+          </a:xfrm>
+        </p:spPr>
+        <p:txBody>
+          <a:bodyPr>
+            <a:noAutofit/>
+          </a:bodyPr>
+          <a:lstStyle/>
+          <a:p>
+            <a:pPr marL="0" indent="0">
+              <a:buNone/>
+            </a:pPr>
+            <a:r>
+              <a:rPr lang="th-TH" sz="1800" b="1" dirty="0">
+                <a:solidFill>
+                  <a:schemeClr val="bg1"/>
+                </a:solidFill>
+                <a:latin typeface="TH SarabunPSK" panose="020B0500040200020003" pitchFamily="34" charset="-34"/>
+                <a:cs typeface="TH SarabunPSK" panose="020B0500040200020003" pitchFamily="34" charset="-34"/>
+              </a:rPr>
+              <a:t>เพื่อลงทะเบียนการเข้าร่วมกิจกรรมด้วยด้วยเทคโนโลยี </a:t>
+            </a:r>
+            <a:r>
+              <a:rPr lang="en" sz="1800" b="1" dirty="0">
+                <a:solidFill>
+                  <a:schemeClr val="bg1"/>
+                </a:solidFill>
+                <a:latin typeface="TH SarabunPSK" panose="020B0500040200020003" pitchFamily="34" charset="-34"/>
+                <a:cs typeface="TH SarabunPSK" panose="020B0500040200020003" pitchFamily="34" charset="-34"/>
+              </a:rPr>
+              <a:t>QR Code </a:t>
+            </a:r>
+            <a:r>
+              <a:rPr lang="th-TH" sz="1800" b="1" dirty="0">
+                <a:solidFill>
+                  <a:schemeClr val="bg1"/>
+                </a:solidFill>
+                <a:latin typeface="TH SarabunPSK" panose="020B0500040200020003" pitchFamily="34" charset="-34"/>
+                <a:cs typeface="TH SarabunPSK" panose="020B0500040200020003" pitchFamily="34" charset="-34"/>
+              </a:rPr>
+              <a:t>และ </a:t>
+            </a:r>
+            <a:r>
+              <a:rPr lang="en" sz="1800" b="1" dirty="0">
+                <a:solidFill>
+                  <a:schemeClr val="bg1"/>
+                </a:solidFill>
+                <a:latin typeface="TH SarabunPSK" panose="020B0500040200020003" pitchFamily="34" charset="-34"/>
+                <a:cs typeface="TH SarabunPSK" panose="020B0500040200020003" pitchFamily="34" charset="-34"/>
+              </a:rPr>
+              <a:t>Location Base</a:t>
+            </a:r>
+          </a:p>
+          <a:p>
+            <a:pPr marL="0" indent="0">
+              <a:buNone/>
+            </a:pPr>
+            <a:r>
+              <a:rPr lang="th-TH" sz="1800" b="1" dirty="0">
+                <a:solidFill>
+                  <a:schemeClr val="bg1"/>
+                </a:solidFill>
+                <a:latin typeface="TH SarabunPSK" panose="020B0500040200020003" pitchFamily="34" charset="-34"/>
+                <a:cs typeface="TH SarabunPSK" panose="020B0500040200020003" pitchFamily="34" charset="-34"/>
+              </a:rPr>
+              <a:t>เพื่อชำระเงินแก่ผู้ประกอบการร้านค้าด้วยเทคโนโลยี </a:t>
+            </a:r>
+            <a:r>
+              <a:rPr lang="en" sz="1800" b="1" dirty="0">
+                <a:solidFill>
+                  <a:schemeClr val="bg1"/>
+                </a:solidFill>
+                <a:latin typeface="TH SarabunPSK" panose="020B0500040200020003" pitchFamily="34" charset="-34"/>
+                <a:cs typeface="TH SarabunPSK" panose="020B0500040200020003" pitchFamily="34" charset="-34"/>
+              </a:rPr>
+              <a:t>QR Code</a:t>
+            </a:r>
+          </a:p>
+          <a:p>
+            <a:pPr marL="0" indent="0">
+              <a:buNone/>
+            </a:pPr>
+            <a:r>
+              <a:rPr lang="th-TH" sz="1800" b="1" dirty="0">
+                <a:solidFill>
+                  <a:schemeClr val="bg1"/>
+                </a:solidFill>
+                <a:latin typeface="TH SarabunPSK" panose="020B0500040200020003" pitchFamily="34" charset="-34"/>
+                <a:cs typeface="TH SarabunPSK" panose="020B0500040200020003" pitchFamily="34" charset="-34"/>
+              </a:rPr>
+              <a:t>เพื่อสามารถตรวจสอบกิจกรรมของนักศึกษาบนแอ</a:t>
+            </a:r>
+            <a:r>
+              <a:rPr lang="th-TH" sz="1800" b="1" dirty="0" err="1">
+                <a:solidFill>
+                  <a:schemeClr val="bg1"/>
+                </a:solidFill>
+                <a:latin typeface="TH SarabunPSK" panose="020B0500040200020003" pitchFamily="34" charset="-34"/>
+                <a:cs typeface="TH SarabunPSK" panose="020B0500040200020003" pitchFamily="34" charset="-34"/>
+              </a:rPr>
+              <a:t>ป</a:t>
+            </a:r>
+            <a:r>
+              <a:rPr lang="th-TH" sz="1800" b="1" dirty="0">
+                <a:solidFill>
+                  <a:schemeClr val="bg1"/>
+                </a:solidFill>
+                <a:latin typeface="TH SarabunPSK" panose="020B0500040200020003" pitchFamily="34" charset="-34"/>
+                <a:cs typeface="TH SarabunPSK" panose="020B0500040200020003" pitchFamily="34" charset="-34"/>
+              </a:rPr>
+              <a:t>พลิ</a:t>
+            </a:r>
+            <a:r>
+              <a:rPr lang="th-TH" sz="1800" b="1" dirty="0" err="1">
+                <a:solidFill>
+                  <a:schemeClr val="bg1"/>
+                </a:solidFill>
+                <a:latin typeface="TH SarabunPSK" panose="020B0500040200020003" pitchFamily="34" charset="-34"/>
+                <a:cs typeface="TH SarabunPSK" panose="020B0500040200020003" pitchFamily="34" charset="-34"/>
+              </a:rPr>
+              <a:t>เค</a:t>
+            </a:r>
+            <a:r>
+              <a:rPr lang="th-TH" sz="1800" b="1" dirty="0">
+                <a:solidFill>
+                  <a:schemeClr val="bg1"/>
+                </a:solidFill>
+                <a:latin typeface="TH SarabunPSK" panose="020B0500040200020003" pitchFamily="34" charset="-34"/>
+                <a:cs typeface="TH SarabunPSK" panose="020B0500040200020003" pitchFamily="34" charset="-34"/>
+              </a:rPr>
+              <a:t>ชันแทนการใช้สมุดกิจกรรม</a:t>
+            </a:r>
+          </a:p>
+        </p:txBody>
+      </p:sp>
+      <p:pic>
+        <p:nvPicPr>
+          <p:cNvPr id="4" name="Picture 3">
+            <a:extLst>
+              <a:ext uri="{FF2B5EF4-FFF2-40B4-BE49-F238E27FC236}">
+                <a16:creationId xmlns:a16="http://schemas.microsoft.com/office/drawing/2014/main" id="{90ADEC6B-FDB4-4129-AF06-7F9AAD11D107}"/>
+              </a:ext>
+            </a:extLst>
+          </p:cNvPr>
+          <p:cNvPicPr>
+            <a:picLocks noChangeAspect="1"/>
+          </p:cNvPicPr>
+          <p:nvPr/>
+        </p:nvPicPr>
+        <p:blipFill>
+          <a:blip r:embed="rId2">
+            <a:extLst>
+              <a:ext uri="{28A0092B-C50C-407E-A947-70E740481C1C}">
+                <a14:useLocalDpi xmlns:a14="http://schemas.microsoft.com/office/drawing/2010/main" val="0"/>
+              </a:ext>
+            </a:extLst>
+          </a:blip>
+          <a:stretch>
+            <a:fillRect/>
+          </a:stretch>
+        </p:blipFill>
+        <p:spPr>
+          <a:xfrm>
+            <a:off x="2109787" y="1438207"/>
+            <a:ext cx="7591425" cy="89831"/>
+          </a:xfrm>
+          <a:prstGeom prst="rect">
+            <a:avLst/>
+          </a:prstGeom>
+        </p:spPr>
+      </p:pic>
+    </p:spTree>
+    <p:extLst>
+      <p:ext uri="{BB962C8B-B14F-4D97-AF65-F5344CB8AC3E}">
+        <p14:creationId xmlns:p14="http://schemas.microsoft.com/office/powerpoint/2010/main" val="3771220552"/>
+      </p:ext>
+    </p:extLst>
+  </p:cSld>
+  <p:clrMapOvr>
+    <a:masterClrMapping/>
+  </p:clrMapOvr>
+  <mc:AlternateContent xmlns:mc="http://schemas.openxmlformats.org/markup-compatibility/2006" xmlns:p14="http://schemas.microsoft.com/office/powerpoint/2010/main">
+    <mc:Choice Requires="p14">
+      <p:transition spd="med" p14:dur="700">
+        <p:fade/>
+      </p:transition>
+    </mc:Choice>
+    <mc:Fallback xmlns="">
+      <p:transition spd="med">
+        <p:fade/>
+      </p:transition>
+    </mc:Fallback>
+  </mc:AlternateContent>
+</p:sld>
+</file>
+
+<file path=ppt/slides/slide18.xml><?xml version="1.0" encoding="utf-8"?>
+<p:sld xmlns:a="http://schemas.openxmlformats.org/drawingml/2006/main" xmlns:r="http://schemas.openxmlformats.org/officeDocument/2006/relationships" xmlns:p="http://schemas.openxmlformats.org/presentationml/2006/main">
+  <p:cSld>
+    <p:bg>
+      <p:bgPr>
+        <a:solidFill>
+          <a:srgbClr val="262626"/>
+        </a:solidFill>
+        <a:effectLst/>
+      </p:bgPr>
+    </p:bg>
+    <p:spTree>
+      <p:nvGrpSpPr>
+        <p:cNvPr id="1" name=""/>
+        <p:cNvGrpSpPr/>
+        <p:nvPr/>
+      </p:nvGrpSpPr>
+      <p:grpSpPr>
+        <a:xfrm>
+          <a:off x="0" y="0"/>
+          <a:ext cx="0" cy="0"/>
+          <a:chOff x="0" y="0"/>
+          <a:chExt cx="0" cy="0"/>
+        </a:xfrm>
+      </p:grpSpPr>
+      <p:sp>
+        <p:nvSpPr>
+          <p:cNvPr id="2" name="Title 1">
+            <a:extLst>
+              <a:ext uri="{FF2B5EF4-FFF2-40B4-BE49-F238E27FC236}">
+                <a16:creationId xmlns:a16="http://schemas.microsoft.com/office/drawing/2014/main" id="{36017D3D-0042-4BC6-92A9-9F4A35242BEC}"/>
+              </a:ext>
+            </a:extLst>
+          </p:cNvPr>
+          <p:cNvSpPr>
+            <a:spLocks noGrp="1"/>
+          </p:cNvSpPr>
+          <p:nvPr>
+            <p:ph type="title"/>
+          </p:nvPr>
+        </p:nvSpPr>
+        <p:spPr/>
+        <p:txBody>
+          <a:bodyPr/>
+          <a:lstStyle/>
+          <a:p>
+            <a:pPr algn="ctr"/>
+            <a:r>
+              <a:rPr lang="th-TH" b="1" dirty="0">
+                <a:solidFill>
+                  <a:schemeClr val="bg1"/>
+                </a:solidFill>
+                <a:latin typeface="TH SarabunPSK" panose="020B0500040200020003" pitchFamily="34" charset="-34"/>
+                <a:cs typeface="TH SarabunPSK" panose="020B0500040200020003" pitchFamily="34" charset="-34"/>
+              </a:rPr>
               <a:t>เครื่องมือที่ใช้</a:t>
             </a:r>
           </a:p>
@@ -6256,7 +7215,7 @@
 </p:sld>
 </file>
 
-<file path=ppt/slides/slide16.xml><?xml version="1.0" encoding="utf-8"?>
+<file path=ppt/slides/slide19.xml><?xml version="1.0" encoding="utf-8"?>
 <p:sld xmlns:a="http://schemas.openxmlformats.org/drawingml/2006/main" xmlns:r="http://schemas.openxmlformats.org/officeDocument/2006/relationships" xmlns:p="http://schemas.openxmlformats.org/presentationml/2006/main">
   <p:cSld>
     <p:bg>
@@ -12304,7 +13263,7 @@
 </p:sld>
 </file>
 
-<file path=ppt/slides/slide17.xml><?xml version="1.0" encoding="utf-8"?>
+<file path=ppt/slides/slide2.xml><?xml version="1.0" encoding="utf-8"?>
 <p:sld xmlns:a="http://schemas.openxmlformats.org/drawingml/2006/main" xmlns:r="http://schemas.openxmlformats.org/officeDocument/2006/relationships" xmlns:p="http://schemas.openxmlformats.org/presentationml/2006/main">
   <p:cSld>
     <p:bg>
@@ -12337,6 +13296,304 @@
           <p:cNvPr id="2" name="Title 1">
             <a:extLst>
               <a:ext uri="{FF2B5EF4-FFF2-40B4-BE49-F238E27FC236}">
+                <a16:creationId xmlns:a16="http://schemas.microsoft.com/office/drawing/2014/main" id="{0E2F7D6E-1AC9-4ED3-9833-B2C57A9E3257}"/>
+              </a:ext>
+            </a:extLst>
+          </p:cNvPr>
+          <p:cNvSpPr>
+            <a:spLocks noGrp="1"/>
+          </p:cNvSpPr>
+          <p:nvPr>
+            <p:ph type="ctrTitle"/>
+          </p:nvPr>
+        </p:nvSpPr>
+        <p:spPr>
+          <a:xfrm>
+            <a:off x="1524000" y="899319"/>
+            <a:ext cx="9144000" cy="2387600"/>
+          </a:xfrm>
+        </p:spPr>
+        <p:txBody>
+          <a:bodyPr>
+            <a:normAutofit/>
+          </a:bodyPr>
+          <a:lstStyle/>
+          <a:p>
+            <a:r>
+              <a:rPr lang="th-TH" sz="4400" b="1" dirty="0">
+                <a:solidFill>
+                  <a:schemeClr val="bg1"/>
+                </a:solidFill>
+                <a:latin typeface="TH SarabunPSK" panose="020B0500040200020003" pitchFamily="34" charset="-34"/>
+                <a:cs typeface="TH SarabunPSK" panose="020B0500040200020003" pitchFamily="34" charset="-34"/>
+              </a:rPr>
+              <a:t>บทที่ 1 บทนำ</a:t>
+            </a:r>
+          </a:p>
+        </p:txBody>
+      </p:sp>
+      <p:pic>
+        <p:nvPicPr>
+          <p:cNvPr id="19" name="Picture 18">
+            <a:extLst>
+              <a:ext uri="{FF2B5EF4-FFF2-40B4-BE49-F238E27FC236}">
+                <a16:creationId xmlns:a16="http://schemas.microsoft.com/office/drawing/2014/main" id="{5DCA531B-967C-42B3-831F-58979AA524C1}"/>
+              </a:ext>
+            </a:extLst>
+          </p:cNvPr>
+          <p:cNvPicPr>
+            <a:picLocks noChangeAspect="1"/>
+          </p:cNvPicPr>
+          <p:nvPr/>
+        </p:nvPicPr>
+        <p:blipFill>
+          <a:blip r:embed="rId2">
+            <a:extLst>
+              <a:ext uri="{28A0092B-C50C-407E-A947-70E740481C1C}">
+                <a14:useLocalDpi xmlns:a14="http://schemas.microsoft.com/office/drawing/2010/main" val="0"/>
+              </a:ext>
+            </a:extLst>
+          </a:blip>
+          <a:stretch>
+            <a:fillRect/>
+          </a:stretch>
+        </p:blipFill>
+        <p:spPr>
+          <a:xfrm>
+            <a:off x="2205037" y="3143182"/>
+            <a:ext cx="7591425" cy="89831"/>
+          </a:xfrm>
+          <a:prstGeom prst="rect">
+            <a:avLst/>
+          </a:prstGeom>
+        </p:spPr>
+      </p:pic>
+      <p:pic>
+        <p:nvPicPr>
+          <p:cNvPr id="5" name="Picture 4">
+            <a:extLst>
+              <a:ext uri="{FF2B5EF4-FFF2-40B4-BE49-F238E27FC236}">
+                <a16:creationId xmlns:a16="http://schemas.microsoft.com/office/drawing/2014/main" id="{92C6D831-4416-4DEB-A606-A915DE072ADA}"/>
+              </a:ext>
+            </a:extLst>
+          </p:cNvPr>
+          <p:cNvPicPr>
+            <a:picLocks noChangeAspect="1"/>
+          </p:cNvPicPr>
+          <p:nvPr/>
+        </p:nvPicPr>
+        <p:blipFill>
+          <a:blip r:embed="rId3">
+            <a:extLst>
+              <a:ext uri="{28A0092B-C50C-407E-A947-70E740481C1C}">
+                <a14:useLocalDpi xmlns:a14="http://schemas.microsoft.com/office/drawing/2010/main" val="0"/>
+              </a:ext>
+            </a:extLst>
+          </a:blip>
+          <a:stretch>
+            <a:fillRect/>
+          </a:stretch>
+        </p:blipFill>
+        <p:spPr>
+          <a:xfrm>
+            <a:off x="3701082" y="3571082"/>
+            <a:ext cx="762764" cy="762764"/>
+          </a:xfrm>
+          <a:prstGeom prst="rect">
+            <a:avLst/>
+          </a:prstGeom>
+        </p:spPr>
+      </p:pic>
+      <p:pic>
+        <p:nvPicPr>
+          <p:cNvPr id="7" name="Picture 6">
+            <a:extLst>
+              <a:ext uri="{FF2B5EF4-FFF2-40B4-BE49-F238E27FC236}">
+                <a16:creationId xmlns:a16="http://schemas.microsoft.com/office/drawing/2014/main" id="{DD6A1119-A7DD-4C2C-92DD-9962B6823003}"/>
+              </a:ext>
+            </a:extLst>
+          </p:cNvPr>
+          <p:cNvPicPr>
+            <a:picLocks noChangeAspect="1"/>
+          </p:cNvPicPr>
+          <p:nvPr/>
+        </p:nvPicPr>
+        <p:blipFill>
+          <a:blip r:embed="rId4">
+            <a:extLst>
+              <a:ext uri="{28A0092B-C50C-407E-A947-70E740481C1C}">
+                <a14:useLocalDpi xmlns:a14="http://schemas.microsoft.com/office/drawing/2010/main" val="0"/>
+              </a:ext>
+            </a:extLst>
+          </a:blip>
+          <a:stretch>
+            <a:fillRect/>
+          </a:stretch>
+        </p:blipFill>
+        <p:spPr>
+          <a:xfrm>
+            <a:off x="4660682" y="3571082"/>
+            <a:ext cx="762764" cy="762764"/>
+          </a:xfrm>
+          <a:prstGeom prst="rect">
+            <a:avLst/>
+          </a:prstGeom>
+        </p:spPr>
+      </p:pic>
+      <p:pic>
+        <p:nvPicPr>
+          <p:cNvPr id="9" name="Picture 8">
+            <a:extLst>
+              <a:ext uri="{FF2B5EF4-FFF2-40B4-BE49-F238E27FC236}">
+                <a16:creationId xmlns:a16="http://schemas.microsoft.com/office/drawing/2014/main" id="{3D4CC8F2-5B8A-4D5D-8AEF-122B33B871C2}"/>
+              </a:ext>
+            </a:extLst>
+          </p:cNvPr>
+          <p:cNvPicPr>
+            <a:picLocks noChangeAspect="1"/>
+          </p:cNvPicPr>
+          <p:nvPr/>
+        </p:nvPicPr>
+        <p:blipFill>
+          <a:blip r:embed="rId5">
+            <a:extLst>
+              <a:ext uri="{28A0092B-C50C-407E-A947-70E740481C1C}">
+                <a14:useLocalDpi xmlns:a14="http://schemas.microsoft.com/office/drawing/2010/main" val="0"/>
+              </a:ext>
+            </a:extLst>
+          </a:blip>
+          <a:stretch>
+            <a:fillRect/>
+          </a:stretch>
+        </p:blipFill>
+        <p:spPr>
+          <a:xfrm>
+            <a:off x="5613950" y="3571082"/>
+            <a:ext cx="762764" cy="762764"/>
+          </a:xfrm>
+          <a:prstGeom prst="rect">
+            <a:avLst/>
+          </a:prstGeom>
+        </p:spPr>
+      </p:pic>
+      <p:pic>
+        <p:nvPicPr>
+          <p:cNvPr id="11" name="Picture 10">
+            <a:extLst>
+              <a:ext uri="{FF2B5EF4-FFF2-40B4-BE49-F238E27FC236}">
+                <a16:creationId xmlns:a16="http://schemas.microsoft.com/office/drawing/2014/main" id="{92652842-6317-44FB-88A5-04190BB96778}"/>
+              </a:ext>
+            </a:extLst>
+          </p:cNvPr>
+          <p:cNvPicPr>
+            <a:picLocks noChangeAspect="1"/>
+          </p:cNvPicPr>
+          <p:nvPr/>
+        </p:nvPicPr>
+        <p:blipFill>
+          <a:blip r:embed="rId6">
+            <a:extLst>
+              <a:ext uri="{28A0092B-C50C-407E-A947-70E740481C1C}">
+                <a14:useLocalDpi xmlns:a14="http://schemas.microsoft.com/office/drawing/2010/main" val="0"/>
+              </a:ext>
+            </a:extLst>
+          </a:blip>
+          <a:stretch>
+            <a:fillRect/>
+          </a:stretch>
+        </p:blipFill>
+        <p:spPr>
+          <a:xfrm>
+            <a:off x="6567218" y="3571082"/>
+            <a:ext cx="760502" cy="760502"/>
+          </a:xfrm>
+          <a:prstGeom prst="rect">
+            <a:avLst/>
+          </a:prstGeom>
+        </p:spPr>
+      </p:pic>
+      <p:pic>
+        <p:nvPicPr>
+          <p:cNvPr id="14" name="Picture 13">
+            <a:extLst>
+              <a:ext uri="{FF2B5EF4-FFF2-40B4-BE49-F238E27FC236}">
+                <a16:creationId xmlns:a16="http://schemas.microsoft.com/office/drawing/2014/main" id="{81667B42-1B7B-4AF9-BA6F-8AC8487746E4}"/>
+              </a:ext>
+            </a:extLst>
+          </p:cNvPr>
+          <p:cNvPicPr>
+            <a:picLocks noChangeAspect="1"/>
+          </p:cNvPicPr>
+          <p:nvPr/>
+        </p:nvPicPr>
+        <p:blipFill>
+          <a:blip r:embed="rId7">
+            <a:extLst>
+              <a:ext uri="{28A0092B-C50C-407E-A947-70E740481C1C}">
+                <a14:useLocalDpi xmlns:a14="http://schemas.microsoft.com/office/drawing/2010/main" val="0"/>
+              </a:ext>
+            </a:extLst>
+          </a:blip>
+          <a:stretch>
+            <a:fillRect/>
+          </a:stretch>
+        </p:blipFill>
+        <p:spPr>
+          <a:xfrm>
+            <a:off x="7518224" y="3571082"/>
+            <a:ext cx="760502" cy="760502"/>
+          </a:xfrm>
+          <a:prstGeom prst="rect">
+            <a:avLst/>
+          </a:prstGeom>
+        </p:spPr>
+      </p:pic>
+    </p:spTree>
+    <p:extLst>
+      <p:ext uri="{BB962C8B-B14F-4D97-AF65-F5344CB8AC3E}">
+        <p14:creationId xmlns:p14="http://schemas.microsoft.com/office/powerpoint/2010/main" val="1618839286"/>
+      </p:ext>
+    </p:extLst>
+  </p:cSld>
+  <p:clrMapOvr>
+    <a:masterClrMapping/>
+  </p:clrMapOvr>
+</p:sld>
+</file>
+
+<file path=ppt/slides/slide3.xml><?xml version="1.0" encoding="utf-8"?>
+<p:sld xmlns:a="http://schemas.openxmlformats.org/drawingml/2006/main" xmlns:r="http://schemas.openxmlformats.org/officeDocument/2006/relationships" xmlns:p="http://schemas.openxmlformats.org/presentationml/2006/main">
+  <p:cSld>
+    <p:bg>
+      <p:bgPr>
+        <a:solidFill>
+          <a:schemeClr val="tx1">
+            <a:lumMod val="85000"/>
+            <a:lumOff val="15000"/>
+          </a:schemeClr>
+        </a:solidFill>
+        <a:effectLst/>
+      </p:bgPr>
+    </p:bg>
+    <p:spTree>
+      <p:nvGrpSpPr>
+        <p:cNvPr id="1" name=""/>
+        <p:cNvGrpSpPr/>
+        <p:nvPr/>
+      </p:nvGrpSpPr>
+      <p:grpSpPr>
+        <a:xfrm>
+          <a:off x="0" y="0"/>
+          <a:ext cx="0" cy="0"/>
+          <a:chOff x="0" y="0"/>
+          <a:chExt cx="0" cy="0"/>
+        </a:xfrm>
+      </p:grpSpPr>
+      <p:sp>
+        <p:nvSpPr>
+          <p:cNvPr id="2" name="Title 1">
+            <a:extLst>
+              <a:ext uri="{FF2B5EF4-FFF2-40B4-BE49-F238E27FC236}">
                 <a16:creationId xmlns:a16="http://schemas.microsoft.com/office/drawing/2014/main" id="{36017D3D-0042-4BC6-92A9-9F4A35242BEC}"/>
               </a:ext>
             </a:extLst>
@@ -12348,17 +13605,59 @@
             <p:ph type="title"/>
           </p:nvPr>
         </p:nvSpPr>
+        <p:spPr/>
+        <p:txBody>
+          <a:bodyPr/>
+          <a:lstStyle/>
+          <a:p>
+            <a:pPr algn="ctr"/>
+            <a:r>
+              <a:rPr lang="th-TH" b="1" dirty="0">
+                <a:solidFill>
+                  <a:schemeClr val="bg1"/>
+                </a:solidFill>
+                <a:latin typeface="TH SarabunPSK" panose="020B0500040200020003" pitchFamily="34" charset="-34"/>
+                <a:cs typeface="TH SarabunPSK" panose="020B0500040200020003" pitchFamily="34" charset="-34"/>
+              </a:rPr>
+              <a:t>บทที่ 1 บทนำ</a:t>
+            </a:r>
+          </a:p>
+        </p:txBody>
+      </p:sp>
+      <p:sp>
+        <p:nvSpPr>
+          <p:cNvPr id="3" name="Content Placeholder 2">
+            <a:extLst>
+              <a:ext uri="{FF2B5EF4-FFF2-40B4-BE49-F238E27FC236}">
+                <a16:creationId xmlns:a16="http://schemas.microsoft.com/office/drawing/2014/main" id="{23E7C118-00F2-471D-BF9E-6DCF8E58FDD9}"/>
+              </a:ext>
+            </a:extLst>
+          </p:cNvPr>
+          <p:cNvSpPr>
+            <a:spLocks noGrp="1"/>
+          </p:cNvSpPr>
+          <p:nvPr>
+            <p:ph idx="1"/>
+          </p:nvPr>
+        </p:nvSpPr>
         <p:spPr>
           <a:xfrm>
-            <a:off x="838200" y="480885"/>
-            <a:ext cx="10515600" cy="1325563"/>
+            <a:off x="1771650" y="1690688"/>
+            <a:ext cx="8791575" cy="2628929"/>
           </a:xfrm>
         </p:spPr>
         <p:txBody>
-          <a:bodyPr/>
+          <a:bodyPr>
+            <a:normAutofit fontScale="55000" lnSpcReduction="20000"/>
+          </a:bodyPr>
           <a:lstStyle/>
           <a:p>
-            <a:pPr algn="ctr"/>
+            <a:pPr marL="0" indent="0" algn="thaiDist">
+              <a:lnSpc>
+                <a:spcPct val="120000"/>
+              </a:lnSpc>
+              <a:buNone/>
+            </a:pPr>
             <a:r>
               <a:rPr lang="th-TH" b="1" dirty="0">
                 <a:solidFill>
@@ -12367,8 +13666,45 @@
                 <a:latin typeface="TH SarabunPSK" panose="020B0500040200020003" pitchFamily="34" charset="-34"/>
                 <a:cs typeface="TH SarabunPSK" panose="020B0500040200020003" pitchFamily="34" charset="-34"/>
               </a:rPr>
-              <a:t>หลักการทำงานส่วนกิจกรรมเดิม</a:t>
-            </a:r>
+              <a:t> 	</a:t>
+            </a:r>
+            <a:r>
+              <a:rPr lang="th-TH" sz="3800" b="1" dirty="0">
+                <a:solidFill>
+                  <a:schemeClr val="bg1"/>
+                </a:solidFill>
+                <a:latin typeface="TH SarabunPSK" panose="020B0500040200020003" pitchFamily="34" charset="-34"/>
+                <a:cs typeface="TH SarabunPSK" panose="020B0500040200020003" pitchFamily="34" charset="-34"/>
+              </a:rPr>
+              <a:t> มหาวิทยาลัยเทคโนโลยีราชมงคลตะวันออก เน้นการจัดการศึกษาเพื่อให้บัณฑิตมีคุณลักษณะที่มีทักษะด้านช่าง อุตสาหกรรม การก่อสร้าง เทคโนโลยีสารสนเทศ วิศวกรรมศาสตร์ สถาปัตยกรรม การเกษตร การบริหารจัดการ และทักษะด้านธุรกิจ สามารถปฏิบัติงานได้จริง มีความคิดสร้างสรรค์ที่ทำให้สามารถประกอบอาชีพได้หลายอาชีพ โดยมีคณะในมหาวิทยาลัยที่เปิดสอนทั้งหมด 10 คณะ และประกอบด้วย 4 วิทยาเขต คือ วิทยาเขตบางพระ จังหวัดชลบุรี วิทยาเขตจักรพง</a:t>
+            </a:r>
+            <a:r>
+              <a:rPr lang="th-TH" sz="3800" b="1" dirty="0" err="1">
+                <a:solidFill>
+                  <a:schemeClr val="bg1"/>
+                </a:solidFill>
+                <a:latin typeface="TH SarabunPSK" panose="020B0500040200020003" pitchFamily="34" charset="-34"/>
+                <a:cs typeface="TH SarabunPSK" panose="020B0500040200020003" pitchFamily="34" charset="-34"/>
+              </a:rPr>
+              <a:t>ษภู</a:t>
+            </a:r>
+            <a:r>
+              <a:rPr lang="th-TH" sz="3800" b="1" dirty="0">
+                <a:solidFill>
+                  <a:schemeClr val="bg1"/>
+                </a:solidFill>
+                <a:latin typeface="TH SarabunPSK" panose="020B0500040200020003" pitchFamily="34" charset="-34"/>
+                <a:cs typeface="TH SarabunPSK" panose="020B0500040200020003" pitchFamily="34" charset="-34"/>
+              </a:rPr>
+              <a:t>วนารถ จังหวัดกรุงเทพมหานคร วิทยาเขตอุเทนถวาย จังหวัดกรุงเทพมหานคร วิทยาเขตจันทบุรี จังหวัดจันทบุรี ซึ่งแต่ละวิทยาเขตจะมีคณะที่เปิดสอนนักศึกษาที่แตกต่างกันออกไป </a:t>
+            </a:r>
+            <a:endParaRPr lang="th-TH" b="1" dirty="0">
+              <a:solidFill>
+                <a:schemeClr val="bg1"/>
+              </a:solidFill>
+              <a:latin typeface="TH SarabunPSK" panose="020B0500040200020003" pitchFamily="34" charset="-34"/>
+              <a:cs typeface="TH SarabunPSK" panose="020B0500040200020003" pitchFamily="34" charset="-34"/>
+            </a:endParaRPr>
           </a:p>
         </p:txBody>
       </p:sp>
@@ -12410,10 +13746,10 @@
       </p:pic>
       <p:pic>
         <p:nvPicPr>
-          <p:cNvPr id="12" name="Picture 11">
+          <p:cNvPr id="8" name="Picture 7">
             <a:extLst>
               <a:ext uri="{FF2B5EF4-FFF2-40B4-BE49-F238E27FC236}">
-                <a16:creationId xmlns:a16="http://schemas.microsoft.com/office/drawing/2014/main" id="{88B7B8B7-5E32-4DF3-AD28-872AB3F15BFB}"/>
+                <a16:creationId xmlns:a16="http://schemas.microsoft.com/office/drawing/2014/main" id="{48014E51-C07C-4656-907C-BABE7E659126}"/>
               </a:ext>
             </a:extLst>
           </p:cNvPr>
@@ -12436,490 +13772,8 @@
         </p:blipFill>
         <p:spPr>
           <a:xfrm>
-            <a:off x="2347491" y="2544396"/>
-            <a:ext cx="1033573" cy="1033573"/>
-          </a:xfrm>
-          <a:prstGeom prst="rect">
-            <a:avLst/>
-          </a:prstGeom>
-        </p:spPr>
-      </p:pic>
-      <p:pic>
-        <p:nvPicPr>
-          <p:cNvPr id="15" name="Picture 14">
-            <a:extLst>
-              <a:ext uri="{FF2B5EF4-FFF2-40B4-BE49-F238E27FC236}">
-                <a16:creationId xmlns:a16="http://schemas.microsoft.com/office/drawing/2014/main" id="{02B0CBF5-C938-4951-8E62-F073631828E9}"/>
-              </a:ext>
-            </a:extLst>
-          </p:cNvPr>
-          <p:cNvPicPr>
-            <a:picLocks noChangeAspect="1"/>
-          </p:cNvPicPr>
-          <p:nvPr/>
-        </p:nvPicPr>
-        <p:blipFill>
-          <a:blip r:embed="rId4">
-            <a:extLst>
-              <a:ext uri="{28A0092B-C50C-407E-A947-70E740481C1C}">
-                <a14:useLocalDpi xmlns:a14="http://schemas.microsoft.com/office/drawing/2010/main" val="0"/>
-              </a:ext>
-            </a:extLst>
-          </a:blip>
-          <a:stretch>
-            <a:fillRect/>
-          </a:stretch>
-        </p:blipFill>
-        <p:spPr>
-          <a:xfrm>
-            <a:off x="5785222" y="2606521"/>
-            <a:ext cx="906779" cy="909322"/>
-          </a:xfrm>
-          <a:prstGeom prst="rect">
-            <a:avLst/>
-          </a:prstGeom>
-        </p:spPr>
-      </p:pic>
-      <p:pic>
-        <p:nvPicPr>
-          <p:cNvPr id="5" name="Picture 4">
-            <a:extLst>
-              <a:ext uri="{FF2B5EF4-FFF2-40B4-BE49-F238E27FC236}">
-                <a16:creationId xmlns:a16="http://schemas.microsoft.com/office/drawing/2014/main" id="{21D0DFBB-3120-4EE7-8C93-1E2220F4B816}"/>
-              </a:ext>
-            </a:extLst>
-          </p:cNvPr>
-          <p:cNvPicPr>
-            <a:picLocks noChangeAspect="1"/>
-          </p:cNvPicPr>
-          <p:nvPr/>
-        </p:nvPicPr>
-        <p:blipFill>
-          <a:blip r:embed="rId5">
-            <a:extLst>
-              <a:ext uri="{28A0092B-C50C-407E-A947-70E740481C1C}">
-                <a14:useLocalDpi xmlns:a14="http://schemas.microsoft.com/office/drawing/2010/main" val="0"/>
-              </a:ext>
-            </a:extLst>
-          </a:blip>
-          <a:stretch>
-            <a:fillRect/>
-          </a:stretch>
-        </p:blipFill>
-        <p:spPr>
-          <a:xfrm>
-            <a:off x="3959604" y="4287474"/>
-            <a:ext cx="973996" cy="973996"/>
-          </a:xfrm>
-          <a:prstGeom prst="rect">
-            <a:avLst/>
-          </a:prstGeom>
-        </p:spPr>
-      </p:pic>
-      <p:pic>
-        <p:nvPicPr>
-          <p:cNvPr id="7" name="Picture 6">
-            <a:extLst>
-              <a:ext uri="{FF2B5EF4-FFF2-40B4-BE49-F238E27FC236}">
-                <a16:creationId xmlns:a16="http://schemas.microsoft.com/office/drawing/2014/main" id="{9013D2D4-6BBF-4830-A41A-22E954AD0B6B}"/>
-              </a:ext>
-            </a:extLst>
-          </p:cNvPr>
-          <p:cNvPicPr>
-            <a:picLocks noChangeAspect="1"/>
-          </p:cNvPicPr>
-          <p:nvPr/>
-        </p:nvPicPr>
-        <p:blipFill>
-          <a:blip r:embed="rId6">
-            <a:extLst>
-              <a:ext uri="{28A0092B-C50C-407E-A947-70E740481C1C}">
-                <a14:useLocalDpi xmlns:a14="http://schemas.microsoft.com/office/drawing/2010/main" val="0"/>
-              </a:ext>
-            </a:extLst>
-          </a:blip>
-          <a:stretch>
-            <a:fillRect/>
-          </a:stretch>
-        </p:blipFill>
-        <p:spPr>
-          <a:xfrm>
-            <a:off x="7419297" y="2465187"/>
-            <a:ext cx="486553" cy="486553"/>
-          </a:xfrm>
-          <a:prstGeom prst="rect">
-            <a:avLst/>
-          </a:prstGeom>
-        </p:spPr>
-      </p:pic>
-      <p:pic>
-        <p:nvPicPr>
-          <p:cNvPr id="24" name="Picture 23">
-            <a:extLst>
-              <a:ext uri="{FF2B5EF4-FFF2-40B4-BE49-F238E27FC236}">
-                <a16:creationId xmlns:a16="http://schemas.microsoft.com/office/drawing/2014/main" id="{A64A57EE-8DC3-476D-B7F9-571C1A9F4451}"/>
-              </a:ext>
-            </a:extLst>
-          </p:cNvPr>
-          <p:cNvPicPr>
-            <a:picLocks noChangeAspect="1"/>
-          </p:cNvPicPr>
-          <p:nvPr/>
-        </p:nvPicPr>
-        <p:blipFill>
-          <a:blip r:embed="rId3">
-            <a:extLst>
-              <a:ext uri="{28A0092B-C50C-407E-A947-70E740481C1C}">
-                <a14:useLocalDpi xmlns:a14="http://schemas.microsoft.com/office/drawing/2010/main" val="0"/>
-              </a:ext>
-            </a:extLst>
-          </a:blip>
-          <a:stretch>
-            <a:fillRect/>
-          </a:stretch>
-        </p:blipFill>
-        <p:spPr>
-          <a:xfrm>
-            <a:off x="9844509" y="2606521"/>
-            <a:ext cx="1033573" cy="1033573"/>
-          </a:xfrm>
-          <a:prstGeom prst="rect">
-            <a:avLst/>
-          </a:prstGeom>
-        </p:spPr>
-      </p:pic>
-      <p:pic>
-        <p:nvPicPr>
-          <p:cNvPr id="25" name="Picture 24">
-            <a:extLst>
-              <a:ext uri="{FF2B5EF4-FFF2-40B4-BE49-F238E27FC236}">
-                <a16:creationId xmlns:a16="http://schemas.microsoft.com/office/drawing/2014/main" id="{26533A79-309E-4461-8BF4-D54E207A986A}"/>
-              </a:ext>
-            </a:extLst>
-          </p:cNvPr>
-          <p:cNvPicPr>
-            <a:picLocks noChangeAspect="1"/>
-          </p:cNvPicPr>
-          <p:nvPr/>
-        </p:nvPicPr>
-        <p:blipFill>
-          <a:blip r:embed="rId3">
-            <a:extLst>
-              <a:ext uri="{28A0092B-C50C-407E-A947-70E740481C1C}">
-                <a14:useLocalDpi xmlns:a14="http://schemas.microsoft.com/office/drawing/2010/main" val="0"/>
-              </a:ext>
-            </a:extLst>
-          </a:blip>
-          <a:stretch>
-            <a:fillRect/>
-          </a:stretch>
-        </p:blipFill>
-        <p:spPr>
-          <a:xfrm>
-            <a:off x="9844509" y="4013867"/>
-            <a:ext cx="1033573" cy="1033573"/>
-          </a:xfrm>
-          <a:prstGeom prst="rect">
-            <a:avLst/>
-          </a:prstGeom>
-        </p:spPr>
-      </p:pic>
-      <p:pic>
-        <p:nvPicPr>
-          <p:cNvPr id="26" name="Picture 25">
-            <a:extLst>
-              <a:ext uri="{FF2B5EF4-FFF2-40B4-BE49-F238E27FC236}">
-                <a16:creationId xmlns:a16="http://schemas.microsoft.com/office/drawing/2014/main" id="{0F1BF430-7EDF-4EA2-97F5-E08F36C70C52}"/>
-              </a:ext>
-            </a:extLst>
-          </p:cNvPr>
-          <p:cNvPicPr>
-            <a:picLocks noChangeAspect="1"/>
-          </p:cNvPicPr>
-          <p:nvPr/>
-        </p:nvPicPr>
-        <p:blipFill>
-          <a:blip r:embed="rId3">
-            <a:extLst>
-              <a:ext uri="{28A0092B-C50C-407E-A947-70E740481C1C}">
-                <a14:useLocalDpi xmlns:a14="http://schemas.microsoft.com/office/drawing/2010/main" val="0"/>
-              </a:ext>
-            </a:extLst>
-          </a:blip>
-          <a:stretch>
-            <a:fillRect/>
-          </a:stretch>
-        </p:blipFill>
-        <p:spPr>
-          <a:xfrm>
-            <a:off x="9844508" y="5343542"/>
-            <a:ext cx="1033573" cy="1033573"/>
-          </a:xfrm>
-          <a:prstGeom prst="rect">
-            <a:avLst/>
-          </a:prstGeom>
-        </p:spPr>
-      </p:pic>
-      <p:sp>
-        <p:nvSpPr>
-          <p:cNvPr id="9" name="Arrow: Right 8">
-            <a:extLst>
-              <a:ext uri="{FF2B5EF4-FFF2-40B4-BE49-F238E27FC236}">
-                <a16:creationId xmlns:a16="http://schemas.microsoft.com/office/drawing/2014/main" id="{60C2FF91-8D91-4E18-896C-67B422679613}"/>
-              </a:ext>
-            </a:extLst>
-          </p:cNvPr>
-          <p:cNvSpPr/>
-          <p:nvPr/>
-        </p:nvSpPr>
-        <p:spPr>
-          <a:xfrm rot="2669172">
-            <a:off x="2832046" y="4088952"/>
-            <a:ext cx="1052363" cy="286025"/>
-          </a:xfrm>
-          <a:prstGeom prst="rightArrow">
-            <a:avLst/>
-          </a:prstGeom>
-        </p:spPr>
-        <p:style>
-          <a:lnRef idx="2">
-            <a:schemeClr val="accent1">
-              <a:shade val="50000"/>
-            </a:schemeClr>
-          </a:lnRef>
-          <a:fillRef idx="1">
-            <a:schemeClr val="accent1"/>
-          </a:fillRef>
-          <a:effectRef idx="0">
-            <a:schemeClr val="accent1"/>
-          </a:effectRef>
-          <a:fontRef idx="minor">
-            <a:schemeClr val="lt1"/>
-          </a:fontRef>
-        </p:style>
-        <p:txBody>
-          <a:bodyPr rtlCol="0" anchor="ctr"/>
-          <a:lstStyle/>
-          <a:p>
-            <a:pPr algn="ctr"/>
-            <a:endParaRPr lang="th-TH"/>
-          </a:p>
-        </p:txBody>
-      </p:sp>
-      <p:sp>
-        <p:nvSpPr>
-          <p:cNvPr id="27" name="Arrow: Right 26">
-            <a:extLst>
-              <a:ext uri="{FF2B5EF4-FFF2-40B4-BE49-F238E27FC236}">
-                <a16:creationId xmlns:a16="http://schemas.microsoft.com/office/drawing/2014/main" id="{2A678B90-2448-49CA-BA93-3B7CEFEB4FFF}"/>
-              </a:ext>
-            </a:extLst>
-          </p:cNvPr>
-          <p:cNvSpPr/>
-          <p:nvPr/>
-        </p:nvSpPr>
-        <p:spPr>
-          <a:xfrm rot="18668734">
-            <a:off x="4987101" y="3875483"/>
-            <a:ext cx="1052363" cy="286025"/>
-          </a:xfrm>
-          <a:prstGeom prst="rightArrow">
-            <a:avLst/>
-          </a:prstGeom>
-        </p:spPr>
-        <p:style>
-          <a:lnRef idx="2">
-            <a:schemeClr val="accent1">
-              <a:shade val="50000"/>
-            </a:schemeClr>
-          </a:lnRef>
-          <a:fillRef idx="1">
-            <a:schemeClr val="accent1"/>
-          </a:fillRef>
-          <a:effectRef idx="0">
-            <a:schemeClr val="accent1"/>
-          </a:effectRef>
-          <a:fontRef idx="minor">
-            <a:schemeClr val="lt1"/>
-          </a:fontRef>
-        </p:style>
-        <p:txBody>
-          <a:bodyPr rtlCol="0" anchor="ctr"/>
-          <a:lstStyle/>
-          <a:p>
-            <a:pPr algn="ctr"/>
-            <a:endParaRPr lang="th-TH"/>
-          </a:p>
-        </p:txBody>
-      </p:sp>
-      <p:sp>
-        <p:nvSpPr>
-          <p:cNvPr id="28" name="Arrow: Right 27">
-            <a:extLst>
-              <a:ext uri="{FF2B5EF4-FFF2-40B4-BE49-F238E27FC236}">
-                <a16:creationId xmlns:a16="http://schemas.microsoft.com/office/drawing/2014/main" id="{45ECDB8E-72AD-4D4E-961E-5BED500FF67A}"/>
-              </a:ext>
-            </a:extLst>
-          </p:cNvPr>
-          <p:cNvSpPr/>
-          <p:nvPr/>
-        </p:nvSpPr>
-        <p:spPr>
-          <a:xfrm>
-            <a:off x="7515964" y="3015114"/>
-            <a:ext cx="2156487" cy="286025"/>
-          </a:xfrm>
-          <a:prstGeom prst="rightArrow">
-            <a:avLst/>
-          </a:prstGeom>
-        </p:spPr>
-        <p:style>
-          <a:lnRef idx="2">
-            <a:schemeClr val="accent1">
-              <a:shade val="50000"/>
-            </a:schemeClr>
-          </a:lnRef>
-          <a:fillRef idx="1">
-            <a:schemeClr val="accent1"/>
-          </a:fillRef>
-          <a:effectRef idx="0">
-            <a:schemeClr val="accent1"/>
-          </a:effectRef>
-          <a:fontRef idx="minor">
-            <a:schemeClr val="lt1"/>
-          </a:fontRef>
-        </p:style>
-        <p:txBody>
-          <a:bodyPr rtlCol="0" anchor="ctr"/>
-          <a:lstStyle/>
-          <a:p>
-            <a:pPr algn="ctr"/>
-            <a:endParaRPr lang="th-TH"/>
-          </a:p>
-        </p:txBody>
-      </p:sp>
-      <p:sp>
-        <p:nvSpPr>
-          <p:cNvPr id="29" name="Arrow: Right 28">
-            <a:extLst>
-              <a:ext uri="{FF2B5EF4-FFF2-40B4-BE49-F238E27FC236}">
-                <a16:creationId xmlns:a16="http://schemas.microsoft.com/office/drawing/2014/main" id="{43712905-2712-414E-91E4-8397118B05E9}"/>
-              </a:ext>
-            </a:extLst>
-          </p:cNvPr>
-          <p:cNvSpPr/>
-          <p:nvPr/>
-        </p:nvSpPr>
-        <p:spPr>
-          <a:xfrm rot="1363262">
-            <a:off x="7473616" y="4001193"/>
-            <a:ext cx="2123053" cy="286025"/>
-          </a:xfrm>
-          <a:prstGeom prst="rightArrow">
-            <a:avLst/>
-          </a:prstGeom>
-        </p:spPr>
-        <p:style>
-          <a:lnRef idx="2">
-            <a:schemeClr val="accent1">
-              <a:shade val="50000"/>
-            </a:schemeClr>
-          </a:lnRef>
-          <a:fillRef idx="1">
-            <a:schemeClr val="accent1"/>
-          </a:fillRef>
-          <a:effectRef idx="0">
-            <a:schemeClr val="accent1"/>
-          </a:effectRef>
-          <a:fontRef idx="minor">
-            <a:schemeClr val="lt1"/>
-          </a:fontRef>
-        </p:style>
-        <p:txBody>
-          <a:bodyPr rtlCol="0" anchor="ctr"/>
-          <a:lstStyle/>
-          <a:p>
-            <a:pPr algn="ctr"/>
-            <a:endParaRPr lang="th-TH"/>
-          </a:p>
-        </p:txBody>
-      </p:sp>
-      <p:sp>
-        <p:nvSpPr>
-          <p:cNvPr id="30" name="Arrow: Right 29">
-            <a:extLst>
-              <a:ext uri="{FF2B5EF4-FFF2-40B4-BE49-F238E27FC236}">
-                <a16:creationId xmlns:a16="http://schemas.microsoft.com/office/drawing/2014/main" id="{E4570AA7-C32B-495D-9F12-8B3CF57353F3}"/>
-              </a:ext>
-            </a:extLst>
-          </p:cNvPr>
-          <p:cNvSpPr/>
-          <p:nvPr/>
-        </p:nvSpPr>
-        <p:spPr>
-          <a:xfrm rot="1620868">
-            <a:off x="7034349" y="4723850"/>
-            <a:ext cx="2337593" cy="286025"/>
-          </a:xfrm>
-          <a:prstGeom prst="rightArrow">
-            <a:avLst/>
-          </a:prstGeom>
-        </p:spPr>
-        <p:style>
-          <a:lnRef idx="2">
-            <a:schemeClr val="accent1">
-              <a:shade val="50000"/>
-            </a:schemeClr>
-          </a:lnRef>
-          <a:fillRef idx="1">
-            <a:schemeClr val="accent1"/>
-          </a:fillRef>
-          <a:effectRef idx="0">
-            <a:schemeClr val="accent1"/>
-          </a:effectRef>
-          <a:fontRef idx="minor">
-            <a:schemeClr val="lt1"/>
-          </a:fontRef>
-        </p:style>
-        <p:txBody>
-          <a:bodyPr rtlCol="0" anchor="ctr"/>
-          <a:lstStyle/>
-          <a:p>
-            <a:pPr algn="ctr"/>
-            <a:endParaRPr lang="th-TH"/>
-          </a:p>
-        </p:txBody>
-      </p:sp>
-      <p:pic>
-        <p:nvPicPr>
-          <p:cNvPr id="31" name="Picture 30">
-            <a:extLst>
-              <a:ext uri="{FF2B5EF4-FFF2-40B4-BE49-F238E27FC236}">
-                <a16:creationId xmlns:a16="http://schemas.microsoft.com/office/drawing/2014/main" id="{45EEC556-57D2-4CFC-834E-EB164DDB7429}"/>
-              </a:ext>
-            </a:extLst>
-          </p:cNvPr>
-          <p:cNvPicPr>
-            <a:picLocks noChangeAspect="1"/>
-          </p:cNvPicPr>
-          <p:nvPr/>
-        </p:nvPicPr>
-        <p:blipFill>
-          <a:blip r:embed="rId6">
-            <a:extLst>
-              <a:ext uri="{28A0092B-C50C-407E-A947-70E740481C1C}">
-                <a14:useLocalDpi xmlns:a14="http://schemas.microsoft.com/office/drawing/2010/main" val="0"/>
-              </a:ext>
-            </a:extLst>
-          </a:blip>
-          <a:stretch>
-            <a:fillRect/>
-          </a:stretch>
-        </p:blipFill>
-        <p:spPr>
-          <a:xfrm>
-            <a:off x="7716592" y="3298650"/>
-            <a:ext cx="486553" cy="486553"/>
+            <a:off x="3862978" y="3869462"/>
+            <a:ext cx="4466044" cy="2459955"/>
           </a:xfrm>
           <a:prstGeom prst="rect">
             <a:avLst/>
@@ -12929,13 +13783,792 @@
     </p:spTree>
     <p:extLst>
       <p:ext uri="{BB962C8B-B14F-4D97-AF65-F5344CB8AC3E}">
-        <p14:creationId xmlns:p14="http://schemas.microsoft.com/office/powerpoint/2010/main" val="2171815189"/>
+        <p14:creationId xmlns:p14="http://schemas.microsoft.com/office/powerpoint/2010/main" val="1827852681"/>
       </p:ext>
     </p:extLst>
   </p:cSld>
   <p:clrMapOvr>
     <a:masterClrMapping/>
   </p:clrMapOvr>
+  <mc:AlternateContent xmlns:mc="http://schemas.openxmlformats.org/markup-compatibility/2006" xmlns:p14="http://schemas.microsoft.com/office/powerpoint/2010/main">
+    <mc:Choice Requires="p14">
+      <p:transition spd="med" p14:dur="700">
+        <p:fade/>
+      </p:transition>
+    </mc:Choice>
+    <mc:Fallback xmlns="">
+      <p:transition spd="med">
+        <p:fade/>
+      </p:transition>
+    </mc:Fallback>
+  </mc:AlternateContent>
+</p:sld>
+</file>
+
+<file path=ppt/slides/slide4.xml><?xml version="1.0" encoding="utf-8"?>
+<p:sld xmlns:a="http://schemas.openxmlformats.org/drawingml/2006/main" xmlns:r="http://schemas.openxmlformats.org/officeDocument/2006/relationships" xmlns:p="http://schemas.openxmlformats.org/presentationml/2006/main">
+  <p:cSld>
+    <p:bg>
+      <p:bgPr>
+        <a:solidFill>
+          <a:schemeClr val="tx1">
+            <a:lumMod val="85000"/>
+            <a:lumOff val="15000"/>
+          </a:schemeClr>
+        </a:solidFill>
+        <a:effectLst/>
+      </p:bgPr>
+    </p:bg>
+    <p:spTree>
+      <p:nvGrpSpPr>
+        <p:cNvPr id="1" name=""/>
+        <p:cNvGrpSpPr/>
+        <p:nvPr/>
+      </p:nvGrpSpPr>
+      <p:grpSpPr>
+        <a:xfrm>
+          <a:off x="0" y="0"/>
+          <a:ext cx="0" cy="0"/>
+          <a:chOff x="0" y="0"/>
+          <a:chExt cx="0" cy="0"/>
+        </a:xfrm>
+      </p:grpSpPr>
+      <p:sp>
+        <p:nvSpPr>
+          <p:cNvPr id="2" name="Title 1">
+            <a:extLst>
+              <a:ext uri="{FF2B5EF4-FFF2-40B4-BE49-F238E27FC236}">
+                <a16:creationId xmlns:a16="http://schemas.microsoft.com/office/drawing/2014/main" id="{36017D3D-0042-4BC6-92A9-9F4A35242BEC}"/>
+              </a:ext>
+            </a:extLst>
+          </p:cNvPr>
+          <p:cNvSpPr>
+            <a:spLocks noGrp="1"/>
+          </p:cNvSpPr>
+          <p:nvPr>
+            <p:ph type="title"/>
+          </p:nvPr>
+        </p:nvSpPr>
+        <p:spPr/>
+        <p:txBody>
+          <a:bodyPr/>
+          <a:lstStyle/>
+          <a:p>
+            <a:pPr algn="ctr"/>
+            <a:r>
+              <a:rPr lang="th-TH" b="1" dirty="0">
+                <a:solidFill>
+                  <a:schemeClr val="bg1"/>
+                </a:solidFill>
+                <a:latin typeface="TH SarabunPSK" panose="020B0500040200020003" pitchFamily="34" charset="-34"/>
+                <a:cs typeface="TH SarabunPSK" panose="020B0500040200020003" pitchFamily="34" charset="-34"/>
+              </a:rPr>
+              <a:t>บทที่ 1 บทนำ</a:t>
+            </a:r>
+          </a:p>
+        </p:txBody>
+      </p:sp>
+      <p:sp>
+        <p:nvSpPr>
+          <p:cNvPr id="3" name="Content Placeholder 2">
+            <a:extLst>
+              <a:ext uri="{FF2B5EF4-FFF2-40B4-BE49-F238E27FC236}">
+                <a16:creationId xmlns:a16="http://schemas.microsoft.com/office/drawing/2014/main" id="{23E7C118-00F2-471D-BF9E-6DCF8E58FDD9}"/>
+              </a:ext>
+            </a:extLst>
+          </p:cNvPr>
+          <p:cNvSpPr>
+            <a:spLocks noGrp="1"/>
+          </p:cNvSpPr>
+          <p:nvPr>
+            <p:ph idx="1"/>
+          </p:nvPr>
+        </p:nvSpPr>
+        <p:spPr>
+          <a:xfrm>
+            <a:off x="1814379" y="1528038"/>
+            <a:ext cx="8791575" cy="2628929"/>
+          </a:xfrm>
+        </p:spPr>
+        <p:txBody>
+          <a:bodyPr>
+            <a:noAutofit/>
+          </a:bodyPr>
+          <a:lstStyle/>
+          <a:p>
+            <a:pPr marL="0" indent="0" algn="thaiDist">
+              <a:lnSpc>
+                <a:spcPct val="120000"/>
+              </a:lnSpc>
+              <a:buNone/>
+            </a:pPr>
+            <a:r>
+              <a:rPr lang="th-TH" sz="2000" b="1" dirty="0">
+                <a:solidFill>
+                  <a:schemeClr val="bg1"/>
+                </a:solidFill>
+                <a:latin typeface="TH SarabunPSK" panose="020B0500040200020003" pitchFamily="34" charset="-34"/>
+                <a:cs typeface="TH SarabunPSK" panose="020B0500040200020003" pitchFamily="34" charset="-34"/>
+              </a:rPr>
+              <a:t>		มหาวิทยาลัยเทคโนโลยีราชมงคลตะวันออก ในแต่ละวิทยาเขตก็จะมีการกำหนดการเข้าร่วมกิจกรรมของนักศึกษาในขณะที่ทำการศึกษาอยู่ในมหาวิทยาลัย ซึ่งหากถ้านักศึกษาไม่สามารถเก็บจำนวนกิจกรรมครบตามที่กำหนดไว้ จะไม่สามารถจบการศึกษาได้ และในการเข้าร่วมกิจกรรมในแต่ละครั้งนักศึกษาต้องนำสมุดบันทึกกิจกรรมของตัวเองมาให้ทาง สโมสรนักศึกษาในแต่ละคณะทำการลงตราประทับ เพื่อเป็นการยืนยันว่านักศึกษาคนนั้นทำการเข้าร่วมกิจกรรมแล้ว ซึ่งด้วยความที่ใช้สมุดบันทึกกิจกรรม สโมสรนักศึกษาจะทำการรวบรวมสมุดกิจกรรมและแบ่งเอาไว้ตามสาขาและลงตราประทับทีหลัง ซึ่งทำให้เวลาการลงตราประทับคลาดเคลื่อน และอาจจะก่อให้เกิดปัญหาการสูญหายของสมุดบันทึกกิจกรรมนักศึกษา และทำให้เกิดการต้องเก็บกิจกรรมใหม่ตั้งแต่ต้นซึ่งทำให้เสียเวลาทั้งนักศึกษา และสโมสรนักศึกษาที่ต้องมาจัดการสมุดกิจกรรมใหม่ ซึ่งการพัฒนาแอ</a:t>
+            </a:r>
+            <a:r>
+              <a:rPr lang="th-TH" sz="2000" b="1" dirty="0" err="1">
+                <a:solidFill>
+                  <a:schemeClr val="bg1"/>
+                </a:solidFill>
+                <a:latin typeface="TH SarabunPSK" panose="020B0500040200020003" pitchFamily="34" charset="-34"/>
+                <a:cs typeface="TH SarabunPSK" panose="020B0500040200020003" pitchFamily="34" charset="-34"/>
+              </a:rPr>
+              <a:t>ป</a:t>
+            </a:r>
+            <a:r>
+              <a:rPr lang="th-TH" sz="2000" b="1" dirty="0">
+                <a:solidFill>
+                  <a:schemeClr val="bg1"/>
+                </a:solidFill>
+                <a:latin typeface="TH SarabunPSK" panose="020B0500040200020003" pitchFamily="34" charset="-34"/>
+                <a:cs typeface="TH SarabunPSK" panose="020B0500040200020003" pitchFamily="34" charset="-34"/>
+              </a:rPr>
+              <a:t>พลิ</a:t>
+            </a:r>
+            <a:r>
+              <a:rPr lang="th-TH" sz="2000" b="1" dirty="0" err="1">
+                <a:solidFill>
+                  <a:schemeClr val="bg1"/>
+                </a:solidFill>
+                <a:latin typeface="TH SarabunPSK" panose="020B0500040200020003" pitchFamily="34" charset="-34"/>
+                <a:cs typeface="TH SarabunPSK" panose="020B0500040200020003" pitchFamily="34" charset="-34"/>
+              </a:rPr>
+              <a:t>เค</a:t>
+            </a:r>
+            <a:r>
+              <a:rPr lang="th-TH" sz="2000" b="1" dirty="0">
+                <a:solidFill>
+                  <a:schemeClr val="bg1"/>
+                </a:solidFill>
+                <a:latin typeface="TH SarabunPSK" panose="020B0500040200020003" pitchFamily="34" charset="-34"/>
+                <a:cs typeface="TH SarabunPSK" panose="020B0500040200020003" pitchFamily="34" charset="-34"/>
+              </a:rPr>
+              <a:t>ชันจะมาแก้ไขในส่วนนี้ รวมถึงปัญหาของผู้ประกอบการค้าในมหาวิทยาลัยนั้น เช่น ร้านค้าน้ำ ร้านค้าอาหาร รวมถึงร้านค้าอุปกรณ์การเรียน เป็นต้น ด้วยความที่นักศึกษาแต่ละคนชำระเงิน และยืนรอเงินทอนด้วยระยะเวลาในการรับประทานอาหารที่มีจำกัด ทำให้เกิดปัญหาการต่อแถวยาวและเกิดความวุ่นวายได้</a:t>
+            </a:r>
+          </a:p>
+          <a:p>
+            <a:pPr marL="0" indent="0" algn="thaiDist">
+              <a:lnSpc>
+                <a:spcPct val="120000"/>
+              </a:lnSpc>
+              <a:buNone/>
+            </a:pPr>
+            <a:endParaRPr lang="th-TH" sz="2000" b="1" dirty="0">
+              <a:solidFill>
+                <a:schemeClr val="bg1"/>
+              </a:solidFill>
+              <a:latin typeface="TH SarabunPSK" panose="020B0500040200020003" pitchFamily="34" charset="-34"/>
+              <a:cs typeface="TH SarabunPSK" panose="020B0500040200020003" pitchFamily="34" charset="-34"/>
+            </a:endParaRPr>
+          </a:p>
+        </p:txBody>
+      </p:sp>
+      <p:pic>
+        <p:nvPicPr>
+          <p:cNvPr id="4" name="Picture 3">
+            <a:extLst>
+              <a:ext uri="{FF2B5EF4-FFF2-40B4-BE49-F238E27FC236}">
+                <a16:creationId xmlns:a16="http://schemas.microsoft.com/office/drawing/2014/main" id="{90ADEC6B-FDB4-4129-AF06-7F9AAD11D107}"/>
+              </a:ext>
+            </a:extLst>
+          </p:cNvPr>
+          <p:cNvPicPr>
+            <a:picLocks noChangeAspect="1"/>
+          </p:cNvPicPr>
+          <p:nvPr/>
+        </p:nvPicPr>
+        <p:blipFill>
+          <a:blip r:embed="rId2">
+            <a:extLst>
+              <a:ext uri="{28A0092B-C50C-407E-A947-70E740481C1C}">
+                <a14:useLocalDpi xmlns:a14="http://schemas.microsoft.com/office/drawing/2010/main" val="0"/>
+              </a:ext>
+            </a:extLst>
+          </a:blip>
+          <a:stretch>
+            <a:fillRect/>
+          </a:stretch>
+        </p:blipFill>
+        <p:spPr>
+          <a:xfrm>
+            <a:off x="2109787" y="1438207"/>
+            <a:ext cx="7591425" cy="89831"/>
+          </a:xfrm>
+          <a:prstGeom prst="rect">
+            <a:avLst/>
+          </a:prstGeom>
+        </p:spPr>
+      </p:pic>
+    </p:spTree>
+    <p:extLst>
+      <p:ext uri="{BB962C8B-B14F-4D97-AF65-F5344CB8AC3E}">
+        <p14:creationId xmlns:p14="http://schemas.microsoft.com/office/powerpoint/2010/main" val="452979954"/>
+      </p:ext>
+    </p:extLst>
+  </p:cSld>
+  <p:clrMapOvr>
+    <a:masterClrMapping/>
+  </p:clrMapOvr>
+  <mc:AlternateContent xmlns:mc="http://schemas.openxmlformats.org/markup-compatibility/2006" xmlns:p14="http://schemas.microsoft.com/office/powerpoint/2010/main">
+    <mc:Choice Requires="p14">
+      <p:transition spd="med" p14:dur="700">
+        <p:fade/>
+      </p:transition>
+    </mc:Choice>
+    <mc:Fallback xmlns="">
+      <p:transition spd="med">
+        <p:fade/>
+      </p:transition>
+    </mc:Fallback>
+  </mc:AlternateContent>
+</p:sld>
+</file>
+
+<file path=ppt/slides/slide5.xml><?xml version="1.0" encoding="utf-8"?>
+<p:sld xmlns:a="http://schemas.openxmlformats.org/drawingml/2006/main" xmlns:r="http://schemas.openxmlformats.org/officeDocument/2006/relationships" xmlns:p="http://schemas.openxmlformats.org/presentationml/2006/main">
+  <p:cSld>
+    <p:bg>
+      <p:bgPr>
+        <a:solidFill>
+          <a:schemeClr val="tx1">
+            <a:lumMod val="85000"/>
+            <a:lumOff val="15000"/>
+          </a:schemeClr>
+        </a:solidFill>
+        <a:effectLst/>
+      </p:bgPr>
+    </p:bg>
+    <p:spTree>
+      <p:nvGrpSpPr>
+        <p:cNvPr id="1" name=""/>
+        <p:cNvGrpSpPr/>
+        <p:nvPr/>
+      </p:nvGrpSpPr>
+      <p:grpSpPr>
+        <a:xfrm>
+          <a:off x="0" y="0"/>
+          <a:ext cx="0" cy="0"/>
+          <a:chOff x="0" y="0"/>
+          <a:chExt cx="0" cy="0"/>
+        </a:xfrm>
+      </p:grpSpPr>
+      <p:sp>
+        <p:nvSpPr>
+          <p:cNvPr id="2" name="Title 1">
+            <a:extLst>
+              <a:ext uri="{FF2B5EF4-FFF2-40B4-BE49-F238E27FC236}">
+                <a16:creationId xmlns:a16="http://schemas.microsoft.com/office/drawing/2014/main" id="{36017D3D-0042-4BC6-92A9-9F4A35242BEC}"/>
+              </a:ext>
+            </a:extLst>
+          </p:cNvPr>
+          <p:cNvSpPr>
+            <a:spLocks noGrp="1"/>
+          </p:cNvSpPr>
+          <p:nvPr>
+            <p:ph type="title"/>
+          </p:nvPr>
+        </p:nvSpPr>
+        <p:spPr/>
+        <p:txBody>
+          <a:bodyPr/>
+          <a:lstStyle/>
+          <a:p>
+            <a:pPr algn="ctr"/>
+            <a:r>
+              <a:rPr lang="th-TH" b="1" dirty="0">
+                <a:solidFill>
+                  <a:schemeClr val="bg1"/>
+                </a:solidFill>
+                <a:latin typeface="TH SarabunPSK" panose="020B0500040200020003" pitchFamily="34" charset="-34"/>
+                <a:cs typeface="TH SarabunPSK" panose="020B0500040200020003" pitchFamily="34" charset="-34"/>
+              </a:rPr>
+              <a:t>บทที่ 1 บทนำ</a:t>
+            </a:r>
+          </a:p>
+        </p:txBody>
+      </p:sp>
+      <p:sp>
+        <p:nvSpPr>
+          <p:cNvPr id="3" name="Content Placeholder 2">
+            <a:extLst>
+              <a:ext uri="{FF2B5EF4-FFF2-40B4-BE49-F238E27FC236}">
+                <a16:creationId xmlns:a16="http://schemas.microsoft.com/office/drawing/2014/main" id="{23E7C118-00F2-471D-BF9E-6DCF8E58FDD9}"/>
+              </a:ext>
+            </a:extLst>
+          </p:cNvPr>
+          <p:cNvSpPr>
+            <a:spLocks noGrp="1"/>
+          </p:cNvSpPr>
+          <p:nvPr>
+            <p:ph idx="1"/>
+          </p:nvPr>
+        </p:nvSpPr>
+        <p:spPr>
+          <a:xfrm>
+            <a:off x="1814379" y="1528038"/>
+            <a:ext cx="8791575" cy="2628929"/>
+          </a:xfrm>
+        </p:spPr>
+        <p:txBody>
+          <a:bodyPr>
+            <a:noAutofit/>
+          </a:bodyPr>
+          <a:lstStyle/>
+          <a:p>
+            <a:pPr marL="0" indent="0" algn="thaiDist">
+              <a:lnSpc>
+                <a:spcPct val="120000"/>
+              </a:lnSpc>
+              <a:buNone/>
+            </a:pPr>
+            <a:r>
+              <a:rPr lang="th-TH" sz="2000" b="1" dirty="0">
+                <a:solidFill>
+                  <a:schemeClr val="bg1"/>
+                </a:solidFill>
+                <a:latin typeface="TH SarabunPSK" panose="020B0500040200020003" pitchFamily="34" charset="-34"/>
+                <a:cs typeface="TH SarabunPSK" panose="020B0500040200020003" pitchFamily="34" charset="-34"/>
+              </a:rPr>
+              <a:t>	จึงมีแนวคิดการพัฒนาระบบกระเป๋าตัง และข้อมูลส่วนตัวของนักศึกษา เป็นเว็บแอปพลิเคชันและโมบายแอปพลิเคชัน โดยเว็บแอปพลิเคชันและแอปพลิเคชันบนสมาร์ทโฟน จะพัฒนาด้วยโปรแกรม </a:t>
+            </a:r>
+            <a:r>
+              <a:rPr lang="en-US" sz="2000" b="1" dirty="0">
+                <a:solidFill>
+                  <a:schemeClr val="bg1"/>
+                </a:solidFill>
+                <a:latin typeface="TH SarabunPSK" panose="020B0500040200020003" pitchFamily="34" charset="-34"/>
+                <a:cs typeface="TH SarabunPSK" panose="020B0500040200020003" pitchFamily="34" charset="-34"/>
+              </a:rPr>
+              <a:t>Visual Studio Code </a:t>
+            </a:r>
+            <a:r>
+              <a:rPr lang="th-TH" sz="2000" b="1" dirty="0">
+                <a:solidFill>
+                  <a:schemeClr val="bg1"/>
+                </a:solidFill>
+                <a:latin typeface="TH SarabunPSK" panose="020B0500040200020003" pitchFamily="34" charset="-34"/>
+                <a:cs typeface="TH SarabunPSK" panose="020B0500040200020003" pitchFamily="34" charset="-34"/>
+              </a:rPr>
+              <a:t>เป็นโปรแกรม </a:t>
+            </a:r>
+            <a:r>
+              <a:rPr lang="en-US" sz="2000" b="1" dirty="0">
+                <a:solidFill>
+                  <a:schemeClr val="bg1"/>
+                </a:solidFill>
+                <a:latin typeface="TH SarabunPSK" panose="020B0500040200020003" pitchFamily="34" charset="-34"/>
+                <a:cs typeface="TH SarabunPSK" panose="020B0500040200020003" pitchFamily="34" charset="-34"/>
+              </a:rPr>
+              <a:t>Code Editing </a:t>
+            </a:r>
+            <a:r>
+              <a:rPr lang="th-TH" sz="2000" b="1" dirty="0">
+                <a:solidFill>
+                  <a:schemeClr val="bg1"/>
+                </a:solidFill>
+                <a:latin typeface="TH SarabunPSK" panose="020B0500040200020003" pitchFamily="34" charset="-34"/>
+                <a:cs typeface="TH SarabunPSK" panose="020B0500040200020003" pitchFamily="34" charset="-34"/>
+              </a:rPr>
+              <a:t>และใช้ภาษา </a:t>
+            </a:r>
+            <a:r>
+              <a:rPr lang="en-US" sz="2000" b="1" dirty="0">
+                <a:solidFill>
+                  <a:schemeClr val="bg1"/>
+                </a:solidFill>
+                <a:latin typeface="TH SarabunPSK" panose="020B0500040200020003" pitchFamily="34" charset="-34"/>
+                <a:cs typeface="TH SarabunPSK" panose="020B0500040200020003" pitchFamily="34" charset="-34"/>
+              </a:rPr>
+              <a:t>PHP </a:t>
+            </a:r>
+            <a:r>
+              <a:rPr lang="th-TH" sz="2000" b="1" dirty="0">
+                <a:solidFill>
+                  <a:schemeClr val="bg1"/>
+                </a:solidFill>
+                <a:latin typeface="TH SarabunPSK" panose="020B0500040200020003" pitchFamily="34" charset="-34"/>
+                <a:cs typeface="TH SarabunPSK" panose="020B0500040200020003" pitchFamily="34" charset="-34"/>
+              </a:rPr>
+              <a:t>โดยใช้ </a:t>
+            </a:r>
+            <a:r>
+              <a:rPr lang="en-US" sz="2000" b="1" dirty="0" err="1">
+                <a:solidFill>
+                  <a:schemeClr val="bg1"/>
+                </a:solidFill>
+                <a:latin typeface="TH SarabunPSK" panose="020B0500040200020003" pitchFamily="34" charset="-34"/>
+                <a:cs typeface="TH SarabunPSK" panose="020B0500040200020003" pitchFamily="34" charset="-34"/>
+              </a:rPr>
+              <a:t>Codeigniter</a:t>
+            </a:r>
+            <a:r>
+              <a:rPr lang="en-US" sz="2000" b="1" dirty="0">
+                <a:solidFill>
+                  <a:schemeClr val="bg1"/>
+                </a:solidFill>
+                <a:latin typeface="TH SarabunPSK" panose="020B0500040200020003" pitchFamily="34" charset="-34"/>
+                <a:cs typeface="TH SarabunPSK" panose="020B0500040200020003" pitchFamily="34" charset="-34"/>
+              </a:rPr>
+              <a:t> Frame Work </a:t>
+            </a:r>
+            <a:r>
+              <a:rPr lang="th-TH" sz="2000" b="1" dirty="0">
+                <a:solidFill>
+                  <a:schemeClr val="bg1"/>
+                </a:solidFill>
+                <a:latin typeface="TH SarabunPSK" panose="020B0500040200020003" pitchFamily="34" charset="-34"/>
+                <a:cs typeface="TH SarabunPSK" panose="020B0500040200020003" pitchFamily="34" charset="-34"/>
+              </a:rPr>
+              <a:t>ในการช่วยเขียนเว็บแอปพลิเคชัน ในการเขียนแอปพลิเคชันบนสมาร์ทโฟนใช้ </a:t>
+            </a:r>
+            <a:r>
+              <a:rPr lang="en-US" sz="2000" b="1" dirty="0">
+                <a:solidFill>
+                  <a:schemeClr val="bg1"/>
+                </a:solidFill>
+                <a:latin typeface="TH SarabunPSK" panose="020B0500040200020003" pitchFamily="34" charset="-34"/>
+                <a:cs typeface="TH SarabunPSK" panose="020B0500040200020003" pitchFamily="34" charset="-34"/>
+              </a:rPr>
+              <a:t>Flutter Frame Work </a:t>
+            </a:r>
+            <a:r>
+              <a:rPr lang="th-TH" sz="2000" b="1" dirty="0">
+                <a:solidFill>
+                  <a:schemeClr val="bg1"/>
+                </a:solidFill>
+                <a:latin typeface="TH SarabunPSK" panose="020B0500040200020003" pitchFamily="34" charset="-34"/>
+                <a:cs typeface="TH SarabunPSK" panose="020B0500040200020003" pitchFamily="34" charset="-34"/>
+              </a:rPr>
+              <a:t>และเชื่อมระหว่าง 2 </a:t>
+            </a:r>
+            <a:r>
+              <a:rPr lang="en-US" sz="2000" b="1" dirty="0">
+                <a:solidFill>
+                  <a:schemeClr val="bg1"/>
+                </a:solidFill>
+                <a:latin typeface="TH SarabunPSK" panose="020B0500040200020003" pitchFamily="34" charset="-34"/>
+                <a:cs typeface="TH SarabunPSK" panose="020B0500040200020003" pitchFamily="34" charset="-34"/>
+              </a:rPr>
+              <a:t>Platform </a:t>
+            </a:r>
+            <a:r>
+              <a:rPr lang="th-TH" sz="2000" b="1" dirty="0">
+                <a:solidFill>
+                  <a:schemeClr val="bg1"/>
+                </a:solidFill>
+                <a:latin typeface="TH SarabunPSK" panose="020B0500040200020003" pitchFamily="34" charset="-34"/>
+                <a:cs typeface="TH SarabunPSK" panose="020B0500040200020003" pitchFamily="34" charset="-34"/>
+              </a:rPr>
+              <a:t>นี้จะเชื่อมกันโดยใช้เทคการทำ </a:t>
+            </a:r>
+            <a:r>
+              <a:rPr lang="en-US" sz="2000" b="1" dirty="0">
+                <a:solidFill>
+                  <a:schemeClr val="bg1"/>
+                </a:solidFill>
+                <a:latin typeface="TH SarabunPSK" panose="020B0500040200020003" pitchFamily="34" charset="-34"/>
+                <a:cs typeface="TH SarabunPSK" panose="020B0500040200020003" pitchFamily="34" charset="-34"/>
+              </a:rPr>
+              <a:t>Web Service </a:t>
+            </a:r>
+            <a:r>
+              <a:rPr lang="th-TH" sz="2000" b="1" dirty="0">
+                <a:solidFill>
+                  <a:schemeClr val="bg1"/>
+                </a:solidFill>
+                <a:latin typeface="TH SarabunPSK" panose="020B0500040200020003" pitchFamily="34" charset="-34"/>
+                <a:cs typeface="TH SarabunPSK" panose="020B0500040200020003" pitchFamily="34" charset="-34"/>
+              </a:rPr>
+              <a:t>โดยจัดเก็บข้อมูลลงในฐานข้อมูล </a:t>
+            </a:r>
+            <a:r>
+              <a:rPr lang="en-US" sz="2000" b="1" dirty="0">
+                <a:solidFill>
+                  <a:schemeClr val="bg1"/>
+                </a:solidFill>
+                <a:latin typeface="TH SarabunPSK" panose="020B0500040200020003" pitchFamily="34" charset="-34"/>
+                <a:cs typeface="TH SarabunPSK" panose="020B0500040200020003" pitchFamily="34" charset="-34"/>
+              </a:rPr>
+              <a:t>MySQL API </a:t>
+            </a:r>
+            <a:r>
+              <a:rPr lang="th-TH" sz="2000" b="1" dirty="0">
+                <a:solidFill>
+                  <a:schemeClr val="bg1"/>
+                </a:solidFill>
+                <a:latin typeface="TH SarabunPSK" panose="020B0500040200020003" pitchFamily="34" charset="-34"/>
+                <a:cs typeface="TH SarabunPSK" panose="020B0500040200020003" pitchFamily="34" charset="-34"/>
+              </a:rPr>
+              <a:t>เพื่อช่วยในการจัดการของระบบได้อย่างมีประสิทธิภาพมากขึ้น และลดความซับซ้อนของข้อมูลได้ดียิ่งขึ้น</a:t>
+            </a:r>
+          </a:p>
+        </p:txBody>
+      </p:sp>
+      <p:pic>
+        <p:nvPicPr>
+          <p:cNvPr id="4" name="Picture 3">
+            <a:extLst>
+              <a:ext uri="{FF2B5EF4-FFF2-40B4-BE49-F238E27FC236}">
+                <a16:creationId xmlns:a16="http://schemas.microsoft.com/office/drawing/2014/main" id="{90ADEC6B-FDB4-4129-AF06-7F9AAD11D107}"/>
+              </a:ext>
+            </a:extLst>
+          </p:cNvPr>
+          <p:cNvPicPr>
+            <a:picLocks noChangeAspect="1"/>
+          </p:cNvPicPr>
+          <p:nvPr/>
+        </p:nvPicPr>
+        <p:blipFill>
+          <a:blip r:embed="rId2">
+            <a:extLst>
+              <a:ext uri="{28A0092B-C50C-407E-A947-70E740481C1C}">
+                <a14:useLocalDpi xmlns:a14="http://schemas.microsoft.com/office/drawing/2010/main" val="0"/>
+              </a:ext>
+            </a:extLst>
+          </a:blip>
+          <a:stretch>
+            <a:fillRect/>
+          </a:stretch>
+        </p:blipFill>
+        <p:spPr>
+          <a:xfrm>
+            <a:off x="2109787" y="1438207"/>
+            <a:ext cx="7591425" cy="89831"/>
+          </a:xfrm>
+          <a:prstGeom prst="rect">
+            <a:avLst/>
+          </a:prstGeom>
+        </p:spPr>
+      </p:pic>
+      <p:pic>
+        <p:nvPicPr>
+          <p:cNvPr id="11" name="รูปภาพ 10">
+            <a:extLst>
+              <a:ext uri="{FF2B5EF4-FFF2-40B4-BE49-F238E27FC236}">
+                <a16:creationId xmlns:a16="http://schemas.microsoft.com/office/drawing/2014/main" id="{B77F2DF0-7D42-134A-BE45-EBF2698EA61D}"/>
+              </a:ext>
+            </a:extLst>
+          </p:cNvPr>
+          <p:cNvPicPr>
+            <a:picLocks noChangeAspect="1"/>
+          </p:cNvPicPr>
+          <p:nvPr/>
+        </p:nvPicPr>
+        <p:blipFill>
+          <a:blip r:embed="rId3">
+            <a:extLst>
+              <a:ext uri="{28A0092B-C50C-407E-A947-70E740481C1C}">
+                <a14:useLocalDpi xmlns:a14="http://schemas.microsoft.com/office/drawing/2010/main" val="0"/>
+              </a:ext>
+            </a:extLst>
+          </a:blip>
+          <a:stretch>
+            <a:fillRect/>
+          </a:stretch>
+        </p:blipFill>
+        <p:spPr>
+          <a:xfrm>
+            <a:off x="5239700" y="4588251"/>
+            <a:ext cx="970466" cy="970466"/>
+          </a:xfrm>
+          <a:prstGeom prst="rect">
+            <a:avLst/>
+          </a:prstGeom>
+        </p:spPr>
+      </p:pic>
+      <p:pic>
+        <p:nvPicPr>
+          <p:cNvPr id="13" name="รูปภาพ 12">
+            <a:extLst>
+              <a:ext uri="{FF2B5EF4-FFF2-40B4-BE49-F238E27FC236}">
+                <a16:creationId xmlns:a16="http://schemas.microsoft.com/office/drawing/2014/main" id="{99EC1D4C-918F-294C-A2A4-94B03B6F27C0}"/>
+              </a:ext>
+            </a:extLst>
+          </p:cNvPr>
+          <p:cNvPicPr>
+            <a:picLocks noChangeAspect="1"/>
+          </p:cNvPicPr>
+          <p:nvPr/>
+        </p:nvPicPr>
+        <p:blipFill>
+          <a:blip r:embed="rId4">
+            <a:extLst>
+              <a:ext uri="{28A0092B-C50C-407E-A947-70E740481C1C}">
+                <a14:useLocalDpi xmlns:a14="http://schemas.microsoft.com/office/drawing/2010/main" val="0"/>
+              </a:ext>
+            </a:extLst>
+          </a:blip>
+          <a:stretch>
+            <a:fillRect/>
+          </a:stretch>
+        </p:blipFill>
+        <p:spPr>
+          <a:xfrm>
+            <a:off x="7940559" y="4438484"/>
+            <a:ext cx="1270000" cy="1270000"/>
+          </a:xfrm>
+          <a:prstGeom prst="rect">
+            <a:avLst/>
+          </a:prstGeom>
+        </p:spPr>
+      </p:pic>
+      <p:pic>
+        <p:nvPicPr>
+          <p:cNvPr id="17" name="รูปภาพ 16">
+            <a:extLst>
+              <a:ext uri="{FF2B5EF4-FFF2-40B4-BE49-F238E27FC236}">
+                <a16:creationId xmlns:a16="http://schemas.microsoft.com/office/drawing/2014/main" id="{7829712F-527D-B747-93C8-73B6050A21BD}"/>
+              </a:ext>
+            </a:extLst>
+          </p:cNvPr>
+          <p:cNvPicPr>
+            <a:picLocks noChangeAspect="1"/>
+          </p:cNvPicPr>
+          <p:nvPr/>
+        </p:nvPicPr>
+        <p:blipFill>
+          <a:blip r:embed="rId5">
+            <a:extLst>
+              <a:ext uri="{28A0092B-C50C-407E-A947-70E740481C1C}">
+                <a14:useLocalDpi xmlns:a14="http://schemas.microsoft.com/office/drawing/2010/main" val="0"/>
+              </a:ext>
+            </a:extLst>
+          </a:blip>
+          <a:stretch>
+            <a:fillRect/>
+          </a:stretch>
+        </p:blipFill>
+        <p:spPr>
+          <a:xfrm>
+            <a:off x="2602300" y="4438484"/>
+            <a:ext cx="1270000" cy="1270000"/>
+          </a:xfrm>
+          <a:prstGeom prst="rect">
+            <a:avLst/>
+          </a:prstGeom>
+        </p:spPr>
+      </p:pic>
+      <p:sp>
+        <p:nvSpPr>
+          <p:cNvPr id="18" name="ลูกศรขวา 17">
+            <a:extLst>
+              <a:ext uri="{FF2B5EF4-FFF2-40B4-BE49-F238E27FC236}">
+                <a16:creationId xmlns:a16="http://schemas.microsoft.com/office/drawing/2014/main" id="{1C4A56E9-B2A6-DF45-A2F2-B323DF56E6E6}"/>
+              </a:ext>
+            </a:extLst>
+          </p:cNvPr>
+          <p:cNvSpPr/>
+          <p:nvPr/>
+        </p:nvSpPr>
+        <p:spPr>
+          <a:xfrm>
+            <a:off x="4003287" y="4972962"/>
+            <a:ext cx="925552" cy="201043"/>
+          </a:xfrm>
+          <a:prstGeom prst="rightArrow">
+            <a:avLst/>
+          </a:prstGeom>
+        </p:spPr>
+        <p:style>
+          <a:lnRef idx="2">
+            <a:schemeClr val="accent2">
+              <a:shade val="50000"/>
+            </a:schemeClr>
+          </a:lnRef>
+          <a:fillRef idx="1">
+            <a:schemeClr val="accent2"/>
+          </a:fillRef>
+          <a:effectRef idx="0">
+            <a:schemeClr val="accent2"/>
+          </a:effectRef>
+          <a:fontRef idx="minor">
+            <a:schemeClr val="lt1"/>
+          </a:fontRef>
+        </p:style>
+        <p:txBody>
+          <a:bodyPr rtlCol="0" anchor="ctr"/>
+          <a:lstStyle/>
+          <a:p>
+            <a:pPr algn="ctr"/>
+            <a:endParaRPr lang="th-TH" dirty="0"/>
+          </a:p>
+        </p:txBody>
+      </p:sp>
+      <p:sp>
+        <p:nvSpPr>
+          <p:cNvPr id="19" name="ลูกศรขวา 18">
+            <a:extLst>
+              <a:ext uri="{FF2B5EF4-FFF2-40B4-BE49-F238E27FC236}">
+                <a16:creationId xmlns:a16="http://schemas.microsoft.com/office/drawing/2014/main" id="{65A97C8C-B871-A941-B2B2-D87790520E52}"/>
+              </a:ext>
+            </a:extLst>
+          </p:cNvPr>
+          <p:cNvSpPr/>
+          <p:nvPr/>
+        </p:nvSpPr>
+        <p:spPr>
+          <a:xfrm flipH="1">
+            <a:off x="6517680" y="4933971"/>
+            <a:ext cx="1115364" cy="279023"/>
+          </a:xfrm>
+          <a:prstGeom prst="rightArrow">
+            <a:avLst/>
+          </a:prstGeom>
+        </p:spPr>
+        <p:style>
+          <a:lnRef idx="2">
+            <a:schemeClr val="accent4">
+              <a:shade val="50000"/>
+            </a:schemeClr>
+          </a:lnRef>
+          <a:fillRef idx="1">
+            <a:schemeClr val="accent4"/>
+          </a:fillRef>
+          <a:effectRef idx="0">
+            <a:schemeClr val="accent4"/>
+          </a:effectRef>
+          <a:fontRef idx="minor">
+            <a:schemeClr val="lt1"/>
+          </a:fontRef>
+        </p:style>
+        <p:txBody>
+          <a:bodyPr rtlCol="0" anchor="ctr"/>
+          <a:lstStyle/>
+          <a:p>
+            <a:pPr algn="ctr"/>
+            <a:endParaRPr lang="th-TH" dirty="0"/>
+          </a:p>
+        </p:txBody>
+      </p:sp>
+    </p:spTree>
+    <p:extLst>
+      <p:ext uri="{BB962C8B-B14F-4D97-AF65-F5344CB8AC3E}">
+        <p14:creationId xmlns:p14="http://schemas.microsoft.com/office/powerpoint/2010/main" val="3286007479"/>
+      </p:ext>
+    </p:extLst>
+  </p:cSld>
+  <p:clrMapOvr>
+    <a:masterClrMapping/>
+  </p:clrMapOvr>
+  <mc:AlternateContent xmlns:mc="http://schemas.openxmlformats.org/markup-compatibility/2006" xmlns:p14="http://schemas.microsoft.com/office/powerpoint/2010/main">
+    <mc:Choice Requires="p14">
+      <p:transition spd="med" p14:dur="700">
+        <p:fade/>
+      </p:transition>
+    </mc:Choice>
+    <mc:Fallback xmlns="">
+      <p:transition spd="med">
+        <p:fade/>
+      </p:transition>
+    </mc:Fallback>
+  </mc:AlternateContent>
   <p:timing>
     <p:tnLst>
       <p:par>
@@ -12957,7 +14590,7 @@
                             </p:stCondLst>
                             <p:childTnLst>
                               <p:par>
-                                <p:cTn id="5" presetID="10" presetClass="entr" presetSubtype="0" fill="hold" grpId="0" nodeType="clickEffect">
+                                <p:cTn id="5" presetID="1" presetClass="entr" presetSubtype="0" fill="hold" grpId="0" nodeType="clickEffect">
                                   <p:stCondLst>
                                     <p:cond delay="0"/>
                                   </p:stCondLst>
@@ -12970,60 +14603,7 @@
                                           </p:stCondLst>
                                         </p:cTn>
                                         <p:tgtEl>
-                                          <p:spTgt spid="9"/>
-                                        </p:tgtEl>
-                                        <p:attrNameLst>
-                                          <p:attrName>style.visibility</p:attrName>
-                                        </p:attrNameLst>
-                                      </p:cBhvr>
-                                      <p:to>
-                                        <p:strVal val="visible"/>
-                                      </p:to>
-                                    </p:set>
-                                    <p:animEffect transition="in" filter="fade">
-                                      <p:cBhvr>
-                                        <p:cTn id="7" dur="500"/>
-                                        <p:tgtEl>
-                                          <p:spTgt spid="9"/>
-                                        </p:tgtEl>
-                                      </p:cBhvr>
-                                    </p:animEffect>
-                                  </p:childTnLst>
-                                </p:cTn>
-                              </p:par>
-                            </p:childTnLst>
-                          </p:cTn>
-                        </p:par>
-                      </p:childTnLst>
-                    </p:cTn>
-                  </p:par>
-                  <p:par>
-                    <p:cTn id="8" fill="hold">
-                      <p:stCondLst>
-                        <p:cond delay="indefinite"/>
-                      </p:stCondLst>
-                      <p:childTnLst>
-                        <p:par>
-                          <p:cTn id="9" fill="hold">
-                            <p:stCondLst>
-                              <p:cond delay="0"/>
-                            </p:stCondLst>
-                            <p:childTnLst>
-                              <p:par>
-                                <p:cTn id="10" presetID="1" presetClass="entr" presetSubtype="0" fill="hold" nodeType="clickEffect">
-                                  <p:stCondLst>
-                                    <p:cond delay="0"/>
-                                  </p:stCondLst>
-                                  <p:childTnLst>
-                                    <p:set>
-                                      <p:cBhvr>
-                                        <p:cTn id="11" dur="1" fill="hold">
-                                          <p:stCondLst>
-                                            <p:cond delay="0"/>
-                                          </p:stCondLst>
-                                        </p:cTn>
-                                        <p:tgtEl>
-                                          <p:spTgt spid="5"/>
+                                          <p:spTgt spid="18"/>
                                         </p:tgtEl>
                                         <p:attrNameLst>
                                           <p:attrName>style.visibility</p:attrName>
@@ -13043,549 +14623,32 @@
                     </p:cTn>
                   </p:par>
                   <p:par>
-                    <p:cTn id="12" fill="hold">
+                    <p:cTn id="7" fill="hold">
                       <p:stCondLst>
                         <p:cond delay="indefinite"/>
                       </p:stCondLst>
                       <p:childTnLst>
                         <p:par>
-                          <p:cTn id="13" fill="hold">
+                          <p:cTn id="8" fill="hold">
                             <p:stCondLst>
                               <p:cond delay="0"/>
                             </p:stCondLst>
                             <p:childTnLst>
                               <p:par>
-                                <p:cTn id="14" presetID="10" presetClass="entr" presetSubtype="0" fill="hold" grpId="0" nodeType="clickEffect">
+                                <p:cTn id="9" presetID="1" presetClass="entr" presetSubtype="0" fill="hold" grpId="0" nodeType="clickEffect">
                                   <p:stCondLst>
                                     <p:cond delay="0"/>
                                   </p:stCondLst>
                                   <p:childTnLst>
                                     <p:set>
                                       <p:cBhvr>
-                                        <p:cTn id="15" dur="1" fill="hold">
+                                        <p:cTn id="10" dur="1" fill="hold">
                                           <p:stCondLst>
                                             <p:cond delay="0"/>
                                           </p:stCondLst>
                                         </p:cTn>
                                         <p:tgtEl>
-                                          <p:spTgt spid="27"/>
-                                        </p:tgtEl>
-                                        <p:attrNameLst>
-                                          <p:attrName>style.visibility</p:attrName>
-                                        </p:attrNameLst>
-                                      </p:cBhvr>
-                                      <p:to>
-                                        <p:strVal val="visible"/>
-                                      </p:to>
-                                    </p:set>
-                                    <p:animEffect transition="in" filter="fade">
-                                      <p:cBhvr>
-                                        <p:cTn id="16" dur="500"/>
-                                        <p:tgtEl>
-                                          <p:spTgt spid="27"/>
-                                        </p:tgtEl>
-                                      </p:cBhvr>
-                                    </p:animEffect>
-                                  </p:childTnLst>
-                                </p:cTn>
-                              </p:par>
-                            </p:childTnLst>
-                          </p:cTn>
-                        </p:par>
-                      </p:childTnLst>
-                    </p:cTn>
-                  </p:par>
-                  <p:par>
-                    <p:cTn id="17" fill="hold">
-                      <p:stCondLst>
-                        <p:cond delay="indefinite"/>
-                      </p:stCondLst>
-                      <p:childTnLst>
-                        <p:par>
-                          <p:cTn id="18" fill="hold">
-                            <p:stCondLst>
-                              <p:cond delay="0"/>
-                            </p:stCondLst>
-                            <p:childTnLst>
-                              <p:par>
-                                <p:cTn id="19" presetID="1" presetClass="entr" presetSubtype="0" fill="hold" nodeType="clickEffect">
-                                  <p:stCondLst>
-                                    <p:cond delay="0"/>
-                                  </p:stCondLst>
-                                  <p:childTnLst>
-                                    <p:set>
-                                      <p:cBhvr>
-                                        <p:cTn id="20" dur="1" fill="hold">
-                                          <p:stCondLst>
-                                            <p:cond delay="0"/>
-                                          </p:stCondLst>
-                                        </p:cTn>
-                                        <p:tgtEl>
-                                          <p:spTgt spid="15"/>
-                                        </p:tgtEl>
-                                        <p:attrNameLst>
-                                          <p:attrName>style.visibility</p:attrName>
-                                        </p:attrNameLst>
-                                      </p:cBhvr>
-                                      <p:to>
-                                        <p:strVal val="visible"/>
-                                      </p:to>
-                                    </p:set>
-                                  </p:childTnLst>
-                                </p:cTn>
-                              </p:par>
-                            </p:childTnLst>
-                          </p:cTn>
-                        </p:par>
-                      </p:childTnLst>
-                    </p:cTn>
-                  </p:par>
-                  <p:par>
-                    <p:cTn id="21" fill="hold">
-                      <p:stCondLst>
-                        <p:cond delay="indefinite"/>
-                      </p:stCondLst>
-                      <p:childTnLst>
-                        <p:par>
-                          <p:cTn id="22" fill="hold">
-                            <p:stCondLst>
-                              <p:cond delay="0"/>
-                            </p:stCondLst>
-                            <p:childTnLst>
-                              <p:par>
-                                <p:cTn id="23" presetID="10" presetClass="entr" presetSubtype="0" fill="hold" grpId="0" nodeType="clickEffect">
-                                  <p:stCondLst>
-                                    <p:cond delay="0"/>
-                                  </p:stCondLst>
-                                  <p:childTnLst>
-                                    <p:set>
-                                      <p:cBhvr>
-                                        <p:cTn id="24" dur="1" fill="hold">
-                                          <p:stCondLst>
-                                            <p:cond delay="0"/>
-                                          </p:stCondLst>
-                                        </p:cTn>
-                                        <p:tgtEl>
-                                          <p:spTgt spid="28"/>
-                                        </p:tgtEl>
-                                        <p:attrNameLst>
-                                          <p:attrName>style.visibility</p:attrName>
-                                        </p:attrNameLst>
-                                      </p:cBhvr>
-                                      <p:to>
-                                        <p:strVal val="visible"/>
-                                      </p:to>
-                                    </p:set>
-                                    <p:animEffect transition="in" filter="fade">
-                                      <p:cBhvr>
-                                        <p:cTn id="25" dur="500"/>
-                                        <p:tgtEl>
-                                          <p:spTgt spid="28"/>
-                                        </p:tgtEl>
-                                      </p:cBhvr>
-                                    </p:animEffect>
-                                  </p:childTnLst>
-                                </p:cTn>
-                              </p:par>
-                            </p:childTnLst>
-                          </p:cTn>
-                        </p:par>
-                      </p:childTnLst>
-                    </p:cTn>
-                  </p:par>
-                  <p:par>
-                    <p:cTn id="26" fill="hold">
-                      <p:stCondLst>
-                        <p:cond delay="indefinite"/>
-                      </p:stCondLst>
-                      <p:childTnLst>
-                        <p:par>
-                          <p:cTn id="27" fill="hold">
-                            <p:stCondLst>
-                              <p:cond delay="0"/>
-                            </p:stCondLst>
-                            <p:childTnLst>
-                              <p:par>
-                                <p:cTn id="28" presetID="1" presetClass="entr" presetSubtype="0" fill="hold" nodeType="clickEffect">
-                                  <p:stCondLst>
-                                    <p:cond delay="0"/>
-                                  </p:stCondLst>
-                                  <p:childTnLst>
-                                    <p:set>
-                                      <p:cBhvr>
-                                        <p:cTn id="29" dur="1" fill="hold">
-                                          <p:stCondLst>
-                                            <p:cond delay="0"/>
-                                          </p:stCondLst>
-                                        </p:cTn>
-                                        <p:tgtEl>
-                                          <p:spTgt spid="24"/>
-                                        </p:tgtEl>
-                                        <p:attrNameLst>
-                                          <p:attrName>style.visibility</p:attrName>
-                                        </p:attrNameLst>
-                                      </p:cBhvr>
-                                      <p:to>
-                                        <p:strVal val="visible"/>
-                                      </p:to>
-                                    </p:set>
-                                  </p:childTnLst>
-                                </p:cTn>
-                              </p:par>
-                            </p:childTnLst>
-                          </p:cTn>
-                        </p:par>
-                      </p:childTnLst>
-                    </p:cTn>
-                  </p:par>
-                  <p:par>
-                    <p:cTn id="30" fill="hold">
-                      <p:stCondLst>
-                        <p:cond delay="indefinite"/>
-                      </p:stCondLst>
-                      <p:childTnLst>
-                        <p:par>
-                          <p:cTn id="31" fill="hold">
-                            <p:stCondLst>
-                              <p:cond delay="0"/>
-                            </p:stCondLst>
-                            <p:childTnLst>
-                              <p:par>
-                                <p:cTn id="32" presetID="1" presetClass="entr" presetSubtype="0" fill="hold" nodeType="clickEffect">
-                                  <p:stCondLst>
-                                    <p:cond delay="0"/>
-                                  </p:stCondLst>
-                                  <p:childTnLst>
-                                    <p:set>
-                                      <p:cBhvr>
-                                        <p:cTn id="33" dur="1" fill="hold">
-                                          <p:stCondLst>
-                                            <p:cond delay="0"/>
-                                          </p:stCondLst>
-                                        </p:cTn>
-                                        <p:tgtEl>
-                                          <p:spTgt spid="7"/>
-                                        </p:tgtEl>
-                                        <p:attrNameLst>
-                                          <p:attrName>style.visibility</p:attrName>
-                                        </p:attrNameLst>
-                                      </p:cBhvr>
-                                      <p:to>
-                                        <p:strVal val="visible"/>
-                                      </p:to>
-                                    </p:set>
-                                  </p:childTnLst>
-                                </p:cTn>
-                              </p:par>
-                            </p:childTnLst>
-                          </p:cTn>
-                        </p:par>
-                      </p:childTnLst>
-                    </p:cTn>
-                  </p:par>
-                  <p:par>
-                    <p:cTn id="34" fill="hold">
-                      <p:stCondLst>
-                        <p:cond delay="indefinite"/>
-                      </p:stCondLst>
-                      <p:childTnLst>
-                        <p:par>
-                          <p:cTn id="35" fill="hold">
-                            <p:stCondLst>
-                              <p:cond delay="0"/>
-                            </p:stCondLst>
-                            <p:childTnLst>
-                              <p:par>
-                                <p:cTn id="36" presetID="42" presetClass="path" presetSubtype="0" accel="50000" decel="50000" fill="hold" nodeType="clickEffect">
-                                  <p:stCondLst>
-                                    <p:cond delay="0"/>
-                                  </p:stCondLst>
-                                  <p:childTnLst>
-                                    <p:animMotion origin="layout" path="M 4.375E-6 2.59259E-6 L 0.15638 0.00092 " pathEditMode="relative" rAng="0" ptsTypes="AA">
-                                      <p:cBhvr>
-                                        <p:cTn id="37" dur="2000" fill="hold"/>
-                                        <p:tgtEl>
-                                          <p:spTgt spid="7"/>
-                                        </p:tgtEl>
-                                        <p:attrNameLst>
-                                          <p:attrName>ppt_x</p:attrName>
-                                          <p:attrName>ppt_y</p:attrName>
-                                        </p:attrNameLst>
-                                      </p:cBhvr>
-                                      <p:rCtr x="7813" y="46"/>
-                                    </p:animMotion>
-                                  </p:childTnLst>
-                                </p:cTn>
-                              </p:par>
-                            </p:childTnLst>
-                          </p:cTn>
-                        </p:par>
-                      </p:childTnLst>
-                    </p:cTn>
-                  </p:par>
-                  <p:par>
-                    <p:cTn id="38" fill="hold">
-                      <p:stCondLst>
-                        <p:cond delay="indefinite"/>
-                      </p:stCondLst>
-                      <p:childTnLst>
-                        <p:par>
-                          <p:cTn id="39" fill="hold">
-                            <p:stCondLst>
-                              <p:cond delay="0"/>
-                            </p:stCondLst>
-                            <p:childTnLst>
-                              <p:par>
-                                <p:cTn id="40" presetID="10" presetClass="entr" presetSubtype="0" fill="hold" grpId="0" nodeType="clickEffect">
-                                  <p:stCondLst>
-                                    <p:cond delay="0"/>
-                                  </p:stCondLst>
-                                  <p:childTnLst>
-                                    <p:set>
-                                      <p:cBhvr>
-                                        <p:cTn id="41" dur="1" fill="hold">
-                                          <p:stCondLst>
-                                            <p:cond delay="0"/>
-                                          </p:stCondLst>
-                                        </p:cTn>
-                                        <p:tgtEl>
-                                          <p:spTgt spid="29"/>
-                                        </p:tgtEl>
-                                        <p:attrNameLst>
-                                          <p:attrName>style.visibility</p:attrName>
-                                        </p:attrNameLst>
-                                      </p:cBhvr>
-                                      <p:to>
-                                        <p:strVal val="visible"/>
-                                      </p:to>
-                                    </p:set>
-                                    <p:animEffect transition="in" filter="fade">
-                                      <p:cBhvr>
-                                        <p:cTn id="42" dur="500"/>
-                                        <p:tgtEl>
-                                          <p:spTgt spid="29"/>
-                                        </p:tgtEl>
-                                      </p:cBhvr>
-                                    </p:animEffect>
-                                  </p:childTnLst>
-                                </p:cTn>
-                              </p:par>
-                            </p:childTnLst>
-                          </p:cTn>
-                        </p:par>
-                      </p:childTnLst>
-                    </p:cTn>
-                  </p:par>
-                  <p:par>
-                    <p:cTn id="43" fill="hold">
-                      <p:stCondLst>
-                        <p:cond delay="indefinite"/>
-                      </p:stCondLst>
-                      <p:childTnLst>
-                        <p:par>
-                          <p:cTn id="44" fill="hold">
-                            <p:stCondLst>
-                              <p:cond delay="0"/>
-                            </p:stCondLst>
-                            <p:childTnLst>
-                              <p:par>
-                                <p:cTn id="45" presetID="1" presetClass="entr" presetSubtype="0" fill="hold" nodeType="clickEffect">
-                                  <p:stCondLst>
-                                    <p:cond delay="0"/>
-                                  </p:stCondLst>
-                                  <p:childTnLst>
-                                    <p:set>
-                                      <p:cBhvr>
-                                        <p:cTn id="46" dur="1" fill="hold">
-                                          <p:stCondLst>
-                                            <p:cond delay="0"/>
-                                          </p:stCondLst>
-                                        </p:cTn>
-                                        <p:tgtEl>
-                                          <p:spTgt spid="25"/>
-                                        </p:tgtEl>
-                                        <p:attrNameLst>
-                                          <p:attrName>style.visibility</p:attrName>
-                                        </p:attrNameLst>
-                                      </p:cBhvr>
-                                      <p:to>
-                                        <p:strVal val="visible"/>
-                                      </p:to>
-                                    </p:set>
-                                  </p:childTnLst>
-                                </p:cTn>
-                              </p:par>
-                            </p:childTnLst>
-                          </p:cTn>
-                        </p:par>
-                      </p:childTnLst>
-                    </p:cTn>
-                  </p:par>
-                  <p:par>
-                    <p:cTn id="47" fill="hold">
-                      <p:stCondLst>
-                        <p:cond delay="indefinite"/>
-                      </p:stCondLst>
-                      <p:childTnLst>
-                        <p:par>
-                          <p:cTn id="48" fill="hold">
-                            <p:stCondLst>
-                              <p:cond delay="0"/>
-                            </p:stCondLst>
-                            <p:childTnLst>
-                              <p:par>
-                                <p:cTn id="49" presetID="1" presetClass="entr" presetSubtype="0" fill="hold" nodeType="clickEffect">
-                                  <p:stCondLst>
-                                    <p:cond delay="0"/>
-                                  </p:stCondLst>
-                                  <p:childTnLst>
-                                    <p:set>
-                                      <p:cBhvr>
-                                        <p:cTn id="50" dur="1" fill="hold">
-                                          <p:stCondLst>
-                                            <p:cond delay="0"/>
-                                          </p:stCondLst>
-                                        </p:cTn>
-                                        <p:tgtEl>
-                                          <p:spTgt spid="31"/>
-                                        </p:tgtEl>
-                                        <p:attrNameLst>
-                                          <p:attrName>style.visibility</p:attrName>
-                                        </p:attrNameLst>
-                                      </p:cBhvr>
-                                      <p:to>
-                                        <p:strVal val="visible"/>
-                                      </p:to>
-                                    </p:set>
-                                  </p:childTnLst>
-                                </p:cTn>
-                              </p:par>
-                            </p:childTnLst>
-                          </p:cTn>
-                        </p:par>
-                      </p:childTnLst>
-                    </p:cTn>
-                  </p:par>
-                  <p:par>
-                    <p:cTn id="51" fill="hold">
-                      <p:stCondLst>
-                        <p:cond delay="indefinite"/>
-                      </p:stCondLst>
-                      <p:childTnLst>
-                        <p:par>
-                          <p:cTn id="52" fill="hold">
-                            <p:stCondLst>
-                              <p:cond delay="0"/>
-                            </p:stCondLst>
-                            <p:childTnLst>
-                              <p:par>
-                                <p:cTn id="53" presetID="42" presetClass="path" presetSubtype="0" accel="50000" decel="50000" fill="hold" nodeType="clickEffect">
-                                  <p:stCondLst>
-                                    <p:cond delay="0"/>
-                                  </p:stCondLst>
-                                  <p:childTnLst>
-                                    <p:animMotion origin="layout" path="M -4.58333E-6 4.81481E-6 L 0.13204 0.08657 " pathEditMode="relative" rAng="0" ptsTypes="AA">
-                                      <p:cBhvr>
-                                        <p:cTn id="54" dur="2000" fill="hold"/>
-                                        <p:tgtEl>
-                                          <p:spTgt spid="31"/>
-                                        </p:tgtEl>
-                                        <p:attrNameLst>
-                                          <p:attrName>ppt_x</p:attrName>
-                                          <p:attrName>ppt_y</p:attrName>
-                                        </p:attrNameLst>
-                                      </p:cBhvr>
-                                      <p:rCtr x="6602" y="4329"/>
-                                    </p:animMotion>
-                                  </p:childTnLst>
-                                </p:cTn>
-                              </p:par>
-                            </p:childTnLst>
-                          </p:cTn>
-                        </p:par>
-                      </p:childTnLst>
-                    </p:cTn>
-                  </p:par>
-                  <p:par>
-                    <p:cTn id="55" fill="hold">
-                      <p:stCondLst>
-                        <p:cond delay="indefinite"/>
-                      </p:stCondLst>
-                      <p:childTnLst>
-                        <p:par>
-                          <p:cTn id="56" fill="hold">
-                            <p:stCondLst>
-                              <p:cond delay="0"/>
-                            </p:stCondLst>
-                            <p:childTnLst>
-                              <p:par>
-                                <p:cTn id="57" presetID="10" presetClass="entr" presetSubtype="0" fill="hold" grpId="0" nodeType="clickEffect">
-                                  <p:stCondLst>
-                                    <p:cond delay="0"/>
-                                  </p:stCondLst>
-                                  <p:childTnLst>
-                                    <p:set>
-                                      <p:cBhvr>
-                                        <p:cTn id="58" dur="1" fill="hold">
-                                          <p:stCondLst>
-                                            <p:cond delay="0"/>
-                                          </p:stCondLst>
-                                        </p:cTn>
-                                        <p:tgtEl>
-                                          <p:spTgt spid="30"/>
-                                        </p:tgtEl>
-                                        <p:attrNameLst>
-                                          <p:attrName>style.visibility</p:attrName>
-                                        </p:attrNameLst>
-                                      </p:cBhvr>
-                                      <p:to>
-                                        <p:strVal val="visible"/>
-                                      </p:to>
-                                    </p:set>
-                                    <p:animEffect transition="in" filter="fade">
-                                      <p:cBhvr>
-                                        <p:cTn id="59" dur="500"/>
-                                        <p:tgtEl>
-                                          <p:spTgt spid="30"/>
-                                        </p:tgtEl>
-                                      </p:cBhvr>
-                                    </p:animEffect>
-                                  </p:childTnLst>
-                                </p:cTn>
-                              </p:par>
-                            </p:childTnLst>
-                          </p:cTn>
-                        </p:par>
-                      </p:childTnLst>
-                    </p:cTn>
-                  </p:par>
-                  <p:par>
-                    <p:cTn id="60" fill="hold">
-                      <p:stCondLst>
-                        <p:cond delay="indefinite"/>
-                      </p:stCondLst>
-                      <p:childTnLst>
-                        <p:par>
-                          <p:cTn id="61" fill="hold">
-                            <p:stCondLst>
-                              <p:cond delay="0"/>
-                            </p:stCondLst>
-                            <p:childTnLst>
-                              <p:par>
-                                <p:cTn id="62" presetID="1" presetClass="entr" presetSubtype="0" fill="hold" nodeType="clickEffect">
-                                  <p:stCondLst>
-                                    <p:cond delay="0"/>
-                                  </p:stCondLst>
-                                  <p:childTnLst>
-                                    <p:set>
-                                      <p:cBhvr>
-                                        <p:cTn id="63" dur="1" fill="hold">
-                                          <p:stCondLst>
-                                            <p:cond delay="0"/>
-                                          </p:stCondLst>
-                                        </p:cTn>
-                                        <p:tgtEl>
-                                          <p:spTgt spid="26"/>
+                                          <p:spTgt spid="19"/>
                                         </p:tgtEl>
                                         <p:attrNameLst>
                                           <p:attrName>style.visibility</p:attrName>
@@ -13626,1252 +14689,14 @@
       </p:par>
     </p:tnLst>
     <p:bldLst>
-      <p:bldP spid="9" grpId="0" animBg="1"/>
-      <p:bldP spid="27" grpId="0" animBg="1"/>
-      <p:bldP spid="28" grpId="0" animBg="1"/>
-      <p:bldP spid="29" grpId="0" animBg="1"/>
-      <p:bldP spid="30" grpId="0" animBg="1"/>
+      <p:bldP spid="18" grpId="0" animBg="1"/>
+      <p:bldP spid="19" grpId="0" animBg="1"/>
     </p:bldLst>
   </p:timing>
 </p:sld>
 </file>
 
-<file path=ppt/slides/slide18.xml><?xml version="1.0" encoding="utf-8"?>
-<p:sld xmlns:a="http://schemas.openxmlformats.org/drawingml/2006/main" xmlns:r="http://schemas.openxmlformats.org/officeDocument/2006/relationships" xmlns:p="http://schemas.openxmlformats.org/presentationml/2006/main">
-  <p:cSld>
-    <p:bg>
-      <p:bgPr>
-        <a:solidFill>
-          <a:schemeClr val="tx1">
-            <a:lumMod val="85000"/>
-            <a:lumOff val="15000"/>
-          </a:schemeClr>
-        </a:solidFill>
-        <a:effectLst/>
-      </p:bgPr>
-    </p:bg>
-    <p:spTree>
-      <p:nvGrpSpPr>
-        <p:cNvPr id="1" name=""/>
-        <p:cNvGrpSpPr/>
-        <p:nvPr/>
-      </p:nvGrpSpPr>
-      <p:grpSpPr>
-        <a:xfrm>
-          <a:off x="0" y="0"/>
-          <a:ext cx="0" cy="0"/>
-          <a:chOff x="0" y="0"/>
-          <a:chExt cx="0" cy="0"/>
-        </a:xfrm>
-      </p:grpSpPr>
-      <p:sp>
-        <p:nvSpPr>
-          <p:cNvPr id="2" name="Title 1">
-            <a:extLst>
-              <a:ext uri="{FF2B5EF4-FFF2-40B4-BE49-F238E27FC236}">
-                <a16:creationId xmlns:a16="http://schemas.microsoft.com/office/drawing/2014/main" id="{36017D3D-0042-4BC6-92A9-9F4A35242BEC}"/>
-              </a:ext>
-            </a:extLst>
-          </p:cNvPr>
-          <p:cNvSpPr>
-            <a:spLocks noGrp="1"/>
-          </p:cNvSpPr>
-          <p:nvPr>
-            <p:ph type="title"/>
-          </p:nvPr>
-        </p:nvSpPr>
-        <p:spPr>
-          <a:xfrm>
-            <a:off x="838200" y="480885"/>
-            <a:ext cx="10515600" cy="1325563"/>
-          </a:xfrm>
-        </p:spPr>
-        <p:txBody>
-          <a:bodyPr/>
-          <a:lstStyle/>
-          <a:p>
-            <a:pPr algn="ctr"/>
-            <a:r>
-              <a:rPr lang="th-TH" b="1" dirty="0">
-                <a:solidFill>
-                  <a:schemeClr val="bg1"/>
-                </a:solidFill>
-                <a:latin typeface="TH SarabunPSK" panose="020B0500040200020003" pitchFamily="34" charset="-34"/>
-                <a:cs typeface="TH SarabunPSK" panose="020B0500040200020003" pitchFamily="34" charset="-34"/>
-              </a:rPr>
-              <a:t>หลักการทำงานส่วนการซื้อขายเดิม</a:t>
-            </a:r>
-          </a:p>
-        </p:txBody>
-      </p:sp>
-      <p:pic>
-        <p:nvPicPr>
-          <p:cNvPr id="4" name="Picture 3">
-            <a:extLst>
-              <a:ext uri="{FF2B5EF4-FFF2-40B4-BE49-F238E27FC236}">
-                <a16:creationId xmlns:a16="http://schemas.microsoft.com/office/drawing/2014/main" id="{90ADEC6B-FDB4-4129-AF06-7F9AAD11D107}"/>
-              </a:ext>
-            </a:extLst>
-          </p:cNvPr>
-          <p:cNvPicPr>
-            <a:picLocks noChangeAspect="1"/>
-          </p:cNvPicPr>
-          <p:nvPr/>
-        </p:nvPicPr>
-        <p:blipFill>
-          <a:blip r:embed="rId2">
-            <a:extLst>
-              <a:ext uri="{28A0092B-C50C-407E-A947-70E740481C1C}">
-                <a14:useLocalDpi xmlns:a14="http://schemas.microsoft.com/office/drawing/2010/main" val="0"/>
-              </a:ext>
-            </a:extLst>
-          </a:blip>
-          <a:stretch>
-            <a:fillRect/>
-          </a:stretch>
-        </p:blipFill>
-        <p:spPr>
-          <a:xfrm>
-            <a:off x="2109787" y="1438207"/>
-            <a:ext cx="7591425" cy="89831"/>
-          </a:xfrm>
-          <a:prstGeom prst="rect">
-            <a:avLst/>
-          </a:prstGeom>
-        </p:spPr>
-      </p:pic>
-      <p:pic>
-        <p:nvPicPr>
-          <p:cNvPr id="12" name="Picture 11">
-            <a:extLst>
-              <a:ext uri="{FF2B5EF4-FFF2-40B4-BE49-F238E27FC236}">
-                <a16:creationId xmlns:a16="http://schemas.microsoft.com/office/drawing/2014/main" id="{88B7B8B7-5E32-4DF3-AD28-872AB3F15BFB}"/>
-              </a:ext>
-            </a:extLst>
-          </p:cNvPr>
-          <p:cNvPicPr>
-            <a:picLocks noChangeAspect="1"/>
-          </p:cNvPicPr>
-          <p:nvPr/>
-        </p:nvPicPr>
-        <p:blipFill>
-          <a:blip r:embed="rId3">
-            <a:extLst>
-              <a:ext uri="{28A0092B-C50C-407E-A947-70E740481C1C}">
-                <a14:useLocalDpi xmlns:a14="http://schemas.microsoft.com/office/drawing/2010/main" val="0"/>
-              </a:ext>
-            </a:extLst>
-          </a:blip>
-          <a:stretch>
-            <a:fillRect/>
-          </a:stretch>
-        </p:blipFill>
-        <p:spPr>
-          <a:xfrm>
-            <a:off x="2109787" y="2838010"/>
-            <a:ext cx="1033573" cy="1033573"/>
-          </a:xfrm>
-          <a:prstGeom prst="rect">
-            <a:avLst/>
-          </a:prstGeom>
-        </p:spPr>
-      </p:pic>
-      <p:sp>
-        <p:nvSpPr>
-          <p:cNvPr id="15" name="Arrow: Right 14">
-            <a:extLst>
-              <a:ext uri="{FF2B5EF4-FFF2-40B4-BE49-F238E27FC236}">
-                <a16:creationId xmlns:a16="http://schemas.microsoft.com/office/drawing/2014/main" id="{28AF7E77-F8F0-4DFD-BB35-4510DE0BC6DF}"/>
-              </a:ext>
-            </a:extLst>
-          </p:cNvPr>
-          <p:cNvSpPr/>
-          <p:nvPr/>
-        </p:nvSpPr>
-        <p:spPr>
-          <a:xfrm rot="10800000" flipH="1" flipV="1">
-            <a:off x="3439703" y="3281047"/>
-            <a:ext cx="1937640" cy="295904"/>
-          </a:xfrm>
-          <a:prstGeom prst="rightArrow">
-            <a:avLst/>
-          </a:prstGeom>
-        </p:spPr>
-        <p:style>
-          <a:lnRef idx="2">
-            <a:schemeClr val="accent2">
-              <a:shade val="50000"/>
-            </a:schemeClr>
-          </a:lnRef>
-          <a:fillRef idx="1">
-            <a:schemeClr val="accent2"/>
-          </a:fillRef>
-          <a:effectRef idx="0">
-            <a:schemeClr val="accent2"/>
-          </a:effectRef>
-          <a:fontRef idx="minor">
-            <a:schemeClr val="lt1"/>
-          </a:fontRef>
-        </p:style>
-        <p:txBody>
-          <a:bodyPr rtlCol="0" anchor="ctr"/>
-          <a:lstStyle/>
-          <a:p>
-            <a:pPr algn="ctr"/>
-            <a:endParaRPr lang="th-TH"/>
-          </a:p>
-        </p:txBody>
-      </p:sp>
-      <p:pic>
-        <p:nvPicPr>
-          <p:cNvPr id="5" name="Picture 4">
-            <a:extLst>
-              <a:ext uri="{FF2B5EF4-FFF2-40B4-BE49-F238E27FC236}">
-                <a16:creationId xmlns:a16="http://schemas.microsoft.com/office/drawing/2014/main" id="{0E6E7F32-A961-4192-9379-CDB8756F4BB4}"/>
-              </a:ext>
-            </a:extLst>
-          </p:cNvPr>
-          <p:cNvPicPr>
-            <a:picLocks noChangeAspect="1"/>
-          </p:cNvPicPr>
-          <p:nvPr/>
-        </p:nvPicPr>
-        <p:blipFill>
-          <a:blip r:embed="rId4">
-            <a:extLst>
-              <a:ext uri="{28A0092B-C50C-407E-A947-70E740481C1C}">
-                <a14:useLocalDpi xmlns:a14="http://schemas.microsoft.com/office/drawing/2010/main" val="0"/>
-              </a:ext>
-            </a:extLst>
-          </a:blip>
-          <a:stretch>
-            <a:fillRect/>
-          </a:stretch>
-        </p:blipFill>
-        <p:spPr>
-          <a:xfrm>
-            <a:off x="5454770" y="2912212"/>
-            <a:ext cx="1033573" cy="1033573"/>
-          </a:xfrm>
-          <a:prstGeom prst="rect">
-            <a:avLst/>
-          </a:prstGeom>
-        </p:spPr>
-      </p:pic>
-      <p:pic>
-        <p:nvPicPr>
-          <p:cNvPr id="7" name="Picture 6">
-            <a:extLst>
-              <a:ext uri="{FF2B5EF4-FFF2-40B4-BE49-F238E27FC236}">
-                <a16:creationId xmlns:a16="http://schemas.microsoft.com/office/drawing/2014/main" id="{7D3E258B-2A4C-4E68-8381-BA1AA018C299}"/>
-              </a:ext>
-            </a:extLst>
-          </p:cNvPr>
-          <p:cNvPicPr>
-            <a:picLocks noChangeAspect="1"/>
-          </p:cNvPicPr>
-          <p:nvPr/>
-        </p:nvPicPr>
-        <p:blipFill>
-          <a:blip r:embed="rId5">
-            <a:extLst>
-              <a:ext uri="{28A0092B-C50C-407E-A947-70E740481C1C}">
-                <a14:useLocalDpi xmlns:a14="http://schemas.microsoft.com/office/drawing/2010/main" val="0"/>
-              </a:ext>
-            </a:extLst>
-          </a:blip>
-          <a:stretch>
-            <a:fillRect/>
-          </a:stretch>
-        </p:blipFill>
-        <p:spPr>
-          <a:xfrm>
-            <a:off x="3439703" y="2912212"/>
-            <a:ext cx="696069" cy="309488"/>
-          </a:xfrm>
-          <a:prstGeom prst="rect">
-            <a:avLst/>
-          </a:prstGeom>
-        </p:spPr>
-      </p:pic>
-      <p:pic>
-        <p:nvPicPr>
-          <p:cNvPr id="24" name="Picture 23">
-            <a:extLst>
-              <a:ext uri="{FF2B5EF4-FFF2-40B4-BE49-F238E27FC236}">
-                <a16:creationId xmlns:a16="http://schemas.microsoft.com/office/drawing/2014/main" id="{6BD4090A-0559-41C9-AB8E-EE782006D407}"/>
-              </a:ext>
-            </a:extLst>
-          </p:cNvPr>
-          <p:cNvPicPr>
-            <a:picLocks noChangeAspect="1"/>
-          </p:cNvPicPr>
-          <p:nvPr/>
-        </p:nvPicPr>
-        <p:blipFill>
-          <a:blip r:embed="rId6">
-            <a:extLst>
-              <a:ext uri="{28A0092B-C50C-407E-A947-70E740481C1C}">
-                <a14:useLocalDpi xmlns:a14="http://schemas.microsoft.com/office/drawing/2010/main" val="0"/>
-              </a:ext>
-            </a:extLst>
-          </a:blip>
-          <a:stretch>
-            <a:fillRect/>
-          </a:stretch>
-        </p:blipFill>
-        <p:spPr>
-          <a:xfrm>
-            <a:off x="5352620" y="5419793"/>
-            <a:ext cx="1237871" cy="1218222"/>
-          </a:xfrm>
-          <a:prstGeom prst="rect">
-            <a:avLst/>
-          </a:prstGeom>
-        </p:spPr>
-      </p:pic>
-      <p:sp>
-        <p:nvSpPr>
-          <p:cNvPr id="25" name="Arrow: Right 24">
-            <a:extLst>
-              <a:ext uri="{FF2B5EF4-FFF2-40B4-BE49-F238E27FC236}">
-                <a16:creationId xmlns:a16="http://schemas.microsoft.com/office/drawing/2014/main" id="{3A2F52AF-D953-4AFB-8CD2-FB5144D81D50}"/>
-              </a:ext>
-            </a:extLst>
-          </p:cNvPr>
-          <p:cNvSpPr/>
-          <p:nvPr/>
-        </p:nvSpPr>
-        <p:spPr>
-          <a:xfrm rot="16200000" flipH="1" flipV="1">
-            <a:off x="5362443" y="4674484"/>
-            <a:ext cx="1218222" cy="272397"/>
-          </a:xfrm>
-          <a:prstGeom prst="rightArrow">
-            <a:avLst/>
-          </a:prstGeom>
-        </p:spPr>
-        <p:style>
-          <a:lnRef idx="2">
-            <a:schemeClr val="accent2">
-              <a:shade val="50000"/>
-            </a:schemeClr>
-          </a:lnRef>
-          <a:fillRef idx="1">
-            <a:schemeClr val="accent2"/>
-          </a:fillRef>
-          <a:effectRef idx="0">
-            <a:schemeClr val="accent2"/>
-          </a:effectRef>
-          <a:fontRef idx="minor">
-            <a:schemeClr val="lt1"/>
-          </a:fontRef>
-        </p:style>
-        <p:txBody>
-          <a:bodyPr rtlCol="0" anchor="ctr"/>
-          <a:lstStyle/>
-          <a:p>
-            <a:pPr algn="ctr"/>
-            <a:endParaRPr lang="th-TH"/>
-          </a:p>
-        </p:txBody>
-      </p:sp>
-      <p:pic>
-        <p:nvPicPr>
-          <p:cNvPr id="26" name="Picture 25">
-            <a:extLst>
-              <a:ext uri="{FF2B5EF4-FFF2-40B4-BE49-F238E27FC236}">
-                <a16:creationId xmlns:a16="http://schemas.microsoft.com/office/drawing/2014/main" id="{C3558506-4FC0-457E-9A7C-68FFE98E6CAE}"/>
-              </a:ext>
-            </a:extLst>
-          </p:cNvPr>
-          <p:cNvPicPr>
-            <a:picLocks noChangeAspect="1"/>
-          </p:cNvPicPr>
-          <p:nvPr/>
-        </p:nvPicPr>
-        <p:blipFill>
-          <a:blip r:embed="rId5">
-            <a:extLst>
-              <a:ext uri="{28A0092B-C50C-407E-A947-70E740481C1C}">
-                <a14:useLocalDpi xmlns:a14="http://schemas.microsoft.com/office/drawing/2010/main" val="0"/>
-              </a:ext>
-            </a:extLst>
-          </a:blip>
-          <a:stretch>
-            <a:fillRect/>
-          </a:stretch>
-        </p:blipFill>
-        <p:spPr>
-          <a:xfrm>
-            <a:off x="6242453" y="4188885"/>
-            <a:ext cx="696069" cy="309488"/>
-          </a:xfrm>
-          <a:prstGeom prst="rect">
-            <a:avLst/>
-          </a:prstGeom>
-        </p:spPr>
-      </p:pic>
-      <p:pic>
-        <p:nvPicPr>
-          <p:cNvPr id="1026" name="Picture 2">
-            <a:extLst>
-              <a:ext uri="{FF2B5EF4-FFF2-40B4-BE49-F238E27FC236}">
-                <a16:creationId xmlns:a16="http://schemas.microsoft.com/office/drawing/2014/main" id="{1508DE76-05E9-431C-BDA9-2127D7B44EB5}"/>
-              </a:ext>
-            </a:extLst>
-          </p:cNvPr>
-          <p:cNvPicPr>
-            <a:picLocks noChangeAspect="1" noChangeArrowheads="1"/>
-          </p:cNvPicPr>
-          <p:nvPr/>
-        </p:nvPicPr>
-        <p:blipFill>
-          <a:blip r:embed="rId7">
-            <a:extLst>
-              <a:ext uri="{28A0092B-C50C-407E-A947-70E740481C1C}">
-                <a14:useLocalDpi xmlns:a14="http://schemas.microsoft.com/office/drawing/2010/main" val="0"/>
-              </a:ext>
-            </a:extLst>
-          </a:blip>
-          <a:srcRect/>
-          <a:stretch>
-            <a:fillRect/>
-          </a:stretch>
-        </p:blipFill>
-        <p:spPr bwMode="auto">
-          <a:xfrm>
-            <a:off x="5279863" y="4775783"/>
-            <a:ext cx="550353" cy="550353"/>
-          </a:xfrm>
-          <a:prstGeom prst="rect">
-            <a:avLst/>
-          </a:prstGeom>
-          <a:noFill/>
-          <a:extLst>
-            <a:ext uri="{909E8E84-426E-40DD-AFC4-6F175D3DCCD1}">
-              <a14:hiddenFill xmlns:a14="http://schemas.microsoft.com/office/drawing/2010/main">
-                <a:solidFill>
-                  <a:srgbClr val="FFFFFF"/>
-                </a:solidFill>
-              </a14:hiddenFill>
-            </a:ext>
-          </a:extLst>
-        </p:spPr>
-      </p:pic>
-      <p:pic>
-        <p:nvPicPr>
-          <p:cNvPr id="27" name="Picture 2">
-            <a:extLst>
-              <a:ext uri="{FF2B5EF4-FFF2-40B4-BE49-F238E27FC236}">
-                <a16:creationId xmlns:a16="http://schemas.microsoft.com/office/drawing/2014/main" id="{66CADD89-7F76-4BB5-96CC-392D2DE198B0}"/>
-              </a:ext>
-            </a:extLst>
-          </p:cNvPr>
-          <p:cNvPicPr>
-            <a:picLocks noChangeAspect="1" noChangeArrowheads="1"/>
-          </p:cNvPicPr>
-          <p:nvPr/>
-        </p:nvPicPr>
-        <p:blipFill>
-          <a:blip r:embed="rId7">
-            <a:extLst>
-              <a:ext uri="{28A0092B-C50C-407E-A947-70E740481C1C}">
-                <a14:useLocalDpi xmlns:a14="http://schemas.microsoft.com/office/drawing/2010/main" val="0"/>
-              </a:ext>
-            </a:extLst>
-          </a:blip>
-          <a:srcRect/>
-          <a:stretch>
-            <a:fillRect/>
-          </a:stretch>
-        </p:blipFill>
-        <p:spPr bwMode="auto">
-          <a:xfrm>
-            <a:off x="4787255" y="3565916"/>
-            <a:ext cx="550353" cy="550353"/>
-          </a:xfrm>
-          <a:prstGeom prst="rect">
-            <a:avLst/>
-          </a:prstGeom>
-          <a:noFill/>
-          <a:extLst>
-            <a:ext uri="{909E8E84-426E-40DD-AFC4-6F175D3DCCD1}">
-              <a14:hiddenFill xmlns:a14="http://schemas.microsoft.com/office/drawing/2010/main">
-                <a:solidFill>
-                  <a:srgbClr val="FFFFFF"/>
-                </a:solidFill>
-              </a14:hiddenFill>
-            </a:ext>
-          </a:extLst>
-        </p:spPr>
-      </p:pic>
-      <p:sp>
-        <p:nvSpPr>
-          <p:cNvPr id="9" name="Right Brace 8">
-            <a:extLst>
-              <a:ext uri="{FF2B5EF4-FFF2-40B4-BE49-F238E27FC236}">
-                <a16:creationId xmlns:a16="http://schemas.microsoft.com/office/drawing/2014/main" id="{98237D49-AB1E-4FF1-82B2-3F6627EEED4F}"/>
-              </a:ext>
-            </a:extLst>
-          </p:cNvPr>
-          <p:cNvSpPr/>
-          <p:nvPr/>
-        </p:nvSpPr>
-        <p:spPr>
-          <a:xfrm>
-            <a:off x="7290033" y="4116269"/>
-            <a:ext cx="696069" cy="2343254"/>
-          </a:xfrm>
-          <a:prstGeom prst="rightBrace">
-            <a:avLst/>
-          </a:prstGeom>
-        </p:spPr>
-        <p:style>
-          <a:lnRef idx="3">
-            <a:schemeClr val="accent1"/>
-          </a:lnRef>
-          <a:fillRef idx="0">
-            <a:schemeClr val="accent1"/>
-          </a:fillRef>
-          <a:effectRef idx="2">
-            <a:schemeClr val="accent1"/>
-          </a:effectRef>
-          <a:fontRef idx="minor">
-            <a:schemeClr val="tx1"/>
-          </a:fontRef>
-        </p:style>
-        <p:txBody>
-          <a:bodyPr rtlCol="0" anchor="ctr"/>
-          <a:lstStyle/>
-          <a:p>
-            <a:pPr algn="ctr"/>
-            <a:endParaRPr lang="th-TH"/>
-          </a:p>
-        </p:txBody>
-      </p:sp>
-      <p:pic>
-        <p:nvPicPr>
-          <p:cNvPr id="1028" name="Picture 4" descr="ผลการค้นหารูปภาพสำหรับ clock gif">
-            <a:extLst>
-              <a:ext uri="{FF2B5EF4-FFF2-40B4-BE49-F238E27FC236}">
-                <a16:creationId xmlns:a16="http://schemas.microsoft.com/office/drawing/2014/main" id="{85462307-FA73-40A8-BDB1-1C9AB269743C}"/>
-              </a:ext>
-            </a:extLst>
-          </p:cNvPr>
-          <p:cNvPicPr>
-            <a:picLocks noChangeAspect="1" noChangeArrowheads="1" noCrop="1"/>
-          </p:cNvPicPr>
-          <p:nvPr/>
-        </p:nvPicPr>
-        <p:blipFill>
-          <a:blip r:embed="rId8">
-            <a:extLst>
-              <a:ext uri="{28A0092B-C50C-407E-A947-70E740481C1C}">
-                <a14:useLocalDpi xmlns:a14="http://schemas.microsoft.com/office/drawing/2010/main" val="0"/>
-              </a:ext>
-            </a:extLst>
-          </a:blip>
-          <a:srcRect/>
-          <a:stretch>
-            <a:fillRect/>
-          </a:stretch>
-        </p:blipFill>
-        <p:spPr bwMode="auto">
-          <a:xfrm>
-            <a:off x="7986102" y="4693432"/>
-            <a:ext cx="1625589" cy="1188928"/>
-          </a:xfrm>
-          <a:prstGeom prst="rect">
-            <a:avLst/>
-          </a:prstGeom>
-          <a:noFill/>
-          <a:extLst>
-            <a:ext uri="{909E8E84-426E-40DD-AFC4-6F175D3DCCD1}">
-              <a14:hiddenFill xmlns:a14="http://schemas.microsoft.com/office/drawing/2010/main">
-                <a:solidFill>
-                  <a:srgbClr val="FFFFFF"/>
-                </a:solidFill>
-              </a14:hiddenFill>
-            </a:ext>
-          </a:extLst>
-        </p:spPr>
-      </p:pic>
-    </p:spTree>
-    <p:extLst>
-      <p:ext uri="{BB962C8B-B14F-4D97-AF65-F5344CB8AC3E}">
-        <p14:creationId xmlns:p14="http://schemas.microsoft.com/office/powerpoint/2010/main" val="311412703"/>
-      </p:ext>
-    </p:extLst>
-  </p:cSld>
-  <p:clrMapOvr>
-    <a:masterClrMapping/>
-  </p:clrMapOvr>
-  <p:timing>
-    <p:tnLst>
-      <p:par>
-        <p:cTn id="1" dur="indefinite" restart="never" nodeType="tmRoot">
-          <p:childTnLst>
-            <p:seq concurrent="1" nextAc="seek">
-              <p:cTn id="2" dur="indefinite" nodeType="mainSeq">
-                <p:childTnLst>
-                  <p:par>
-                    <p:cTn id="3" fill="hold">
-                      <p:stCondLst>
-                        <p:cond delay="indefinite"/>
-                      </p:stCondLst>
-                      <p:childTnLst>
-                        <p:par>
-                          <p:cTn id="4" fill="hold">
-                            <p:stCondLst>
-                              <p:cond delay="0"/>
-                            </p:stCondLst>
-                            <p:childTnLst>
-                              <p:par>
-                                <p:cTn id="5" presetID="10" presetClass="entr" presetSubtype="0" fill="hold" grpId="0" nodeType="clickEffect">
-                                  <p:stCondLst>
-                                    <p:cond delay="0"/>
-                                  </p:stCondLst>
-                                  <p:childTnLst>
-                                    <p:set>
-                                      <p:cBhvr>
-                                        <p:cTn id="6" dur="1" fill="hold">
-                                          <p:stCondLst>
-                                            <p:cond delay="0"/>
-                                          </p:stCondLst>
-                                        </p:cTn>
-                                        <p:tgtEl>
-                                          <p:spTgt spid="15"/>
-                                        </p:tgtEl>
-                                        <p:attrNameLst>
-                                          <p:attrName>style.visibility</p:attrName>
-                                        </p:attrNameLst>
-                                      </p:cBhvr>
-                                      <p:to>
-                                        <p:strVal val="visible"/>
-                                      </p:to>
-                                    </p:set>
-                                    <p:animEffect transition="in" filter="fade">
-                                      <p:cBhvr>
-                                        <p:cTn id="7" dur="500"/>
-                                        <p:tgtEl>
-                                          <p:spTgt spid="15"/>
-                                        </p:tgtEl>
-                                      </p:cBhvr>
-                                    </p:animEffect>
-                                  </p:childTnLst>
-                                </p:cTn>
-                              </p:par>
-                            </p:childTnLst>
-                          </p:cTn>
-                        </p:par>
-                      </p:childTnLst>
-                    </p:cTn>
-                  </p:par>
-                  <p:par>
-                    <p:cTn id="8" fill="hold">
-                      <p:stCondLst>
-                        <p:cond delay="indefinite"/>
-                      </p:stCondLst>
-                      <p:childTnLst>
-                        <p:par>
-                          <p:cTn id="9" fill="hold">
-                            <p:stCondLst>
-                              <p:cond delay="0"/>
-                            </p:stCondLst>
-                            <p:childTnLst>
-                              <p:par>
-                                <p:cTn id="10" presetID="1" presetClass="entr" presetSubtype="0" fill="hold" nodeType="clickEffect">
-                                  <p:stCondLst>
-                                    <p:cond delay="0"/>
-                                  </p:stCondLst>
-                                  <p:childTnLst>
-                                    <p:set>
-                                      <p:cBhvr>
-                                        <p:cTn id="11" dur="1" fill="hold">
-                                          <p:stCondLst>
-                                            <p:cond delay="0"/>
-                                          </p:stCondLst>
-                                        </p:cTn>
-                                        <p:tgtEl>
-                                          <p:spTgt spid="5"/>
-                                        </p:tgtEl>
-                                        <p:attrNameLst>
-                                          <p:attrName>style.visibility</p:attrName>
-                                        </p:attrNameLst>
-                                      </p:cBhvr>
-                                      <p:to>
-                                        <p:strVal val="visible"/>
-                                      </p:to>
-                                    </p:set>
-                                  </p:childTnLst>
-                                </p:cTn>
-                              </p:par>
-                            </p:childTnLst>
-                          </p:cTn>
-                        </p:par>
-                      </p:childTnLst>
-                    </p:cTn>
-                  </p:par>
-                  <p:par>
-                    <p:cTn id="12" fill="hold">
-                      <p:stCondLst>
-                        <p:cond delay="indefinite"/>
-                      </p:stCondLst>
-                      <p:childTnLst>
-                        <p:par>
-                          <p:cTn id="13" fill="hold">
-                            <p:stCondLst>
-                              <p:cond delay="0"/>
-                            </p:stCondLst>
-                            <p:childTnLst>
-                              <p:par>
-                                <p:cTn id="14" presetID="1" presetClass="entr" presetSubtype="0" fill="hold" nodeType="clickEffect">
-                                  <p:stCondLst>
-                                    <p:cond delay="0"/>
-                                  </p:stCondLst>
-                                  <p:childTnLst>
-                                    <p:set>
-                                      <p:cBhvr>
-                                        <p:cTn id="15" dur="1" fill="hold">
-                                          <p:stCondLst>
-                                            <p:cond delay="0"/>
-                                          </p:stCondLst>
-                                        </p:cTn>
-                                        <p:tgtEl>
-                                          <p:spTgt spid="7"/>
-                                        </p:tgtEl>
-                                        <p:attrNameLst>
-                                          <p:attrName>style.visibility</p:attrName>
-                                        </p:attrNameLst>
-                                      </p:cBhvr>
-                                      <p:to>
-                                        <p:strVal val="visible"/>
-                                      </p:to>
-                                    </p:set>
-                                  </p:childTnLst>
-                                </p:cTn>
-                              </p:par>
-                            </p:childTnLst>
-                          </p:cTn>
-                        </p:par>
-                      </p:childTnLst>
-                    </p:cTn>
-                  </p:par>
-                  <p:par>
-                    <p:cTn id="16" fill="hold">
-                      <p:stCondLst>
-                        <p:cond delay="indefinite"/>
-                      </p:stCondLst>
-                      <p:childTnLst>
-                        <p:par>
-                          <p:cTn id="17" fill="hold">
-                            <p:stCondLst>
-                              <p:cond delay="0"/>
-                            </p:stCondLst>
-                            <p:childTnLst>
-                              <p:par>
-                                <p:cTn id="18" presetID="42" presetClass="path" presetSubtype="0" accel="50000" decel="50000" fill="hold" nodeType="clickEffect">
-                                  <p:stCondLst>
-                                    <p:cond delay="0"/>
-                                  </p:stCondLst>
-                                  <p:childTnLst>
-                                    <p:animMotion origin="layout" path="M 2.91667E-6 -7.40741E-7 L 0.1056 0.0007 " pathEditMode="relative" rAng="0" ptsTypes="AA">
-                                      <p:cBhvr>
-                                        <p:cTn id="19" dur="2000" fill="hold"/>
-                                        <p:tgtEl>
-                                          <p:spTgt spid="7"/>
-                                        </p:tgtEl>
-                                        <p:attrNameLst>
-                                          <p:attrName>ppt_x</p:attrName>
-                                          <p:attrName>ppt_y</p:attrName>
-                                        </p:attrNameLst>
-                                      </p:cBhvr>
-                                      <p:rCtr x="5273" y="23"/>
-                                    </p:animMotion>
-                                  </p:childTnLst>
-                                </p:cTn>
-                              </p:par>
-                            </p:childTnLst>
-                          </p:cTn>
-                        </p:par>
-                      </p:childTnLst>
-                    </p:cTn>
-                  </p:par>
-                  <p:par>
-                    <p:cTn id="20" fill="hold">
-                      <p:stCondLst>
-                        <p:cond delay="indefinite"/>
-                      </p:stCondLst>
-                      <p:childTnLst>
-                        <p:par>
-                          <p:cTn id="21" fill="hold">
-                            <p:stCondLst>
-                              <p:cond delay="0"/>
-                            </p:stCondLst>
-                            <p:childTnLst>
-                              <p:par>
-                                <p:cTn id="22" presetID="10" presetClass="entr" presetSubtype="0" fill="hold" grpId="0" nodeType="clickEffect">
-                                  <p:stCondLst>
-                                    <p:cond delay="0"/>
-                                  </p:stCondLst>
-                                  <p:childTnLst>
-                                    <p:set>
-                                      <p:cBhvr>
-                                        <p:cTn id="23" dur="1" fill="hold">
-                                          <p:stCondLst>
-                                            <p:cond delay="0"/>
-                                          </p:stCondLst>
-                                        </p:cTn>
-                                        <p:tgtEl>
-                                          <p:spTgt spid="25"/>
-                                        </p:tgtEl>
-                                        <p:attrNameLst>
-                                          <p:attrName>style.visibility</p:attrName>
-                                        </p:attrNameLst>
-                                      </p:cBhvr>
-                                      <p:to>
-                                        <p:strVal val="visible"/>
-                                      </p:to>
-                                    </p:set>
-                                    <p:animEffect transition="in" filter="fade">
-                                      <p:cBhvr>
-                                        <p:cTn id="24" dur="500"/>
-                                        <p:tgtEl>
-                                          <p:spTgt spid="25"/>
-                                        </p:tgtEl>
-                                      </p:cBhvr>
-                                    </p:animEffect>
-                                  </p:childTnLst>
-                                </p:cTn>
-                              </p:par>
-                            </p:childTnLst>
-                          </p:cTn>
-                        </p:par>
-                      </p:childTnLst>
-                    </p:cTn>
-                  </p:par>
-                  <p:par>
-                    <p:cTn id="25" fill="hold">
-                      <p:stCondLst>
-                        <p:cond delay="indefinite"/>
-                      </p:stCondLst>
-                      <p:childTnLst>
-                        <p:par>
-                          <p:cTn id="26" fill="hold">
-                            <p:stCondLst>
-                              <p:cond delay="0"/>
-                            </p:stCondLst>
-                            <p:childTnLst>
-                              <p:par>
-                                <p:cTn id="27" presetID="1" presetClass="entr" presetSubtype="0" fill="hold" nodeType="clickEffect">
-                                  <p:stCondLst>
-                                    <p:cond delay="0"/>
-                                  </p:stCondLst>
-                                  <p:childTnLst>
-                                    <p:set>
-                                      <p:cBhvr>
-                                        <p:cTn id="28" dur="1" fill="hold">
-                                          <p:stCondLst>
-                                            <p:cond delay="0"/>
-                                          </p:stCondLst>
-                                        </p:cTn>
-                                        <p:tgtEl>
-                                          <p:spTgt spid="24"/>
-                                        </p:tgtEl>
-                                        <p:attrNameLst>
-                                          <p:attrName>style.visibility</p:attrName>
-                                        </p:attrNameLst>
-                                      </p:cBhvr>
-                                      <p:to>
-                                        <p:strVal val="visible"/>
-                                      </p:to>
-                                    </p:set>
-                                  </p:childTnLst>
-                                </p:cTn>
-                              </p:par>
-                            </p:childTnLst>
-                          </p:cTn>
-                        </p:par>
-                      </p:childTnLst>
-                    </p:cTn>
-                  </p:par>
-                  <p:par>
-                    <p:cTn id="29" fill="hold">
-                      <p:stCondLst>
-                        <p:cond delay="indefinite"/>
-                      </p:stCondLst>
-                      <p:childTnLst>
-                        <p:par>
-                          <p:cTn id="30" fill="hold">
-                            <p:stCondLst>
-                              <p:cond delay="0"/>
-                            </p:stCondLst>
-                            <p:childTnLst>
-                              <p:par>
-                                <p:cTn id="31" presetID="1" presetClass="entr" presetSubtype="0" fill="hold" nodeType="clickEffect">
-                                  <p:stCondLst>
-                                    <p:cond delay="0"/>
-                                  </p:stCondLst>
-                                  <p:childTnLst>
-                                    <p:set>
-                                      <p:cBhvr>
-                                        <p:cTn id="32" dur="1" fill="hold">
-                                          <p:stCondLst>
-                                            <p:cond delay="0"/>
-                                          </p:stCondLst>
-                                        </p:cTn>
-                                        <p:tgtEl>
-                                          <p:spTgt spid="26"/>
-                                        </p:tgtEl>
-                                        <p:attrNameLst>
-                                          <p:attrName>style.visibility</p:attrName>
-                                        </p:attrNameLst>
-                                      </p:cBhvr>
-                                      <p:to>
-                                        <p:strVal val="visible"/>
-                                      </p:to>
-                                    </p:set>
-                                  </p:childTnLst>
-                                </p:cTn>
-                              </p:par>
-                            </p:childTnLst>
-                          </p:cTn>
-                        </p:par>
-                      </p:childTnLst>
-                    </p:cTn>
-                  </p:par>
-                  <p:par>
-                    <p:cTn id="33" fill="hold">
-                      <p:stCondLst>
-                        <p:cond delay="indefinite"/>
-                      </p:stCondLst>
-                      <p:childTnLst>
-                        <p:par>
-                          <p:cTn id="34" fill="hold">
-                            <p:stCondLst>
-                              <p:cond delay="0"/>
-                            </p:stCondLst>
-                            <p:childTnLst>
-                              <p:par>
-                                <p:cTn id="35" presetID="42" presetClass="path" presetSubtype="0" accel="50000" decel="50000" fill="hold" nodeType="clickEffect">
-                                  <p:stCondLst>
-                                    <p:cond delay="0"/>
-                                  </p:stCondLst>
-                                  <p:childTnLst>
-                                    <p:animMotion origin="layout" path="M -4.79167E-6 -3.33333E-6 L -4.79167E-6 0.14329 " pathEditMode="relative" rAng="0" ptsTypes="AA">
-                                      <p:cBhvr>
-                                        <p:cTn id="36" dur="2000" fill="hold"/>
-                                        <p:tgtEl>
-                                          <p:spTgt spid="26"/>
-                                        </p:tgtEl>
-                                        <p:attrNameLst>
-                                          <p:attrName>ppt_x</p:attrName>
-                                          <p:attrName>ppt_y</p:attrName>
-                                        </p:attrNameLst>
-                                      </p:cBhvr>
-                                      <p:rCtr x="0" y="7153"/>
-                                    </p:animMotion>
-                                  </p:childTnLst>
-                                </p:cTn>
-                              </p:par>
-                            </p:childTnLst>
-                          </p:cTn>
-                        </p:par>
-                      </p:childTnLst>
-                    </p:cTn>
-                  </p:par>
-                  <p:par>
-                    <p:cTn id="37" fill="hold">
-                      <p:stCondLst>
-                        <p:cond delay="indefinite"/>
-                      </p:stCondLst>
-                      <p:childTnLst>
-                        <p:par>
-                          <p:cTn id="38" fill="hold">
-                            <p:stCondLst>
-                              <p:cond delay="0"/>
-                            </p:stCondLst>
-                            <p:childTnLst>
-                              <p:par>
-                                <p:cTn id="39" presetID="1" presetClass="entr" presetSubtype="0" fill="hold" nodeType="clickEffect">
-                                  <p:stCondLst>
-                                    <p:cond delay="0"/>
-                                  </p:stCondLst>
-                                  <p:childTnLst>
-                                    <p:set>
-                                      <p:cBhvr>
-                                        <p:cTn id="40" dur="1" fill="hold">
-                                          <p:stCondLst>
-                                            <p:cond delay="0"/>
-                                          </p:stCondLst>
-                                        </p:cTn>
-                                        <p:tgtEl>
-                                          <p:spTgt spid="1026"/>
-                                        </p:tgtEl>
-                                        <p:attrNameLst>
-                                          <p:attrName>style.visibility</p:attrName>
-                                        </p:attrNameLst>
-                                      </p:cBhvr>
-                                      <p:to>
-                                        <p:strVal val="visible"/>
-                                      </p:to>
-                                    </p:set>
-                                  </p:childTnLst>
-                                </p:cTn>
-                              </p:par>
-                            </p:childTnLst>
-                          </p:cTn>
-                        </p:par>
-                      </p:childTnLst>
-                    </p:cTn>
-                  </p:par>
-                  <p:par>
-                    <p:cTn id="41" fill="hold">
-                      <p:stCondLst>
-                        <p:cond delay="indefinite"/>
-                      </p:stCondLst>
-                      <p:childTnLst>
-                        <p:par>
-                          <p:cTn id="42" fill="hold">
-                            <p:stCondLst>
-                              <p:cond delay="0"/>
-                            </p:stCondLst>
-                            <p:childTnLst>
-                              <p:par>
-                                <p:cTn id="43" presetID="42" presetClass="path" presetSubtype="0" accel="50000" decel="50000" fill="hold" nodeType="clickEffect">
-                                  <p:stCondLst>
-                                    <p:cond delay="0"/>
-                                  </p:stCondLst>
-                                  <p:childTnLst>
-                                    <p:animMotion origin="layout" path="M 1.04167E-6 -2.59259E-6 L 0.00065 -0.12361 " pathEditMode="relative" rAng="0" ptsTypes="AA">
-                                      <p:cBhvr>
-                                        <p:cTn id="44" dur="2000" fill="hold"/>
-                                        <p:tgtEl>
-                                          <p:spTgt spid="1026"/>
-                                        </p:tgtEl>
-                                        <p:attrNameLst>
-                                          <p:attrName>ppt_x</p:attrName>
-                                          <p:attrName>ppt_y</p:attrName>
-                                        </p:attrNameLst>
-                                      </p:cBhvr>
-                                      <p:rCtr x="26" y="-6181"/>
-                                    </p:animMotion>
-                                  </p:childTnLst>
-                                </p:cTn>
-                              </p:par>
-                            </p:childTnLst>
-                          </p:cTn>
-                        </p:par>
-                      </p:childTnLst>
-                    </p:cTn>
-                  </p:par>
-                  <p:par>
-                    <p:cTn id="45" fill="hold">
-                      <p:stCondLst>
-                        <p:cond delay="indefinite"/>
-                      </p:stCondLst>
-                      <p:childTnLst>
-                        <p:par>
-                          <p:cTn id="46" fill="hold">
-                            <p:stCondLst>
-                              <p:cond delay="0"/>
-                            </p:stCondLst>
-                            <p:childTnLst>
-                              <p:par>
-                                <p:cTn id="47" presetID="1" presetClass="entr" presetSubtype="0" fill="hold" nodeType="clickEffect">
-                                  <p:stCondLst>
-                                    <p:cond delay="0"/>
-                                  </p:stCondLst>
-                                  <p:childTnLst>
-                                    <p:set>
-                                      <p:cBhvr>
-                                        <p:cTn id="48" dur="1" fill="hold">
-                                          <p:stCondLst>
-                                            <p:cond delay="0"/>
-                                          </p:stCondLst>
-                                        </p:cTn>
-                                        <p:tgtEl>
-                                          <p:spTgt spid="27"/>
-                                        </p:tgtEl>
-                                        <p:attrNameLst>
-                                          <p:attrName>style.visibility</p:attrName>
-                                        </p:attrNameLst>
-                                      </p:cBhvr>
-                                      <p:to>
-                                        <p:strVal val="visible"/>
-                                      </p:to>
-                                    </p:set>
-                                  </p:childTnLst>
-                                </p:cTn>
-                              </p:par>
-                            </p:childTnLst>
-                          </p:cTn>
-                        </p:par>
-                      </p:childTnLst>
-                    </p:cTn>
-                  </p:par>
-                  <p:par>
-                    <p:cTn id="49" fill="hold">
-                      <p:stCondLst>
-                        <p:cond delay="indefinite"/>
-                      </p:stCondLst>
-                      <p:childTnLst>
-                        <p:par>
-                          <p:cTn id="50" fill="hold">
-                            <p:stCondLst>
-                              <p:cond delay="0"/>
-                            </p:stCondLst>
-                            <p:childTnLst>
-                              <p:par>
-                                <p:cTn id="51" presetID="42" presetClass="path" presetSubtype="0" accel="50000" decel="50000" fill="hold" nodeType="clickEffect">
-                                  <p:stCondLst>
-                                    <p:cond delay="0"/>
-                                  </p:stCondLst>
-                                  <p:childTnLst>
-                                    <p:animMotion origin="layout" path="M 0.00391 -0.00764 L -0.13307 -0.00578 " pathEditMode="relative" rAng="0" ptsTypes="AA">
-                                      <p:cBhvr>
-                                        <p:cTn id="52" dur="2000" fill="hold"/>
-                                        <p:tgtEl>
-                                          <p:spTgt spid="27"/>
-                                        </p:tgtEl>
-                                        <p:attrNameLst>
-                                          <p:attrName>ppt_x</p:attrName>
-                                          <p:attrName>ppt_y</p:attrName>
-                                        </p:attrNameLst>
-                                      </p:cBhvr>
-                                      <p:rCtr x="-6849" y="93"/>
-                                    </p:animMotion>
-                                  </p:childTnLst>
-                                </p:cTn>
-                              </p:par>
-                            </p:childTnLst>
-                          </p:cTn>
-                        </p:par>
-                      </p:childTnLst>
-                    </p:cTn>
-                  </p:par>
-                  <p:par>
-                    <p:cTn id="53" fill="hold">
-                      <p:stCondLst>
-                        <p:cond delay="indefinite"/>
-                      </p:stCondLst>
-                      <p:childTnLst>
-                        <p:par>
-                          <p:cTn id="54" fill="hold">
-                            <p:stCondLst>
-                              <p:cond delay="0"/>
-                            </p:stCondLst>
-                            <p:childTnLst>
-                              <p:par>
-                                <p:cTn id="55" presetID="1" presetClass="entr" presetSubtype="0" fill="hold" grpId="0" nodeType="clickEffect">
-                                  <p:stCondLst>
-                                    <p:cond delay="0"/>
-                                  </p:stCondLst>
-                                  <p:childTnLst>
-                                    <p:set>
-                                      <p:cBhvr>
-                                        <p:cTn id="56" dur="1" fill="hold">
-                                          <p:stCondLst>
-                                            <p:cond delay="0"/>
-                                          </p:stCondLst>
-                                        </p:cTn>
-                                        <p:tgtEl>
-                                          <p:spTgt spid="9"/>
-                                        </p:tgtEl>
-                                        <p:attrNameLst>
-                                          <p:attrName>style.visibility</p:attrName>
-                                        </p:attrNameLst>
-                                      </p:cBhvr>
-                                      <p:to>
-                                        <p:strVal val="visible"/>
-                                      </p:to>
-                                    </p:set>
-                                  </p:childTnLst>
-                                </p:cTn>
-                              </p:par>
-                            </p:childTnLst>
-                          </p:cTn>
-                        </p:par>
-                      </p:childTnLst>
-                    </p:cTn>
-                  </p:par>
-                  <p:par>
-                    <p:cTn id="57" fill="hold">
-                      <p:stCondLst>
-                        <p:cond delay="indefinite"/>
-                      </p:stCondLst>
-                      <p:childTnLst>
-                        <p:par>
-                          <p:cTn id="58" fill="hold">
-                            <p:stCondLst>
-                              <p:cond delay="0"/>
-                            </p:stCondLst>
-                            <p:childTnLst>
-                              <p:par>
-                                <p:cTn id="59" presetID="1" presetClass="entr" presetSubtype="0" fill="hold" nodeType="clickEffect">
-                                  <p:stCondLst>
-                                    <p:cond delay="0"/>
-                                  </p:stCondLst>
-                                  <p:childTnLst>
-                                    <p:set>
-                                      <p:cBhvr>
-                                        <p:cTn id="60" dur="1" fill="hold">
-                                          <p:stCondLst>
-                                            <p:cond delay="0"/>
-                                          </p:stCondLst>
-                                        </p:cTn>
-                                        <p:tgtEl>
-                                          <p:spTgt spid="1028"/>
-                                        </p:tgtEl>
-                                        <p:attrNameLst>
-                                          <p:attrName>style.visibility</p:attrName>
-                                        </p:attrNameLst>
-                                      </p:cBhvr>
-                                      <p:to>
-                                        <p:strVal val="visible"/>
-                                      </p:to>
-                                    </p:set>
-                                  </p:childTnLst>
-                                </p:cTn>
-                              </p:par>
-                            </p:childTnLst>
-                          </p:cTn>
-                        </p:par>
-                      </p:childTnLst>
-                    </p:cTn>
-                  </p:par>
-                </p:childTnLst>
-              </p:cTn>
-              <p:prevCondLst>
-                <p:cond evt="onPrev" delay="0">
-                  <p:tgtEl>
-                    <p:sldTgt/>
-                  </p:tgtEl>
-                </p:cond>
-              </p:prevCondLst>
-              <p:nextCondLst>
-                <p:cond evt="onNext" delay="0">
-                  <p:tgtEl>
-                    <p:sldTgt/>
-                  </p:tgtEl>
-                </p:cond>
-              </p:nextCondLst>
-            </p:seq>
-          </p:childTnLst>
-        </p:cTn>
-      </p:par>
-    </p:tnLst>
-    <p:bldLst>
-      <p:bldP spid="15" grpId="0" animBg="1"/>
-      <p:bldP spid="25" grpId="0" animBg="1"/>
-      <p:bldP spid="9" grpId="0" animBg="1"/>
-    </p:bldLst>
-  </p:timing>
-</p:sld>
-</file>
-
-<file path=ppt/slides/slide19.xml><?xml version="1.0" encoding="utf-8"?>
+<file path=ppt/slides/slide6.xml><?xml version="1.0" encoding="utf-8"?>
 <p:sld xmlns:a="http://schemas.openxmlformats.org/drawingml/2006/main" xmlns:r="http://schemas.openxmlformats.org/officeDocument/2006/relationships" xmlns:p="http://schemas.openxmlformats.org/presentationml/2006/main">
   <p:cSld>
     <p:bg>
@@ -15800,305 +15625,7 @@
 </p:sld>
 </file>
 
-<file path=ppt/slides/slide2.xml><?xml version="1.0" encoding="utf-8"?>
-<p:sld xmlns:a="http://schemas.openxmlformats.org/drawingml/2006/main" xmlns:r="http://schemas.openxmlformats.org/officeDocument/2006/relationships" xmlns:p="http://schemas.openxmlformats.org/presentationml/2006/main">
-  <p:cSld>
-    <p:bg>
-      <p:bgPr>
-        <a:solidFill>
-          <a:schemeClr val="tx1">
-            <a:lumMod val="85000"/>
-            <a:lumOff val="15000"/>
-          </a:schemeClr>
-        </a:solidFill>
-        <a:effectLst/>
-      </p:bgPr>
-    </p:bg>
-    <p:spTree>
-      <p:nvGrpSpPr>
-        <p:cNvPr id="1" name=""/>
-        <p:cNvGrpSpPr/>
-        <p:nvPr/>
-      </p:nvGrpSpPr>
-      <p:grpSpPr>
-        <a:xfrm>
-          <a:off x="0" y="0"/>
-          <a:ext cx="0" cy="0"/>
-          <a:chOff x="0" y="0"/>
-          <a:chExt cx="0" cy="0"/>
-        </a:xfrm>
-      </p:grpSpPr>
-      <p:sp>
-        <p:nvSpPr>
-          <p:cNvPr id="2" name="Title 1">
-            <a:extLst>
-              <a:ext uri="{FF2B5EF4-FFF2-40B4-BE49-F238E27FC236}">
-                <a16:creationId xmlns:a16="http://schemas.microsoft.com/office/drawing/2014/main" id="{0E2F7D6E-1AC9-4ED3-9833-B2C57A9E3257}"/>
-              </a:ext>
-            </a:extLst>
-          </p:cNvPr>
-          <p:cNvSpPr>
-            <a:spLocks noGrp="1"/>
-          </p:cNvSpPr>
-          <p:nvPr>
-            <p:ph type="ctrTitle"/>
-          </p:nvPr>
-        </p:nvSpPr>
-        <p:spPr>
-          <a:xfrm>
-            <a:off x="1524000" y="899319"/>
-            <a:ext cx="9144000" cy="2387600"/>
-          </a:xfrm>
-        </p:spPr>
-        <p:txBody>
-          <a:bodyPr>
-            <a:normAutofit/>
-          </a:bodyPr>
-          <a:lstStyle/>
-          <a:p>
-            <a:r>
-              <a:rPr lang="th-TH" sz="4400" b="1" dirty="0">
-                <a:solidFill>
-                  <a:schemeClr val="bg1"/>
-                </a:solidFill>
-                <a:latin typeface="TH SarabunPSK" panose="020B0500040200020003" pitchFamily="34" charset="-34"/>
-                <a:cs typeface="TH SarabunPSK" panose="020B0500040200020003" pitchFamily="34" charset="-34"/>
-              </a:rPr>
-              <a:t>บทที่ 1 บทนำ</a:t>
-            </a:r>
-          </a:p>
-        </p:txBody>
-      </p:sp>
-      <p:pic>
-        <p:nvPicPr>
-          <p:cNvPr id="19" name="Picture 18">
-            <a:extLst>
-              <a:ext uri="{FF2B5EF4-FFF2-40B4-BE49-F238E27FC236}">
-                <a16:creationId xmlns:a16="http://schemas.microsoft.com/office/drawing/2014/main" id="{5DCA531B-967C-42B3-831F-58979AA524C1}"/>
-              </a:ext>
-            </a:extLst>
-          </p:cNvPr>
-          <p:cNvPicPr>
-            <a:picLocks noChangeAspect="1"/>
-          </p:cNvPicPr>
-          <p:nvPr/>
-        </p:nvPicPr>
-        <p:blipFill>
-          <a:blip r:embed="rId2">
-            <a:extLst>
-              <a:ext uri="{28A0092B-C50C-407E-A947-70E740481C1C}">
-                <a14:useLocalDpi xmlns:a14="http://schemas.microsoft.com/office/drawing/2010/main" val="0"/>
-              </a:ext>
-            </a:extLst>
-          </a:blip>
-          <a:stretch>
-            <a:fillRect/>
-          </a:stretch>
-        </p:blipFill>
-        <p:spPr>
-          <a:xfrm>
-            <a:off x="2205037" y="3143182"/>
-            <a:ext cx="7591425" cy="89831"/>
-          </a:xfrm>
-          <a:prstGeom prst="rect">
-            <a:avLst/>
-          </a:prstGeom>
-        </p:spPr>
-      </p:pic>
-      <p:pic>
-        <p:nvPicPr>
-          <p:cNvPr id="5" name="Picture 4">
-            <a:extLst>
-              <a:ext uri="{FF2B5EF4-FFF2-40B4-BE49-F238E27FC236}">
-                <a16:creationId xmlns:a16="http://schemas.microsoft.com/office/drawing/2014/main" id="{92C6D831-4416-4DEB-A606-A915DE072ADA}"/>
-              </a:ext>
-            </a:extLst>
-          </p:cNvPr>
-          <p:cNvPicPr>
-            <a:picLocks noChangeAspect="1"/>
-          </p:cNvPicPr>
-          <p:nvPr/>
-        </p:nvPicPr>
-        <p:blipFill>
-          <a:blip r:embed="rId3">
-            <a:extLst>
-              <a:ext uri="{28A0092B-C50C-407E-A947-70E740481C1C}">
-                <a14:useLocalDpi xmlns:a14="http://schemas.microsoft.com/office/drawing/2010/main" val="0"/>
-              </a:ext>
-            </a:extLst>
-          </a:blip>
-          <a:stretch>
-            <a:fillRect/>
-          </a:stretch>
-        </p:blipFill>
-        <p:spPr>
-          <a:xfrm>
-            <a:off x="3701082" y="3571082"/>
-            <a:ext cx="762764" cy="762764"/>
-          </a:xfrm>
-          <a:prstGeom prst="rect">
-            <a:avLst/>
-          </a:prstGeom>
-        </p:spPr>
-      </p:pic>
-      <p:pic>
-        <p:nvPicPr>
-          <p:cNvPr id="7" name="Picture 6">
-            <a:extLst>
-              <a:ext uri="{FF2B5EF4-FFF2-40B4-BE49-F238E27FC236}">
-                <a16:creationId xmlns:a16="http://schemas.microsoft.com/office/drawing/2014/main" id="{DD6A1119-A7DD-4C2C-92DD-9962B6823003}"/>
-              </a:ext>
-            </a:extLst>
-          </p:cNvPr>
-          <p:cNvPicPr>
-            <a:picLocks noChangeAspect="1"/>
-          </p:cNvPicPr>
-          <p:nvPr/>
-        </p:nvPicPr>
-        <p:blipFill>
-          <a:blip r:embed="rId4">
-            <a:extLst>
-              <a:ext uri="{28A0092B-C50C-407E-A947-70E740481C1C}">
-                <a14:useLocalDpi xmlns:a14="http://schemas.microsoft.com/office/drawing/2010/main" val="0"/>
-              </a:ext>
-            </a:extLst>
-          </a:blip>
-          <a:stretch>
-            <a:fillRect/>
-          </a:stretch>
-        </p:blipFill>
-        <p:spPr>
-          <a:xfrm>
-            <a:off x="4660682" y="3571082"/>
-            <a:ext cx="762764" cy="762764"/>
-          </a:xfrm>
-          <a:prstGeom prst="rect">
-            <a:avLst/>
-          </a:prstGeom>
-        </p:spPr>
-      </p:pic>
-      <p:pic>
-        <p:nvPicPr>
-          <p:cNvPr id="9" name="Picture 8">
-            <a:extLst>
-              <a:ext uri="{FF2B5EF4-FFF2-40B4-BE49-F238E27FC236}">
-                <a16:creationId xmlns:a16="http://schemas.microsoft.com/office/drawing/2014/main" id="{3D4CC8F2-5B8A-4D5D-8AEF-122B33B871C2}"/>
-              </a:ext>
-            </a:extLst>
-          </p:cNvPr>
-          <p:cNvPicPr>
-            <a:picLocks noChangeAspect="1"/>
-          </p:cNvPicPr>
-          <p:nvPr/>
-        </p:nvPicPr>
-        <p:blipFill>
-          <a:blip r:embed="rId5">
-            <a:extLst>
-              <a:ext uri="{28A0092B-C50C-407E-A947-70E740481C1C}">
-                <a14:useLocalDpi xmlns:a14="http://schemas.microsoft.com/office/drawing/2010/main" val="0"/>
-              </a:ext>
-            </a:extLst>
-          </a:blip>
-          <a:stretch>
-            <a:fillRect/>
-          </a:stretch>
-        </p:blipFill>
-        <p:spPr>
-          <a:xfrm>
-            <a:off x="5613950" y="3571082"/>
-            <a:ext cx="762764" cy="762764"/>
-          </a:xfrm>
-          <a:prstGeom prst="rect">
-            <a:avLst/>
-          </a:prstGeom>
-        </p:spPr>
-      </p:pic>
-      <p:pic>
-        <p:nvPicPr>
-          <p:cNvPr id="11" name="Picture 10">
-            <a:extLst>
-              <a:ext uri="{FF2B5EF4-FFF2-40B4-BE49-F238E27FC236}">
-                <a16:creationId xmlns:a16="http://schemas.microsoft.com/office/drawing/2014/main" id="{92652842-6317-44FB-88A5-04190BB96778}"/>
-              </a:ext>
-            </a:extLst>
-          </p:cNvPr>
-          <p:cNvPicPr>
-            <a:picLocks noChangeAspect="1"/>
-          </p:cNvPicPr>
-          <p:nvPr/>
-        </p:nvPicPr>
-        <p:blipFill>
-          <a:blip r:embed="rId6">
-            <a:extLst>
-              <a:ext uri="{28A0092B-C50C-407E-A947-70E740481C1C}">
-                <a14:useLocalDpi xmlns:a14="http://schemas.microsoft.com/office/drawing/2010/main" val="0"/>
-              </a:ext>
-            </a:extLst>
-          </a:blip>
-          <a:stretch>
-            <a:fillRect/>
-          </a:stretch>
-        </p:blipFill>
-        <p:spPr>
-          <a:xfrm>
-            <a:off x="6567218" y="3571082"/>
-            <a:ext cx="760502" cy="760502"/>
-          </a:xfrm>
-          <a:prstGeom prst="rect">
-            <a:avLst/>
-          </a:prstGeom>
-        </p:spPr>
-      </p:pic>
-      <p:pic>
-        <p:nvPicPr>
-          <p:cNvPr id="14" name="Picture 13">
-            <a:extLst>
-              <a:ext uri="{FF2B5EF4-FFF2-40B4-BE49-F238E27FC236}">
-                <a16:creationId xmlns:a16="http://schemas.microsoft.com/office/drawing/2014/main" id="{81667B42-1B7B-4AF9-BA6F-8AC8487746E4}"/>
-              </a:ext>
-            </a:extLst>
-          </p:cNvPr>
-          <p:cNvPicPr>
-            <a:picLocks noChangeAspect="1"/>
-          </p:cNvPicPr>
-          <p:nvPr/>
-        </p:nvPicPr>
-        <p:blipFill>
-          <a:blip r:embed="rId7">
-            <a:extLst>
-              <a:ext uri="{28A0092B-C50C-407E-A947-70E740481C1C}">
-                <a14:useLocalDpi xmlns:a14="http://schemas.microsoft.com/office/drawing/2010/main" val="0"/>
-              </a:ext>
-            </a:extLst>
-          </a:blip>
-          <a:stretch>
-            <a:fillRect/>
-          </a:stretch>
-        </p:blipFill>
-        <p:spPr>
-          <a:xfrm>
-            <a:off x="7518224" y="3571082"/>
-            <a:ext cx="760502" cy="760502"/>
-          </a:xfrm>
-          <a:prstGeom prst="rect">
-            <a:avLst/>
-          </a:prstGeom>
-        </p:spPr>
-      </p:pic>
-    </p:spTree>
-    <p:extLst>
-      <p:ext uri="{BB962C8B-B14F-4D97-AF65-F5344CB8AC3E}">
-        <p14:creationId xmlns:p14="http://schemas.microsoft.com/office/powerpoint/2010/main" val="1618839286"/>
-      </p:ext>
-    </p:extLst>
-  </p:cSld>
-  <p:clrMapOvr>
-    <a:masterClrMapping/>
-  </p:clrMapOvr>
-</p:sld>
-</file>
-
-<file path=ppt/slides/slide20.xml><?xml version="1.0" encoding="utf-8"?>
+<file path=ppt/slides/slide7.xml><?xml version="1.0" encoding="utf-8"?>
 <p:sld xmlns:a="http://schemas.openxmlformats.org/drawingml/2006/main" xmlns:r="http://schemas.openxmlformats.org/officeDocument/2006/relationships" xmlns:p="http://schemas.openxmlformats.org/presentationml/2006/main">
   <p:cSld>
     <p:bg>
@@ -16932,7 +16459,7 @@
 </p:sld>
 </file>
 
-<file path=ppt/slides/slide3.xml><?xml version="1.0" encoding="utf-8"?>
+<file path=ppt/slides/slide8.xml><?xml version="1.0" encoding="utf-8"?>
 <p:sld xmlns:a="http://schemas.openxmlformats.org/drawingml/2006/main" xmlns:r="http://schemas.openxmlformats.org/officeDocument/2006/relationships" xmlns:p="http://schemas.openxmlformats.org/presentationml/2006/main">
   <p:cSld>
     <p:bg>
@@ -16990,1141 +16517,6 @@
                 <a:latin typeface="TH SarabunPSK" panose="020B0500040200020003" pitchFamily="34" charset="-34"/>
                 <a:cs typeface="TH SarabunPSK" panose="020B0500040200020003" pitchFamily="34" charset="-34"/>
               </a:rPr>
-              <a:t>บทที่ 1 บทนำ</a:t>
-            </a:r>
-          </a:p>
-        </p:txBody>
-      </p:sp>
-      <p:sp>
-        <p:nvSpPr>
-          <p:cNvPr id="3" name="Content Placeholder 2">
-            <a:extLst>
-              <a:ext uri="{FF2B5EF4-FFF2-40B4-BE49-F238E27FC236}">
-                <a16:creationId xmlns:a16="http://schemas.microsoft.com/office/drawing/2014/main" id="{23E7C118-00F2-471D-BF9E-6DCF8E58FDD9}"/>
-              </a:ext>
-            </a:extLst>
-          </p:cNvPr>
-          <p:cNvSpPr>
-            <a:spLocks noGrp="1"/>
-          </p:cNvSpPr>
-          <p:nvPr>
-            <p:ph idx="1"/>
-          </p:nvPr>
-        </p:nvSpPr>
-        <p:spPr>
-          <a:xfrm>
-            <a:off x="1771650" y="1690688"/>
-            <a:ext cx="8791575" cy="2628929"/>
-          </a:xfrm>
-        </p:spPr>
-        <p:txBody>
-          <a:bodyPr>
-            <a:normAutofit fontScale="55000" lnSpcReduction="20000"/>
-          </a:bodyPr>
-          <a:lstStyle/>
-          <a:p>
-            <a:pPr marL="0" indent="0" algn="thaiDist">
-              <a:lnSpc>
-                <a:spcPct val="120000"/>
-              </a:lnSpc>
-              <a:buNone/>
-            </a:pPr>
-            <a:r>
-              <a:rPr lang="th-TH" b="1" dirty="0">
-                <a:solidFill>
-                  <a:schemeClr val="bg1"/>
-                </a:solidFill>
-                <a:latin typeface="TH SarabunPSK" panose="020B0500040200020003" pitchFamily="34" charset="-34"/>
-                <a:cs typeface="TH SarabunPSK" panose="020B0500040200020003" pitchFamily="34" charset="-34"/>
-              </a:rPr>
-              <a:t> 	</a:t>
-            </a:r>
-            <a:r>
-              <a:rPr lang="th-TH" sz="3800" b="1" dirty="0">
-                <a:solidFill>
-                  <a:schemeClr val="bg1"/>
-                </a:solidFill>
-                <a:latin typeface="TH SarabunPSK" panose="020B0500040200020003" pitchFamily="34" charset="-34"/>
-                <a:cs typeface="TH SarabunPSK" panose="020B0500040200020003" pitchFamily="34" charset="-34"/>
-              </a:rPr>
-              <a:t> มหาวิทยาลัยเทคโนโลยีราชมงคลตะวันออก เน้นการจัดการศึกษาเพื่อให้บัณฑิตมีคุณลักษณะที่มีทักษะด้านช่าง อุตสาหกรรม การก่อสร้าง เทคโนโลยีสารสนเทศ วิศวกรรมศาสตร์ สถาปัตยกรรม การเกษตร การบริหารจัดการ และทักษะด้านธุรกิจ สามารถปฏิบัติงานได้จริง มีความคิดสร้างสรรค์ที่ทำให้สามารถประกอบอาชีพได้หลายอาชีพ โดยมีคณะในมหาวิทยาลัยที่เปิดสอนทั้งหมด 10 คณะ และประกอบด้วย 4 วิทยาเขต คือ วิทยาเขตบางพระ จังหวัดชลบุรี วิทยาเขตจักรพง</a:t>
-            </a:r>
-            <a:r>
-              <a:rPr lang="th-TH" sz="3800" b="1" dirty="0" err="1">
-                <a:solidFill>
-                  <a:schemeClr val="bg1"/>
-                </a:solidFill>
-                <a:latin typeface="TH SarabunPSK" panose="020B0500040200020003" pitchFamily="34" charset="-34"/>
-                <a:cs typeface="TH SarabunPSK" panose="020B0500040200020003" pitchFamily="34" charset="-34"/>
-              </a:rPr>
-              <a:t>ษภู</a:t>
-            </a:r>
-            <a:r>
-              <a:rPr lang="th-TH" sz="3800" b="1" dirty="0">
-                <a:solidFill>
-                  <a:schemeClr val="bg1"/>
-                </a:solidFill>
-                <a:latin typeface="TH SarabunPSK" panose="020B0500040200020003" pitchFamily="34" charset="-34"/>
-                <a:cs typeface="TH SarabunPSK" panose="020B0500040200020003" pitchFamily="34" charset="-34"/>
-              </a:rPr>
-              <a:t>วนารถ จังหวัดกรุงเทพมหานคร วิทยาเขตอุเทนถวาย จังหวัดกรุงเทพมหานคร วิทยาเขตจันทบุรี จังหวัดจันทบุรี ซึ่งแต่ละวิทยาเขตจะมีคณะที่เปิดสอนนักศึกษาที่แตกต่างกันออกไป </a:t>
-            </a:r>
-            <a:endParaRPr lang="th-TH" b="1" dirty="0">
-              <a:solidFill>
-                <a:schemeClr val="bg1"/>
-              </a:solidFill>
-              <a:latin typeface="TH SarabunPSK" panose="020B0500040200020003" pitchFamily="34" charset="-34"/>
-              <a:cs typeface="TH SarabunPSK" panose="020B0500040200020003" pitchFamily="34" charset="-34"/>
-            </a:endParaRPr>
-          </a:p>
-        </p:txBody>
-      </p:sp>
-      <p:pic>
-        <p:nvPicPr>
-          <p:cNvPr id="4" name="Picture 3">
-            <a:extLst>
-              <a:ext uri="{FF2B5EF4-FFF2-40B4-BE49-F238E27FC236}">
-                <a16:creationId xmlns:a16="http://schemas.microsoft.com/office/drawing/2014/main" id="{90ADEC6B-FDB4-4129-AF06-7F9AAD11D107}"/>
-              </a:ext>
-            </a:extLst>
-          </p:cNvPr>
-          <p:cNvPicPr>
-            <a:picLocks noChangeAspect="1"/>
-          </p:cNvPicPr>
-          <p:nvPr/>
-        </p:nvPicPr>
-        <p:blipFill>
-          <a:blip r:embed="rId2">
-            <a:extLst>
-              <a:ext uri="{28A0092B-C50C-407E-A947-70E740481C1C}">
-                <a14:useLocalDpi xmlns:a14="http://schemas.microsoft.com/office/drawing/2010/main" val="0"/>
-              </a:ext>
-            </a:extLst>
-          </a:blip>
-          <a:stretch>
-            <a:fillRect/>
-          </a:stretch>
-        </p:blipFill>
-        <p:spPr>
-          <a:xfrm>
-            <a:off x="2109787" y="1438207"/>
-            <a:ext cx="7591425" cy="89831"/>
-          </a:xfrm>
-          <a:prstGeom prst="rect">
-            <a:avLst/>
-          </a:prstGeom>
-        </p:spPr>
-      </p:pic>
-      <p:pic>
-        <p:nvPicPr>
-          <p:cNvPr id="8" name="Picture 7">
-            <a:extLst>
-              <a:ext uri="{FF2B5EF4-FFF2-40B4-BE49-F238E27FC236}">
-                <a16:creationId xmlns:a16="http://schemas.microsoft.com/office/drawing/2014/main" id="{48014E51-C07C-4656-907C-BABE7E659126}"/>
-              </a:ext>
-            </a:extLst>
-          </p:cNvPr>
-          <p:cNvPicPr>
-            <a:picLocks noChangeAspect="1"/>
-          </p:cNvPicPr>
-          <p:nvPr/>
-        </p:nvPicPr>
-        <p:blipFill>
-          <a:blip r:embed="rId3">
-            <a:extLst>
-              <a:ext uri="{28A0092B-C50C-407E-A947-70E740481C1C}">
-                <a14:useLocalDpi xmlns:a14="http://schemas.microsoft.com/office/drawing/2010/main" val="0"/>
-              </a:ext>
-            </a:extLst>
-          </a:blip>
-          <a:stretch>
-            <a:fillRect/>
-          </a:stretch>
-        </p:blipFill>
-        <p:spPr>
-          <a:xfrm>
-            <a:off x="3862978" y="3869462"/>
-            <a:ext cx="4466044" cy="2459955"/>
-          </a:xfrm>
-          <a:prstGeom prst="rect">
-            <a:avLst/>
-          </a:prstGeom>
-        </p:spPr>
-      </p:pic>
-    </p:spTree>
-    <p:extLst>
-      <p:ext uri="{BB962C8B-B14F-4D97-AF65-F5344CB8AC3E}">
-        <p14:creationId xmlns:p14="http://schemas.microsoft.com/office/powerpoint/2010/main" val="1827852681"/>
-      </p:ext>
-    </p:extLst>
-  </p:cSld>
-  <p:clrMapOvr>
-    <a:masterClrMapping/>
-  </p:clrMapOvr>
-  <mc:AlternateContent xmlns:mc="http://schemas.openxmlformats.org/markup-compatibility/2006" xmlns:p14="http://schemas.microsoft.com/office/powerpoint/2010/main">
-    <mc:Choice Requires="p14">
-      <p:transition spd="med" p14:dur="700">
-        <p:fade/>
-      </p:transition>
-    </mc:Choice>
-    <mc:Fallback xmlns="">
-      <p:transition spd="med">
-        <p:fade/>
-      </p:transition>
-    </mc:Fallback>
-  </mc:AlternateContent>
-</p:sld>
-</file>
-
-<file path=ppt/slides/slide4.xml><?xml version="1.0" encoding="utf-8"?>
-<p:sld xmlns:a="http://schemas.openxmlformats.org/drawingml/2006/main" xmlns:r="http://schemas.openxmlformats.org/officeDocument/2006/relationships" xmlns:p="http://schemas.openxmlformats.org/presentationml/2006/main">
-  <p:cSld>
-    <p:bg>
-      <p:bgPr>
-        <a:solidFill>
-          <a:schemeClr val="tx1">
-            <a:lumMod val="85000"/>
-            <a:lumOff val="15000"/>
-          </a:schemeClr>
-        </a:solidFill>
-        <a:effectLst/>
-      </p:bgPr>
-    </p:bg>
-    <p:spTree>
-      <p:nvGrpSpPr>
-        <p:cNvPr id="1" name=""/>
-        <p:cNvGrpSpPr/>
-        <p:nvPr/>
-      </p:nvGrpSpPr>
-      <p:grpSpPr>
-        <a:xfrm>
-          <a:off x="0" y="0"/>
-          <a:ext cx="0" cy="0"/>
-          <a:chOff x="0" y="0"/>
-          <a:chExt cx="0" cy="0"/>
-        </a:xfrm>
-      </p:grpSpPr>
-      <p:sp>
-        <p:nvSpPr>
-          <p:cNvPr id="2" name="Title 1">
-            <a:extLst>
-              <a:ext uri="{FF2B5EF4-FFF2-40B4-BE49-F238E27FC236}">
-                <a16:creationId xmlns:a16="http://schemas.microsoft.com/office/drawing/2014/main" id="{36017D3D-0042-4BC6-92A9-9F4A35242BEC}"/>
-              </a:ext>
-            </a:extLst>
-          </p:cNvPr>
-          <p:cNvSpPr>
-            <a:spLocks noGrp="1"/>
-          </p:cNvSpPr>
-          <p:nvPr>
-            <p:ph type="title"/>
-          </p:nvPr>
-        </p:nvSpPr>
-        <p:spPr/>
-        <p:txBody>
-          <a:bodyPr/>
-          <a:lstStyle/>
-          <a:p>
-            <a:pPr algn="ctr"/>
-            <a:r>
-              <a:rPr lang="th-TH" b="1" dirty="0">
-                <a:solidFill>
-                  <a:schemeClr val="bg1"/>
-                </a:solidFill>
-                <a:latin typeface="TH SarabunPSK" panose="020B0500040200020003" pitchFamily="34" charset="-34"/>
-                <a:cs typeface="TH SarabunPSK" panose="020B0500040200020003" pitchFamily="34" charset="-34"/>
-              </a:rPr>
-              <a:t>บทที่ 1 บทนำ</a:t>
-            </a:r>
-          </a:p>
-        </p:txBody>
-      </p:sp>
-      <p:sp>
-        <p:nvSpPr>
-          <p:cNvPr id="3" name="Content Placeholder 2">
-            <a:extLst>
-              <a:ext uri="{FF2B5EF4-FFF2-40B4-BE49-F238E27FC236}">
-                <a16:creationId xmlns:a16="http://schemas.microsoft.com/office/drawing/2014/main" id="{23E7C118-00F2-471D-BF9E-6DCF8E58FDD9}"/>
-              </a:ext>
-            </a:extLst>
-          </p:cNvPr>
-          <p:cNvSpPr>
-            <a:spLocks noGrp="1"/>
-          </p:cNvSpPr>
-          <p:nvPr>
-            <p:ph idx="1"/>
-          </p:nvPr>
-        </p:nvSpPr>
-        <p:spPr>
-          <a:xfrm>
-            <a:off x="1814379" y="1528038"/>
-            <a:ext cx="8791575" cy="2628929"/>
-          </a:xfrm>
-        </p:spPr>
-        <p:txBody>
-          <a:bodyPr>
-            <a:noAutofit/>
-          </a:bodyPr>
-          <a:lstStyle/>
-          <a:p>
-            <a:pPr marL="0" indent="0" algn="thaiDist">
-              <a:lnSpc>
-                <a:spcPct val="120000"/>
-              </a:lnSpc>
-              <a:buNone/>
-            </a:pPr>
-            <a:r>
-              <a:rPr lang="th-TH" sz="2000" b="1" dirty="0">
-                <a:solidFill>
-                  <a:schemeClr val="bg1"/>
-                </a:solidFill>
-                <a:latin typeface="TH SarabunPSK" panose="020B0500040200020003" pitchFamily="34" charset="-34"/>
-                <a:cs typeface="TH SarabunPSK" panose="020B0500040200020003" pitchFamily="34" charset="-34"/>
-              </a:rPr>
-              <a:t>		มหาวิทยาลัยเทคโนโลยีราชมงคลตะวันออก ในแต่ละวิทยาเขตก็จะมีการกำหนดการเข้าร่วมกิจกรรมของนักศึกษาในขณะที่ทำการศึกษาอยู่ในมหาวิทยาลัย ซึ่งหากถ้านักศึกษาไม่สามารถเก็บจำนวนกิจกรรมครบตามที่กำหนดไว้ จะไม่สามารถจบการศึกษาได้ และในการเข้าร่วมกิจกรรมในแต่ละครั้งนักศึกษาต้องนำสมุดบันทึกกิจกรรมของตัวเองมาให้ทาง สโมสรนักศึกษาในแต่ละคณะทำการลงตราประทับ เพื่อเป็นการยืนยันว่านักศึกษาคนนั้นทำการเข้าร่วมกิจกรรมแล้ว ซึ่งด้วยความที่ใช้สมุดบันทึกกิจกรรม สโมสรนักศึกษาจะทำการรวบรวมสมุดกิจกรรมและแบ่งเอาไว้ตามสาขาและลงตราประทับทีหลัง ซึ่งทำให้เวลาการลงตราประทับคลาดเคลื่อน และอาจจะก่อให้เกิดปัญหาการสูญหายของสมุดบันทึกกิจกรรมนักศึกษา และทำให้เกิดการต้องเก็บกิจกรรมใหม่ตั้งแต่ต้นซึ่งทำให้เสียเวลาทั้งนักศึกษา และสโมสรนักศึกษาที่ต้องมาจัดการสมุดกิจกรรมใหม่ ซึ่งการพัฒนาแอ</a:t>
-            </a:r>
-            <a:r>
-              <a:rPr lang="th-TH" sz="2000" b="1" dirty="0" err="1">
-                <a:solidFill>
-                  <a:schemeClr val="bg1"/>
-                </a:solidFill>
-                <a:latin typeface="TH SarabunPSK" panose="020B0500040200020003" pitchFamily="34" charset="-34"/>
-                <a:cs typeface="TH SarabunPSK" panose="020B0500040200020003" pitchFamily="34" charset="-34"/>
-              </a:rPr>
-              <a:t>ป</a:t>
-            </a:r>
-            <a:r>
-              <a:rPr lang="th-TH" sz="2000" b="1" dirty="0">
-                <a:solidFill>
-                  <a:schemeClr val="bg1"/>
-                </a:solidFill>
-                <a:latin typeface="TH SarabunPSK" panose="020B0500040200020003" pitchFamily="34" charset="-34"/>
-                <a:cs typeface="TH SarabunPSK" panose="020B0500040200020003" pitchFamily="34" charset="-34"/>
-              </a:rPr>
-              <a:t>พลิ</a:t>
-            </a:r>
-            <a:r>
-              <a:rPr lang="th-TH" sz="2000" b="1" dirty="0" err="1">
-                <a:solidFill>
-                  <a:schemeClr val="bg1"/>
-                </a:solidFill>
-                <a:latin typeface="TH SarabunPSK" panose="020B0500040200020003" pitchFamily="34" charset="-34"/>
-                <a:cs typeface="TH SarabunPSK" panose="020B0500040200020003" pitchFamily="34" charset="-34"/>
-              </a:rPr>
-              <a:t>เค</a:t>
-            </a:r>
-            <a:r>
-              <a:rPr lang="th-TH" sz="2000" b="1" dirty="0">
-                <a:solidFill>
-                  <a:schemeClr val="bg1"/>
-                </a:solidFill>
-                <a:latin typeface="TH SarabunPSK" panose="020B0500040200020003" pitchFamily="34" charset="-34"/>
-                <a:cs typeface="TH SarabunPSK" panose="020B0500040200020003" pitchFamily="34" charset="-34"/>
-              </a:rPr>
-              <a:t>ชันจะมาแก้ไขในส่วนนี้ รวมถึงปัญหาของผู้ประกอบการค้าในมหาวิทยาลัยนั้น เช่น ร้านค้าน้ำ ร้านค้าอาหาร รวมถึงร้านค้าอุปกรณ์การเรียน เป็นต้น ด้วยความที่นักศึกษาแต่ละคนชำระเงิน และยืนรอเงินทอนด้วยระยะเวลาในการรับประทานอาหารที่มีจำกัด ทำให้เกิดปัญหาการต่อแถวยาวและเกิดความวุ่นวายได้</a:t>
-            </a:r>
-          </a:p>
-          <a:p>
-            <a:pPr marL="0" indent="0" algn="thaiDist">
-              <a:lnSpc>
-                <a:spcPct val="120000"/>
-              </a:lnSpc>
-              <a:buNone/>
-            </a:pPr>
-            <a:endParaRPr lang="th-TH" sz="2000" b="1" dirty="0">
-              <a:solidFill>
-                <a:schemeClr val="bg1"/>
-              </a:solidFill>
-              <a:latin typeface="TH SarabunPSK" panose="020B0500040200020003" pitchFamily="34" charset="-34"/>
-              <a:cs typeface="TH SarabunPSK" panose="020B0500040200020003" pitchFamily="34" charset="-34"/>
-            </a:endParaRPr>
-          </a:p>
-        </p:txBody>
-      </p:sp>
-      <p:pic>
-        <p:nvPicPr>
-          <p:cNvPr id="4" name="Picture 3">
-            <a:extLst>
-              <a:ext uri="{FF2B5EF4-FFF2-40B4-BE49-F238E27FC236}">
-                <a16:creationId xmlns:a16="http://schemas.microsoft.com/office/drawing/2014/main" id="{90ADEC6B-FDB4-4129-AF06-7F9AAD11D107}"/>
-              </a:ext>
-            </a:extLst>
-          </p:cNvPr>
-          <p:cNvPicPr>
-            <a:picLocks noChangeAspect="1"/>
-          </p:cNvPicPr>
-          <p:nvPr/>
-        </p:nvPicPr>
-        <p:blipFill>
-          <a:blip r:embed="rId2">
-            <a:extLst>
-              <a:ext uri="{28A0092B-C50C-407E-A947-70E740481C1C}">
-                <a14:useLocalDpi xmlns:a14="http://schemas.microsoft.com/office/drawing/2010/main" val="0"/>
-              </a:ext>
-            </a:extLst>
-          </a:blip>
-          <a:stretch>
-            <a:fillRect/>
-          </a:stretch>
-        </p:blipFill>
-        <p:spPr>
-          <a:xfrm>
-            <a:off x="2109787" y="1438207"/>
-            <a:ext cx="7591425" cy="89831"/>
-          </a:xfrm>
-          <a:prstGeom prst="rect">
-            <a:avLst/>
-          </a:prstGeom>
-        </p:spPr>
-      </p:pic>
-    </p:spTree>
-    <p:extLst>
-      <p:ext uri="{BB962C8B-B14F-4D97-AF65-F5344CB8AC3E}">
-        <p14:creationId xmlns:p14="http://schemas.microsoft.com/office/powerpoint/2010/main" val="452979954"/>
-      </p:ext>
-    </p:extLst>
-  </p:cSld>
-  <p:clrMapOvr>
-    <a:masterClrMapping/>
-  </p:clrMapOvr>
-  <mc:AlternateContent xmlns:mc="http://schemas.openxmlformats.org/markup-compatibility/2006" xmlns:p14="http://schemas.microsoft.com/office/powerpoint/2010/main">
-    <mc:Choice Requires="p14">
-      <p:transition spd="med" p14:dur="700">
-        <p:fade/>
-      </p:transition>
-    </mc:Choice>
-    <mc:Fallback xmlns="">
-      <p:transition spd="med">
-        <p:fade/>
-      </p:transition>
-    </mc:Fallback>
-  </mc:AlternateContent>
-</p:sld>
-</file>
-
-<file path=ppt/slides/slide5.xml><?xml version="1.0" encoding="utf-8"?>
-<p:sld xmlns:a="http://schemas.openxmlformats.org/drawingml/2006/main" xmlns:r="http://schemas.openxmlformats.org/officeDocument/2006/relationships" xmlns:p="http://schemas.openxmlformats.org/presentationml/2006/main">
-  <p:cSld>
-    <p:bg>
-      <p:bgPr>
-        <a:solidFill>
-          <a:schemeClr val="tx1">
-            <a:lumMod val="85000"/>
-            <a:lumOff val="15000"/>
-          </a:schemeClr>
-        </a:solidFill>
-        <a:effectLst/>
-      </p:bgPr>
-    </p:bg>
-    <p:spTree>
-      <p:nvGrpSpPr>
-        <p:cNvPr id="1" name=""/>
-        <p:cNvGrpSpPr/>
-        <p:nvPr/>
-      </p:nvGrpSpPr>
-      <p:grpSpPr>
-        <a:xfrm>
-          <a:off x="0" y="0"/>
-          <a:ext cx="0" cy="0"/>
-          <a:chOff x="0" y="0"/>
-          <a:chExt cx="0" cy="0"/>
-        </a:xfrm>
-      </p:grpSpPr>
-      <p:sp>
-        <p:nvSpPr>
-          <p:cNvPr id="2" name="Title 1">
-            <a:extLst>
-              <a:ext uri="{FF2B5EF4-FFF2-40B4-BE49-F238E27FC236}">
-                <a16:creationId xmlns:a16="http://schemas.microsoft.com/office/drawing/2014/main" id="{36017D3D-0042-4BC6-92A9-9F4A35242BEC}"/>
-              </a:ext>
-            </a:extLst>
-          </p:cNvPr>
-          <p:cNvSpPr>
-            <a:spLocks noGrp="1"/>
-          </p:cNvSpPr>
-          <p:nvPr>
-            <p:ph type="title"/>
-          </p:nvPr>
-        </p:nvSpPr>
-        <p:spPr/>
-        <p:txBody>
-          <a:bodyPr/>
-          <a:lstStyle/>
-          <a:p>
-            <a:pPr algn="ctr"/>
-            <a:r>
-              <a:rPr lang="th-TH" b="1" dirty="0">
-                <a:solidFill>
-                  <a:schemeClr val="bg1"/>
-                </a:solidFill>
-                <a:latin typeface="TH SarabunPSK" panose="020B0500040200020003" pitchFamily="34" charset="-34"/>
-                <a:cs typeface="TH SarabunPSK" panose="020B0500040200020003" pitchFamily="34" charset="-34"/>
-              </a:rPr>
-              <a:t>บทที่ 1 บทนำ</a:t>
-            </a:r>
-          </a:p>
-        </p:txBody>
-      </p:sp>
-      <p:sp>
-        <p:nvSpPr>
-          <p:cNvPr id="3" name="Content Placeholder 2">
-            <a:extLst>
-              <a:ext uri="{FF2B5EF4-FFF2-40B4-BE49-F238E27FC236}">
-                <a16:creationId xmlns:a16="http://schemas.microsoft.com/office/drawing/2014/main" id="{23E7C118-00F2-471D-BF9E-6DCF8E58FDD9}"/>
-              </a:ext>
-            </a:extLst>
-          </p:cNvPr>
-          <p:cNvSpPr>
-            <a:spLocks noGrp="1"/>
-          </p:cNvSpPr>
-          <p:nvPr>
-            <p:ph idx="1"/>
-          </p:nvPr>
-        </p:nvSpPr>
-        <p:spPr>
-          <a:xfrm>
-            <a:off x="1814379" y="1528038"/>
-            <a:ext cx="8791575" cy="2628929"/>
-          </a:xfrm>
-        </p:spPr>
-        <p:txBody>
-          <a:bodyPr>
-            <a:noAutofit/>
-          </a:bodyPr>
-          <a:lstStyle/>
-          <a:p>
-            <a:pPr marL="0" indent="0" algn="thaiDist">
-              <a:lnSpc>
-                <a:spcPct val="120000"/>
-              </a:lnSpc>
-              <a:buNone/>
-            </a:pPr>
-            <a:r>
-              <a:rPr lang="th-TH" sz="2000" b="1" dirty="0">
-                <a:solidFill>
-                  <a:schemeClr val="bg1"/>
-                </a:solidFill>
-                <a:latin typeface="TH SarabunPSK" panose="020B0500040200020003" pitchFamily="34" charset="-34"/>
-                <a:cs typeface="TH SarabunPSK" panose="020B0500040200020003" pitchFamily="34" charset="-34"/>
-              </a:rPr>
-              <a:t>	จึงมีแนวคิดการพัฒนาระบบกระเป๋าตัง และข้อมูลส่วนตัวของนักศึกษา เป็นเว็บแอปพลิเคชันและโมบายแอปพลิเคชัน โดยเว็บแอปพลิเคชันและแอปพลิเคชันบนสมาร์ทโฟน จะพัฒนาด้วยโปรแกรม </a:t>
-            </a:r>
-            <a:r>
-              <a:rPr lang="en-US" sz="2000" b="1" dirty="0">
-                <a:solidFill>
-                  <a:schemeClr val="bg1"/>
-                </a:solidFill>
-                <a:latin typeface="TH SarabunPSK" panose="020B0500040200020003" pitchFamily="34" charset="-34"/>
-                <a:cs typeface="TH SarabunPSK" panose="020B0500040200020003" pitchFamily="34" charset="-34"/>
-              </a:rPr>
-              <a:t>Visual Studio Code </a:t>
-            </a:r>
-            <a:r>
-              <a:rPr lang="th-TH" sz="2000" b="1" dirty="0">
-                <a:solidFill>
-                  <a:schemeClr val="bg1"/>
-                </a:solidFill>
-                <a:latin typeface="TH SarabunPSK" panose="020B0500040200020003" pitchFamily="34" charset="-34"/>
-                <a:cs typeface="TH SarabunPSK" panose="020B0500040200020003" pitchFamily="34" charset="-34"/>
-              </a:rPr>
-              <a:t>เป็นโปรแกรม </a:t>
-            </a:r>
-            <a:r>
-              <a:rPr lang="en-US" sz="2000" b="1" dirty="0">
-                <a:solidFill>
-                  <a:schemeClr val="bg1"/>
-                </a:solidFill>
-                <a:latin typeface="TH SarabunPSK" panose="020B0500040200020003" pitchFamily="34" charset="-34"/>
-                <a:cs typeface="TH SarabunPSK" panose="020B0500040200020003" pitchFamily="34" charset="-34"/>
-              </a:rPr>
-              <a:t>Code Editing </a:t>
-            </a:r>
-            <a:r>
-              <a:rPr lang="th-TH" sz="2000" b="1" dirty="0">
-                <a:solidFill>
-                  <a:schemeClr val="bg1"/>
-                </a:solidFill>
-                <a:latin typeface="TH SarabunPSK" panose="020B0500040200020003" pitchFamily="34" charset="-34"/>
-                <a:cs typeface="TH SarabunPSK" panose="020B0500040200020003" pitchFamily="34" charset="-34"/>
-              </a:rPr>
-              <a:t>และใช้ภาษา </a:t>
-            </a:r>
-            <a:r>
-              <a:rPr lang="en-US" sz="2000" b="1" dirty="0">
-                <a:solidFill>
-                  <a:schemeClr val="bg1"/>
-                </a:solidFill>
-                <a:latin typeface="TH SarabunPSK" panose="020B0500040200020003" pitchFamily="34" charset="-34"/>
-                <a:cs typeface="TH SarabunPSK" panose="020B0500040200020003" pitchFamily="34" charset="-34"/>
-              </a:rPr>
-              <a:t>PHP </a:t>
-            </a:r>
-            <a:r>
-              <a:rPr lang="th-TH" sz="2000" b="1" dirty="0">
-                <a:solidFill>
-                  <a:schemeClr val="bg1"/>
-                </a:solidFill>
-                <a:latin typeface="TH SarabunPSK" panose="020B0500040200020003" pitchFamily="34" charset="-34"/>
-                <a:cs typeface="TH SarabunPSK" panose="020B0500040200020003" pitchFamily="34" charset="-34"/>
-              </a:rPr>
-              <a:t>โดยใช้ </a:t>
-            </a:r>
-            <a:r>
-              <a:rPr lang="en-US" sz="2000" b="1" dirty="0" err="1">
-                <a:solidFill>
-                  <a:schemeClr val="bg1"/>
-                </a:solidFill>
-                <a:latin typeface="TH SarabunPSK" panose="020B0500040200020003" pitchFamily="34" charset="-34"/>
-                <a:cs typeface="TH SarabunPSK" panose="020B0500040200020003" pitchFamily="34" charset="-34"/>
-              </a:rPr>
-              <a:t>Codeigniter</a:t>
-            </a:r>
-            <a:r>
-              <a:rPr lang="en-US" sz="2000" b="1" dirty="0">
-                <a:solidFill>
-                  <a:schemeClr val="bg1"/>
-                </a:solidFill>
-                <a:latin typeface="TH SarabunPSK" panose="020B0500040200020003" pitchFamily="34" charset="-34"/>
-                <a:cs typeface="TH SarabunPSK" panose="020B0500040200020003" pitchFamily="34" charset="-34"/>
-              </a:rPr>
-              <a:t> Frame Work </a:t>
-            </a:r>
-            <a:r>
-              <a:rPr lang="th-TH" sz="2000" b="1" dirty="0">
-                <a:solidFill>
-                  <a:schemeClr val="bg1"/>
-                </a:solidFill>
-                <a:latin typeface="TH SarabunPSK" panose="020B0500040200020003" pitchFamily="34" charset="-34"/>
-                <a:cs typeface="TH SarabunPSK" panose="020B0500040200020003" pitchFamily="34" charset="-34"/>
-              </a:rPr>
-              <a:t>ในการช่วยเขียนเว็บแอปพลิเคชัน ในการเขียนแอปพลิเคชันบนสมาร์ทโฟนใช้ </a:t>
-            </a:r>
-            <a:r>
-              <a:rPr lang="en-US" sz="2000" b="1" dirty="0">
-                <a:solidFill>
-                  <a:schemeClr val="bg1"/>
-                </a:solidFill>
-                <a:latin typeface="TH SarabunPSK" panose="020B0500040200020003" pitchFamily="34" charset="-34"/>
-                <a:cs typeface="TH SarabunPSK" panose="020B0500040200020003" pitchFamily="34" charset="-34"/>
-              </a:rPr>
-              <a:t>Flutter Frame Work </a:t>
-            </a:r>
-            <a:r>
-              <a:rPr lang="th-TH" sz="2000" b="1" dirty="0">
-                <a:solidFill>
-                  <a:schemeClr val="bg1"/>
-                </a:solidFill>
-                <a:latin typeface="TH SarabunPSK" panose="020B0500040200020003" pitchFamily="34" charset="-34"/>
-                <a:cs typeface="TH SarabunPSK" panose="020B0500040200020003" pitchFamily="34" charset="-34"/>
-              </a:rPr>
-              <a:t>และเชื่อมระหว่าง 2 </a:t>
-            </a:r>
-            <a:r>
-              <a:rPr lang="en-US" sz="2000" b="1" dirty="0">
-                <a:solidFill>
-                  <a:schemeClr val="bg1"/>
-                </a:solidFill>
-                <a:latin typeface="TH SarabunPSK" panose="020B0500040200020003" pitchFamily="34" charset="-34"/>
-                <a:cs typeface="TH SarabunPSK" panose="020B0500040200020003" pitchFamily="34" charset="-34"/>
-              </a:rPr>
-              <a:t>Platform </a:t>
-            </a:r>
-            <a:r>
-              <a:rPr lang="th-TH" sz="2000" b="1" dirty="0">
-                <a:solidFill>
-                  <a:schemeClr val="bg1"/>
-                </a:solidFill>
-                <a:latin typeface="TH SarabunPSK" panose="020B0500040200020003" pitchFamily="34" charset="-34"/>
-                <a:cs typeface="TH SarabunPSK" panose="020B0500040200020003" pitchFamily="34" charset="-34"/>
-              </a:rPr>
-              <a:t>นี้จะเชื่อมกันโดยใช้เทคการทำ </a:t>
-            </a:r>
-            <a:r>
-              <a:rPr lang="en-US" sz="2000" b="1" dirty="0">
-                <a:solidFill>
-                  <a:schemeClr val="bg1"/>
-                </a:solidFill>
-                <a:latin typeface="TH SarabunPSK" panose="020B0500040200020003" pitchFamily="34" charset="-34"/>
-                <a:cs typeface="TH SarabunPSK" panose="020B0500040200020003" pitchFamily="34" charset="-34"/>
-              </a:rPr>
-              <a:t>Web Service </a:t>
-            </a:r>
-            <a:r>
-              <a:rPr lang="th-TH" sz="2000" b="1" dirty="0">
-                <a:solidFill>
-                  <a:schemeClr val="bg1"/>
-                </a:solidFill>
-                <a:latin typeface="TH SarabunPSK" panose="020B0500040200020003" pitchFamily="34" charset="-34"/>
-                <a:cs typeface="TH SarabunPSK" panose="020B0500040200020003" pitchFamily="34" charset="-34"/>
-              </a:rPr>
-              <a:t>โดยจัดเก็บข้อมูลลงในฐานข้อมูล </a:t>
-            </a:r>
-            <a:r>
-              <a:rPr lang="en-US" sz="2000" b="1" dirty="0">
-                <a:solidFill>
-                  <a:schemeClr val="bg1"/>
-                </a:solidFill>
-                <a:latin typeface="TH SarabunPSK" panose="020B0500040200020003" pitchFamily="34" charset="-34"/>
-                <a:cs typeface="TH SarabunPSK" panose="020B0500040200020003" pitchFamily="34" charset="-34"/>
-              </a:rPr>
-              <a:t>MySQL API </a:t>
-            </a:r>
-            <a:r>
-              <a:rPr lang="th-TH" sz="2000" b="1" dirty="0">
-                <a:solidFill>
-                  <a:schemeClr val="bg1"/>
-                </a:solidFill>
-                <a:latin typeface="TH SarabunPSK" panose="020B0500040200020003" pitchFamily="34" charset="-34"/>
-                <a:cs typeface="TH SarabunPSK" panose="020B0500040200020003" pitchFamily="34" charset="-34"/>
-              </a:rPr>
-              <a:t>เพื่อช่วยในการจัดการของระบบได้อย่างมีประสิทธิภาพมากขึ้น และลดความซับซ้อนของข้อมูลได้ดียิ่งขึ้น</a:t>
-            </a:r>
-          </a:p>
-        </p:txBody>
-      </p:sp>
-      <p:pic>
-        <p:nvPicPr>
-          <p:cNvPr id="4" name="Picture 3">
-            <a:extLst>
-              <a:ext uri="{FF2B5EF4-FFF2-40B4-BE49-F238E27FC236}">
-                <a16:creationId xmlns:a16="http://schemas.microsoft.com/office/drawing/2014/main" id="{90ADEC6B-FDB4-4129-AF06-7F9AAD11D107}"/>
-              </a:ext>
-            </a:extLst>
-          </p:cNvPr>
-          <p:cNvPicPr>
-            <a:picLocks noChangeAspect="1"/>
-          </p:cNvPicPr>
-          <p:nvPr/>
-        </p:nvPicPr>
-        <p:blipFill>
-          <a:blip r:embed="rId2">
-            <a:extLst>
-              <a:ext uri="{28A0092B-C50C-407E-A947-70E740481C1C}">
-                <a14:useLocalDpi xmlns:a14="http://schemas.microsoft.com/office/drawing/2010/main" val="0"/>
-              </a:ext>
-            </a:extLst>
-          </a:blip>
-          <a:stretch>
-            <a:fillRect/>
-          </a:stretch>
-        </p:blipFill>
-        <p:spPr>
-          <a:xfrm>
-            <a:off x="2109787" y="1438207"/>
-            <a:ext cx="7591425" cy="89831"/>
-          </a:xfrm>
-          <a:prstGeom prst="rect">
-            <a:avLst/>
-          </a:prstGeom>
-        </p:spPr>
-      </p:pic>
-      <p:pic>
-        <p:nvPicPr>
-          <p:cNvPr id="11" name="รูปภาพ 10">
-            <a:extLst>
-              <a:ext uri="{FF2B5EF4-FFF2-40B4-BE49-F238E27FC236}">
-                <a16:creationId xmlns:a16="http://schemas.microsoft.com/office/drawing/2014/main" id="{B77F2DF0-7D42-134A-BE45-EBF2698EA61D}"/>
-              </a:ext>
-            </a:extLst>
-          </p:cNvPr>
-          <p:cNvPicPr>
-            <a:picLocks noChangeAspect="1"/>
-          </p:cNvPicPr>
-          <p:nvPr/>
-        </p:nvPicPr>
-        <p:blipFill>
-          <a:blip r:embed="rId3">
-            <a:extLst>
-              <a:ext uri="{28A0092B-C50C-407E-A947-70E740481C1C}">
-                <a14:useLocalDpi xmlns:a14="http://schemas.microsoft.com/office/drawing/2010/main" val="0"/>
-              </a:ext>
-            </a:extLst>
-          </a:blip>
-          <a:stretch>
-            <a:fillRect/>
-          </a:stretch>
-        </p:blipFill>
-        <p:spPr>
-          <a:xfrm>
-            <a:off x="5239700" y="4588251"/>
-            <a:ext cx="970466" cy="970466"/>
-          </a:xfrm>
-          <a:prstGeom prst="rect">
-            <a:avLst/>
-          </a:prstGeom>
-        </p:spPr>
-      </p:pic>
-      <p:pic>
-        <p:nvPicPr>
-          <p:cNvPr id="13" name="รูปภาพ 12">
-            <a:extLst>
-              <a:ext uri="{FF2B5EF4-FFF2-40B4-BE49-F238E27FC236}">
-                <a16:creationId xmlns:a16="http://schemas.microsoft.com/office/drawing/2014/main" id="{99EC1D4C-918F-294C-A2A4-94B03B6F27C0}"/>
-              </a:ext>
-            </a:extLst>
-          </p:cNvPr>
-          <p:cNvPicPr>
-            <a:picLocks noChangeAspect="1"/>
-          </p:cNvPicPr>
-          <p:nvPr/>
-        </p:nvPicPr>
-        <p:blipFill>
-          <a:blip r:embed="rId4">
-            <a:extLst>
-              <a:ext uri="{28A0092B-C50C-407E-A947-70E740481C1C}">
-                <a14:useLocalDpi xmlns:a14="http://schemas.microsoft.com/office/drawing/2010/main" val="0"/>
-              </a:ext>
-            </a:extLst>
-          </a:blip>
-          <a:stretch>
-            <a:fillRect/>
-          </a:stretch>
-        </p:blipFill>
-        <p:spPr>
-          <a:xfrm>
-            <a:off x="7940559" y="4438484"/>
-            <a:ext cx="1270000" cy="1270000"/>
-          </a:xfrm>
-          <a:prstGeom prst="rect">
-            <a:avLst/>
-          </a:prstGeom>
-        </p:spPr>
-      </p:pic>
-      <p:pic>
-        <p:nvPicPr>
-          <p:cNvPr id="17" name="รูปภาพ 16">
-            <a:extLst>
-              <a:ext uri="{FF2B5EF4-FFF2-40B4-BE49-F238E27FC236}">
-                <a16:creationId xmlns:a16="http://schemas.microsoft.com/office/drawing/2014/main" id="{7829712F-527D-B747-93C8-73B6050A21BD}"/>
-              </a:ext>
-            </a:extLst>
-          </p:cNvPr>
-          <p:cNvPicPr>
-            <a:picLocks noChangeAspect="1"/>
-          </p:cNvPicPr>
-          <p:nvPr/>
-        </p:nvPicPr>
-        <p:blipFill>
-          <a:blip r:embed="rId5">
-            <a:extLst>
-              <a:ext uri="{28A0092B-C50C-407E-A947-70E740481C1C}">
-                <a14:useLocalDpi xmlns:a14="http://schemas.microsoft.com/office/drawing/2010/main" val="0"/>
-              </a:ext>
-            </a:extLst>
-          </a:blip>
-          <a:stretch>
-            <a:fillRect/>
-          </a:stretch>
-        </p:blipFill>
-        <p:spPr>
-          <a:xfrm>
-            <a:off x="2602300" y="4438484"/>
-            <a:ext cx="1270000" cy="1270000"/>
-          </a:xfrm>
-          <a:prstGeom prst="rect">
-            <a:avLst/>
-          </a:prstGeom>
-        </p:spPr>
-      </p:pic>
-      <p:sp>
-        <p:nvSpPr>
-          <p:cNvPr id="18" name="ลูกศรขวา 17">
-            <a:extLst>
-              <a:ext uri="{FF2B5EF4-FFF2-40B4-BE49-F238E27FC236}">
-                <a16:creationId xmlns:a16="http://schemas.microsoft.com/office/drawing/2014/main" id="{1C4A56E9-B2A6-DF45-A2F2-B323DF56E6E6}"/>
-              </a:ext>
-            </a:extLst>
-          </p:cNvPr>
-          <p:cNvSpPr/>
-          <p:nvPr/>
-        </p:nvSpPr>
-        <p:spPr>
-          <a:xfrm>
-            <a:off x="4003287" y="4972962"/>
-            <a:ext cx="925552" cy="201043"/>
-          </a:xfrm>
-          <a:prstGeom prst="rightArrow">
-            <a:avLst/>
-          </a:prstGeom>
-        </p:spPr>
-        <p:style>
-          <a:lnRef idx="2">
-            <a:schemeClr val="accent2">
-              <a:shade val="50000"/>
-            </a:schemeClr>
-          </a:lnRef>
-          <a:fillRef idx="1">
-            <a:schemeClr val="accent2"/>
-          </a:fillRef>
-          <a:effectRef idx="0">
-            <a:schemeClr val="accent2"/>
-          </a:effectRef>
-          <a:fontRef idx="minor">
-            <a:schemeClr val="lt1"/>
-          </a:fontRef>
-        </p:style>
-        <p:txBody>
-          <a:bodyPr rtlCol="0" anchor="ctr"/>
-          <a:lstStyle/>
-          <a:p>
-            <a:pPr algn="ctr"/>
-            <a:endParaRPr lang="th-TH" dirty="0"/>
-          </a:p>
-        </p:txBody>
-      </p:sp>
-      <p:sp>
-        <p:nvSpPr>
-          <p:cNvPr id="19" name="ลูกศรขวา 18">
-            <a:extLst>
-              <a:ext uri="{FF2B5EF4-FFF2-40B4-BE49-F238E27FC236}">
-                <a16:creationId xmlns:a16="http://schemas.microsoft.com/office/drawing/2014/main" id="{65A97C8C-B871-A941-B2B2-D87790520E52}"/>
-              </a:ext>
-            </a:extLst>
-          </p:cNvPr>
-          <p:cNvSpPr/>
-          <p:nvPr/>
-        </p:nvSpPr>
-        <p:spPr>
-          <a:xfrm flipH="1">
-            <a:off x="6517680" y="4933971"/>
-            <a:ext cx="1115364" cy="279023"/>
-          </a:xfrm>
-          <a:prstGeom prst="rightArrow">
-            <a:avLst/>
-          </a:prstGeom>
-        </p:spPr>
-        <p:style>
-          <a:lnRef idx="2">
-            <a:schemeClr val="accent4">
-              <a:shade val="50000"/>
-            </a:schemeClr>
-          </a:lnRef>
-          <a:fillRef idx="1">
-            <a:schemeClr val="accent4"/>
-          </a:fillRef>
-          <a:effectRef idx="0">
-            <a:schemeClr val="accent4"/>
-          </a:effectRef>
-          <a:fontRef idx="minor">
-            <a:schemeClr val="lt1"/>
-          </a:fontRef>
-        </p:style>
-        <p:txBody>
-          <a:bodyPr rtlCol="0" anchor="ctr"/>
-          <a:lstStyle/>
-          <a:p>
-            <a:pPr algn="ctr"/>
-            <a:endParaRPr lang="th-TH" dirty="0"/>
-          </a:p>
-        </p:txBody>
-      </p:sp>
-    </p:spTree>
-    <p:extLst>
-      <p:ext uri="{BB962C8B-B14F-4D97-AF65-F5344CB8AC3E}">
-        <p14:creationId xmlns:p14="http://schemas.microsoft.com/office/powerpoint/2010/main" val="3286007479"/>
-      </p:ext>
-    </p:extLst>
-  </p:cSld>
-  <p:clrMapOvr>
-    <a:masterClrMapping/>
-  </p:clrMapOvr>
-  <mc:AlternateContent xmlns:mc="http://schemas.openxmlformats.org/markup-compatibility/2006" xmlns:p14="http://schemas.microsoft.com/office/powerpoint/2010/main">
-    <mc:Choice Requires="p14">
-      <p:transition spd="med" p14:dur="700">
-        <p:fade/>
-      </p:transition>
-    </mc:Choice>
-    <mc:Fallback xmlns="">
-      <p:transition spd="med">
-        <p:fade/>
-      </p:transition>
-    </mc:Fallback>
-  </mc:AlternateContent>
-  <p:timing>
-    <p:tnLst>
-      <p:par>
-        <p:cTn id="1" dur="indefinite" restart="never" nodeType="tmRoot">
-          <p:childTnLst>
-            <p:seq concurrent="1" nextAc="seek">
-              <p:cTn id="2" dur="indefinite" nodeType="mainSeq">
-                <p:childTnLst>
-                  <p:par>
-                    <p:cTn id="3" fill="hold">
-                      <p:stCondLst>
-                        <p:cond delay="indefinite"/>
-                      </p:stCondLst>
-                      <p:childTnLst>
-                        <p:par>
-                          <p:cTn id="4" fill="hold">
-                            <p:stCondLst>
-                              <p:cond delay="0"/>
-                            </p:stCondLst>
-                            <p:childTnLst>
-                              <p:par>
-                                <p:cTn id="5" presetID="1" presetClass="entr" presetSubtype="0" fill="hold" grpId="0" nodeType="clickEffect">
-                                  <p:stCondLst>
-                                    <p:cond delay="0"/>
-                                  </p:stCondLst>
-                                  <p:childTnLst>
-                                    <p:set>
-                                      <p:cBhvr>
-                                        <p:cTn id="6" dur="1" fill="hold">
-                                          <p:stCondLst>
-                                            <p:cond delay="0"/>
-                                          </p:stCondLst>
-                                        </p:cTn>
-                                        <p:tgtEl>
-                                          <p:spTgt spid="18"/>
-                                        </p:tgtEl>
-                                        <p:attrNameLst>
-                                          <p:attrName>style.visibility</p:attrName>
-                                        </p:attrNameLst>
-                                      </p:cBhvr>
-                                      <p:to>
-                                        <p:strVal val="visible"/>
-                                      </p:to>
-                                    </p:set>
-                                  </p:childTnLst>
-                                </p:cTn>
-                              </p:par>
-                            </p:childTnLst>
-                          </p:cTn>
-                        </p:par>
-                      </p:childTnLst>
-                    </p:cTn>
-                  </p:par>
-                  <p:par>
-                    <p:cTn id="7" fill="hold">
-                      <p:stCondLst>
-                        <p:cond delay="indefinite"/>
-                      </p:stCondLst>
-                      <p:childTnLst>
-                        <p:par>
-                          <p:cTn id="8" fill="hold">
-                            <p:stCondLst>
-                              <p:cond delay="0"/>
-                            </p:stCondLst>
-                            <p:childTnLst>
-                              <p:par>
-                                <p:cTn id="9" presetID="1" presetClass="entr" presetSubtype="0" fill="hold" grpId="0" nodeType="clickEffect">
-                                  <p:stCondLst>
-                                    <p:cond delay="0"/>
-                                  </p:stCondLst>
-                                  <p:childTnLst>
-                                    <p:set>
-                                      <p:cBhvr>
-                                        <p:cTn id="10" dur="1" fill="hold">
-                                          <p:stCondLst>
-                                            <p:cond delay="0"/>
-                                          </p:stCondLst>
-                                        </p:cTn>
-                                        <p:tgtEl>
-                                          <p:spTgt spid="19"/>
-                                        </p:tgtEl>
-                                        <p:attrNameLst>
-                                          <p:attrName>style.visibility</p:attrName>
-                                        </p:attrNameLst>
-                                      </p:cBhvr>
-                                      <p:to>
-                                        <p:strVal val="visible"/>
-                                      </p:to>
-                                    </p:set>
-                                  </p:childTnLst>
-                                </p:cTn>
-                              </p:par>
-                            </p:childTnLst>
-                          </p:cTn>
-                        </p:par>
-                      </p:childTnLst>
-                    </p:cTn>
-                  </p:par>
-                </p:childTnLst>
-              </p:cTn>
-              <p:prevCondLst>
-                <p:cond evt="onPrev" delay="0">
-                  <p:tgtEl>
-                    <p:sldTgt/>
-                  </p:tgtEl>
-                </p:cond>
-              </p:prevCondLst>
-              <p:nextCondLst>
-                <p:cond evt="onNext" delay="0">
-                  <p:tgtEl>
-                    <p:sldTgt/>
-                  </p:tgtEl>
-                </p:cond>
-              </p:nextCondLst>
-            </p:seq>
-          </p:childTnLst>
-        </p:cTn>
-      </p:par>
-    </p:tnLst>
-    <p:bldLst>
-      <p:bldP spid="18" grpId="0" animBg="1"/>
-      <p:bldP spid="19" grpId="0" animBg="1"/>
-    </p:bldLst>
-  </p:timing>
-</p:sld>
-</file>
-
-<file path=ppt/slides/slide6.xml><?xml version="1.0" encoding="utf-8"?>
-<p:sld xmlns:a="http://schemas.openxmlformats.org/drawingml/2006/main" xmlns:r="http://schemas.openxmlformats.org/officeDocument/2006/relationships" xmlns:p="http://schemas.openxmlformats.org/presentationml/2006/main">
-  <p:cSld>
-    <p:bg>
-      <p:bgPr>
-        <a:solidFill>
-          <a:schemeClr val="tx1">
-            <a:lumMod val="85000"/>
-            <a:lumOff val="15000"/>
-          </a:schemeClr>
-        </a:solidFill>
-        <a:effectLst/>
-      </p:bgPr>
-    </p:bg>
-    <p:spTree>
-      <p:nvGrpSpPr>
-        <p:cNvPr id="1" name=""/>
-        <p:cNvGrpSpPr/>
-        <p:nvPr/>
-      </p:nvGrpSpPr>
-      <p:grpSpPr>
-        <a:xfrm>
-          <a:off x="0" y="0"/>
-          <a:ext cx="0" cy="0"/>
-          <a:chOff x="0" y="0"/>
-          <a:chExt cx="0" cy="0"/>
-        </a:xfrm>
-      </p:grpSpPr>
-      <p:sp>
-        <p:nvSpPr>
-          <p:cNvPr id="2" name="Title 1">
-            <a:extLst>
-              <a:ext uri="{FF2B5EF4-FFF2-40B4-BE49-F238E27FC236}">
-                <a16:creationId xmlns:a16="http://schemas.microsoft.com/office/drawing/2014/main" id="{36017D3D-0042-4BC6-92A9-9F4A35242BEC}"/>
-              </a:ext>
-            </a:extLst>
-          </p:cNvPr>
-          <p:cNvSpPr>
-            <a:spLocks noGrp="1"/>
-          </p:cNvSpPr>
-          <p:nvPr>
-            <p:ph type="title"/>
-          </p:nvPr>
-        </p:nvSpPr>
-        <p:spPr/>
-        <p:txBody>
-          <a:bodyPr/>
-          <a:lstStyle/>
-          <a:p>
-            <a:pPr algn="ctr"/>
-            <a:r>
-              <a:rPr lang="th-TH" b="1" dirty="0">
-                <a:solidFill>
-                  <a:schemeClr val="bg1"/>
-                </a:solidFill>
-                <a:latin typeface="TH SarabunPSK" panose="020B0500040200020003" pitchFamily="34" charset="-34"/>
-                <a:cs typeface="TH SarabunPSK" panose="020B0500040200020003" pitchFamily="34" charset="-34"/>
-              </a:rPr>
               <a:t>วัตถุประสงค์</a:t>
             </a:r>
           </a:p>
@@ -18315,707 +16707,6 @@
     <p:extLst>
       <p:ext uri="{BB962C8B-B14F-4D97-AF65-F5344CB8AC3E}">
         <p14:creationId xmlns:p14="http://schemas.microsoft.com/office/powerpoint/2010/main" val="4280416169"/>
-      </p:ext>
-    </p:extLst>
-  </p:cSld>
-  <p:clrMapOvr>
-    <a:masterClrMapping/>
-  </p:clrMapOvr>
-  <mc:AlternateContent xmlns:mc="http://schemas.openxmlformats.org/markup-compatibility/2006" xmlns:p14="http://schemas.microsoft.com/office/powerpoint/2010/main">
-    <mc:Choice Requires="p14">
-      <p:transition spd="med" p14:dur="700">
-        <p:fade/>
-      </p:transition>
-    </mc:Choice>
-    <mc:Fallback xmlns="">
-      <p:transition spd="med">
-        <p:fade/>
-      </p:transition>
-    </mc:Fallback>
-  </mc:AlternateContent>
-</p:sld>
-</file>
-
-<file path=ppt/slides/slide7.xml><?xml version="1.0" encoding="utf-8"?>
-<p:sld xmlns:a="http://schemas.openxmlformats.org/drawingml/2006/main" xmlns:r="http://schemas.openxmlformats.org/officeDocument/2006/relationships" xmlns:p="http://schemas.openxmlformats.org/presentationml/2006/main">
-  <p:cSld>
-    <p:bg>
-      <p:bgPr>
-        <a:solidFill>
-          <a:srgbClr val="262626"/>
-        </a:solidFill>
-        <a:effectLst/>
-      </p:bgPr>
-    </p:bg>
-    <p:spTree>
-      <p:nvGrpSpPr>
-        <p:cNvPr id="1" name=""/>
-        <p:cNvGrpSpPr/>
-        <p:nvPr/>
-      </p:nvGrpSpPr>
-      <p:grpSpPr>
-        <a:xfrm>
-          <a:off x="0" y="0"/>
-          <a:ext cx="0" cy="0"/>
-          <a:chOff x="0" y="0"/>
-          <a:chExt cx="0" cy="0"/>
-        </a:xfrm>
-      </p:grpSpPr>
-      <p:sp>
-        <p:nvSpPr>
-          <p:cNvPr id="2" name="Title 1">
-            <a:extLst>
-              <a:ext uri="{FF2B5EF4-FFF2-40B4-BE49-F238E27FC236}">
-                <a16:creationId xmlns:a16="http://schemas.microsoft.com/office/drawing/2014/main" id="{36017D3D-0042-4BC6-92A9-9F4A35242BEC}"/>
-              </a:ext>
-            </a:extLst>
-          </p:cNvPr>
-          <p:cNvSpPr>
-            <a:spLocks noGrp="1"/>
-          </p:cNvSpPr>
-          <p:nvPr>
-            <p:ph type="title"/>
-          </p:nvPr>
-        </p:nvSpPr>
-        <p:spPr/>
-        <p:txBody>
-          <a:bodyPr/>
-          <a:lstStyle/>
-          <a:p>
-            <a:pPr algn="ctr"/>
-            <a:r>
-              <a:rPr lang="th-TH" b="1" dirty="0">
-                <a:solidFill>
-                  <a:schemeClr val="bg1"/>
-                </a:solidFill>
-                <a:latin typeface="TH SarabunPSK" panose="020B0500040200020003" pitchFamily="34" charset="-34"/>
-                <a:cs typeface="TH SarabunPSK" panose="020B0500040200020003" pitchFamily="34" charset="-34"/>
-              </a:rPr>
-              <a:t>ขอบเขตการทำงาน</a:t>
-            </a:r>
-          </a:p>
-        </p:txBody>
-      </p:sp>
-      <p:sp>
-        <p:nvSpPr>
-          <p:cNvPr id="3" name="Content Placeholder 2">
-            <a:extLst>
-              <a:ext uri="{FF2B5EF4-FFF2-40B4-BE49-F238E27FC236}">
-                <a16:creationId xmlns:a16="http://schemas.microsoft.com/office/drawing/2014/main" id="{23E7C118-00F2-471D-BF9E-6DCF8E58FDD9}"/>
-              </a:ext>
-            </a:extLst>
-          </p:cNvPr>
-          <p:cNvSpPr>
-            <a:spLocks noGrp="1"/>
-          </p:cNvSpPr>
-          <p:nvPr>
-            <p:ph idx="1"/>
-          </p:nvPr>
-        </p:nvSpPr>
-        <p:spPr>
-          <a:xfrm>
-            <a:off x="1771650" y="1690688"/>
-            <a:ext cx="8791575" cy="4181606"/>
-          </a:xfrm>
-        </p:spPr>
-        <p:txBody>
-          <a:bodyPr>
-            <a:noAutofit/>
-          </a:bodyPr>
-          <a:lstStyle/>
-          <a:p>
-            <a:r>
-              <a:rPr lang="th-TH" sz="1800" b="1" dirty="0">
-                <a:solidFill>
-                  <a:schemeClr val="bg1"/>
-                </a:solidFill>
-                <a:latin typeface="TH SarabunPSK" panose="020B0500040200020003" pitchFamily="34" charset="-34"/>
-                <a:cs typeface="TH SarabunPSK" panose="020B0500040200020003" pitchFamily="34" charset="-34"/>
-              </a:rPr>
-              <a:t>1.3.1 เว็บแอปพลิเคชัน (</a:t>
-            </a:r>
-            <a:r>
-              <a:rPr lang="en-US" sz="1800" b="1" dirty="0">
-                <a:solidFill>
-                  <a:schemeClr val="bg1"/>
-                </a:solidFill>
-                <a:latin typeface="TH SarabunPSK" panose="020B0500040200020003" pitchFamily="34" charset="-34"/>
-                <a:cs typeface="TH SarabunPSK" panose="020B0500040200020003" pitchFamily="34" charset="-34"/>
-              </a:rPr>
-              <a:t>Web Application)</a:t>
-            </a:r>
-          </a:p>
-          <a:p>
-            <a:r>
-              <a:rPr lang="en-US" sz="1800" b="1" dirty="0">
-                <a:solidFill>
-                  <a:schemeClr val="bg1"/>
-                </a:solidFill>
-                <a:latin typeface="TH SarabunPSK" panose="020B0500040200020003" pitchFamily="34" charset="-34"/>
-                <a:cs typeface="TH SarabunPSK" panose="020B0500040200020003" pitchFamily="34" charset="-34"/>
-              </a:rPr>
-              <a:t>               1.3.1.1 </a:t>
-            </a:r>
-            <a:r>
-              <a:rPr lang="th-TH" sz="1800" b="1" dirty="0">
-                <a:solidFill>
-                  <a:schemeClr val="bg1"/>
-                </a:solidFill>
-                <a:latin typeface="TH SarabunPSK" panose="020B0500040200020003" pitchFamily="34" charset="-34"/>
-                <a:cs typeface="TH SarabunPSK" panose="020B0500040200020003" pitchFamily="34" charset="-34"/>
-              </a:rPr>
-              <a:t>นักศึกษา</a:t>
-            </a:r>
-          </a:p>
-          <a:p>
-            <a:r>
-              <a:rPr lang="th-TH" sz="1800" b="1" dirty="0">
-                <a:solidFill>
-                  <a:schemeClr val="bg1"/>
-                </a:solidFill>
-                <a:latin typeface="TH SarabunPSK" panose="020B0500040200020003" pitchFamily="34" charset="-34"/>
-                <a:cs typeface="TH SarabunPSK" panose="020B0500040200020003" pitchFamily="34" charset="-34"/>
-              </a:rPr>
-              <a:t>                         1) สามารถเข้าสู่ระบบ</a:t>
-            </a:r>
-          </a:p>
-          <a:p>
-            <a:r>
-              <a:rPr lang="th-TH" sz="1800" b="1" dirty="0">
-                <a:solidFill>
-                  <a:schemeClr val="bg1"/>
-                </a:solidFill>
-                <a:latin typeface="TH SarabunPSK" panose="020B0500040200020003" pitchFamily="34" charset="-34"/>
-                <a:cs typeface="TH SarabunPSK" panose="020B0500040200020003" pitchFamily="34" charset="-34"/>
-              </a:rPr>
-              <a:t>                          2) สามารถตรวจสอบการแจ้งเตือน</a:t>
-            </a:r>
-          </a:p>
-          <a:p>
-            <a:r>
-              <a:rPr lang="th-TH" sz="1800" b="1" dirty="0">
-                <a:solidFill>
-                  <a:schemeClr val="bg1"/>
-                </a:solidFill>
-                <a:latin typeface="TH SarabunPSK" panose="020B0500040200020003" pitchFamily="34" charset="-34"/>
-                <a:cs typeface="TH SarabunPSK" panose="020B0500040200020003" pitchFamily="34" charset="-34"/>
-              </a:rPr>
-              <a:t>                          3) สามารถขออนุมัติดำเนินการจัดกิจกรรม</a:t>
-            </a:r>
-          </a:p>
-          <a:p>
-            <a:r>
-              <a:rPr lang="th-TH" sz="1800" b="1" dirty="0">
-                <a:solidFill>
-                  <a:schemeClr val="bg1"/>
-                </a:solidFill>
-                <a:latin typeface="TH SarabunPSK" panose="020B0500040200020003" pitchFamily="34" charset="-34"/>
-                <a:cs typeface="TH SarabunPSK" panose="020B0500040200020003" pitchFamily="34" charset="-34"/>
-              </a:rPr>
-              <a:t>                          4) สามารถตั้งคำถามเกี่ยวกับกิจกรรม                   </a:t>
-            </a:r>
-          </a:p>
-          <a:p>
-            <a:r>
-              <a:rPr lang="th-TH" sz="1800" b="1" dirty="0">
-                <a:solidFill>
-                  <a:schemeClr val="bg1"/>
-                </a:solidFill>
-                <a:latin typeface="TH SarabunPSK" panose="020B0500040200020003" pitchFamily="34" charset="-34"/>
-                <a:cs typeface="TH SarabunPSK" panose="020B0500040200020003" pitchFamily="34" charset="-34"/>
-              </a:rPr>
-              <a:t>               1.3.1.2 ผู้ดำเนินกิจกรรม</a:t>
-            </a:r>
-          </a:p>
-          <a:p>
-            <a:r>
-              <a:rPr lang="th-TH" sz="1800" b="1" dirty="0">
-                <a:solidFill>
-                  <a:schemeClr val="bg1"/>
-                </a:solidFill>
-                <a:latin typeface="TH SarabunPSK" panose="020B0500040200020003" pitchFamily="34" charset="-34"/>
-                <a:cs typeface="TH SarabunPSK" panose="020B0500040200020003" pitchFamily="34" charset="-34"/>
-              </a:rPr>
-              <a:t>                         1) สามารถจัดการกิจกรรมของตนเอง</a:t>
-            </a:r>
-          </a:p>
-          <a:p>
-            <a:r>
-              <a:rPr lang="th-TH" sz="1800" b="1" dirty="0">
-                <a:solidFill>
-                  <a:schemeClr val="bg1"/>
-                </a:solidFill>
-                <a:latin typeface="TH SarabunPSK" panose="020B0500040200020003" pitchFamily="34" charset="-34"/>
-                <a:cs typeface="TH SarabunPSK" panose="020B0500040200020003" pitchFamily="34" charset="-34"/>
-              </a:rPr>
-              <a:t>                          2) สามารถจัดการคณะกรรมการในกิจกรรมของตนเอง</a:t>
-            </a:r>
-          </a:p>
-          <a:p>
-            <a:r>
-              <a:rPr lang="th-TH" sz="1800" b="1" dirty="0">
-                <a:solidFill>
-                  <a:schemeClr val="bg1"/>
-                </a:solidFill>
-                <a:latin typeface="TH SarabunPSK" panose="020B0500040200020003" pitchFamily="34" charset="-34"/>
-                <a:cs typeface="TH SarabunPSK" panose="020B0500040200020003" pitchFamily="34" charset="-34"/>
-              </a:rPr>
-              <a:t>                          3) สามารถดาวน์โหลด </a:t>
-            </a:r>
-            <a:r>
-              <a:rPr lang="en-US" sz="1800" b="1" dirty="0">
-                <a:solidFill>
-                  <a:schemeClr val="bg1"/>
-                </a:solidFill>
-                <a:latin typeface="TH SarabunPSK" panose="020B0500040200020003" pitchFamily="34" charset="-34"/>
-                <a:cs typeface="TH SarabunPSK" panose="020B0500040200020003" pitchFamily="34" charset="-34"/>
-              </a:rPr>
-              <a:t>QR Code </a:t>
-            </a:r>
-            <a:r>
-              <a:rPr lang="th-TH" sz="1800" b="1" dirty="0">
-                <a:solidFill>
-                  <a:schemeClr val="bg1"/>
-                </a:solidFill>
-                <a:latin typeface="TH SarabunPSK" panose="020B0500040200020003" pitchFamily="34" charset="-34"/>
-                <a:cs typeface="TH SarabunPSK" panose="020B0500040200020003" pitchFamily="34" charset="-34"/>
-              </a:rPr>
-              <a:t>ลงทะเบียนเข้าร่วมและจบกิจกรรมของตนเอง</a:t>
-            </a:r>
-          </a:p>
-          <a:p>
-            <a:r>
-              <a:rPr lang="th-TH" sz="1800" b="1" dirty="0">
-                <a:solidFill>
-                  <a:schemeClr val="bg1"/>
-                </a:solidFill>
-                <a:latin typeface="TH SarabunPSK" panose="020B0500040200020003" pitchFamily="34" charset="-34"/>
-                <a:cs typeface="TH SarabunPSK" panose="020B0500040200020003" pitchFamily="34" charset="-34"/>
-              </a:rPr>
-              <a:t>                          4) สามารถดาวน์โหลดผลสรุปรายชื่อผู้เข้าร่วมกิจกรรมของตนเอง</a:t>
-            </a:r>
-          </a:p>
-          <a:p>
-            <a:r>
-              <a:rPr lang="th-TH" sz="1800" b="1" dirty="0">
-                <a:solidFill>
-                  <a:schemeClr val="bg1"/>
-                </a:solidFill>
-                <a:latin typeface="TH SarabunPSK" panose="020B0500040200020003" pitchFamily="34" charset="-34"/>
-                <a:cs typeface="TH SarabunPSK" panose="020B0500040200020003" pitchFamily="34" charset="-34"/>
-              </a:rPr>
-              <a:t>                          5) สามารถจัดการเอกสารในกิจกรรมของตนเอง</a:t>
-            </a:r>
-          </a:p>
-          <a:p>
-            <a:r>
-              <a:rPr lang="th-TH" sz="1800" b="1" dirty="0">
-                <a:solidFill>
-                  <a:schemeClr val="bg1"/>
-                </a:solidFill>
-                <a:latin typeface="TH SarabunPSK" panose="020B0500040200020003" pitchFamily="34" charset="-34"/>
-                <a:cs typeface="TH SarabunPSK" panose="020B0500040200020003" pitchFamily="34" charset="-34"/>
-              </a:rPr>
-              <a:t>                          6) สามารถเพิ่มกลุ่มนักศึกษาในกิจกรรมได้</a:t>
-            </a:r>
-          </a:p>
-          <a:p>
-            <a:r>
-              <a:rPr lang="th-TH" sz="1800" b="1" dirty="0">
-                <a:solidFill>
-                  <a:schemeClr val="bg1"/>
-                </a:solidFill>
-                <a:latin typeface="TH SarabunPSK" panose="020B0500040200020003" pitchFamily="34" charset="-34"/>
-                <a:cs typeface="TH SarabunPSK" panose="020B0500040200020003" pitchFamily="34" charset="-34"/>
-              </a:rPr>
-              <a:t>                          7) สามารถตอบคำถามเกี่ยวกับกิจกรรมของนักศึกษา</a:t>
-            </a:r>
-          </a:p>
-          <a:p>
-            <a:r>
-              <a:rPr lang="th-TH" sz="1800" b="1" dirty="0">
-                <a:solidFill>
-                  <a:schemeClr val="bg1"/>
-                </a:solidFill>
-                <a:latin typeface="TH SarabunPSK" panose="020B0500040200020003" pitchFamily="34" charset="-34"/>
-                <a:cs typeface="TH SarabunPSK" panose="020B0500040200020003" pitchFamily="34" charset="-34"/>
-              </a:rPr>
-              <a:t>                          8) สามารถขออนุมัติเคลียร์เงิน</a:t>
-            </a:r>
-          </a:p>
-        </p:txBody>
-      </p:sp>
-      <p:pic>
-        <p:nvPicPr>
-          <p:cNvPr id="4" name="Picture 3">
-            <a:extLst>
-              <a:ext uri="{FF2B5EF4-FFF2-40B4-BE49-F238E27FC236}">
-                <a16:creationId xmlns:a16="http://schemas.microsoft.com/office/drawing/2014/main" id="{90ADEC6B-FDB4-4129-AF06-7F9AAD11D107}"/>
-              </a:ext>
-            </a:extLst>
-          </p:cNvPr>
-          <p:cNvPicPr>
-            <a:picLocks noChangeAspect="1"/>
-          </p:cNvPicPr>
-          <p:nvPr/>
-        </p:nvPicPr>
-        <p:blipFill>
-          <a:blip r:embed="rId2">
-            <a:extLst>
-              <a:ext uri="{28A0092B-C50C-407E-A947-70E740481C1C}">
-                <a14:useLocalDpi xmlns:a14="http://schemas.microsoft.com/office/drawing/2010/main" val="0"/>
-              </a:ext>
-            </a:extLst>
-          </a:blip>
-          <a:stretch>
-            <a:fillRect/>
-          </a:stretch>
-        </p:blipFill>
-        <p:spPr>
-          <a:xfrm>
-            <a:off x="2109787" y="1438207"/>
-            <a:ext cx="7591425" cy="89831"/>
-          </a:xfrm>
-          <a:prstGeom prst="rect">
-            <a:avLst/>
-          </a:prstGeom>
-        </p:spPr>
-      </p:pic>
-    </p:spTree>
-    <p:extLst>
-      <p:ext uri="{BB962C8B-B14F-4D97-AF65-F5344CB8AC3E}">
-        <p14:creationId xmlns:p14="http://schemas.microsoft.com/office/powerpoint/2010/main" val="872255735"/>
-      </p:ext>
-    </p:extLst>
-  </p:cSld>
-  <p:clrMapOvr>
-    <a:masterClrMapping/>
-  </p:clrMapOvr>
-  <mc:AlternateContent xmlns:mc="http://schemas.openxmlformats.org/markup-compatibility/2006" xmlns:p14="http://schemas.microsoft.com/office/powerpoint/2010/main">
-    <mc:Choice Requires="p14">
-      <p:transition spd="med" p14:dur="700">
-        <p:fade/>
-      </p:transition>
-    </mc:Choice>
-    <mc:Fallback xmlns="">
-      <p:transition spd="med">
-        <p:fade/>
-      </p:transition>
-    </mc:Fallback>
-  </mc:AlternateContent>
-</p:sld>
-</file>
-
-<file path=ppt/slides/slide8.xml><?xml version="1.0" encoding="utf-8"?>
-<p:sld xmlns:a="http://schemas.openxmlformats.org/drawingml/2006/main" xmlns:r="http://schemas.openxmlformats.org/officeDocument/2006/relationships" xmlns:p="http://schemas.openxmlformats.org/presentationml/2006/main">
-  <p:cSld>
-    <p:bg>
-      <p:bgPr>
-        <a:solidFill>
-          <a:srgbClr val="262626"/>
-        </a:solidFill>
-        <a:effectLst/>
-      </p:bgPr>
-    </p:bg>
-    <p:spTree>
-      <p:nvGrpSpPr>
-        <p:cNvPr id="1" name=""/>
-        <p:cNvGrpSpPr/>
-        <p:nvPr/>
-      </p:nvGrpSpPr>
-      <p:grpSpPr>
-        <a:xfrm>
-          <a:off x="0" y="0"/>
-          <a:ext cx="0" cy="0"/>
-          <a:chOff x="0" y="0"/>
-          <a:chExt cx="0" cy="0"/>
-        </a:xfrm>
-      </p:grpSpPr>
-      <p:sp>
-        <p:nvSpPr>
-          <p:cNvPr id="2" name="Title 1">
-            <a:extLst>
-              <a:ext uri="{FF2B5EF4-FFF2-40B4-BE49-F238E27FC236}">
-                <a16:creationId xmlns:a16="http://schemas.microsoft.com/office/drawing/2014/main" id="{36017D3D-0042-4BC6-92A9-9F4A35242BEC}"/>
-              </a:ext>
-            </a:extLst>
-          </p:cNvPr>
-          <p:cNvSpPr>
-            <a:spLocks noGrp="1"/>
-          </p:cNvSpPr>
-          <p:nvPr>
-            <p:ph type="title"/>
-          </p:nvPr>
-        </p:nvSpPr>
-        <p:spPr/>
-        <p:txBody>
-          <a:bodyPr/>
-          <a:lstStyle/>
-          <a:p>
-            <a:pPr algn="ctr"/>
-            <a:r>
-              <a:rPr lang="th-TH" b="1" dirty="0">
-                <a:solidFill>
-                  <a:schemeClr val="bg1"/>
-                </a:solidFill>
-                <a:latin typeface="TH SarabunPSK" panose="020B0500040200020003" pitchFamily="34" charset="-34"/>
-                <a:cs typeface="TH SarabunPSK" panose="020B0500040200020003" pitchFamily="34" charset="-34"/>
-              </a:rPr>
-              <a:t>ขอบเขตการทำงาน </a:t>
-            </a:r>
-            <a:r>
-              <a:rPr lang="en-US" b="1" dirty="0">
-                <a:solidFill>
-                  <a:schemeClr val="bg1"/>
-                </a:solidFill>
-                <a:latin typeface="TH SarabunPSK" panose="020B0500040200020003" pitchFamily="34" charset="-34"/>
-                <a:cs typeface="TH SarabunPSK" panose="020B0500040200020003" pitchFamily="34" charset="-34"/>
-              </a:rPr>
-              <a:t>(</a:t>
-            </a:r>
-            <a:r>
-              <a:rPr lang="th-TH" b="1" dirty="0">
-                <a:solidFill>
-                  <a:schemeClr val="bg1"/>
-                </a:solidFill>
-                <a:latin typeface="TH SarabunPSK" panose="020B0500040200020003" pitchFamily="34" charset="-34"/>
-                <a:cs typeface="TH SarabunPSK" panose="020B0500040200020003" pitchFamily="34" charset="-34"/>
-              </a:rPr>
-              <a:t>ต่อ</a:t>
-            </a:r>
-            <a:r>
-              <a:rPr lang="en-US" b="1" dirty="0">
-                <a:solidFill>
-                  <a:schemeClr val="bg1"/>
-                </a:solidFill>
-                <a:latin typeface="TH SarabunPSK" panose="020B0500040200020003" pitchFamily="34" charset="-34"/>
-                <a:cs typeface="TH SarabunPSK" panose="020B0500040200020003" pitchFamily="34" charset="-34"/>
-              </a:rPr>
-              <a:t>)</a:t>
-            </a:r>
-            <a:endParaRPr lang="th-TH" b="1" dirty="0">
-              <a:solidFill>
-                <a:schemeClr val="bg1"/>
-              </a:solidFill>
-              <a:latin typeface="TH SarabunPSK" panose="020B0500040200020003" pitchFamily="34" charset="-34"/>
-              <a:cs typeface="TH SarabunPSK" panose="020B0500040200020003" pitchFamily="34" charset="-34"/>
-            </a:endParaRPr>
-          </a:p>
-        </p:txBody>
-      </p:sp>
-      <p:sp>
-        <p:nvSpPr>
-          <p:cNvPr id="3" name="Content Placeholder 2">
-            <a:extLst>
-              <a:ext uri="{FF2B5EF4-FFF2-40B4-BE49-F238E27FC236}">
-                <a16:creationId xmlns:a16="http://schemas.microsoft.com/office/drawing/2014/main" id="{23E7C118-00F2-471D-BF9E-6DCF8E58FDD9}"/>
-              </a:ext>
-            </a:extLst>
-          </p:cNvPr>
-          <p:cNvSpPr>
-            <a:spLocks noGrp="1"/>
-          </p:cNvSpPr>
-          <p:nvPr>
-            <p:ph idx="1"/>
-          </p:nvPr>
-        </p:nvSpPr>
-        <p:spPr>
-          <a:xfrm>
-            <a:off x="2109787" y="2044873"/>
-            <a:ext cx="8791575" cy="4181606"/>
-          </a:xfrm>
-        </p:spPr>
-        <p:txBody>
-          <a:bodyPr>
-            <a:noAutofit/>
-          </a:bodyPr>
-          <a:lstStyle/>
-          <a:p>
-            <a:r>
-              <a:rPr lang="th-TH" sz="1800" b="1" dirty="0">
-                <a:solidFill>
-                  <a:schemeClr val="bg1"/>
-                </a:solidFill>
-                <a:latin typeface="TH SarabunPSK" panose="020B0500040200020003" pitchFamily="34" charset="-34"/>
-                <a:cs typeface="TH SarabunPSK" panose="020B0500040200020003" pitchFamily="34" charset="-34"/>
-              </a:rPr>
-              <a:t>                          6) สามารถเพิ่มกลุ่มนักศึกษาในกิจกรรมได้</a:t>
-            </a:r>
-          </a:p>
-          <a:p>
-            <a:r>
-              <a:rPr lang="th-TH" sz="1800" b="1" dirty="0">
-                <a:solidFill>
-                  <a:schemeClr val="bg1"/>
-                </a:solidFill>
-                <a:latin typeface="TH SarabunPSK" panose="020B0500040200020003" pitchFamily="34" charset="-34"/>
-                <a:cs typeface="TH SarabunPSK" panose="020B0500040200020003" pitchFamily="34" charset="-34"/>
-              </a:rPr>
-              <a:t>                          7) สามารถตอบคำถามเกี่ยวกับกิจกรรมของนักศึกษา</a:t>
-            </a:r>
-          </a:p>
-          <a:p>
-            <a:r>
-              <a:rPr lang="th-TH" sz="1800" b="1" dirty="0">
-                <a:solidFill>
-                  <a:schemeClr val="bg1"/>
-                </a:solidFill>
-                <a:latin typeface="TH SarabunPSK" panose="020B0500040200020003" pitchFamily="34" charset="-34"/>
-                <a:cs typeface="TH SarabunPSK" panose="020B0500040200020003" pitchFamily="34" charset="-34"/>
-              </a:rPr>
-              <a:t>                          8) สามารถขออนุมัติเคลียร์เงิน</a:t>
-            </a:r>
-          </a:p>
-          <a:p>
-            <a:r>
-              <a:rPr lang="th-TH" sz="1800" b="1" dirty="0">
-                <a:solidFill>
-                  <a:schemeClr val="bg1"/>
-                </a:solidFill>
-                <a:latin typeface="TH SarabunPSK" panose="020B0500040200020003" pitchFamily="34" charset="-34"/>
-                <a:cs typeface="TH SarabunPSK" panose="020B0500040200020003" pitchFamily="34" charset="-34"/>
-              </a:rPr>
-              <a:t> 1.3.1.3 นักศึกษาที่เป็นสโมสรนักศึกษา          </a:t>
-            </a:r>
-          </a:p>
-          <a:p>
-            <a:r>
-              <a:rPr lang="th-TH" sz="1800" b="1" dirty="0">
-                <a:solidFill>
-                  <a:schemeClr val="bg1"/>
-                </a:solidFill>
-                <a:latin typeface="TH SarabunPSK" panose="020B0500040200020003" pitchFamily="34" charset="-34"/>
-                <a:cs typeface="TH SarabunPSK" panose="020B0500040200020003" pitchFamily="34" charset="-34"/>
-              </a:rPr>
-              <a:t>                          1) สามารถอนุมัติการขอดำเนินกิจกรรมของนักศึกษา   </a:t>
-            </a:r>
-          </a:p>
-          <a:p>
-            <a:r>
-              <a:rPr lang="th-TH" sz="1800" b="1" dirty="0">
-                <a:solidFill>
-                  <a:schemeClr val="bg1"/>
-                </a:solidFill>
-                <a:latin typeface="TH SarabunPSK" panose="020B0500040200020003" pitchFamily="34" charset="-34"/>
-                <a:cs typeface="TH SarabunPSK" panose="020B0500040200020003" pitchFamily="34" charset="-34"/>
-              </a:rPr>
-              <a:t>                          2) สามารถดาวน์โหลดสรุปผลรายชื่อผู้เข้าร่วมกิจกรรม     </a:t>
-            </a:r>
-          </a:p>
-          <a:p>
-            <a:r>
-              <a:rPr lang="th-TH" sz="1800" b="1" dirty="0">
-                <a:solidFill>
-                  <a:schemeClr val="bg1"/>
-                </a:solidFill>
-                <a:latin typeface="TH SarabunPSK" panose="020B0500040200020003" pitchFamily="34" charset="-34"/>
-                <a:cs typeface="TH SarabunPSK" panose="020B0500040200020003" pitchFamily="34" charset="-34"/>
-              </a:rPr>
-              <a:t>               1.3.1.4 อาจารย์</a:t>
-            </a:r>
-          </a:p>
-          <a:p>
-            <a:r>
-              <a:rPr lang="th-TH" sz="1800" b="1" dirty="0">
-                <a:solidFill>
-                  <a:schemeClr val="bg1"/>
-                </a:solidFill>
-                <a:latin typeface="TH SarabunPSK" panose="020B0500040200020003" pitchFamily="34" charset="-34"/>
-                <a:cs typeface="TH SarabunPSK" panose="020B0500040200020003" pitchFamily="34" charset="-34"/>
-              </a:rPr>
-              <a:t>                          1) สามารถเข้าสู่ระบบ</a:t>
-            </a:r>
-          </a:p>
-          <a:p>
-            <a:r>
-              <a:rPr lang="th-TH" sz="1800" b="1" dirty="0">
-                <a:solidFill>
-                  <a:schemeClr val="bg1"/>
-                </a:solidFill>
-                <a:latin typeface="TH SarabunPSK" panose="020B0500040200020003" pitchFamily="34" charset="-34"/>
-                <a:cs typeface="TH SarabunPSK" panose="020B0500040200020003" pitchFamily="34" charset="-34"/>
-              </a:rPr>
-              <a:t>                          2) สามารถขออนุมัติดำเนินการจัดกิจกรรม</a:t>
-            </a:r>
-          </a:p>
-          <a:p>
-            <a:r>
-              <a:rPr lang="th-TH" sz="1800" b="1" dirty="0">
-                <a:solidFill>
-                  <a:schemeClr val="bg1"/>
-                </a:solidFill>
-                <a:latin typeface="TH SarabunPSK" panose="020B0500040200020003" pitchFamily="34" charset="-34"/>
-                <a:cs typeface="TH SarabunPSK" panose="020B0500040200020003" pitchFamily="34" charset="-34"/>
-              </a:rPr>
-              <a:t>                          3) สามารถแจ้งการจัดกิจกรรมที่ตนเองรับผิดชอบ</a:t>
-            </a:r>
-          </a:p>
-          <a:p>
-            <a:r>
-              <a:rPr lang="th-TH" sz="1800" b="1" dirty="0">
-                <a:solidFill>
-                  <a:schemeClr val="bg1"/>
-                </a:solidFill>
-                <a:latin typeface="TH SarabunPSK" panose="020B0500040200020003" pitchFamily="34" charset="-34"/>
-                <a:cs typeface="TH SarabunPSK" panose="020B0500040200020003" pitchFamily="34" charset="-34"/>
-              </a:rPr>
-              <a:t>                          4) สามารถดาวน์โหลดผลสรุปรายชื่อผู้เข้าร่วมกิจกรรมทุกกิจกรรม</a:t>
-            </a:r>
-          </a:p>
-          <a:p>
-            <a:r>
-              <a:rPr lang="th-TH" sz="1800" b="1" dirty="0">
-                <a:solidFill>
-                  <a:schemeClr val="bg1"/>
-                </a:solidFill>
-                <a:latin typeface="TH SarabunPSK" panose="020B0500040200020003" pitchFamily="34" charset="-34"/>
-                <a:cs typeface="TH SarabunPSK" panose="020B0500040200020003" pitchFamily="34" charset="-34"/>
-              </a:rPr>
-              <a:t>                          5) สามารถตั้งคำถามเกี่ยวกับกิจกรรม </a:t>
-            </a:r>
-          </a:p>
-        </p:txBody>
-      </p:sp>
-      <p:pic>
-        <p:nvPicPr>
-          <p:cNvPr id="4" name="Picture 3">
-            <a:extLst>
-              <a:ext uri="{FF2B5EF4-FFF2-40B4-BE49-F238E27FC236}">
-                <a16:creationId xmlns:a16="http://schemas.microsoft.com/office/drawing/2014/main" id="{90ADEC6B-FDB4-4129-AF06-7F9AAD11D107}"/>
-              </a:ext>
-            </a:extLst>
-          </p:cNvPr>
-          <p:cNvPicPr>
-            <a:picLocks noChangeAspect="1"/>
-          </p:cNvPicPr>
-          <p:nvPr/>
-        </p:nvPicPr>
-        <p:blipFill>
-          <a:blip r:embed="rId2">
-            <a:extLst>
-              <a:ext uri="{28A0092B-C50C-407E-A947-70E740481C1C}">
-                <a14:useLocalDpi xmlns:a14="http://schemas.microsoft.com/office/drawing/2010/main" val="0"/>
-              </a:ext>
-            </a:extLst>
-          </a:blip>
-          <a:stretch>
-            <a:fillRect/>
-          </a:stretch>
-        </p:blipFill>
-        <p:spPr>
-          <a:xfrm>
-            <a:off x="2109787" y="1438207"/>
-            <a:ext cx="7591425" cy="89831"/>
-          </a:xfrm>
-          <a:prstGeom prst="rect">
-            <a:avLst/>
-          </a:prstGeom>
-        </p:spPr>
-      </p:pic>
-    </p:spTree>
-    <p:extLst>
-      <p:ext uri="{BB962C8B-B14F-4D97-AF65-F5344CB8AC3E}">
-        <p14:creationId xmlns:p14="http://schemas.microsoft.com/office/powerpoint/2010/main" val="41797922"/>
       </p:ext>
     </p:extLst>
   </p:cSld>
@@ -19092,7 +16783,7 @@
                 <a:latin typeface="TH SarabunPSK" panose="020B0500040200020003" pitchFamily="34" charset="-34"/>
                 <a:cs typeface="TH SarabunPSK" panose="020B0500040200020003" pitchFamily="34" charset="-34"/>
               </a:rPr>
-              <a:t>ขอบเขตการทำงาน (ต่อ)</a:t>
+              <a:t>ขอบเขตการทำงาน</a:t>
             </a:r>
           </a:p>
         </p:txBody>
@@ -19133,10 +16824,18 @@
                 <a:latin typeface="TH SarabunPSK" panose="020B0500040200020003" pitchFamily="34" charset="-34"/>
                 <a:cs typeface="TH SarabunPSK" panose="020B0500040200020003" pitchFamily="34" charset="-34"/>
               </a:rPr>
-              <a:t> 1.3.1.5 เจ้าหน้าที่การเงิน</a:t>
-            </a:r>
-          </a:p>
-          <a:p>
+              <a:t>  1.3.1 เว็บแอ</a:t>
+            </a:r>
+            <a:r>
+              <a:rPr lang="th-TH" sz="1800" b="1" dirty="0" err="1">
+                <a:solidFill>
+                  <a:schemeClr val="bg1"/>
+                </a:solidFill>
+                <a:latin typeface="TH SarabunPSK" panose="020B0500040200020003" pitchFamily="34" charset="-34"/>
+                <a:cs typeface="TH SarabunPSK" panose="020B0500040200020003" pitchFamily="34" charset="-34"/>
+              </a:rPr>
+              <a:t>ป</a:t>
+            </a:r>
             <a:r>
               <a:rPr lang="th-TH" sz="1800" b="1" dirty="0">
                 <a:solidFill>
@@ -19145,10 +16844,18 @@
                 <a:latin typeface="TH SarabunPSK" panose="020B0500040200020003" pitchFamily="34" charset="-34"/>
                 <a:cs typeface="TH SarabunPSK" panose="020B0500040200020003" pitchFamily="34" charset="-34"/>
               </a:rPr>
-              <a:t>                          1) สามารถเข้าสู่ระบบ</a:t>
-            </a:r>
-          </a:p>
-          <a:p>
+              <a:t>พลิ</a:t>
+            </a:r>
+            <a:r>
+              <a:rPr lang="th-TH" sz="1800" b="1" dirty="0" err="1">
+                <a:solidFill>
+                  <a:schemeClr val="bg1"/>
+                </a:solidFill>
+                <a:latin typeface="TH SarabunPSK" panose="020B0500040200020003" pitchFamily="34" charset="-34"/>
+                <a:cs typeface="TH SarabunPSK" panose="020B0500040200020003" pitchFamily="34" charset="-34"/>
+              </a:rPr>
+              <a:t>เค</a:t>
+            </a:r>
             <a:r>
               <a:rPr lang="th-TH" sz="1800" b="1" dirty="0">
                 <a:solidFill>
@@ -19157,10 +16864,30 @@
                 <a:latin typeface="TH SarabunPSK" panose="020B0500040200020003" pitchFamily="34" charset="-34"/>
                 <a:cs typeface="TH SarabunPSK" panose="020B0500040200020003" pitchFamily="34" charset="-34"/>
               </a:rPr>
-              <a:t>                          2) สามารถจัดการสมุดบัญชี</a:t>
-            </a:r>
-          </a:p>
-          <a:p>
+              <a:t>ชัน (</a:t>
+            </a:r>
+            <a:r>
+              <a:rPr lang="en" sz="1800" b="1" dirty="0">
+                <a:solidFill>
+                  <a:schemeClr val="bg1"/>
+                </a:solidFill>
+                <a:latin typeface="TH SarabunPSK" panose="020B0500040200020003" pitchFamily="34" charset="-34"/>
+                <a:cs typeface="TH SarabunPSK" panose="020B0500040200020003" pitchFamily="34" charset="-34"/>
+              </a:rPr>
+              <a:t>Web Application)</a:t>
+            </a:r>
+          </a:p>
+          <a:p>
+            <a:r>
+              <a:rPr lang="en" sz="1800" b="1" dirty="0">
+                <a:solidFill>
+                  <a:schemeClr val="bg1"/>
+                </a:solidFill>
+                <a:latin typeface="TH SarabunPSK" panose="020B0500040200020003" pitchFamily="34" charset="-34"/>
+                <a:cs typeface="TH SarabunPSK" panose="020B0500040200020003" pitchFamily="34" charset="-34"/>
+              </a:rPr>
+              <a:t>               1.3.1.1 </a:t>
+            </a:r>
             <a:r>
               <a:rPr lang="th-TH" sz="1800" b="1" dirty="0">
                 <a:solidFill>
@@ -19169,7 +16896,7 @@
                 <a:latin typeface="TH SarabunPSK" panose="020B0500040200020003" pitchFamily="34" charset="-34"/>
                 <a:cs typeface="TH SarabunPSK" panose="020B0500040200020003" pitchFamily="34" charset="-34"/>
               </a:rPr>
-              <a:t>                          3) สามารถตรวจสอบสมุดบัญชี</a:t>
+              <a:t>นักศึกษา</a:t>
             </a:r>
           </a:p>
           <a:p>
@@ -19181,7 +16908,7 @@
                 <a:latin typeface="TH SarabunPSK" panose="020B0500040200020003" pitchFamily="34" charset="-34"/>
                 <a:cs typeface="TH SarabunPSK" panose="020B0500040200020003" pitchFamily="34" charset="-34"/>
               </a:rPr>
-              <a:t>                          4) สามารถอนุมัติการฝากเงิน</a:t>
+              <a:t>                         1) สามารถเข้าสู่ระบบ</a:t>
             </a:r>
           </a:p>
           <a:p>
@@ -19193,7 +16920,7 @@
                 <a:latin typeface="TH SarabunPSK" panose="020B0500040200020003" pitchFamily="34" charset="-34"/>
                 <a:cs typeface="TH SarabunPSK" panose="020B0500040200020003" pitchFamily="34" charset="-34"/>
               </a:rPr>
-              <a:t>                          5) สามารถอนุมัติการถอนเงิน</a:t>
+              <a:t>                         2) สามารถตรวจสอบการแจ้งเตือน</a:t>
             </a:r>
           </a:p>
           <a:p>
@@ -19205,7 +16932,7 @@
                 <a:latin typeface="TH SarabunPSK" panose="020B0500040200020003" pitchFamily="34" charset="-34"/>
                 <a:cs typeface="TH SarabunPSK" panose="020B0500040200020003" pitchFamily="34" charset="-34"/>
               </a:rPr>
-              <a:t>                          6) สามารถอนุมัติการเคลียร์เงิน</a:t>
+              <a:t>                         3) สามารถแจ้งการจัดกิจกรรมที่ตนเองรับผิดชอบ</a:t>
             </a:r>
           </a:p>
           <a:p>
@@ -19217,7 +16944,7 @@
                 <a:latin typeface="TH SarabunPSK" panose="020B0500040200020003" pitchFamily="34" charset="-34"/>
                 <a:cs typeface="TH SarabunPSK" panose="020B0500040200020003" pitchFamily="34" charset="-34"/>
               </a:rPr>
-              <a:t>                          7) สามารถจัดการผู้ประกอบการร้านค้า</a:t>
+              <a:t>                         4) สามารถแจ้งปัญหา</a:t>
             </a:r>
           </a:p>
           <a:p>
@@ -19229,18 +16956,10 @@
                 <a:latin typeface="TH SarabunPSK" panose="020B0500040200020003" pitchFamily="34" charset="-34"/>
                 <a:cs typeface="TH SarabunPSK" panose="020B0500040200020003" pitchFamily="34" charset="-34"/>
               </a:rPr>
-              <a:t>                          8) สามารถตรวจสอบข้อมูล </a:t>
-            </a:r>
-            <a:r>
-              <a:rPr lang="en-US" sz="1800" b="1" dirty="0">
-                <a:solidFill>
-                  <a:schemeClr val="bg1"/>
-                </a:solidFill>
-                <a:latin typeface="TH SarabunPSK" panose="020B0500040200020003" pitchFamily="34" charset="-34"/>
-                <a:cs typeface="TH SarabunPSK" panose="020B0500040200020003" pitchFamily="34" charset="-34"/>
-              </a:rPr>
-              <a:t>Log </a:t>
-            </a:r>
+              <a:t>               1.3.1.2 ผู้ดำเนินกิจกรรม</a:t>
+            </a:r>
+          </a:p>
+          <a:p>
             <a:r>
               <a:rPr lang="th-TH" sz="1800" b="1" dirty="0">
                 <a:solidFill>
@@ -19249,7 +16968,75 @@
                 <a:latin typeface="TH SarabunPSK" panose="020B0500040200020003" pitchFamily="34" charset="-34"/>
                 <a:cs typeface="TH SarabunPSK" panose="020B0500040200020003" pitchFamily="34" charset="-34"/>
               </a:rPr>
-              <a:t>สมุดบัญชี</a:t>
+              <a:t> 	            1) สามารถจัดการกิจกรรมของตนเอง</a:t>
+            </a:r>
+          </a:p>
+          <a:p>
+            <a:r>
+              <a:rPr lang="th-TH" sz="1800" b="1" dirty="0">
+                <a:solidFill>
+                  <a:schemeClr val="bg1"/>
+                </a:solidFill>
+                <a:latin typeface="TH SarabunPSK" panose="020B0500040200020003" pitchFamily="34" charset="-34"/>
+                <a:cs typeface="TH SarabunPSK" panose="020B0500040200020003" pitchFamily="34" charset="-34"/>
+              </a:rPr>
+              <a:t>                         2) สามารถจัดการคณะกรรมการในกิจกรรมของตนเอง</a:t>
+            </a:r>
+          </a:p>
+          <a:p>
+            <a:r>
+              <a:rPr lang="th-TH" sz="1800" b="1" dirty="0">
+                <a:solidFill>
+                  <a:schemeClr val="bg1"/>
+                </a:solidFill>
+                <a:latin typeface="TH SarabunPSK" panose="020B0500040200020003" pitchFamily="34" charset="-34"/>
+                <a:cs typeface="TH SarabunPSK" panose="020B0500040200020003" pitchFamily="34" charset="-34"/>
+              </a:rPr>
+              <a:t>                         3) สามารถดาวน์โหลด </a:t>
+            </a:r>
+            <a:r>
+              <a:rPr lang="en" sz="1800" b="1" dirty="0">
+                <a:solidFill>
+                  <a:schemeClr val="bg1"/>
+                </a:solidFill>
+                <a:latin typeface="TH SarabunPSK" panose="020B0500040200020003" pitchFamily="34" charset="-34"/>
+                <a:cs typeface="TH SarabunPSK" panose="020B0500040200020003" pitchFamily="34" charset="-34"/>
+              </a:rPr>
+              <a:t>QR Code </a:t>
+            </a:r>
+            <a:r>
+              <a:rPr lang="th-TH" sz="1800" b="1" dirty="0">
+                <a:solidFill>
+                  <a:schemeClr val="bg1"/>
+                </a:solidFill>
+                <a:latin typeface="TH SarabunPSK" panose="020B0500040200020003" pitchFamily="34" charset="-34"/>
+                <a:cs typeface="TH SarabunPSK" panose="020B0500040200020003" pitchFamily="34" charset="-34"/>
+              </a:rPr>
+              <a:t>ลงทะเบียนเข้าร่วมและจบกิจกรรมของตนเอง</a:t>
+            </a:r>
+          </a:p>
+          <a:p>
+            <a:r>
+              <a:rPr lang="th-TH" sz="1800" b="1" dirty="0">
+                <a:solidFill>
+                  <a:schemeClr val="bg1"/>
+                </a:solidFill>
+                <a:latin typeface="TH SarabunPSK" panose="020B0500040200020003" pitchFamily="34" charset="-34"/>
+                <a:cs typeface="TH SarabunPSK" panose="020B0500040200020003" pitchFamily="34" charset="-34"/>
+              </a:rPr>
+              <a:t>                         4) สามารถดาวน์โหลดผลสรุปรายชื่อผู้เข้าร่วมกิจกรรมของตนเอง</a:t>
+            </a:r>
+          </a:p>
+          <a:p>
+            <a:r>
+              <a:rPr lang="th-TH" sz="1800" b="1" dirty="0">
+                <a:solidFill>
+                  <a:schemeClr val="bg1"/>
+                </a:solidFill>
+                <a:latin typeface="TH SarabunPSK" panose="020B0500040200020003" pitchFamily="34" charset="-34"/>
+                <a:cs typeface="TH SarabunPSK" panose="020B0500040200020003" pitchFamily="34" charset="-34"/>
+              </a:rPr>
+              <a:t>                         5) สามารถจัดการเอกสารในกิจกรรมของตนเอง</a:t>
             </a:r>
           </a:p>
         </p:txBody>
@@ -19293,7 +17080,7 @@
     </p:spTree>
     <p:extLst>
       <p:ext uri="{BB962C8B-B14F-4D97-AF65-F5344CB8AC3E}">
-        <p14:creationId xmlns:p14="http://schemas.microsoft.com/office/powerpoint/2010/main" val="778023626"/>
+        <p14:creationId xmlns:p14="http://schemas.microsoft.com/office/powerpoint/2010/main" val="872255735"/>
       </p:ext>
     </p:extLst>
   </p:cSld>

--- a/uploads/นำเสนอหัวข้อโปรเจค.pptx
+++ b/uploads/นำเสนอหัวข้อโปรเจค.pptx
@@ -10,46 +10,47 @@
     <p:sldId id="288" r:id="rId4"/>
     <p:sldId id="453" r:id="rId5"/>
     <p:sldId id="454" r:id="rId6"/>
-    <p:sldId id="285" r:id="rId7"/>
-    <p:sldId id="452" r:id="rId8"/>
-    <p:sldId id="297" r:id="rId9"/>
-    <p:sldId id="298" r:id="rId10"/>
-    <p:sldId id="456" r:id="rId11"/>
-    <p:sldId id="457" r:id="rId12"/>
-    <p:sldId id="458" r:id="rId13"/>
-    <p:sldId id="464" r:id="rId14"/>
-    <p:sldId id="465" r:id="rId15"/>
-    <p:sldId id="466" r:id="rId16"/>
-    <p:sldId id="467" r:id="rId17"/>
-    <p:sldId id="472" r:id="rId18"/>
-    <p:sldId id="473" r:id="rId19"/>
-    <p:sldId id="474" r:id="rId20"/>
+    <p:sldId id="297" r:id="rId7"/>
+    <p:sldId id="298" r:id="rId8"/>
+    <p:sldId id="456" r:id="rId9"/>
+    <p:sldId id="457" r:id="rId10"/>
+    <p:sldId id="458" r:id="rId11"/>
+    <p:sldId id="464" r:id="rId12"/>
+    <p:sldId id="465" r:id="rId13"/>
+    <p:sldId id="466" r:id="rId14"/>
+    <p:sldId id="472" r:id="rId15"/>
+    <p:sldId id="473" r:id="rId16"/>
+    <p:sldId id="474" r:id="rId17"/>
+    <p:sldId id="476" r:id="rId18"/>
+    <p:sldId id="475" r:id="rId19"/>
+    <p:sldId id="285" r:id="rId20"/>
+    <p:sldId id="452" r:id="rId21"/>
   </p:sldIdLst>
   <p:sldSz cx="12192000" cy="6858000"/>
   <p:notesSz cx="6858000" cy="9144000"/>
   <p:embeddedFontLst>
     <p:embeddedFont>
       <p:font typeface="Calibri" panose="020F0502020204030204" pitchFamily="34" charset="0"/>
-      <p:regular r:id="rId21"/>
-      <p:bold r:id="rId22"/>
-      <p:italic r:id="rId23"/>
-      <p:boldItalic r:id="rId24"/>
+      <p:regular r:id="rId22"/>
+      <p:bold r:id="rId23"/>
+      <p:italic r:id="rId24"/>
+      <p:boldItalic r:id="rId25"/>
     </p:embeddedFont>
     <p:embeddedFont>
       <p:font typeface="Calibri Light" panose="020F0302020204030204" pitchFamily="34" charset="0"/>
-      <p:regular r:id="rId25"/>
-      <p:italic r:id="rId26"/>
+      <p:regular r:id="rId26"/>
+      <p:italic r:id="rId27"/>
     </p:embeddedFont>
     <p:embeddedFont>
       <p:font typeface="HYPE" pitchFamily="2" charset="0"/>
-      <p:regular r:id="rId27"/>
+      <p:regular r:id="rId28"/>
     </p:embeddedFont>
     <p:embeddedFont>
       <p:font typeface="TH SarabunPSK" panose="020B0500040200020003" pitchFamily="34" charset="-34"/>
-      <p:regular r:id="rId28"/>
-      <p:bold r:id="rId29"/>
-      <p:italic r:id="rId30"/>
-      <p:boldItalic r:id="rId31"/>
+      <p:regular r:id="rId29"/>
+      <p:bold r:id="rId30"/>
+      <p:italic r:id="rId31"/>
+      <p:boldItalic r:id="rId32"/>
     </p:embeddedFont>
   </p:embeddedFontLst>
   <p:defaultTextStyle>
@@ -304,7 +305,7 @@
           <a:p>
             <a:fld id="{F21ACF87-EC3E-4E39-9489-6905DA39CD00}" type="datetimeFigureOut">
               <a:rPr lang="th-TH" smtClean="0"/>
-              <a:t>28/11/62</a:t>
+              <a:t>15/12/62</a:t>
             </a:fld>
             <a:endParaRPr lang="th-TH"/>
           </a:p>
@@ -504,7 +505,7 @@
           <a:p>
             <a:fld id="{F21ACF87-EC3E-4E39-9489-6905DA39CD00}" type="datetimeFigureOut">
               <a:rPr lang="th-TH" smtClean="0"/>
-              <a:t>28/11/62</a:t>
+              <a:t>15/12/62</a:t>
             </a:fld>
             <a:endParaRPr lang="th-TH"/>
           </a:p>
@@ -714,7 +715,7 @@
           <a:p>
             <a:fld id="{F21ACF87-EC3E-4E39-9489-6905DA39CD00}" type="datetimeFigureOut">
               <a:rPr lang="th-TH" smtClean="0"/>
-              <a:t>28/11/62</a:t>
+              <a:t>15/12/62</a:t>
             </a:fld>
             <a:endParaRPr lang="th-TH"/>
           </a:p>
@@ -914,7 +915,7 @@
           <a:p>
             <a:fld id="{F21ACF87-EC3E-4E39-9489-6905DA39CD00}" type="datetimeFigureOut">
               <a:rPr lang="th-TH" smtClean="0"/>
-              <a:t>28/11/62</a:t>
+              <a:t>15/12/62</a:t>
             </a:fld>
             <a:endParaRPr lang="th-TH"/>
           </a:p>
@@ -1190,7 +1191,7 @@
           <a:p>
             <a:fld id="{F21ACF87-EC3E-4E39-9489-6905DA39CD00}" type="datetimeFigureOut">
               <a:rPr lang="th-TH" smtClean="0"/>
-              <a:t>28/11/62</a:t>
+              <a:t>15/12/62</a:t>
             </a:fld>
             <a:endParaRPr lang="th-TH"/>
           </a:p>
@@ -1458,7 +1459,7 @@
           <a:p>
             <a:fld id="{F21ACF87-EC3E-4E39-9489-6905DA39CD00}" type="datetimeFigureOut">
               <a:rPr lang="th-TH" smtClean="0"/>
-              <a:t>28/11/62</a:t>
+              <a:t>15/12/62</a:t>
             </a:fld>
             <a:endParaRPr lang="th-TH"/>
           </a:p>
@@ -1873,7 +1874,7 @@
           <a:p>
             <a:fld id="{F21ACF87-EC3E-4E39-9489-6905DA39CD00}" type="datetimeFigureOut">
               <a:rPr lang="th-TH" smtClean="0"/>
-              <a:t>28/11/62</a:t>
+              <a:t>15/12/62</a:t>
             </a:fld>
             <a:endParaRPr lang="th-TH"/>
           </a:p>
@@ -2015,7 +2016,7 @@
           <a:p>
             <a:fld id="{F21ACF87-EC3E-4E39-9489-6905DA39CD00}" type="datetimeFigureOut">
               <a:rPr lang="th-TH" smtClean="0"/>
-              <a:t>28/11/62</a:t>
+              <a:t>15/12/62</a:t>
             </a:fld>
             <a:endParaRPr lang="th-TH"/>
           </a:p>
@@ -2128,7 +2129,7 @@
           <a:p>
             <a:fld id="{F21ACF87-EC3E-4E39-9489-6905DA39CD00}" type="datetimeFigureOut">
               <a:rPr lang="th-TH" smtClean="0"/>
-              <a:t>28/11/62</a:t>
+              <a:t>15/12/62</a:t>
             </a:fld>
             <a:endParaRPr lang="th-TH"/>
           </a:p>
@@ -2441,7 +2442,7 @@
           <a:p>
             <a:fld id="{F21ACF87-EC3E-4E39-9489-6905DA39CD00}" type="datetimeFigureOut">
               <a:rPr lang="th-TH" smtClean="0"/>
-              <a:t>28/11/62</a:t>
+              <a:t>15/12/62</a:t>
             </a:fld>
             <a:endParaRPr lang="th-TH"/>
           </a:p>
@@ -2730,7 +2731,7 @@
           <a:p>
             <a:fld id="{F21ACF87-EC3E-4E39-9489-6905DA39CD00}" type="datetimeFigureOut">
               <a:rPr lang="th-TH" smtClean="0"/>
-              <a:t>28/11/62</a:t>
+              <a:t>15/12/62</a:t>
             </a:fld>
             <a:endParaRPr lang="th-TH"/>
           </a:p>
@@ -2973,7 +2974,7 @@
           <a:p>
             <a:fld id="{F21ACF87-EC3E-4E39-9489-6905DA39CD00}" type="datetimeFigureOut">
               <a:rPr lang="th-TH" smtClean="0"/>
-              <a:t>28/11/62</a:t>
+              <a:t>15/12/62</a:t>
             </a:fld>
             <a:endParaRPr lang="th-TH"/>
           </a:p>
@@ -3959,7 +3960,7 @@
         </p:nvSpPr>
         <p:spPr>
           <a:xfrm>
-            <a:off x="2109787" y="2044873"/>
+            <a:off x="2109787" y="1799546"/>
             <a:ext cx="8791575" cy="4181606"/>
           </a:xfrm>
         </p:spPr>
@@ -3977,7 +3978,7 @@
                 <a:latin typeface="TH SarabunPSK" panose="020B0500040200020003" pitchFamily="34" charset="-34"/>
                 <a:cs typeface="TH SarabunPSK" panose="020B0500040200020003" pitchFamily="34" charset="-34"/>
               </a:rPr>
-              <a:t> 1.3.1.3 นักศึกษาที่เป็นสโมสรนักศึกษา</a:t>
+              <a:t> 1.3.1.6 แผนกงบประมาณ</a:t>
             </a:r>
           </a:p>
           <a:p>
@@ -3989,7 +3990,7 @@
                 <a:latin typeface="TH SarabunPSK" panose="020B0500040200020003" pitchFamily="34" charset="-34"/>
                 <a:cs typeface="TH SarabunPSK" panose="020B0500040200020003" pitchFamily="34" charset="-34"/>
               </a:rPr>
-              <a:t>                          1) สามารถเข้าสู่ระบบ</a:t>
+              <a:t>                         1) สามารถอนุมัติการขอดำเนินการจัดกิจกรรมของอาจารย์ได้</a:t>
             </a:r>
           </a:p>
           <a:p>
@@ -4001,6 +4002,62 @@
                 <a:latin typeface="TH SarabunPSK" panose="020B0500040200020003" pitchFamily="34" charset="-34"/>
                 <a:cs typeface="TH SarabunPSK" panose="020B0500040200020003" pitchFamily="34" charset="-34"/>
               </a:rPr>
+              <a:t>        1.3.2 โมบายแอปพลิเคชัน (</a:t>
+            </a:r>
+            <a:r>
+              <a:rPr lang="en-US" sz="1800" b="1" dirty="0">
+                <a:solidFill>
+                  <a:schemeClr val="bg1"/>
+                </a:solidFill>
+                <a:latin typeface="TH SarabunPSK" panose="020B0500040200020003" pitchFamily="34" charset="-34"/>
+                <a:cs typeface="TH SarabunPSK" panose="020B0500040200020003" pitchFamily="34" charset="-34"/>
+              </a:rPr>
+              <a:t>Mobile Application)</a:t>
+            </a:r>
+          </a:p>
+          <a:p>
+            <a:r>
+              <a:rPr lang="en-US" sz="1800" b="1" dirty="0">
+                <a:solidFill>
+                  <a:schemeClr val="bg1"/>
+                </a:solidFill>
+                <a:latin typeface="TH SarabunPSK" panose="020B0500040200020003" pitchFamily="34" charset="-34"/>
+                <a:cs typeface="TH SarabunPSK" panose="020B0500040200020003" pitchFamily="34" charset="-34"/>
+              </a:rPr>
+              <a:t>                 1.3.2.1 </a:t>
+            </a:r>
+            <a:r>
+              <a:rPr lang="th-TH" sz="1800" b="1" dirty="0">
+                <a:solidFill>
+                  <a:schemeClr val="bg1"/>
+                </a:solidFill>
+                <a:latin typeface="TH SarabunPSK" panose="020B0500040200020003" pitchFamily="34" charset="-34"/>
+                <a:cs typeface="TH SarabunPSK" panose="020B0500040200020003" pitchFamily="34" charset="-34"/>
+              </a:rPr>
+              <a:t>นักศึกษา</a:t>
+            </a:r>
+          </a:p>
+          <a:p>
+            <a:r>
+              <a:rPr lang="th-TH" sz="1800" b="1" dirty="0">
+                <a:solidFill>
+                  <a:schemeClr val="bg1"/>
+                </a:solidFill>
+                <a:latin typeface="TH SarabunPSK" panose="020B0500040200020003" pitchFamily="34" charset="-34"/>
+                <a:cs typeface="TH SarabunPSK" panose="020B0500040200020003" pitchFamily="34" charset="-34"/>
+              </a:rPr>
+              <a:t>	             1) สามารถเข้าสู่ระบบ</a:t>
+            </a:r>
+          </a:p>
+          <a:p>
+            <a:r>
+              <a:rPr lang="th-TH" sz="1800" b="1" dirty="0">
+                <a:solidFill>
+                  <a:schemeClr val="bg1"/>
+                </a:solidFill>
+                <a:latin typeface="TH SarabunPSK" panose="020B0500040200020003" pitchFamily="34" charset="-34"/>
+                <a:cs typeface="TH SarabunPSK" panose="020B0500040200020003" pitchFamily="34" charset="-34"/>
+              </a:rPr>
               <a:t>                          2) สามารถตรวจสอบการแจ้งเตือน</a:t>
             </a:r>
           </a:p>
@@ -4013,7 +4070,7 @@
                 <a:latin typeface="TH SarabunPSK" panose="020B0500040200020003" pitchFamily="34" charset="-34"/>
                 <a:cs typeface="TH SarabunPSK" panose="020B0500040200020003" pitchFamily="34" charset="-34"/>
               </a:rPr>
-              <a:t>                          3) สามารถจัดการกิจกรรมของตนเอง</a:t>
+              <a:t>                          3) สามารถตรวจสอบข้อมูลของตนเอง</a:t>
             </a:r>
           </a:p>
           <a:p>
@@ -4025,7 +4082,7 @@
                 <a:latin typeface="TH SarabunPSK" panose="020B0500040200020003" pitchFamily="34" charset="-34"/>
                 <a:cs typeface="TH SarabunPSK" panose="020B0500040200020003" pitchFamily="34" charset="-34"/>
               </a:rPr>
-              <a:t>                          4) สามารถจัดการคณะกรรมการในกิจกรรมของตนเอง</a:t>
+              <a:t>                          4) สามารถแก้ไขรหัสผ่านของตนเอง</a:t>
             </a:r>
           </a:p>
           <a:p>
@@ -4037,7 +4094,31 @@
                 <a:latin typeface="TH SarabunPSK" panose="020B0500040200020003" pitchFamily="34" charset="-34"/>
                 <a:cs typeface="TH SarabunPSK" panose="020B0500040200020003" pitchFamily="34" charset="-34"/>
               </a:rPr>
-              <a:t>                          5) สามารถดาวน์โหลด </a:t>
+              <a:t>                          5) สามารถค้นหากิจกรรม</a:t>
+            </a:r>
+          </a:p>
+          <a:p>
+            <a:r>
+              <a:rPr lang="th-TH" sz="1800" b="1" dirty="0">
+                <a:solidFill>
+                  <a:schemeClr val="bg1"/>
+                </a:solidFill>
+                <a:latin typeface="TH SarabunPSK" panose="020B0500040200020003" pitchFamily="34" charset="-34"/>
+                <a:cs typeface="TH SarabunPSK" panose="020B0500040200020003" pitchFamily="34" charset="-34"/>
+              </a:rPr>
+              <a:t>                          6) สามารถตรวจสอบรายละเอียดกิจกรรม</a:t>
+            </a:r>
+          </a:p>
+          <a:p>
+            <a:r>
+              <a:rPr lang="th-TH" sz="1800" b="1" dirty="0">
+                <a:solidFill>
+                  <a:schemeClr val="bg1"/>
+                </a:solidFill>
+                <a:latin typeface="TH SarabunPSK" panose="020B0500040200020003" pitchFamily="34" charset="-34"/>
+                <a:cs typeface="TH SarabunPSK" panose="020B0500040200020003" pitchFamily="34" charset="-34"/>
+              </a:rPr>
+              <a:t>                          7) สามารถลงทะเบียนเข้าร่วมและจบกิจกรรมด้วยการสแกน </a:t>
             </a:r>
             <a:r>
               <a:rPr lang="en-US" sz="1800" b="1" dirty="0">
@@ -4047,7 +4128,19 @@
                 <a:latin typeface="TH SarabunPSK" panose="020B0500040200020003" pitchFamily="34" charset="-34"/>
                 <a:cs typeface="TH SarabunPSK" panose="020B0500040200020003" pitchFamily="34" charset="-34"/>
               </a:rPr>
-              <a:t>QR Code </a:t>
+              <a:t>QR Code</a:t>
+            </a:r>
+          </a:p>
+          <a:p>
+            <a:r>
+              <a:rPr lang="en-US" sz="1800" b="1" dirty="0">
+                <a:solidFill>
+                  <a:schemeClr val="bg1"/>
+                </a:solidFill>
+                <a:latin typeface="TH SarabunPSK" panose="020B0500040200020003" pitchFamily="34" charset="-34"/>
+                <a:cs typeface="TH SarabunPSK" panose="020B0500040200020003" pitchFamily="34" charset="-34"/>
+              </a:rPr>
+              <a:t>                          8) </a:t>
             </a:r>
             <a:r>
               <a:rPr lang="th-TH" sz="1800" b="1" dirty="0">
@@ -4057,75 +4150,8 @@
                 <a:latin typeface="TH SarabunPSK" panose="020B0500040200020003" pitchFamily="34" charset="-34"/>
                 <a:cs typeface="TH SarabunPSK" panose="020B0500040200020003" pitchFamily="34" charset="-34"/>
               </a:rPr>
-              <a:t>ลงทะเบียนเข้าร่วมและจบกิจกรรมของตนเอง</a:t>
-            </a:r>
-          </a:p>
-          <a:p>
-            <a:r>
-              <a:rPr lang="th-TH" sz="1800" b="1" dirty="0">
-                <a:solidFill>
-                  <a:schemeClr val="bg1"/>
-                </a:solidFill>
-                <a:latin typeface="TH SarabunPSK" panose="020B0500040200020003" pitchFamily="34" charset="-34"/>
-                <a:cs typeface="TH SarabunPSK" panose="020B0500040200020003" pitchFamily="34" charset="-34"/>
-              </a:rPr>
-              <a:t>                          6) สามารถดาวน์โหลดผลสรุปรายชื่อผู้เข้าร่วมกิจกรรมของตนเอง</a:t>
-            </a:r>
-          </a:p>
-          <a:p>
-            <a:r>
-              <a:rPr lang="th-TH" sz="1800" b="1" dirty="0">
-                <a:solidFill>
-                  <a:schemeClr val="bg1"/>
-                </a:solidFill>
-                <a:latin typeface="TH SarabunPSK" panose="020B0500040200020003" pitchFamily="34" charset="-34"/>
-                <a:cs typeface="TH SarabunPSK" panose="020B0500040200020003" pitchFamily="34" charset="-34"/>
-              </a:rPr>
-              <a:t>                          7) สามารถจัดการเอกสารในกิจกรรมของตนเอง</a:t>
-            </a:r>
-          </a:p>
-          <a:p>
-            <a:r>
-              <a:rPr lang="th-TH" sz="1800" b="1" dirty="0">
-                <a:solidFill>
-                  <a:schemeClr val="bg1"/>
-                </a:solidFill>
-                <a:latin typeface="TH SarabunPSK" panose="020B0500040200020003" pitchFamily="34" charset="-34"/>
-                <a:cs typeface="TH SarabunPSK" panose="020B0500040200020003" pitchFamily="34" charset="-34"/>
-              </a:rPr>
-              <a:t>                          8) สามารถตรวจสอบการแจ้งการจัดกิจกรรมของนักศึกษา</a:t>
-            </a:r>
-          </a:p>
-          <a:p>
-            <a:r>
-              <a:rPr lang="th-TH" sz="1800" b="1" dirty="0">
-                <a:solidFill>
-                  <a:schemeClr val="bg1"/>
-                </a:solidFill>
-                <a:latin typeface="TH SarabunPSK" panose="020B0500040200020003" pitchFamily="34" charset="-34"/>
-                <a:cs typeface="TH SarabunPSK" panose="020B0500040200020003" pitchFamily="34" charset="-34"/>
-              </a:rPr>
-              <a:t>                          9) สามารถอนุมัติการแจ้งการจัดการของกิจกรรมของนักศึกษา</a:t>
-            </a:r>
-          </a:p>
-          <a:p>
-            <a:r>
-              <a:rPr lang="th-TH" sz="1800" b="1" dirty="0">
-                <a:solidFill>
-                  <a:schemeClr val="bg1"/>
-                </a:solidFill>
-                <a:latin typeface="TH SarabunPSK" panose="020B0500040200020003" pitchFamily="34" charset="-34"/>
-                <a:cs typeface="TH SarabunPSK" panose="020B0500040200020003" pitchFamily="34" charset="-34"/>
-              </a:rPr>
-              <a:t>                          10) สามารถแจ้งปัญหา</a:t>
-            </a:r>
-            <a:endParaRPr lang="en-US" sz="1800" b="1" dirty="0">
-              <a:solidFill>
-                <a:schemeClr val="bg1"/>
-              </a:solidFill>
-              <a:latin typeface="TH SarabunPSK" panose="020B0500040200020003" pitchFamily="34" charset="-34"/>
-              <a:cs typeface="TH SarabunPSK" panose="020B0500040200020003" pitchFamily="34" charset="-34"/>
-            </a:endParaRPr>
+              <a:t>สามารถดาวน์โหลดเอกสารที่อยู่ในกิจกรรม</a:t>
+            </a:r>
           </a:p>
         </p:txBody>
       </p:sp>
@@ -4168,7 +4194,7 @@
     </p:spTree>
     <p:extLst>
       <p:ext uri="{BB962C8B-B14F-4D97-AF65-F5344CB8AC3E}">
-        <p14:creationId xmlns:p14="http://schemas.microsoft.com/office/powerpoint/2010/main" val="41797922"/>
+        <p14:creationId xmlns:p14="http://schemas.microsoft.com/office/powerpoint/2010/main" val="2085503371"/>
       </p:ext>
     </p:extLst>
   </p:cSld>
@@ -4269,7 +4295,7 @@
         <p:spPr>
           <a:xfrm>
             <a:off x="1771650" y="1690688"/>
-            <a:ext cx="8791575" cy="4181606"/>
+            <a:ext cx="8791575" cy="4964112"/>
           </a:xfrm>
         </p:spPr>
         <p:txBody>
@@ -4279,6 +4305,40 @@
           <a:lstStyle/>
           <a:p>
             <a:r>
+              <a:rPr lang="th-TH" sz="1800" b="1" dirty="0">
+                <a:solidFill>
+                  <a:schemeClr val="bg1"/>
+                </a:solidFill>
+                <a:latin typeface="TH SarabunPSK" panose="020B0500040200020003" pitchFamily="34" charset="-34"/>
+                <a:cs typeface="TH SarabunPSK" panose="020B0500040200020003" pitchFamily="34" charset="-34"/>
+              </a:rPr>
+              <a:t>                           9) สามารถขออนุมัติการฝากเงินเข้าบัญชีตนเอง</a:t>
+            </a:r>
+          </a:p>
+          <a:p>
+            <a:r>
+              <a:rPr lang="th-TH" sz="1800" b="1" dirty="0">
+                <a:solidFill>
+                  <a:schemeClr val="bg1"/>
+                </a:solidFill>
+                <a:latin typeface="TH SarabunPSK" panose="020B0500040200020003" pitchFamily="34" charset="-34"/>
+                <a:cs typeface="TH SarabunPSK" panose="020B0500040200020003" pitchFamily="34" charset="-34"/>
+              </a:rPr>
+              <a:t>                          10) สามารถโอนเงินในบัญชีให้กับผู้อื่น</a:t>
+            </a:r>
+          </a:p>
+          <a:p>
+            <a:r>
+              <a:rPr lang="th-TH" sz="1800" b="1" dirty="0">
+                <a:solidFill>
+                  <a:schemeClr val="bg1"/>
+                </a:solidFill>
+                <a:latin typeface="TH SarabunPSK" panose="020B0500040200020003" pitchFamily="34" charset="-34"/>
+                <a:cs typeface="TH SarabunPSK" panose="020B0500040200020003" pitchFamily="34" charset="-34"/>
+              </a:rPr>
+              <a:t>                          11) สามารถชำระเงินแก่ผู้ประกอบการร้านค้าด้วยการสแกน </a:t>
+            </a:r>
+            <a:r>
               <a:rPr lang="en-US" sz="1800" b="1" dirty="0">
                 <a:solidFill>
                   <a:schemeClr val="bg1"/>
@@ -4286,7 +4346,19 @@
                 <a:latin typeface="TH SarabunPSK" panose="020B0500040200020003" pitchFamily="34" charset="-34"/>
                 <a:cs typeface="TH SarabunPSK" panose="020B0500040200020003" pitchFamily="34" charset="-34"/>
               </a:rPr>
-              <a:t>        </a:t>
+              <a:t>QR Code</a:t>
+            </a:r>
+          </a:p>
+          <a:p>
+            <a:r>
+              <a:rPr lang="en-US" sz="1800" b="1" dirty="0">
+                <a:solidFill>
+                  <a:schemeClr val="bg1"/>
+                </a:solidFill>
+                <a:latin typeface="TH SarabunPSK" panose="020B0500040200020003" pitchFamily="34" charset="-34"/>
+                <a:cs typeface="TH SarabunPSK" panose="020B0500040200020003" pitchFamily="34" charset="-34"/>
+              </a:rPr>
+              <a:t>                          12) </a:t>
             </a:r>
             <a:r>
               <a:rPr lang="th-TH" sz="1800" b="1" dirty="0">
@@ -4296,7 +4368,7 @@
                 <a:latin typeface="TH SarabunPSK" panose="020B0500040200020003" pitchFamily="34" charset="-34"/>
                 <a:cs typeface="TH SarabunPSK" panose="020B0500040200020003" pitchFamily="34" charset="-34"/>
               </a:rPr>
-              <a:t> 1.3.1.4 อาจารย์</a:t>
+              <a:t>สามารถตรวจสอบสมุดบัญชีของตนเอง</a:t>
             </a:r>
           </a:p>
           <a:p>
@@ -4308,6 +4380,30 @@
                 <a:latin typeface="TH SarabunPSK" panose="020B0500040200020003" pitchFamily="34" charset="-34"/>
                 <a:cs typeface="TH SarabunPSK" panose="020B0500040200020003" pitchFamily="34" charset="-34"/>
               </a:rPr>
+              <a:t>                          13) สามารถขออนุมัติการถอนเงินของตนเอง</a:t>
+            </a:r>
+          </a:p>
+          <a:p>
+            <a:r>
+              <a:rPr lang="th-TH" sz="1800" b="1" dirty="0">
+                <a:solidFill>
+                  <a:schemeClr val="bg1"/>
+                </a:solidFill>
+                <a:latin typeface="TH SarabunPSK" panose="020B0500040200020003" pitchFamily="34" charset="-34"/>
+                <a:cs typeface="TH SarabunPSK" panose="020B0500040200020003" pitchFamily="34" charset="-34"/>
+              </a:rPr>
+              <a:t>                 1.3.2.3 อาจารย์</a:t>
+            </a:r>
+          </a:p>
+          <a:p>
+            <a:r>
+              <a:rPr lang="th-TH" sz="1800" b="1" dirty="0">
+                <a:solidFill>
+                  <a:schemeClr val="bg1"/>
+                </a:solidFill>
+                <a:latin typeface="TH SarabunPSK" panose="020B0500040200020003" pitchFamily="34" charset="-34"/>
+                <a:cs typeface="TH SarabunPSK" panose="020B0500040200020003" pitchFamily="34" charset="-34"/>
+              </a:rPr>
               <a:t>                          1) สามารถเข้าสู่ระบบ</a:t>
             </a:r>
           </a:p>
@@ -4332,7 +4428,7 @@
                 <a:latin typeface="TH SarabunPSK" panose="020B0500040200020003" pitchFamily="34" charset="-34"/>
                 <a:cs typeface="TH SarabunPSK" panose="020B0500040200020003" pitchFamily="34" charset="-34"/>
               </a:rPr>
-              <a:t>                          3) สามารถแจ้งการจัดกิจกรรมที่ตนเองรับผิดชอบ</a:t>
+              <a:t>                          3) สามารถตรวจสอบข้อมูลของตนเอง</a:t>
             </a:r>
           </a:p>
           <a:p>
@@ -4344,8 +4440,61 @@
                 <a:latin typeface="TH SarabunPSK" panose="020B0500040200020003" pitchFamily="34" charset="-34"/>
                 <a:cs typeface="TH SarabunPSK" panose="020B0500040200020003" pitchFamily="34" charset="-34"/>
               </a:rPr>
-              <a:t>                          4) สามารถแจ้งปัญหา</a:t>
-            </a:r>
+              <a:t>                          4) สามารถแก้ไขรหัสผ่านของตนเอง</a:t>
+            </a:r>
+          </a:p>
+          <a:p>
+            <a:r>
+              <a:rPr lang="th-TH" sz="1800" b="1" dirty="0">
+                <a:solidFill>
+                  <a:schemeClr val="bg1"/>
+                </a:solidFill>
+                <a:latin typeface="TH SarabunPSK" panose="020B0500040200020003" pitchFamily="34" charset="-34"/>
+                <a:cs typeface="TH SarabunPSK" panose="020B0500040200020003" pitchFamily="34" charset="-34"/>
+              </a:rPr>
+              <a:t>                          5) สามารถค้นหากิจกรรม</a:t>
+            </a:r>
+          </a:p>
+          <a:p>
+            <a:r>
+              <a:rPr lang="th-TH" sz="1800" b="1" dirty="0">
+                <a:solidFill>
+                  <a:schemeClr val="bg1"/>
+                </a:solidFill>
+                <a:latin typeface="TH SarabunPSK" panose="020B0500040200020003" pitchFamily="34" charset="-34"/>
+                <a:cs typeface="TH SarabunPSK" panose="020B0500040200020003" pitchFamily="34" charset="-34"/>
+              </a:rPr>
+              <a:t>                          6) สามารถตรวจสอบรายละเอียดกิจกรรม</a:t>
+            </a:r>
+          </a:p>
+          <a:p>
+            <a:r>
+              <a:rPr lang="th-TH" sz="1800" b="1" dirty="0">
+                <a:solidFill>
+                  <a:schemeClr val="bg1"/>
+                </a:solidFill>
+                <a:latin typeface="TH SarabunPSK" panose="020B0500040200020003" pitchFamily="34" charset="-34"/>
+                <a:cs typeface="TH SarabunPSK" panose="020B0500040200020003" pitchFamily="34" charset="-34"/>
+              </a:rPr>
+              <a:t>                          7) สามารถลงทะเบียนเข้าร่วมและจบกิจกรรมด้วยการสแกน </a:t>
+            </a:r>
+            <a:r>
+              <a:rPr lang="en-US" sz="1800" b="1" dirty="0">
+                <a:solidFill>
+                  <a:schemeClr val="bg1"/>
+                </a:solidFill>
+                <a:latin typeface="TH SarabunPSK" panose="020B0500040200020003" pitchFamily="34" charset="-34"/>
+                <a:cs typeface="TH SarabunPSK" panose="020B0500040200020003" pitchFamily="34" charset="-34"/>
+              </a:rPr>
+              <a:t>QR Code</a:t>
+            </a:r>
+            <a:endParaRPr lang="th-TH" sz="1800" b="1" dirty="0">
+              <a:solidFill>
+                <a:schemeClr val="bg1"/>
+              </a:solidFill>
+              <a:latin typeface="TH SarabunPSK" panose="020B0500040200020003" pitchFamily="34" charset="-34"/>
+              <a:cs typeface="TH SarabunPSK" panose="020B0500040200020003" pitchFamily="34" charset="-34"/>
+            </a:endParaRPr>
           </a:p>
         </p:txBody>
       </p:sp>
@@ -4388,7 +4537,7 @@
     </p:spTree>
     <p:extLst>
       <p:ext uri="{BB962C8B-B14F-4D97-AF65-F5344CB8AC3E}">
-        <p14:creationId xmlns:p14="http://schemas.microsoft.com/office/powerpoint/2010/main" val="778023626"/>
+        <p14:creationId xmlns:p14="http://schemas.microsoft.com/office/powerpoint/2010/main" val="2771905269"/>
       </p:ext>
     </p:extLst>
   </p:cSld>
@@ -4525,7 +4674,7 @@
         </p:nvSpPr>
         <p:spPr>
           <a:xfrm>
-            <a:off x="2109787" y="1799546"/>
+            <a:off x="2109787" y="2044873"/>
             <a:ext cx="8791575" cy="4181606"/>
           </a:xfrm>
         </p:spPr>
@@ -4543,7 +4692,7 @@
                 <a:latin typeface="TH SarabunPSK" panose="020B0500040200020003" pitchFamily="34" charset="-34"/>
                 <a:cs typeface="TH SarabunPSK" panose="020B0500040200020003" pitchFamily="34" charset="-34"/>
               </a:rPr>
-              <a:t> 	 1.3.1.5 เจ้าหน้าที่การเงิน</a:t>
+              <a:t>                          8) สามารถดาวน์โหลดเอกสารที่อยู่ในกิจกรรม</a:t>
             </a:r>
           </a:p>
           <a:p>
@@ -4555,7 +4704,7 @@
                 <a:latin typeface="TH SarabunPSK" panose="020B0500040200020003" pitchFamily="34" charset="-34"/>
                 <a:cs typeface="TH SarabunPSK" panose="020B0500040200020003" pitchFamily="34" charset="-34"/>
               </a:rPr>
-              <a:t>                         1) สามารถเข้าสู่ระบบ</a:t>
+              <a:t>                          9) สามารถขออนุมัติการฝากเงินเข้าบัญชีตนเอง</a:t>
             </a:r>
           </a:p>
           <a:p>
@@ -4567,7 +4716,7 @@
                 <a:latin typeface="TH SarabunPSK" panose="020B0500040200020003" pitchFamily="34" charset="-34"/>
                 <a:cs typeface="TH SarabunPSK" panose="020B0500040200020003" pitchFamily="34" charset="-34"/>
               </a:rPr>
-              <a:t>                          2) สามารถอนุมัติการจัดกิจกรรมของอาจารย์</a:t>
+              <a:t>                          10) สามารถโอนเงินในบัญชีให้กับผู้อื่น</a:t>
             </a:r>
           </a:p>
           <a:p>
@@ -4579,10 +4728,30 @@
                 <a:latin typeface="TH SarabunPSK" panose="020B0500040200020003" pitchFamily="34" charset="-34"/>
                 <a:cs typeface="TH SarabunPSK" panose="020B0500040200020003" pitchFamily="34" charset="-34"/>
               </a:rPr>
-              <a:t>                          3) สามารถตรวจสอบสมุดบัญชี</a:t>
-            </a:r>
-          </a:p>
-          <a:p>
+              <a:t>                          11) สามารถชำระเงินแก่ผู้ประกอบการร้านค้าด้วยการสแกน </a:t>
+            </a:r>
+            <a:r>
+              <a:rPr lang="en-US" sz="1800" b="1" dirty="0">
+                <a:solidFill>
+                  <a:schemeClr val="bg1"/>
+                </a:solidFill>
+                <a:latin typeface="TH SarabunPSK" panose="020B0500040200020003" pitchFamily="34" charset="-34"/>
+                <a:cs typeface="TH SarabunPSK" panose="020B0500040200020003" pitchFamily="34" charset="-34"/>
+              </a:rPr>
+              <a:t>QR Code</a:t>
+            </a:r>
+          </a:p>
+          <a:p>
+            <a:r>
+              <a:rPr lang="en-US" sz="1800" b="1" dirty="0">
+                <a:solidFill>
+                  <a:schemeClr val="bg1"/>
+                </a:solidFill>
+                <a:latin typeface="TH SarabunPSK" panose="020B0500040200020003" pitchFamily="34" charset="-34"/>
+                <a:cs typeface="TH SarabunPSK" panose="020B0500040200020003" pitchFamily="34" charset="-34"/>
+              </a:rPr>
+              <a:t>                          12) </a:t>
+            </a:r>
             <a:r>
               <a:rPr lang="th-TH" sz="1800" b="1" dirty="0">
                 <a:solidFill>
@@ -4591,7 +4760,7 @@
                 <a:latin typeface="TH SarabunPSK" panose="020B0500040200020003" pitchFamily="34" charset="-34"/>
                 <a:cs typeface="TH SarabunPSK" panose="020B0500040200020003" pitchFamily="34" charset="-34"/>
               </a:rPr>
-              <a:t>                          4) สามารถอนุมัติการโอนเงิน</a:t>
+              <a:t>สามารถตรวจสอบสมุดบัญชีของตนเอง</a:t>
             </a:r>
           </a:p>
           <a:p>
@@ -4603,111 +4772,7 @@
                 <a:latin typeface="TH SarabunPSK" panose="020B0500040200020003" pitchFamily="34" charset="-34"/>
                 <a:cs typeface="TH SarabunPSK" panose="020B0500040200020003" pitchFamily="34" charset="-34"/>
               </a:rPr>
-              <a:t>                          5) สามารถอนุมัติการถอนเงิน</a:t>
-            </a:r>
-          </a:p>
-          <a:p>
-            <a:r>
-              <a:rPr lang="th-TH" sz="1800" b="1" dirty="0">
-                <a:solidFill>
-                  <a:schemeClr val="bg1"/>
-                </a:solidFill>
-                <a:latin typeface="TH SarabunPSK" panose="020B0500040200020003" pitchFamily="34" charset="-34"/>
-                <a:cs typeface="TH SarabunPSK" panose="020B0500040200020003" pitchFamily="34" charset="-34"/>
-              </a:rPr>
-              <a:t>                          6) สามารถแจ้งปัญหา</a:t>
-            </a:r>
-          </a:p>
-          <a:p>
-            <a:r>
-              <a:rPr lang="th-TH" sz="1800" b="1" dirty="0">
-                <a:solidFill>
-                  <a:schemeClr val="bg1"/>
-                </a:solidFill>
-                <a:latin typeface="TH SarabunPSK" panose="020B0500040200020003" pitchFamily="34" charset="-34"/>
-                <a:cs typeface="TH SarabunPSK" panose="020B0500040200020003" pitchFamily="34" charset="-34"/>
-              </a:rPr>
-              <a:t>               1.3.1.6 ผู้ดูแลระบบ</a:t>
-            </a:r>
-          </a:p>
-          <a:p>
-            <a:r>
-              <a:rPr lang="th-TH" sz="1800" b="1" dirty="0">
-                <a:solidFill>
-                  <a:schemeClr val="bg1"/>
-                </a:solidFill>
-                <a:latin typeface="TH SarabunPSK" panose="020B0500040200020003" pitchFamily="34" charset="-34"/>
-                <a:cs typeface="TH SarabunPSK" panose="020B0500040200020003" pitchFamily="34" charset="-34"/>
-              </a:rPr>
-              <a:t>                         1) สามารถเข้าสู่ระบบ</a:t>
-            </a:r>
-          </a:p>
-          <a:p>
-            <a:r>
-              <a:rPr lang="th-TH" sz="1800" b="1" dirty="0">
-                <a:solidFill>
-                  <a:schemeClr val="bg1"/>
-                </a:solidFill>
-                <a:latin typeface="TH SarabunPSK" panose="020B0500040200020003" pitchFamily="34" charset="-34"/>
-                <a:cs typeface="TH SarabunPSK" panose="020B0500040200020003" pitchFamily="34" charset="-34"/>
-              </a:rPr>
-              <a:t>                         2) สามารถตรวจสอบการแจ้งเตือน</a:t>
-            </a:r>
-          </a:p>
-          <a:p>
-            <a:r>
-              <a:rPr lang="th-TH" sz="1800" b="1" dirty="0">
-                <a:solidFill>
-                  <a:schemeClr val="bg1"/>
-                </a:solidFill>
-                <a:latin typeface="TH SarabunPSK" panose="020B0500040200020003" pitchFamily="34" charset="-34"/>
-                <a:cs typeface="TH SarabunPSK" panose="020B0500040200020003" pitchFamily="34" charset="-34"/>
-              </a:rPr>
-              <a:t>                         3) สามารถจัดการกิจกรรม</a:t>
-            </a:r>
-          </a:p>
-          <a:p>
-            <a:r>
-              <a:rPr lang="th-TH" sz="1800" b="1" dirty="0">
-                <a:solidFill>
-                  <a:schemeClr val="bg1"/>
-                </a:solidFill>
-                <a:latin typeface="TH SarabunPSK" panose="020B0500040200020003" pitchFamily="34" charset="-34"/>
-                <a:cs typeface="TH SarabunPSK" panose="020B0500040200020003" pitchFamily="34" charset="-34"/>
-              </a:rPr>
-              <a:t>                         4) สามารถจัดการคณะกรรมการในกิจกรรม</a:t>
-            </a:r>
-          </a:p>
-          <a:p>
-            <a:r>
-              <a:rPr lang="th-TH" sz="1800" b="1" dirty="0">
-                <a:solidFill>
-                  <a:schemeClr val="bg1"/>
-                </a:solidFill>
-                <a:latin typeface="TH SarabunPSK" panose="020B0500040200020003" pitchFamily="34" charset="-34"/>
-                <a:cs typeface="TH SarabunPSK" panose="020B0500040200020003" pitchFamily="34" charset="-34"/>
-              </a:rPr>
-              <a:t>                         5) สามารถดาวน์โหลด </a:t>
-            </a:r>
-            <a:r>
-              <a:rPr lang="en-US" sz="1800" b="1" dirty="0">
-                <a:solidFill>
-                  <a:schemeClr val="bg1"/>
-                </a:solidFill>
-                <a:latin typeface="TH SarabunPSK" panose="020B0500040200020003" pitchFamily="34" charset="-34"/>
-                <a:cs typeface="TH SarabunPSK" panose="020B0500040200020003" pitchFamily="34" charset="-34"/>
-              </a:rPr>
-              <a:t>QR Code </a:t>
-            </a:r>
-            <a:r>
-              <a:rPr lang="th-TH" sz="1800" b="1" dirty="0">
-                <a:solidFill>
-                  <a:schemeClr val="bg1"/>
-                </a:solidFill>
-                <a:latin typeface="TH SarabunPSK" panose="020B0500040200020003" pitchFamily="34" charset="-34"/>
-                <a:cs typeface="TH SarabunPSK" panose="020B0500040200020003" pitchFamily="34" charset="-34"/>
-              </a:rPr>
-              <a:t>ลงทะเบียนเข้าร่วมและจบกิจกรรมของตนเอง</a:t>
+              <a:t>                          13) สามารถขออนุมัติการถอนเงินของตนเอง</a:t>
             </a:r>
           </a:p>
         </p:txBody>
@@ -4751,7 +4816,7 @@
     </p:spTree>
     <p:extLst>
       <p:ext uri="{BB962C8B-B14F-4D97-AF65-F5344CB8AC3E}">
-        <p14:creationId xmlns:p14="http://schemas.microsoft.com/office/powerpoint/2010/main" val="2085503371"/>
+        <p14:creationId xmlns:p14="http://schemas.microsoft.com/office/powerpoint/2010/main" val="2556474909"/>
       </p:ext>
     </p:extLst>
   </p:cSld>
@@ -4828,7 +4893,7 @@
                 <a:latin typeface="TH SarabunPSK" panose="020B0500040200020003" pitchFamily="34" charset="-34"/>
                 <a:cs typeface="TH SarabunPSK" panose="020B0500040200020003" pitchFamily="34" charset="-34"/>
               </a:rPr>
-              <a:t>ขอบเขตการทำงาน (ต่อ)</a:t>
+              <a:t>ขอบเขตการทำงาน</a:t>
             </a:r>
           </a:p>
         </p:txBody>
@@ -4869,30 +4934,10 @@
                 <a:latin typeface="TH SarabunPSK" panose="020B0500040200020003" pitchFamily="34" charset="-34"/>
                 <a:cs typeface="TH SarabunPSK" panose="020B0500040200020003" pitchFamily="34" charset="-34"/>
               </a:rPr>
-              <a:t> 1.3.2 โมบายแอปพลิเคชัน </a:t>
-            </a:r>
-            <a:r>
-              <a:rPr lang="en-US" sz="1800" b="1" dirty="0">
-                <a:solidFill>
-                  <a:schemeClr val="bg1"/>
-                </a:solidFill>
-                <a:latin typeface="TH SarabunPSK" panose="020B0500040200020003" pitchFamily="34" charset="-34"/>
-                <a:cs typeface="TH SarabunPSK" panose="020B0500040200020003" pitchFamily="34" charset="-34"/>
-              </a:rPr>
-              <a:t>(Mobile Application)</a:t>
-            </a:r>
-          </a:p>
-          <a:p>
-            <a:r>
-              <a:rPr lang="en-US" sz="1800" b="1" dirty="0">
-                <a:solidFill>
-                  <a:schemeClr val="bg1"/>
-                </a:solidFill>
-                <a:latin typeface="TH SarabunPSK" panose="020B0500040200020003" pitchFamily="34" charset="-34"/>
-                <a:cs typeface="TH SarabunPSK" panose="020B0500040200020003" pitchFamily="34" charset="-34"/>
-              </a:rPr>
-              <a:t>        1.3.2.1 </a:t>
-            </a:r>
+              <a:t> 1.3.2.4 ผู้ประกอบการร้านค้า</a:t>
+            </a:r>
+          </a:p>
+          <a:p>
             <a:r>
               <a:rPr lang="th-TH" sz="1800" b="1" dirty="0">
                 <a:solidFill>
@@ -4901,15 +4946,8 @@
                 <a:latin typeface="TH SarabunPSK" panose="020B0500040200020003" pitchFamily="34" charset="-34"/>
                 <a:cs typeface="TH SarabunPSK" panose="020B0500040200020003" pitchFamily="34" charset="-34"/>
               </a:rPr>
-              <a:t>นักศึกษา</a:t>
-            </a:r>
-            <a:endParaRPr lang="en-US" sz="1800" b="1" dirty="0">
-              <a:solidFill>
-                <a:schemeClr val="bg1"/>
-              </a:solidFill>
-              <a:latin typeface="TH SarabunPSK" panose="020B0500040200020003" pitchFamily="34" charset="-34"/>
-              <a:cs typeface="TH SarabunPSK" panose="020B0500040200020003" pitchFamily="34" charset="-34"/>
-            </a:endParaRPr>
+              <a:t>                           1) สามารถเข้าสู่ระบบ</a:t>
+            </a:r>
           </a:p>
           <a:p>
             <a:r>
@@ -4920,7 +4958,7 @@
                 <a:latin typeface="TH SarabunPSK" panose="020B0500040200020003" pitchFamily="34" charset="-34"/>
                 <a:cs typeface="TH SarabunPSK" panose="020B0500040200020003" pitchFamily="34" charset="-34"/>
               </a:rPr>
-              <a:t>	            1) สามารถเข้าสู่ระบบ</a:t>
+              <a:t>                           2) สามารถตรวจสอบสมุดบัญชีของตนเอง</a:t>
             </a:r>
           </a:p>
           <a:p>
@@ -4932,121 +4970,8 @@
                 <a:latin typeface="TH SarabunPSK" panose="020B0500040200020003" pitchFamily="34" charset="-34"/>
                 <a:cs typeface="TH SarabunPSK" panose="020B0500040200020003" pitchFamily="34" charset="-34"/>
               </a:rPr>
-              <a:t>                          2) สามารถตรวจสอบการแจ้งเตือน</a:t>
-            </a:r>
-          </a:p>
-          <a:p>
-            <a:r>
-              <a:rPr lang="th-TH" sz="1800" b="1" dirty="0">
-                <a:solidFill>
-                  <a:schemeClr val="bg1"/>
-                </a:solidFill>
-                <a:latin typeface="TH SarabunPSK" panose="020B0500040200020003" pitchFamily="34" charset="-34"/>
-                <a:cs typeface="TH SarabunPSK" panose="020B0500040200020003" pitchFamily="34" charset="-34"/>
-              </a:rPr>
-              <a:t>                          3) สามารถตรวจสอบข้อมูลของตนเอง</a:t>
-            </a:r>
-          </a:p>
-          <a:p>
-            <a:r>
-              <a:rPr lang="th-TH" sz="1800" b="1" dirty="0">
-                <a:solidFill>
-                  <a:schemeClr val="bg1"/>
-                </a:solidFill>
-                <a:latin typeface="TH SarabunPSK" panose="020B0500040200020003" pitchFamily="34" charset="-34"/>
-                <a:cs typeface="TH SarabunPSK" panose="020B0500040200020003" pitchFamily="34" charset="-34"/>
-              </a:rPr>
-              <a:t>                          4) สามารถแก้ไขรหัสผ่านของตนเอง</a:t>
-            </a:r>
-          </a:p>
-          <a:p>
-            <a:r>
-              <a:rPr lang="th-TH" sz="1800" b="1" dirty="0">
-                <a:solidFill>
-                  <a:schemeClr val="bg1"/>
-                </a:solidFill>
-                <a:latin typeface="TH SarabunPSK" panose="020B0500040200020003" pitchFamily="34" charset="-34"/>
-                <a:cs typeface="TH SarabunPSK" panose="020B0500040200020003" pitchFamily="34" charset="-34"/>
-              </a:rPr>
-              <a:t>                          5) สามารถค้นหากิจกรรม</a:t>
-            </a:r>
-          </a:p>
-          <a:p>
-            <a:r>
-              <a:rPr lang="th-TH" sz="1800" b="1" dirty="0">
-                <a:solidFill>
-                  <a:schemeClr val="bg1"/>
-                </a:solidFill>
-                <a:latin typeface="TH SarabunPSK" panose="020B0500040200020003" pitchFamily="34" charset="-34"/>
-                <a:cs typeface="TH SarabunPSK" panose="020B0500040200020003" pitchFamily="34" charset="-34"/>
-              </a:rPr>
-              <a:t>                          6) สามารถตรวจสอบรายละเอียดกิจกรรม</a:t>
-            </a:r>
-          </a:p>
-          <a:p>
-            <a:r>
-              <a:rPr lang="th-TH" sz="1800" b="1" dirty="0">
-                <a:solidFill>
-                  <a:schemeClr val="bg1"/>
-                </a:solidFill>
-                <a:latin typeface="TH SarabunPSK" panose="020B0500040200020003" pitchFamily="34" charset="-34"/>
-                <a:cs typeface="TH SarabunPSK" panose="020B0500040200020003" pitchFamily="34" charset="-34"/>
-              </a:rPr>
-              <a:t>                          7) สามารถลงทะเบียนเข้าร่วมและจบกิจกรรมด้วยการสแกน </a:t>
-            </a:r>
-            <a:r>
-              <a:rPr lang="en-US" sz="1800" b="1" dirty="0">
-                <a:solidFill>
-                  <a:schemeClr val="bg1"/>
-                </a:solidFill>
-                <a:latin typeface="TH SarabunPSK" panose="020B0500040200020003" pitchFamily="34" charset="-34"/>
-                <a:cs typeface="TH SarabunPSK" panose="020B0500040200020003" pitchFamily="34" charset="-34"/>
-              </a:rPr>
-              <a:t>QR Code</a:t>
-            </a:r>
-          </a:p>
-          <a:p>
-            <a:r>
-              <a:rPr lang="en-US" sz="1800" b="1" dirty="0">
-                <a:solidFill>
-                  <a:schemeClr val="bg1"/>
-                </a:solidFill>
-                <a:latin typeface="TH SarabunPSK" panose="020B0500040200020003" pitchFamily="34" charset="-34"/>
-                <a:cs typeface="TH SarabunPSK" panose="020B0500040200020003" pitchFamily="34" charset="-34"/>
-              </a:rPr>
-              <a:t>                          8) </a:t>
-            </a:r>
-            <a:r>
-              <a:rPr lang="th-TH" sz="1800" b="1" dirty="0">
-                <a:solidFill>
-                  <a:schemeClr val="bg1"/>
-                </a:solidFill>
-                <a:latin typeface="TH SarabunPSK" panose="020B0500040200020003" pitchFamily="34" charset="-34"/>
-                <a:cs typeface="TH SarabunPSK" panose="020B0500040200020003" pitchFamily="34" charset="-34"/>
-              </a:rPr>
-              <a:t>สามารถดาวน์โหลดเอกสารที่อยู่ในกิจกรรม</a:t>
-            </a:r>
-          </a:p>
-          <a:p>
-            <a:r>
-              <a:rPr lang="th-TH" sz="1800" b="1" dirty="0">
-                <a:solidFill>
-                  <a:schemeClr val="bg1"/>
-                </a:solidFill>
-                <a:latin typeface="TH SarabunPSK" panose="020B0500040200020003" pitchFamily="34" charset="-34"/>
-                <a:cs typeface="TH SarabunPSK" panose="020B0500040200020003" pitchFamily="34" charset="-34"/>
-              </a:rPr>
-              <a:t>                          9) สามารถแจ้งการโอนเงินเข้าบัญชีตนเอง</a:t>
-            </a:r>
-          </a:p>
-          <a:p>
-            <a:endParaRPr lang="th-TH" sz="1800" b="1" dirty="0">
-              <a:solidFill>
-                <a:schemeClr val="bg1"/>
-              </a:solidFill>
-              <a:latin typeface="TH SarabunPSK" panose="020B0500040200020003" pitchFamily="34" charset="-34"/>
-              <a:cs typeface="TH SarabunPSK" panose="020B0500040200020003" pitchFamily="34" charset="-34"/>
-            </a:endParaRPr>
+              <a:t>                           3) สามารถอนุมัติการถอนเงินต่อเดือนของตนเอง</a:t>
+            </a:r>
           </a:p>
         </p:txBody>
       </p:sp>
@@ -5089,7 +5014,7 @@
     </p:spTree>
     <p:extLst>
       <p:ext uri="{BB962C8B-B14F-4D97-AF65-F5344CB8AC3E}">
-        <p14:creationId xmlns:p14="http://schemas.microsoft.com/office/powerpoint/2010/main" val="2771905269"/>
+        <p14:creationId xmlns:p14="http://schemas.microsoft.com/office/powerpoint/2010/main" val="1224544652"/>
       </p:ext>
     </p:extLst>
   </p:cSld>
@@ -5166,45 +5091,8 @@
                 <a:latin typeface="TH SarabunPSK" panose="020B0500040200020003" pitchFamily="34" charset="-34"/>
                 <a:cs typeface="TH SarabunPSK" panose="020B0500040200020003" pitchFamily="34" charset="-34"/>
               </a:rPr>
-              <a:t>ขอบเขตการทำงาน </a:t>
-            </a:r>
-            <a:r>
-              <a:rPr lang="en-US" b="1" dirty="0">
-                <a:solidFill>
-                  <a:schemeClr val="bg1"/>
-                </a:solidFill>
-                <a:latin typeface="TH SarabunPSK" panose="020B0500040200020003" pitchFamily="34" charset="-34"/>
-                <a:cs typeface="TH SarabunPSK" panose="020B0500040200020003" pitchFamily="34" charset="-34"/>
-              </a:rPr>
-              <a:t>(</a:t>
-            </a:r>
-            <a:r>
-              <a:rPr lang="th-TH" b="1" dirty="0">
-                <a:solidFill>
-                  <a:schemeClr val="bg1"/>
-                </a:solidFill>
-                <a:latin typeface="TH SarabunPSK" panose="020B0500040200020003" pitchFamily="34" charset="-34"/>
-                <a:cs typeface="TH SarabunPSK" panose="020B0500040200020003" pitchFamily="34" charset="-34"/>
-              </a:rPr>
-              <a:t>ต่อ</a:t>
-            </a:r>
-            <a:r>
-              <a:rPr lang="en-US" b="1" dirty="0">
-                <a:solidFill>
-                  <a:schemeClr val="bg1"/>
-                </a:solidFill>
-                <a:latin typeface="TH SarabunPSK" panose="020B0500040200020003" pitchFamily="34" charset="-34"/>
-                <a:cs typeface="TH SarabunPSK" panose="020B0500040200020003" pitchFamily="34" charset="-34"/>
-              </a:rPr>
-              <a:t>)</a:t>
-            </a:r>
-            <a:endParaRPr lang="th-TH" b="1" dirty="0">
-              <a:solidFill>
-                <a:schemeClr val="bg1"/>
-              </a:solidFill>
-              <a:latin typeface="TH SarabunPSK" panose="020B0500040200020003" pitchFamily="34" charset="-34"/>
-              <a:cs typeface="TH SarabunPSK" panose="020B0500040200020003" pitchFamily="34" charset="-34"/>
-            </a:endParaRPr>
+              <a:t>ประโยชน์ที่คาดว่าจะได้รับ</a:t>
+            </a:r>
           </a:p>
         </p:txBody>
       </p:sp>
@@ -5226,8 +5114,8 @@
         </p:nvSpPr>
         <p:spPr>
           <a:xfrm>
-            <a:off x="2109787" y="2044873"/>
-            <a:ext cx="8791575" cy="4181606"/>
+            <a:off x="1809750" y="1703388"/>
+            <a:ext cx="8791575" cy="3451224"/>
           </a:xfrm>
         </p:spPr>
         <p:txBody>
@@ -5236,6 +5124,9 @@
           </a:bodyPr>
           <a:lstStyle/>
           <a:p>
+            <a:pPr marL="0" indent="0">
+              <a:buNone/>
+            </a:pPr>
             <a:r>
               <a:rPr lang="th-TH" sz="1800" b="1" dirty="0">
                 <a:solidFill>
@@ -5244,10 +5135,18 @@
                 <a:latin typeface="TH SarabunPSK" panose="020B0500040200020003" pitchFamily="34" charset="-34"/>
                 <a:cs typeface="TH SarabunPSK" panose="020B0500040200020003" pitchFamily="34" charset="-34"/>
               </a:rPr>
-              <a:t> 	             10) สามารถโอนเงินในบัญชีให้กับผู้อื่น</a:t>
-            </a:r>
-          </a:p>
-          <a:p>
+              <a:t>เพื่อลงทะเบียนการเข้าร่วมกิจกรรมด้วยด้วยเทคโนโลยี </a:t>
+            </a:r>
+            <a:r>
+              <a:rPr lang="en" sz="1800" b="1" dirty="0">
+                <a:solidFill>
+                  <a:schemeClr val="bg1"/>
+                </a:solidFill>
+                <a:latin typeface="TH SarabunPSK" panose="020B0500040200020003" pitchFamily="34" charset="-34"/>
+                <a:cs typeface="TH SarabunPSK" panose="020B0500040200020003" pitchFamily="34" charset="-34"/>
+              </a:rPr>
+              <a:t>QR Code </a:t>
+            </a:r>
             <a:r>
               <a:rPr lang="th-TH" sz="1800" b="1" dirty="0">
                 <a:solidFill>
@@ -5256,10 +5155,35 @@
                 <a:latin typeface="TH SarabunPSK" panose="020B0500040200020003" pitchFamily="34" charset="-34"/>
                 <a:cs typeface="TH SarabunPSK" panose="020B0500040200020003" pitchFamily="34" charset="-34"/>
               </a:rPr>
-              <a:t>                          11) สามารถชำระเงินแก่ผู้ประกอบการร้านค้าด้วยการสแกน </a:t>
-            </a:r>
-            <a:r>
-              <a:rPr lang="en-US" sz="1800" b="1" dirty="0">
+              <a:t>และ </a:t>
+            </a:r>
+            <a:r>
+              <a:rPr lang="en" sz="1800" b="1" dirty="0">
+                <a:solidFill>
+                  <a:schemeClr val="bg1"/>
+                </a:solidFill>
+                <a:latin typeface="TH SarabunPSK" panose="020B0500040200020003" pitchFamily="34" charset="-34"/>
+                <a:cs typeface="TH SarabunPSK" panose="020B0500040200020003" pitchFamily="34" charset="-34"/>
+              </a:rPr>
+              <a:t>Location Base</a:t>
+            </a:r>
+          </a:p>
+          <a:p>
+            <a:pPr marL="0" indent="0">
+              <a:buNone/>
+            </a:pPr>
+            <a:r>
+              <a:rPr lang="th-TH" sz="1800" b="1" dirty="0">
+                <a:solidFill>
+                  <a:schemeClr val="bg1"/>
+                </a:solidFill>
+                <a:latin typeface="TH SarabunPSK" panose="020B0500040200020003" pitchFamily="34" charset="-34"/>
+                <a:cs typeface="TH SarabunPSK" panose="020B0500040200020003" pitchFamily="34" charset="-34"/>
+              </a:rPr>
+              <a:t>เพื่อชำระเงินแก่ผู้ประกอบการร้านค้าด้วยเทคโนโลยี </a:t>
+            </a:r>
+            <a:r>
+              <a:rPr lang="en" sz="1800" b="1" dirty="0">
                 <a:solidFill>
                   <a:schemeClr val="bg1"/>
                 </a:solidFill>
@@ -5270,16 +5194,9 @@
             </a:r>
           </a:p>
           <a:p>
-            <a:r>
-              <a:rPr lang="en-US" sz="1800" b="1" dirty="0">
-                <a:solidFill>
-                  <a:schemeClr val="bg1"/>
-                </a:solidFill>
-                <a:latin typeface="TH SarabunPSK" panose="020B0500040200020003" pitchFamily="34" charset="-34"/>
-                <a:cs typeface="TH SarabunPSK" panose="020B0500040200020003" pitchFamily="34" charset="-34"/>
-              </a:rPr>
-              <a:t>                          12) </a:t>
-            </a:r>
+            <a:pPr marL="0" indent="0">
+              <a:buNone/>
+            </a:pPr>
             <a:r>
               <a:rPr lang="th-TH" sz="1800" b="1" dirty="0">
                 <a:solidFill>
@@ -5288,10 +5205,18 @@
                 <a:latin typeface="TH SarabunPSK" panose="020B0500040200020003" pitchFamily="34" charset="-34"/>
                 <a:cs typeface="TH SarabunPSK" panose="020B0500040200020003" pitchFamily="34" charset="-34"/>
               </a:rPr>
-              <a:t>สามารถตรวจสอบสมุดบัญชีของตนเอง</a:t>
-            </a:r>
-          </a:p>
-          <a:p>
+              <a:t>เพื่อสามารถตรวจสอบกิจกรรมของนักศึกษาบนแอ</a:t>
+            </a:r>
+            <a:r>
+              <a:rPr lang="th-TH" sz="1800" b="1" dirty="0" err="1">
+                <a:solidFill>
+                  <a:schemeClr val="bg1"/>
+                </a:solidFill>
+                <a:latin typeface="TH SarabunPSK" panose="020B0500040200020003" pitchFamily="34" charset="-34"/>
+                <a:cs typeface="TH SarabunPSK" panose="020B0500040200020003" pitchFamily="34" charset="-34"/>
+              </a:rPr>
+              <a:t>ป</a:t>
+            </a:r>
             <a:r>
               <a:rPr lang="th-TH" sz="1800" b="1" dirty="0">
                 <a:solidFill>
@@ -5300,10 +5225,18 @@
                 <a:latin typeface="TH SarabunPSK" panose="020B0500040200020003" pitchFamily="34" charset="-34"/>
                 <a:cs typeface="TH SarabunPSK" panose="020B0500040200020003" pitchFamily="34" charset="-34"/>
               </a:rPr>
-              <a:t>                          13) สามารถแจ้งถอนเงินของตนเอง</a:t>
-            </a:r>
-          </a:p>
-          <a:p>
+              <a:t>พลิ</a:t>
+            </a:r>
+            <a:r>
+              <a:rPr lang="th-TH" sz="1800" b="1" dirty="0" err="1">
+                <a:solidFill>
+                  <a:schemeClr val="bg1"/>
+                </a:solidFill>
+                <a:latin typeface="TH SarabunPSK" panose="020B0500040200020003" pitchFamily="34" charset="-34"/>
+                <a:cs typeface="TH SarabunPSK" panose="020B0500040200020003" pitchFamily="34" charset="-34"/>
+              </a:rPr>
+              <a:t>เค</a:t>
+            </a:r>
             <a:r>
               <a:rPr lang="th-TH" sz="1800" b="1" dirty="0">
                 <a:solidFill>
@@ -5312,7 +5245,7 @@
                 <a:latin typeface="TH SarabunPSK" panose="020B0500040200020003" pitchFamily="34" charset="-34"/>
                 <a:cs typeface="TH SarabunPSK" panose="020B0500040200020003" pitchFamily="34" charset="-34"/>
               </a:rPr>
-              <a:t>                          14) สามารถแจ้งปัญหา</a:t>
+              <a:t>ชันแทนการใช้สมุดกิจกรรม</a:t>
             </a:r>
           </a:p>
         </p:txBody>
@@ -5356,7 +5289,7 @@
     </p:spTree>
     <p:extLst>
       <p:ext uri="{BB962C8B-B14F-4D97-AF65-F5344CB8AC3E}">
-        <p14:creationId xmlns:p14="http://schemas.microsoft.com/office/powerpoint/2010/main" val="2556474909"/>
+        <p14:creationId xmlns:p14="http://schemas.microsoft.com/office/powerpoint/2010/main" val="3771220552"/>
       </p:ext>
     </p:extLst>
   </p:cSld>
@@ -5433,898 +5366,6 @@
                 <a:latin typeface="TH SarabunPSK" panose="020B0500040200020003" pitchFamily="34" charset="-34"/>
                 <a:cs typeface="TH SarabunPSK" panose="020B0500040200020003" pitchFamily="34" charset="-34"/>
               </a:rPr>
-              <a:t>ขอบเขตการทำงาน</a:t>
-            </a:r>
-          </a:p>
-        </p:txBody>
-      </p:sp>
-      <p:sp>
-        <p:nvSpPr>
-          <p:cNvPr id="3" name="Content Placeholder 2">
-            <a:extLst>
-              <a:ext uri="{FF2B5EF4-FFF2-40B4-BE49-F238E27FC236}">
-                <a16:creationId xmlns:a16="http://schemas.microsoft.com/office/drawing/2014/main" id="{23E7C118-00F2-471D-BF9E-6DCF8E58FDD9}"/>
-              </a:ext>
-            </a:extLst>
-          </p:cNvPr>
-          <p:cNvSpPr>
-            <a:spLocks noGrp="1"/>
-          </p:cNvSpPr>
-          <p:nvPr>
-            <p:ph idx="1"/>
-          </p:nvPr>
-        </p:nvSpPr>
-        <p:spPr>
-          <a:xfrm>
-            <a:off x="1771650" y="1690688"/>
-            <a:ext cx="8791575" cy="4964112"/>
-          </a:xfrm>
-        </p:spPr>
-        <p:txBody>
-          <a:bodyPr>
-            <a:noAutofit/>
-          </a:bodyPr>
-          <a:lstStyle/>
-          <a:p>
-            <a:r>
-              <a:rPr lang="th-TH" sz="1800" b="1" dirty="0">
-                <a:solidFill>
-                  <a:schemeClr val="bg1"/>
-                </a:solidFill>
-                <a:latin typeface="TH SarabunPSK" panose="020B0500040200020003" pitchFamily="34" charset="-34"/>
-                <a:cs typeface="TH SarabunPSK" panose="020B0500040200020003" pitchFamily="34" charset="-34"/>
-              </a:rPr>
-              <a:t> 1.3.2.2 อาจารย์</a:t>
-            </a:r>
-          </a:p>
-          <a:p>
-            <a:r>
-              <a:rPr lang="th-TH" sz="1800" b="1" dirty="0">
-                <a:solidFill>
-                  <a:schemeClr val="bg1"/>
-                </a:solidFill>
-                <a:latin typeface="TH SarabunPSK" panose="020B0500040200020003" pitchFamily="34" charset="-34"/>
-                <a:cs typeface="TH SarabunPSK" panose="020B0500040200020003" pitchFamily="34" charset="-34"/>
-              </a:rPr>
-              <a:t>                          1) สามารถเข้าสู่ระบบ</a:t>
-            </a:r>
-          </a:p>
-          <a:p>
-            <a:r>
-              <a:rPr lang="th-TH" sz="1800" b="1" dirty="0">
-                <a:solidFill>
-                  <a:schemeClr val="bg1"/>
-                </a:solidFill>
-                <a:latin typeface="TH SarabunPSK" panose="020B0500040200020003" pitchFamily="34" charset="-34"/>
-                <a:cs typeface="TH SarabunPSK" panose="020B0500040200020003" pitchFamily="34" charset="-34"/>
-              </a:rPr>
-              <a:t>                          2) สามารถตรวจสอบการแจ้งเตือน</a:t>
-            </a:r>
-          </a:p>
-          <a:p>
-            <a:r>
-              <a:rPr lang="th-TH" sz="1800" b="1" dirty="0">
-                <a:solidFill>
-                  <a:schemeClr val="bg1"/>
-                </a:solidFill>
-                <a:latin typeface="TH SarabunPSK" panose="020B0500040200020003" pitchFamily="34" charset="-34"/>
-                <a:cs typeface="TH SarabunPSK" panose="020B0500040200020003" pitchFamily="34" charset="-34"/>
-              </a:rPr>
-              <a:t>                          3) สามารถตรวจสอบข้อมูลของตนเอง</a:t>
-            </a:r>
-          </a:p>
-          <a:p>
-            <a:r>
-              <a:rPr lang="th-TH" sz="1800" b="1" dirty="0">
-                <a:solidFill>
-                  <a:schemeClr val="bg1"/>
-                </a:solidFill>
-                <a:latin typeface="TH SarabunPSK" panose="020B0500040200020003" pitchFamily="34" charset="-34"/>
-                <a:cs typeface="TH SarabunPSK" panose="020B0500040200020003" pitchFamily="34" charset="-34"/>
-              </a:rPr>
-              <a:t>                          4) สามารถแก้ไขรหัสผ่านของตนเอง</a:t>
-            </a:r>
-          </a:p>
-          <a:p>
-            <a:r>
-              <a:rPr lang="th-TH" sz="1800" b="1" dirty="0">
-                <a:solidFill>
-                  <a:schemeClr val="bg1"/>
-                </a:solidFill>
-                <a:latin typeface="TH SarabunPSK" panose="020B0500040200020003" pitchFamily="34" charset="-34"/>
-                <a:cs typeface="TH SarabunPSK" panose="020B0500040200020003" pitchFamily="34" charset="-34"/>
-              </a:rPr>
-              <a:t>                          5) สามารถค้นหากิจกรรม</a:t>
-            </a:r>
-          </a:p>
-          <a:p>
-            <a:r>
-              <a:rPr lang="th-TH" sz="1800" b="1" dirty="0">
-                <a:solidFill>
-                  <a:schemeClr val="bg1"/>
-                </a:solidFill>
-                <a:latin typeface="TH SarabunPSK" panose="020B0500040200020003" pitchFamily="34" charset="-34"/>
-                <a:cs typeface="TH SarabunPSK" panose="020B0500040200020003" pitchFamily="34" charset="-34"/>
-              </a:rPr>
-              <a:t>                          6) สามารถตรวจสอบรายละเอียดกิจกรรม</a:t>
-            </a:r>
-          </a:p>
-          <a:p>
-            <a:r>
-              <a:rPr lang="th-TH" sz="1800" b="1" dirty="0">
-                <a:solidFill>
-                  <a:schemeClr val="bg1"/>
-                </a:solidFill>
-                <a:latin typeface="TH SarabunPSK" panose="020B0500040200020003" pitchFamily="34" charset="-34"/>
-                <a:cs typeface="TH SarabunPSK" panose="020B0500040200020003" pitchFamily="34" charset="-34"/>
-              </a:rPr>
-              <a:t>                          7) สามารถลงทะเบียนเข้าร่วมและจบกิจกรรมด้วยการสแกน </a:t>
-            </a:r>
-            <a:r>
-              <a:rPr lang="en-US" sz="1800" b="1" dirty="0">
-                <a:solidFill>
-                  <a:schemeClr val="bg1"/>
-                </a:solidFill>
-                <a:latin typeface="TH SarabunPSK" panose="020B0500040200020003" pitchFamily="34" charset="-34"/>
-                <a:cs typeface="TH SarabunPSK" panose="020B0500040200020003" pitchFamily="34" charset="-34"/>
-              </a:rPr>
-              <a:t>QR Code</a:t>
-            </a:r>
-          </a:p>
-          <a:p>
-            <a:r>
-              <a:rPr lang="en-US" sz="1800" b="1" dirty="0">
-                <a:solidFill>
-                  <a:schemeClr val="bg1"/>
-                </a:solidFill>
-                <a:latin typeface="TH SarabunPSK" panose="020B0500040200020003" pitchFamily="34" charset="-34"/>
-                <a:cs typeface="TH SarabunPSK" panose="020B0500040200020003" pitchFamily="34" charset="-34"/>
-              </a:rPr>
-              <a:t>                          8) </a:t>
-            </a:r>
-            <a:r>
-              <a:rPr lang="th-TH" sz="1800" b="1" dirty="0">
-                <a:solidFill>
-                  <a:schemeClr val="bg1"/>
-                </a:solidFill>
-                <a:latin typeface="TH SarabunPSK" panose="020B0500040200020003" pitchFamily="34" charset="-34"/>
-                <a:cs typeface="TH SarabunPSK" panose="020B0500040200020003" pitchFamily="34" charset="-34"/>
-              </a:rPr>
-              <a:t>สามารถดาวน์โหลดเอกสารที่อยู่ในกิจกรรม</a:t>
-            </a:r>
-          </a:p>
-          <a:p>
-            <a:r>
-              <a:rPr lang="th-TH" sz="1800" b="1" dirty="0">
-                <a:solidFill>
-                  <a:schemeClr val="bg1"/>
-                </a:solidFill>
-                <a:latin typeface="TH SarabunPSK" panose="020B0500040200020003" pitchFamily="34" charset="-34"/>
-                <a:cs typeface="TH SarabunPSK" panose="020B0500040200020003" pitchFamily="34" charset="-34"/>
-              </a:rPr>
-              <a:t>                          9) สามารถแจ้งการโอนเงินเข้าบัญชีตนเอง</a:t>
-            </a:r>
-          </a:p>
-          <a:p>
-            <a:r>
-              <a:rPr lang="th-TH" sz="1800" b="1" dirty="0">
-                <a:solidFill>
-                  <a:schemeClr val="bg1"/>
-                </a:solidFill>
-                <a:latin typeface="TH SarabunPSK" panose="020B0500040200020003" pitchFamily="34" charset="-34"/>
-                <a:cs typeface="TH SarabunPSK" panose="020B0500040200020003" pitchFamily="34" charset="-34"/>
-              </a:rPr>
-              <a:t>                          10) สามารถโอนเงินในบัญชีให้กับผู้อื่น</a:t>
-            </a:r>
-          </a:p>
-        </p:txBody>
-      </p:sp>
-      <p:pic>
-        <p:nvPicPr>
-          <p:cNvPr id="4" name="Picture 3">
-            <a:extLst>
-              <a:ext uri="{FF2B5EF4-FFF2-40B4-BE49-F238E27FC236}">
-                <a16:creationId xmlns:a16="http://schemas.microsoft.com/office/drawing/2014/main" id="{90ADEC6B-FDB4-4129-AF06-7F9AAD11D107}"/>
-              </a:ext>
-            </a:extLst>
-          </p:cNvPr>
-          <p:cNvPicPr>
-            <a:picLocks noChangeAspect="1"/>
-          </p:cNvPicPr>
-          <p:nvPr/>
-        </p:nvPicPr>
-        <p:blipFill>
-          <a:blip r:embed="rId2">
-            <a:extLst>
-              <a:ext uri="{28A0092B-C50C-407E-A947-70E740481C1C}">
-                <a14:useLocalDpi xmlns:a14="http://schemas.microsoft.com/office/drawing/2010/main" val="0"/>
-              </a:ext>
-            </a:extLst>
-          </a:blip>
-          <a:stretch>
-            <a:fillRect/>
-          </a:stretch>
-        </p:blipFill>
-        <p:spPr>
-          <a:xfrm>
-            <a:off x="2109787" y="1438207"/>
-            <a:ext cx="7591425" cy="89831"/>
-          </a:xfrm>
-          <a:prstGeom prst="rect">
-            <a:avLst/>
-          </a:prstGeom>
-        </p:spPr>
-      </p:pic>
-    </p:spTree>
-    <p:extLst>
-      <p:ext uri="{BB962C8B-B14F-4D97-AF65-F5344CB8AC3E}">
-        <p14:creationId xmlns:p14="http://schemas.microsoft.com/office/powerpoint/2010/main" val="1224544652"/>
-      </p:ext>
-    </p:extLst>
-  </p:cSld>
-  <p:clrMapOvr>
-    <a:masterClrMapping/>
-  </p:clrMapOvr>
-  <mc:AlternateContent xmlns:mc="http://schemas.openxmlformats.org/markup-compatibility/2006" xmlns:p14="http://schemas.microsoft.com/office/powerpoint/2010/main">
-    <mc:Choice Requires="p14">
-      <p:transition spd="med" p14:dur="700">
-        <p:fade/>
-      </p:transition>
-    </mc:Choice>
-    <mc:Fallback xmlns="">
-      <p:transition spd="med">
-        <p:fade/>
-      </p:transition>
-    </mc:Fallback>
-  </mc:AlternateContent>
-</p:sld>
-</file>
-
-<file path=ppt/slides/slide16.xml><?xml version="1.0" encoding="utf-8"?>
-<p:sld xmlns:a="http://schemas.openxmlformats.org/drawingml/2006/main" xmlns:r="http://schemas.openxmlformats.org/officeDocument/2006/relationships" xmlns:p="http://schemas.openxmlformats.org/presentationml/2006/main">
-  <p:cSld>
-    <p:bg>
-      <p:bgPr>
-        <a:solidFill>
-          <a:srgbClr val="262626"/>
-        </a:solidFill>
-        <a:effectLst/>
-      </p:bgPr>
-    </p:bg>
-    <p:spTree>
-      <p:nvGrpSpPr>
-        <p:cNvPr id="1" name=""/>
-        <p:cNvGrpSpPr/>
-        <p:nvPr/>
-      </p:nvGrpSpPr>
-      <p:grpSpPr>
-        <a:xfrm>
-          <a:off x="0" y="0"/>
-          <a:ext cx="0" cy="0"/>
-          <a:chOff x="0" y="0"/>
-          <a:chExt cx="0" cy="0"/>
-        </a:xfrm>
-      </p:grpSpPr>
-      <p:sp>
-        <p:nvSpPr>
-          <p:cNvPr id="2" name="Title 1">
-            <a:extLst>
-              <a:ext uri="{FF2B5EF4-FFF2-40B4-BE49-F238E27FC236}">
-                <a16:creationId xmlns:a16="http://schemas.microsoft.com/office/drawing/2014/main" id="{36017D3D-0042-4BC6-92A9-9F4A35242BEC}"/>
-              </a:ext>
-            </a:extLst>
-          </p:cNvPr>
-          <p:cNvSpPr>
-            <a:spLocks noGrp="1"/>
-          </p:cNvSpPr>
-          <p:nvPr>
-            <p:ph type="title"/>
-          </p:nvPr>
-        </p:nvSpPr>
-        <p:spPr/>
-        <p:txBody>
-          <a:bodyPr/>
-          <a:lstStyle/>
-          <a:p>
-            <a:pPr algn="ctr"/>
-            <a:r>
-              <a:rPr lang="th-TH" b="1" dirty="0">
-                <a:solidFill>
-                  <a:schemeClr val="bg1"/>
-                </a:solidFill>
-                <a:latin typeface="TH SarabunPSK" panose="020B0500040200020003" pitchFamily="34" charset="-34"/>
-                <a:cs typeface="TH SarabunPSK" panose="020B0500040200020003" pitchFamily="34" charset="-34"/>
-              </a:rPr>
-              <a:t>ขอบเขตการทำงาน </a:t>
-            </a:r>
-            <a:r>
-              <a:rPr lang="en-US" b="1" dirty="0">
-                <a:solidFill>
-                  <a:schemeClr val="bg1"/>
-                </a:solidFill>
-                <a:latin typeface="TH SarabunPSK" panose="020B0500040200020003" pitchFamily="34" charset="-34"/>
-                <a:cs typeface="TH SarabunPSK" panose="020B0500040200020003" pitchFamily="34" charset="-34"/>
-              </a:rPr>
-              <a:t>(</a:t>
-            </a:r>
-            <a:r>
-              <a:rPr lang="th-TH" b="1" dirty="0">
-                <a:solidFill>
-                  <a:schemeClr val="bg1"/>
-                </a:solidFill>
-                <a:latin typeface="TH SarabunPSK" panose="020B0500040200020003" pitchFamily="34" charset="-34"/>
-                <a:cs typeface="TH SarabunPSK" panose="020B0500040200020003" pitchFamily="34" charset="-34"/>
-              </a:rPr>
-              <a:t>ต่อ</a:t>
-            </a:r>
-            <a:r>
-              <a:rPr lang="en-US" b="1" dirty="0">
-                <a:solidFill>
-                  <a:schemeClr val="bg1"/>
-                </a:solidFill>
-                <a:latin typeface="TH SarabunPSK" panose="020B0500040200020003" pitchFamily="34" charset="-34"/>
-                <a:cs typeface="TH SarabunPSK" panose="020B0500040200020003" pitchFamily="34" charset="-34"/>
-              </a:rPr>
-              <a:t>)</a:t>
-            </a:r>
-            <a:endParaRPr lang="th-TH" b="1" dirty="0">
-              <a:solidFill>
-                <a:schemeClr val="bg1"/>
-              </a:solidFill>
-              <a:latin typeface="TH SarabunPSK" panose="020B0500040200020003" pitchFamily="34" charset="-34"/>
-              <a:cs typeface="TH SarabunPSK" panose="020B0500040200020003" pitchFamily="34" charset="-34"/>
-            </a:endParaRPr>
-          </a:p>
-        </p:txBody>
-      </p:sp>
-      <p:sp>
-        <p:nvSpPr>
-          <p:cNvPr id="3" name="Content Placeholder 2">
-            <a:extLst>
-              <a:ext uri="{FF2B5EF4-FFF2-40B4-BE49-F238E27FC236}">
-                <a16:creationId xmlns:a16="http://schemas.microsoft.com/office/drawing/2014/main" id="{23E7C118-00F2-471D-BF9E-6DCF8E58FDD9}"/>
-              </a:ext>
-            </a:extLst>
-          </p:cNvPr>
-          <p:cNvSpPr>
-            <a:spLocks noGrp="1"/>
-          </p:cNvSpPr>
-          <p:nvPr>
-            <p:ph idx="1"/>
-          </p:nvPr>
-        </p:nvSpPr>
-        <p:spPr>
-          <a:xfrm>
-            <a:off x="2109787" y="1690687"/>
-            <a:ext cx="8791575" cy="4802187"/>
-          </a:xfrm>
-        </p:spPr>
-        <p:txBody>
-          <a:bodyPr>
-            <a:noAutofit/>
-          </a:bodyPr>
-          <a:lstStyle/>
-          <a:p>
-            <a:r>
-              <a:rPr lang="th-TH" sz="1800" b="1" dirty="0">
-                <a:solidFill>
-                  <a:schemeClr val="bg1"/>
-                </a:solidFill>
-                <a:latin typeface="TH SarabunPSK" panose="020B0500040200020003" pitchFamily="34" charset="-34"/>
-                <a:cs typeface="TH SarabunPSK" panose="020B0500040200020003" pitchFamily="34" charset="-34"/>
-              </a:rPr>
-              <a:t> 	            11) สามารถชำระเงินแก่ผู้ประกอบการร้านค้าด้วยการสแกน </a:t>
-            </a:r>
-            <a:r>
-              <a:rPr lang="en-US" sz="1800" b="1" dirty="0">
-                <a:solidFill>
-                  <a:schemeClr val="bg1"/>
-                </a:solidFill>
-                <a:latin typeface="TH SarabunPSK" panose="020B0500040200020003" pitchFamily="34" charset="-34"/>
-                <a:cs typeface="TH SarabunPSK" panose="020B0500040200020003" pitchFamily="34" charset="-34"/>
-              </a:rPr>
-              <a:t>QR Code</a:t>
-            </a:r>
-          </a:p>
-          <a:p>
-            <a:r>
-              <a:rPr lang="en-US" sz="1800" b="1" dirty="0">
-                <a:solidFill>
-                  <a:schemeClr val="bg1"/>
-                </a:solidFill>
-                <a:latin typeface="TH SarabunPSK" panose="020B0500040200020003" pitchFamily="34" charset="-34"/>
-                <a:cs typeface="TH SarabunPSK" panose="020B0500040200020003" pitchFamily="34" charset="-34"/>
-              </a:rPr>
-              <a:t>                          12) </a:t>
-            </a:r>
-            <a:r>
-              <a:rPr lang="th-TH" sz="1800" b="1" dirty="0">
-                <a:solidFill>
-                  <a:schemeClr val="bg1"/>
-                </a:solidFill>
-                <a:latin typeface="TH SarabunPSK" panose="020B0500040200020003" pitchFamily="34" charset="-34"/>
-                <a:cs typeface="TH SarabunPSK" panose="020B0500040200020003" pitchFamily="34" charset="-34"/>
-              </a:rPr>
-              <a:t>สามารถตรวจสอบสมุดบัญชีของตนเอง</a:t>
-            </a:r>
-          </a:p>
-          <a:p>
-            <a:r>
-              <a:rPr lang="th-TH" sz="1800" b="1" dirty="0">
-                <a:solidFill>
-                  <a:schemeClr val="bg1"/>
-                </a:solidFill>
-                <a:latin typeface="TH SarabunPSK" panose="020B0500040200020003" pitchFamily="34" charset="-34"/>
-                <a:cs typeface="TH SarabunPSK" panose="020B0500040200020003" pitchFamily="34" charset="-34"/>
-              </a:rPr>
-              <a:t>                          13) สามารถแจ้งถอนเงินของตนเอง</a:t>
-            </a:r>
-          </a:p>
-          <a:p>
-            <a:r>
-              <a:rPr lang="th-TH" sz="1800" b="1" dirty="0">
-                <a:solidFill>
-                  <a:schemeClr val="bg1"/>
-                </a:solidFill>
-                <a:latin typeface="TH SarabunPSK" panose="020B0500040200020003" pitchFamily="34" charset="-34"/>
-                <a:cs typeface="TH SarabunPSK" panose="020B0500040200020003" pitchFamily="34" charset="-34"/>
-              </a:rPr>
-              <a:t>                          14) สามารถแจ้งปัญหา</a:t>
-            </a:r>
-          </a:p>
-          <a:p>
-            <a:r>
-              <a:rPr lang="th-TH" sz="1800" b="1" dirty="0">
-                <a:solidFill>
-                  <a:schemeClr val="bg1"/>
-                </a:solidFill>
-                <a:latin typeface="TH SarabunPSK" panose="020B0500040200020003" pitchFamily="34" charset="-34"/>
-                <a:cs typeface="TH SarabunPSK" panose="020B0500040200020003" pitchFamily="34" charset="-34"/>
-              </a:rPr>
-              <a:t> 1.3.2.3 ผู้ประกอบการร้านค้า</a:t>
-            </a:r>
-          </a:p>
-          <a:p>
-            <a:r>
-              <a:rPr lang="th-TH" sz="1800" b="1" dirty="0">
-                <a:solidFill>
-                  <a:schemeClr val="bg1"/>
-                </a:solidFill>
-                <a:latin typeface="TH SarabunPSK" panose="020B0500040200020003" pitchFamily="34" charset="-34"/>
-                <a:cs typeface="TH SarabunPSK" panose="020B0500040200020003" pitchFamily="34" charset="-34"/>
-              </a:rPr>
-              <a:t>                          1) สามารถเข้าสู่ระบบ</a:t>
-            </a:r>
-          </a:p>
-          <a:p>
-            <a:r>
-              <a:rPr lang="th-TH" sz="1800" b="1" dirty="0">
-                <a:solidFill>
-                  <a:schemeClr val="bg1"/>
-                </a:solidFill>
-                <a:latin typeface="TH SarabunPSK" panose="020B0500040200020003" pitchFamily="34" charset="-34"/>
-                <a:cs typeface="TH SarabunPSK" panose="020B0500040200020003" pitchFamily="34" charset="-34"/>
-              </a:rPr>
-              <a:t>                           2) สามารถตรวจสอบสมุดบัญชีของตน</a:t>
-            </a:r>
-          </a:p>
-          <a:p>
-            <a:r>
-              <a:rPr lang="th-TH" sz="1800" b="1" dirty="0">
-                <a:solidFill>
-                  <a:schemeClr val="bg1"/>
-                </a:solidFill>
-                <a:latin typeface="TH SarabunPSK" panose="020B0500040200020003" pitchFamily="34" charset="-34"/>
-                <a:cs typeface="TH SarabunPSK" panose="020B0500040200020003" pitchFamily="34" charset="-34"/>
-              </a:rPr>
-              <a:t>                           3) สามารถแจ้งถอนเงินของตนเอง</a:t>
-            </a:r>
-          </a:p>
-          <a:p>
-            <a:r>
-              <a:rPr lang="th-TH" sz="1800" b="1" dirty="0">
-                <a:solidFill>
-                  <a:schemeClr val="bg1"/>
-                </a:solidFill>
-                <a:latin typeface="TH SarabunPSK" panose="020B0500040200020003" pitchFamily="34" charset="-34"/>
-                <a:cs typeface="TH SarabunPSK" panose="020B0500040200020003" pitchFamily="34" charset="-34"/>
-              </a:rPr>
-              <a:t>                           4) สามารถแจ้งปัญหา</a:t>
-            </a:r>
-          </a:p>
-        </p:txBody>
-      </p:sp>
-      <p:pic>
-        <p:nvPicPr>
-          <p:cNvPr id="4" name="Picture 3">
-            <a:extLst>
-              <a:ext uri="{FF2B5EF4-FFF2-40B4-BE49-F238E27FC236}">
-                <a16:creationId xmlns:a16="http://schemas.microsoft.com/office/drawing/2014/main" id="{90ADEC6B-FDB4-4129-AF06-7F9AAD11D107}"/>
-              </a:ext>
-            </a:extLst>
-          </p:cNvPr>
-          <p:cNvPicPr>
-            <a:picLocks noChangeAspect="1"/>
-          </p:cNvPicPr>
-          <p:nvPr/>
-        </p:nvPicPr>
-        <p:blipFill>
-          <a:blip r:embed="rId2">
-            <a:extLst>
-              <a:ext uri="{28A0092B-C50C-407E-A947-70E740481C1C}">
-                <a14:useLocalDpi xmlns:a14="http://schemas.microsoft.com/office/drawing/2010/main" val="0"/>
-              </a:ext>
-            </a:extLst>
-          </a:blip>
-          <a:stretch>
-            <a:fillRect/>
-          </a:stretch>
-        </p:blipFill>
-        <p:spPr>
-          <a:xfrm>
-            <a:off x="2109787" y="1438207"/>
-            <a:ext cx="7591425" cy="89831"/>
-          </a:xfrm>
-          <a:prstGeom prst="rect">
-            <a:avLst/>
-          </a:prstGeom>
-        </p:spPr>
-      </p:pic>
-    </p:spTree>
-    <p:extLst>
-      <p:ext uri="{BB962C8B-B14F-4D97-AF65-F5344CB8AC3E}">
-        <p14:creationId xmlns:p14="http://schemas.microsoft.com/office/powerpoint/2010/main" val="3397415581"/>
-      </p:ext>
-    </p:extLst>
-  </p:cSld>
-  <p:clrMapOvr>
-    <a:masterClrMapping/>
-  </p:clrMapOvr>
-  <mc:AlternateContent xmlns:mc="http://schemas.openxmlformats.org/markup-compatibility/2006" xmlns:p14="http://schemas.microsoft.com/office/powerpoint/2010/main">
-    <mc:Choice Requires="p14">
-      <p:transition spd="med" p14:dur="700">
-        <p:fade/>
-      </p:transition>
-    </mc:Choice>
-    <mc:Fallback xmlns="">
-      <p:transition spd="med">
-        <p:fade/>
-      </p:transition>
-    </mc:Fallback>
-  </mc:AlternateContent>
-</p:sld>
-</file>
-
-<file path=ppt/slides/slide17.xml><?xml version="1.0" encoding="utf-8"?>
-<p:sld xmlns:a="http://schemas.openxmlformats.org/drawingml/2006/main" xmlns:r="http://schemas.openxmlformats.org/officeDocument/2006/relationships" xmlns:p="http://schemas.openxmlformats.org/presentationml/2006/main">
-  <p:cSld>
-    <p:bg>
-      <p:bgPr>
-        <a:solidFill>
-          <a:srgbClr val="262626"/>
-        </a:solidFill>
-        <a:effectLst/>
-      </p:bgPr>
-    </p:bg>
-    <p:spTree>
-      <p:nvGrpSpPr>
-        <p:cNvPr id="1" name=""/>
-        <p:cNvGrpSpPr/>
-        <p:nvPr/>
-      </p:nvGrpSpPr>
-      <p:grpSpPr>
-        <a:xfrm>
-          <a:off x="0" y="0"/>
-          <a:ext cx="0" cy="0"/>
-          <a:chOff x="0" y="0"/>
-          <a:chExt cx="0" cy="0"/>
-        </a:xfrm>
-      </p:grpSpPr>
-      <p:sp>
-        <p:nvSpPr>
-          <p:cNvPr id="2" name="Title 1">
-            <a:extLst>
-              <a:ext uri="{FF2B5EF4-FFF2-40B4-BE49-F238E27FC236}">
-                <a16:creationId xmlns:a16="http://schemas.microsoft.com/office/drawing/2014/main" id="{36017D3D-0042-4BC6-92A9-9F4A35242BEC}"/>
-              </a:ext>
-            </a:extLst>
-          </p:cNvPr>
-          <p:cNvSpPr>
-            <a:spLocks noGrp="1"/>
-          </p:cNvSpPr>
-          <p:nvPr>
-            <p:ph type="title"/>
-          </p:nvPr>
-        </p:nvSpPr>
-        <p:spPr/>
-        <p:txBody>
-          <a:bodyPr/>
-          <a:lstStyle/>
-          <a:p>
-            <a:pPr algn="ctr"/>
-            <a:r>
-              <a:rPr lang="th-TH" b="1" dirty="0">
-                <a:solidFill>
-                  <a:schemeClr val="bg1"/>
-                </a:solidFill>
-                <a:latin typeface="TH SarabunPSK" panose="020B0500040200020003" pitchFamily="34" charset="-34"/>
-                <a:cs typeface="TH SarabunPSK" panose="020B0500040200020003" pitchFamily="34" charset="-34"/>
-              </a:rPr>
-              <a:t>ประโยชน์ที่คาดว่าจะได้รับ</a:t>
-            </a:r>
-          </a:p>
-        </p:txBody>
-      </p:sp>
-      <p:sp>
-        <p:nvSpPr>
-          <p:cNvPr id="3" name="Content Placeholder 2">
-            <a:extLst>
-              <a:ext uri="{FF2B5EF4-FFF2-40B4-BE49-F238E27FC236}">
-                <a16:creationId xmlns:a16="http://schemas.microsoft.com/office/drawing/2014/main" id="{23E7C118-00F2-471D-BF9E-6DCF8E58FDD9}"/>
-              </a:ext>
-            </a:extLst>
-          </p:cNvPr>
-          <p:cNvSpPr>
-            <a:spLocks noGrp="1"/>
-          </p:cNvSpPr>
-          <p:nvPr>
-            <p:ph idx="1"/>
-          </p:nvPr>
-        </p:nvSpPr>
-        <p:spPr>
-          <a:xfrm>
-            <a:off x="1809750" y="1703388"/>
-            <a:ext cx="8791575" cy="3451224"/>
-          </a:xfrm>
-        </p:spPr>
-        <p:txBody>
-          <a:bodyPr>
-            <a:noAutofit/>
-          </a:bodyPr>
-          <a:lstStyle/>
-          <a:p>
-            <a:pPr marL="0" indent="0">
-              <a:buNone/>
-            </a:pPr>
-            <a:r>
-              <a:rPr lang="th-TH" sz="1800" b="1" dirty="0">
-                <a:solidFill>
-                  <a:schemeClr val="bg1"/>
-                </a:solidFill>
-                <a:latin typeface="TH SarabunPSK" panose="020B0500040200020003" pitchFamily="34" charset="-34"/>
-                <a:cs typeface="TH SarabunPSK" panose="020B0500040200020003" pitchFamily="34" charset="-34"/>
-              </a:rPr>
-              <a:t>เพื่อลงทะเบียนการเข้าร่วมกิจกรรมด้วยด้วยเทคโนโลยี </a:t>
-            </a:r>
-            <a:r>
-              <a:rPr lang="en" sz="1800" b="1" dirty="0">
-                <a:solidFill>
-                  <a:schemeClr val="bg1"/>
-                </a:solidFill>
-                <a:latin typeface="TH SarabunPSK" panose="020B0500040200020003" pitchFamily="34" charset="-34"/>
-                <a:cs typeface="TH SarabunPSK" panose="020B0500040200020003" pitchFamily="34" charset="-34"/>
-              </a:rPr>
-              <a:t>QR Code </a:t>
-            </a:r>
-            <a:r>
-              <a:rPr lang="th-TH" sz="1800" b="1" dirty="0">
-                <a:solidFill>
-                  <a:schemeClr val="bg1"/>
-                </a:solidFill>
-                <a:latin typeface="TH SarabunPSK" panose="020B0500040200020003" pitchFamily="34" charset="-34"/>
-                <a:cs typeface="TH SarabunPSK" panose="020B0500040200020003" pitchFamily="34" charset="-34"/>
-              </a:rPr>
-              <a:t>และ </a:t>
-            </a:r>
-            <a:r>
-              <a:rPr lang="en" sz="1800" b="1" dirty="0">
-                <a:solidFill>
-                  <a:schemeClr val="bg1"/>
-                </a:solidFill>
-                <a:latin typeface="TH SarabunPSK" panose="020B0500040200020003" pitchFamily="34" charset="-34"/>
-                <a:cs typeface="TH SarabunPSK" panose="020B0500040200020003" pitchFamily="34" charset="-34"/>
-              </a:rPr>
-              <a:t>Location Base</a:t>
-            </a:r>
-          </a:p>
-          <a:p>
-            <a:pPr marL="0" indent="0">
-              <a:buNone/>
-            </a:pPr>
-            <a:r>
-              <a:rPr lang="th-TH" sz="1800" b="1" dirty="0">
-                <a:solidFill>
-                  <a:schemeClr val="bg1"/>
-                </a:solidFill>
-                <a:latin typeface="TH SarabunPSK" panose="020B0500040200020003" pitchFamily="34" charset="-34"/>
-                <a:cs typeface="TH SarabunPSK" panose="020B0500040200020003" pitchFamily="34" charset="-34"/>
-              </a:rPr>
-              <a:t>เพื่อชำระเงินแก่ผู้ประกอบการร้านค้าด้วยเทคโนโลยี </a:t>
-            </a:r>
-            <a:r>
-              <a:rPr lang="en" sz="1800" b="1" dirty="0">
-                <a:solidFill>
-                  <a:schemeClr val="bg1"/>
-                </a:solidFill>
-                <a:latin typeface="TH SarabunPSK" panose="020B0500040200020003" pitchFamily="34" charset="-34"/>
-                <a:cs typeface="TH SarabunPSK" panose="020B0500040200020003" pitchFamily="34" charset="-34"/>
-              </a:rPr>
-              <a:t>QR Code</a:t>
-            </a:r>
-          </a:p>
-          <a:p>
-            <a:pPr marL="0" indent="0">
-              <a:buNone/>
-            </a:pPr>
-            <a:r>
-              <a:rPr lang="th-TH" sz="1800" b="1" dirty="0">
-                <a:solidFill>
-                  <a:schemeClr val="bg1"/>
-                </a:solidFill>
-                <a:latin typeface="TH SarabunPSK" panose="020B0500040200020003" pitchFamily="34" charset="-34"/>
-                <a:cs typeface="TH SarabunPSK" panose="020B0500040200020003" pitchFamily="34" charset="-34"/>
-              </a:rPr>
-              <a:t>เพื่อสามารถตรวจสอบกิจกรรมของนักศึกษาบนแอ</a:t>
-            </a:r>
-            <a:r>
-              <a:rPr lang="th-TH" sz="1800" b="1" dirty="0" err="1">
-                <a:solidFill>
-                  <a:schemeClr val="bg1"/>
-                </a:solidFill>
-                <a:latin typeface="TH SarabunPSK" panose="020B0500040200020003" pitchFamily="34" charset="-34"/>
-                <a:cs typeface="TH SarabunPSK" panose="020B0500040200020003" pitchFamily="34" charset="-34"/>
-              </a:rPr>
-              <a:t>ป</a:t>
-            </a:r>
-            <a:r>
-              <a:rPr lang="th-TH" sz="1800" b="1" dirty="0">
-                <a:solidFill>
-                  <a:schemeClr val="bg1"/>
-                </a:solidFill>
-                <a:latin typeface="TH SarabunPSK" panose="020B0500040200020003" pitchFamily="34" charset="-34"/>
-                <a:cs typeface="TH SarabunPSK" panose="020B0500040200020003" pitchFamily="34" charset="-34"/>
-              </a:rPr>
-              <a:t>พลิ</a:t>
-            </a:r>
-            <a:r>
-              <a:rPr lang="th-TH" sz="1800" b="1" dirty="0" err="1">
-                <a:solidFill>
-                  <a:schemeClr val="bg1"/>
-                </a:solidFill>
-                <a:latin typeface="TH SarabunPSK" panose="020B0500040200020003" pitchFamily="34" charset="-34"/>
-                <a:cs typeface="TH SarabunPSK" panose="020B0500040200020003" pitchFamily="34" charset="-34"/>
-              </a:rPr>
-              <a:t>เค</a:t>
-            </a:r>
-            <a:r>
-              <a:rPr lang="th-TH" sz="1800" b="1" dirty="0">
-                <a:solidFill>
-                  <a:schemeClr val="bg1"/>
-                </a:solidFill>
-                <a:latin typeface="TH SarabunPSK" panose="020B0500040200020003" pitchFamily="34" charset="-34"/>
-                <a:cs typeface="TH SarabunPSK" panose="020B0500040200020003" pitchFamily="34" charset="-34"/>
-              </a:rPr>
-              <a:t>ชันแทนการใช้สมุดกิจกรรม</a:t>
-            </a:r>
-          </a:p>
-        </p:txBody>
-      </p:sp>
-      <p:pic>
-        <p:nvPicPr>
-          <p:cNvPr id="4" name="Picture 3">
-            <a:extLst>
-              <a:ext uri="{FF2B5EF4-FFF2-40B4-BE49-F238E27FC236}">
-                <a16:creationId xmlns:a16="http://schemas.microsoft.com/office/drawing/2014/main" id="{90ADEC6B-FDB4-4129-AF06-7F9AAD11D107}"/>
-              </a:ext>
-            </a:extLst>
-          </p:cNvPr>
-          <p:cNvPicPr>
-            <a:picLocks noChangeAspect="1"/>
-          </p:cNvPicPr>
-          <p:nvPr/>
-        </p:nvPicPr>
-        <p:blipFill>
-          <a:blip r:embed="rId2">
-            <a:extLst>
-              <a:ext uri="{28A0092B-C50C-407E-A947-70E740481C1C}">
-                <a14:useLocalDpi xmlns:a14="http://schemas.microsoft.com/office/drawing/2010/main" val="0"/>
-              </a:ext>
-            </a:extLst>
-          </a:blip>
-          <a:stretch>
-            <a:fillRect/>
-          </a:stretch>
-        </p:blipFill>
-        <p:spPr>
-          <a:xfrm>
-            <a:off x="2109787" y="1438207"/>
-            <a:ext cx="7591425" cy="89831"/>
-          </a:xfrm>
-          <a:prstGeom prst="rect">
-            <a:avLst/>
-          </a:prstGeom>
-        </p:spPr>
-      </p:pic>
-    </p:spTree>
-    <p:extLst>
-      <p:ext uri="{BB962C8B-B14F-4D97-AF65-F5344CB8AC3E}">
-        <p14:creationId xmlns:p14="http://schemas.microsoft.com/office/powerpoint/2010/main" val="3771220552"/>
-      </p:ext>
-    </p:extLst>
-  </p:cSld>
-  <p:clrMapOvr>
-    <a:masterClrMapping/>
-  </p:clrMapOvr>
-  <mc:AlternateContent xmlns:mc="http://schemas.openxmlformats.org/markup-compatibility/2006" xmlns:p14="http://schemas.microsoft.com/office/powerpoint/2010/main">
-    <mc:Choice Requires="p14">
-      <p:transition spd="med" p14:dur="700">
-        <p:fade/>
-      </p:transition>
-    </mc:Choice>
-    <mc:Fallback xmlns="">
-      <p:transition spd="med">
-        <p:fade/>
-      </p:transition>
-    </mc:Fallback>
-  </mc:AlternateContent>
-</p:sld>
-</file>
-
-<file path=ppt/slides/slide18.xml><?xml version="1.0" encoding="utf-8"?>
-<p:sld xmlns:a="http://schemas.openxmlformats.org/drawingml/2006/main" xmlns:r="http://schemas.openxmlformats.org/officeDocument/2006/relationships" xmlns:p="http://schemas.openxmlformats.org/presentationml/2006/main">
-  <p:cSld>
-    <p:bg>
-      <p:bgPr>
-        <a:solidFill>
-          <a:srgbClr val="262626"/>
-        </a:solidFill>
-        <a:effectLst/>
-      </p:bgPr>
-    </p:bg>
-    <p:spTree>
-      <p:nvGrpSpPr>
-        <p:cNvPr id="1" name=""/>
-        <p:cNvGrpSpPr/>
-        <p:nvPr/>
-      </p:nvGrpSpPr>
-      <p:grpSpPr>
-        <a:xfrm>
-          <a:off x="0" y="0"/>
-          <a:ext cx="0" cy="0"/>
-          <a:chOff x="0" y="0"/>
-          <a:chExt cx="0" cy="0"/>
-        </a:xfrm>
-      </p:grpSpPr>
-      <p:sp>
-        <p:nvSpPr>
-          <p:cNvPr id="2" name="Title 1">
-            <a:extLst>
-              <a:ext uri="{FF2B5EF4-FFF2-40B4-BE49-F238E27FC236}">
-                <a16:creationId xmlns:a16="http://schemas.microsoft.com/office/drawing/2014/main" id="{36017D3D-0042-4BC6-92A9-9F4A35242BEC}"/>
-              </a:ext>
-            </a:extLst>
-          </p:cNvPr>
-          <p:cNvSpPr>
-            <a:spLocks noGrp="1"/>
-          </p:cNvSpPr>
-          <p:nvPr>
-            <p:ph type="title"/>
-          </p:nvPr>
-        </p:nvSpPr>
-        <p:spPr/>
-        <p:txBody>
-          <a:bodyPr/>
-          <a:lstStyle/>
-          <a:p>
-            <a:pPr algn="ctr"/>
-            <a:r>
-              <a:rPr lang="th-TH" b="1" dirty="0">
-                <a:solidFill>
-                  <a:schemeClr val="bg1"/>
-                </a:solidFill>
-                <a:latin typeface="TH SarabunPSK" panose="020B0500040200020003" pitchFamily="34" charset="-34"/>
-                <a:cs typeface="TH SarabunPSK" panose="020B0500040200020003" pitchFamily="34" charset="-34"/>
-              </a:rPr>
               <a:t>เครื่องมือที่ใช้</a:t>
             </a:r>
           </a:p>
@@ -7215,7 +6256,7 @@
 </p:sld>
 </file>
 
-<file path=ppt/slides/slide19.xml><?xml version="1.0" encoding="utf-8"?>
+<file path=ppt/slides/slide16.xml><?xml version="1.0" encoding="utf-8"?>
 <p:sld xmlns:a="http://schemas.openxmlformats.org/drawingml/2006/main" xmlns:r="http://schemas.openxmlformats.org/officeDocument/2006/relationships" xmlns:p="http://schemas.openxmlformats.org/presentationml/2006/main">
   <p:cSld>
     <p:bg>
@@ -13263,7 +12304,7 @@
 </p:sld>
 </file>
 
-<file path=ppt/slides/slide2.xml><?xml version="1.0" encoding="utf-8"?>
+<file path=ppt/slides/slide17.xml><?xml version="1.0" encoding="utf-8"?>
 <p:sld xmlns:a="http://schemas.openxmlformats.org/drawingml/2006/main" xmlns:r="http://schemas.openxmlformats.org/officeDocument/2006/relationships" xmlns:p="http://schemas.openxmlformats.org/presentationml/2006/main">
   <p:cSld>
     <p:bg>
@@ -13296,304 +12337,6 @@
           <p:cNvPr id="2" name="Title 1">
             <a:extLst>
               <a:ext uri="{FF2B5EF4-FFF2-40B4-BE49-F238E27FC236}">
-                <a16:creationId xmlns:a16="http://schemas.microsoft.com/office/drawing/2014/main" id="{0E2F7D6E-1AC9-4ED3-9833-B2C57A9E3257}"/>
-              </a:ext>
-            </a:extLst>
-          </p:cNvPr>
-          <p:cNvSpPr>
-            <a:spLocks noGrp="1"/>
-          </p:cNvSpPr>
-          <p:nvPr>
-            <p:ph type="ctrTitle"/>
-          </p:nvPr>
-        </p:nvSpPr>
-        <p:spPr>
-          <a:xfrm>
-            <a:off x="1524000" y="899319"/>
-            <a:ext cx="9144000" cy="2387600"/>
-          </a:xfrm>
-        </p:spPr>
-        <p:txBody>
-          <a:bodyPr>
-            <a:normAutofit/>
-          </a:bodyPr>
-          <a:lstStyle/>
-          <a:p>
-            <a:r>
-              <a:rPr lang="th-TH" sz="4400" b="1" dirty="0">
-                <a:solidFill>
-                  <a:schemeClr val="bg1"/>
-                </a:solidFill>
-                <a:latin typeface="TH SarabunPSK" panose="020B0500040200020003" pitchFamily="34" charset="-34"/>
-                <a:cs typeface="TH SarabunPSK" panose="020B0500040200020003" pitchFamily="34" charset="-34"/>
-              </a:rPr>
-              <a:t>บทที่ 1 บทนำ</a:t>
-            </a:r>
-          </a:p>
-        </p:txBody>
-      </p:sp>
-      <p:pic>
-        <p:nvPicPr>
-          <p:cNvPr id="19" name="Picture 18">
-            <a:extLst>
-              <a:ext uri="{FF2B5EF4-FFF2-40B4-BE49-F238E27FC236}">
-                <a16:creationId xmlns:a16="http://schemas.microsoft.com/office/drawing/2014/main" id="{5DCA531B-967C-42B3-831F-58979AA524C1}"/>
-              </a:ext>
-            </a:extLst>
-          </p:cNvPr>
-          <p:cNvPicPr>
-            <a:picLocks noChangeAspect="1"/>
-          </p:cNvPicPr>
-          <p:nvPr/>
-        </p:nvPicPr>
-        <p:blipFill>
-          <a:blip r:embed="rId2">
-            <a:extLst>
-              <a:ext uri="{28A0092B-C50C-407E-A947-70E740481C1C}">
-                <a14:useLocalDpi xmlns:a14="http://schemas.microsoft.com/office/drawing/2010/main" val="0"/>
-              </a:ext>
-            </a:extLst>
-          </a:blip>
-          <a:stretch>
-            <a:fillRect/>
-          </a:stretch>
-        </p:blipFill>
-        <p:spPr>
-          <a:xfrm>
-            <a:off x="2205037" y="3143182"/>
-            <a:ext cx="7591425" cy="89831"/>
-          </a:xfrm>
-          <a:prstGeom prst="rect">
-            <a:avLst/>
-          </a:prstGeom>
-        </p:spPr>
-      </p:pic>
-      <p:pic>
-        <p:nvPicPr>
-          <p:cNvPr id="5" name="Picture 4">
-            <a:extLst>
-              <a:ext uri="{FF2B5EF4-FFF2-40B4-BE49-F238E27FC236}">
-                <a16:creationId xmlns:a16="http://schemas.microsoft.com/office/drawing/2014/main" id="{92C6D831-4416-4DEB-A606-A915DE072ADA}"/>
-              </a:ext>
-            </a:extLst>
-          </p:cNvPr>
-          <p:cNvPicPr>
-            <a:picLocks noChangeAspect="1"/>
-          </p:cNvPicPr>
-          <p:nvPr/>
-        </p:nvPicPr>
-        <p:blipFill>
-          <a:blip r:embed="rId3">
-            <a:extLst>
-              <a:ext uri="{28A0092B-C50C-407E-A947-70E740481C1C}">
-                <a14:useLocalDpi xmlns:a14="http://schemas.microsoft.com/office/drawing/2010/main" val="0"/>
-              </a:ext>
-            </a:extLst>
-          </a:blip>
-          <a:stretch>
-            <a:fillRect/>
-          </a:stretch>
-        </p:blipFill>
-        <p:spPr>
-          <a:xfrm>
-            <a:off x="3701082" y="3571082"/>
-            <a:ext cx="762764" cy="762764"/>
-          </a:xfrm>
-          <a:prstGeom prst="rect">
-            <a:avLst/>
-          </a:prstGeom>
-        </p:spPr>
-      </p:pic>
-      <p:pic>
-        <p:nvPicPr>
-          <p:cNvPr id="7" name="Picture 6">
-            <a:extLst>
-              <a:ext uri="{FF2B5EF4-FFF2-40B4-BE49-F238E27FC236}">
-                <a16:creationId xmlns:a16="http://schemas.microsoft.com/office/drawing/2014/main" id="{DD6A1119-A7DD-4C2C-92DD-9962B6823003}"/>
-              </a:ext>
-            </a:extLst>
-          </p:cNvPr>
-          <p:cNvPicPr>
-            <a:picLocks noChangeAspect="1"/>
-          </p:cNvPicPr>
-          <p:nvPr/>
-        </p:nvPicPr>
-        <p:blipFill>
-          <a:blip r:embed="rId4">
-            <a:extLst>
-              <a:ext uri="{28A0092B-C50C-407E-A947-70E740481C1C}">
-                <a14:useLocalDpi xmlns:a14="http://schemas.microsoft.com/office/drawing/2010/main" val="0"/>
-              </a:ext>
-            </a:extLst>
-          </a:blip>
-          <a:stretch>
-            <a:fillRect/>
-          </a:stretch>
-        </p:blipFill>
-        <p:spPr>
-          <a:xfrm>
-            <a:off x="4660682" y="3571082"/>
-            <a:ext cx="762764" cy="762764"/>
-          </a:xfrm>
-          <a:prstGeom prst="rect">
-            <a:avLst/>
-          </a:prstGeom>
-        </p:spPr>
-      </p:pic>
-      <p:pic>
-        <p:nvPicPr>
-          <p:cNvPr id="9" name="Picture 8">
-            <a:extLst>
-              <a:ext uri="{FF2B5EF4-FFF2-40B4-BE49-F238E27FC236}">
-                <a16:creationId xmlns:a16="http://schemas.microsoft.com/office/drawing/2014/main" id="{3D4CC8F2-5B8A-4D5D-8AEF-122B33B871C2}"/>
-              </a:ext>
-            </a:extLst>
-          </p:cNvPr>
-          <p:cNvPicPr>
-            <a:picLocks noChangeAspect="1"/>
-          </p:cNvPicPr>
-          <p:nvPr/>
-        </p:nvPicPr>
-        <p:blipFill>
-          <a:blip r:embed="rId5">
-            <a:extLst>
-              <a:ext uri="{28A0092B-C50C-407E-A947-70E740481C1C}">
-                <a14:useLocalDpi xmlns:a14="http://schemas.microsoft.com/office/drawing/2010/main" val="0"/>
-              </a:ext>
-            </a:extLst>
-          </a:blip>
-          <a:stretch>
-            <a:fillRect/>
-          </a:stretch>
-        </p:blipFill>
-        <p:spPr>
-          <a:xfrm>
-            <a:off x="5613950" y="3571082"/>
-            <a:ext cx="762764" cy="762764"/>
-          </a:xfrm>
-          <a:prstGeom prst="rect">
-            <a:avLst/>
-          </a:prstGeom>
-        </p:spPr>
-      </p:pic>
-      <p:pic>
-        <p:nvPicPr>
-          <p:cNvPr id="11" name="Picture 10">
-            <a:extLst>
-              <a:ext uri="{FF2B5EF4-FFF2-40B4-BE49-F238E27FC236}">
-                <a16:creationId xmlns:a16="http://schemas.microsoft.com/office/drawing/2014/main" id="{92652842-6317-44FB-88A5-04190BB96778}"/>
-              </a:ext>
-            </a:extLst>
-          </p:cNvPr>
-          <p:cNvPicPr>
-            <a:picLocks noChangeAspect="1"/>
-          </p:cNvPicPr>
-          <p:nvPr/>
-        </p:nvPicPr>
-        <p:blipFill>
-          <a:blip r:embed="rId6">
-            <a:extLst>
-              <a:ext uri="{28A0092B-C50C-407E-A947-70E740481C1C}">
-                <a14:useLocalDpi xmlns:a14="http://schemas.microsoft.com/office/drawing/2010/main" val="0"/>
-              </a:ext>
-            </a:extLst>
-          </a:blip>
-          <a:stretch>
-            <a:fillRect/>
-          </a:stretch>
-        </p:blipFill>
-        <p:spPr>
-          <a:xfrm>
-            <a:off x="6567218" y="3571082"/>
-            <a:ext cx="760502" cy="760502"/>
-          </a:xfrm>
-          <a:prstGeom prst="rect">
-            <a:avLst/>
-          </a:prstGeom>
-        </p:spPr>
-      </p:pic>
-      <p:pic>
-        <p:nvPicPr>
-          <p:cNvPr id="14" name="Picture 13">
-            <a:extLst>
-              <a:ext uri="{FF2B5EF4-FFF2-40B4-BE49-F238E27FC236}">
-                <a16:creationId xmlns:a16="http://schemas.microsoft.com/office/drawing/2014/main" id="{81667B42-1B7B-4AF9-BA6F-8AC8487746E4}"/>
-              </a:ext>
-            </a:extLst>
-          </p:cNvPr>
-          <p:cNvPicPr>
-            <a:picLocks noChangeAspect="1"/>
-          </p:cNvPicPr>
-          <p:nvPr/>
-        </p:nvPicPr>
-        <p:blipFill>
-          <a:blip r:embed="rId7">
-            <a:extLst>
-              <a:ext uri="{28A0092B-C50C-407E-A947-70E740481C1C}">
-                <a14:useLocalDpi xmlns:a14="http://schemas.microsoft.com/office/drawing/2010/main" val="0"/>
-              </a:ext>
-            </a:extLst>
-          </a:blip>
-          <a:stretch>
-            <a:fillRect/>
-          </a:stretch>
-        </p:blipFill>
-        <p:spPr>
-          <a:xfrm>
-            <a:off x="7518224" y="3571082"/>
-            <a:ext cx="760502" cy="760502"/>
-          </a:xfrm>
-          <a:prstGeom prst="rect">
-            <a:avLst/>
-          </a:prstGeom>
-        </p:spPr>
-      </p:pic>
-    </p:spTree>
-    <p:extLst>
-      <p:ext uri="{BB962C8B-B14F-4D97-AF65-F5344CB8AC3E}">
-        <p14:creationId xmlns:p14="http://schemas.microsoft.com/office/powerpoint/2010/main" val="1618839286"/>
-      </p:ext>
-    </p:extLst>
-  </p:cSld>
-  <p:clrMapOvr>
-    <a:masterClrMapping/>
-  </p:clrMapOvr>
-</p:sld>
-</file>
-
-<file path=ppt/slides/slide3.xml><?xml version="1.0" encoding="utf-8"?>
-<p:sld xmlns:a="http://schemas.openxmlformats.org/drawingml/2006/main" xmlns:r="http://schemas.openxmlformats.org/officeDocument/2006/relationships" xmlns:p="http://schemas.openxmlformats.org/presentationml/2006/main">
-  <p:cSld>
-    <p:bg>
-      <p:bgPr>
-        <a:solidFill>
-          <a:schemeClr val="tx1">
-            <a:lumMod val="85000"/>
-            <a:lumOff val="15000"/>
-          </a:schemeClr>
-        </a:solidFill>
-        <a:effectLst/>
-      </p:bgPr>
-    </p:bg>
-    <p:spTree>
-      <p:nvGrpSpPr>
-        <p:cNvPr id="1" name=""/>
-        <p:cNvGrpSpPr/>
-        <p:nvPr/>
-      </p:nvGrpSpPr>
-      <p:grpSpPr>
-        <a:xfrm>
-          <a:off x="0" y="0"/>
-          <a:ext cx="0" cy="0"/>
-          <a:chOff x="0" y="0"/>
-          <a:chExt cx="0" cy="0"/>
-        </a:xfrm>
-      </p:grpSpPr>
-      <p:sp>
-        <p:nvSpPr>
-          <p:cNvPr id="2" name="Title 1">
-            <a:extLst>
-              <a:ext uri="{FF2B5EF4-FFF2-40B4-BE49-F238E27FC236}">
                 <a16:creationId xmlns:a16="http://schemas.microsoft.com/office/drawing/2014/main" id="{36017D3D-0042-4BC6-92A9-9F4A35242BEC}"/>
               </a:ext>
             </a:extLst>
@@ -13605,7 +12348,12 @@
             <p:ph type="title"/>
           </p:nvPr>
         </p:nvSpPr>
-        <p:spPr/>
+        <p:spPr>
+          <a:xfrm>
+            <a:off x="838200" y="480885"/>
+            <a:ext cx="10515600" cy="1325563"/>
+          </a:xfrm>
+        </p:spPr>
         <p:txBody>
           <a:bodyPr/>
           <a:lstStyle/>
@@ -13619,92 +12367,8 @@
                 <a:latin typeface="TH SarabunPSK" panose="020B0500040200020003" pitchFamily="34" charset="-34"/>
                 <a:cs typeface="TH SarabunPSK" panose="020B0500040200020003" pitchFamily="34" charset="-34"/>
               </a:rPr>
-              <a:t>บทที่ 1 บทนำ</a:t>
-            </a:r>
-          </a:p>
-        </p:txBody>
-      </p:sp>
-      <p:sp>
-        <p:nvSpPr>
-          <p:cNvPr id="3" name="Content Placeholder 2">
-            <a:extLst>
-              <a:ext uri="{FF2B5EF4-FFF2-40B4-BE49-F238E27FC236}">
-                <a16:creationId xmlns:a16="http://schemas.microsoft.com/office/drawing/2014/main" id="{23E7C118-00F2-471D-BF9E-6DCF8E58FDD9}"/>
-              </a:ext>
-            </a:extLst>
-          </p:cNvPr>
-          <p:cNvSpPr>
-            <a:spLocks noGrp="1"/>
-          </p:cNvSpPr>
-          <p:nvPr>
-            <p:ph idx="1"/>
-          </p:nvPr>
-        </p:nvSpPr>
-        <p:spPr>
-          <a:xfrm>
-            <a:off x="1771650" y="1690688"/>
-            <a:ext cx="8791575" cy="2628929"/>
-          </a:xfrm>
-        </p:spPr>
-        <p:txBody>
-          <a:bodyPr>
-            <a:normAutofit fontScale="55000" lnSpcReduction="20000"/>
-          </a:bodyPr>
-          <a:lstStyle/>
-          <a:p>
-            <a:pPr marL="0" indent="0" algn="thaiDist">
-              <a:lnSpc>
-                <a:spcPct val="120000"/>
-              </a:lnSpc>
-              <a:buNone/>
-            </a:pPr>
-            <a:r>
-              <a:rPr lang="th-TH" b="1" dirty="0">
-                <a:solidFill>
-                  <a:schemeClr val="bg1"/>
-                </a:solidFill>
-                <a:latin typeface="TH SarabunPSK" panose="020B0500040200020003" pitchFamily="34" charset="-34"/>
-                <a:cs typeface="TH SarabunPSK" panose="020B0500040200020003" pitchFamily="34" charset="-34"/>
-              </a:rPr>
-              <a:t> 	</a:t>
-            </a:r>
-            <a:r>
-              <a:rPr lang="th-TH" sz="3800" b="1" dirty="0">
-                <a:solidFill>
-                  <a:schemeClr val="bg1"/>
-                </a:solidFill>
-                <a:latin typeface="TH SarabunPSK" panose="020B0500040200020003" pitchFamily="34" charset="-34"/>
-                <a:cs typeface="TH SarabunPSK" panose="020B0500040200020003" pitchFamily="34" charset="-34"/>
-              </a:rPr>
-              <a:t> มหาวิทยาลัยเทคโนโลยีราชมงคลตะวันออก เน้นการจัดการศึกษาเพื่อให้บัณฑิตมีคุณลักษณะที่มีทักษะด้านช่าง อุตสาหกรรม การก่อสร้าง เทคโนโลยีสารสนเทศ วิศวกรรมศาสตร์ สถาปัตยกรรม การเกษตร การบริหารจัดการ และทักษะด้านธุรกิจ สามารถปฏิบัติงานได้จริง มีความคิดสร้างสรรค์ที่ทำให้สามารถประกอบอาชีพได้หลายอาชีพ โดยมีคณะในมหาวิทยาลัยที่เปิดสอนทั้งหมด 10 คณะ และประกอบด้วย 4 วิทยาเขต คือ วิทยาเขตบางพระ จังหวัดชลบุรี วิทยาเขตจักรพง</a:t>
-            </a:r>
-            <a:r>
-              <a:rPr lang="th-TH" sz="3800" b="1" dirty="0" err="1">
-                <a:solidFill>
-                  <a:schemeClr val="bg1"/>
-                </a:solidFill>
-                <a:latin typeface="TH SarabunPSK" panose="020B0500040200020003" pitchFamily="34" charset="-34"/>
-                <a:cs typeface="TH SarabunPSK" panose="020B0500040200020003" pitchFamily="34" charset="-34"/>
-              </a:rPr>
-              <a:t>ษภู</a:t>
-            </a:r>
-            <a:r>
-              <a:rPr lang="th-TH" sz="3800" b="1" dirty="0">
-                <a:solidFill>
-                  <a:schemeClr val="bg1"/>
-                </a:solidFill>
-                <a:latin typeface="TH SarabunPSK" panose="020B0500040200020003" pitchFamily="34" charset="-34"/>
-                <a:cs typeface="TH SarabunPSK" panose="020B0500040200020003" pitchFamily="34" charset="-34"/>
-              </a:rPr>
-              <a:t>วนารถ จังหวัดกรุงเทพมหานคร วิทยาเขตอุเทนถวาย จังหวัดกรุงเทพมหานคร วิทยาเขตจันทบุรี จังหวัดจันทบุรี ซึ่งแต่ละวิทยาเขตจะมีคณะที่เปิดสอนนักศึกษาที่แตกต่างกันออกไป </a:t>
-            </a:r>
-            <a:endParaRPr lang="th-TH" b="1" dirty="0">
-              <a:solidFill>
-                <a:schemeClr val="bg1"/>
-              </a:solidFill>
-              <a:latin typeface="TH SarabunPSK" panose="020B0500040200020003" pitchFamily="34" charset="-34"/>
-              <a:cs typeface="TH SarabunPSK" panose="020B0500040200020003" pitchFamily="34" charset="-34"/>
-            </a:endParaRPr>
+              <a:t>หลักการทำงานส่วนกิจกรรมเดิม</a:t>
+            </a:r>
           </a:p>
         </p:txBody>
       </p:sp>
@@ -13746,10 +12410,10 @@
       </p:pic>
       <p:pic>
         <p:nvPicPr>
-          <p:cNvPr id="8" name="Picture 7">
+          <p:cNvPr id="12" name="Picture 11">
             <a:extLst>
               <a:ext uri="{FF2B5EF4-FFF2-40B4-BE49-F238E27FC236}">
-                <a16:creationId xmlns:a16="http://schemas.microsoft.com/office/drawing/2014/main" id="{48014E51-C07C-4656-907C-BABE7E659126}"/>
+                <a16:creationId xmlns:a16="http://schemas.microsoft.com/office/drawing/2014/main" id="{88B7B8B7-5E32-4DF3-AD28-872AB3F15BFB}"/>
               </a:ext>
             </a:extLst>
           </p:cNvPr>
@@ -13772,8 +12436,490 @@
         </p:blipFill>
         <p:spPr>
           <a:xfrm>
-            <a:off x="3862978" y="3869462"/>
-            <a:ext cx="4466044" cy="2459955"/>
+            <a:off x="2347491" y="2544396"/>
+            <a:ext cx="1033573" cy="1033573"/>
+          </a:xfrm>
+          <a:prstGeom prst="rect">
+            <a:avLst/>
+          </a:prstGeom>
+        </p:spPr>
+      </p:pic>
+      <p:pic>
+        <p:nvPicPr>
+          <p:cNvPr id="15" name="Picture 14">
+            <a:extLst>
+              <a:ext uri="{FF2B5EF4-FFF2-40B4-BE49-F238E27FC236}">
+                <a16:creationId xmlns:a16="http://schemas.microsoft.com/office/drawing/2014/main" id="{02B0CBF5-C938-4951-8E62-F073631828E9}"/>
+              </a:ext>
+            </a:extLst>
+          </p:cNvPr>
+          <p:cNvPicPr>
+            <a:picLocks noChangeAspect="1"/>
+          </p:cNvPicPr>
+          <p:nvPr/>
+        </p:nvPicPr>
+        <p:blipFill>
+          <a:blip r:embed="rId4">
+            <a:extLst>
+              <a:ext uri="{28A0092B-C50C-407E-A947-70E740481C1C}">
+                <a14:useLocalDpi xmlns:a14="http://schemas.microsoft.com/office/drawing/2010/main" val="0"/>
+              </a:ext>
+            </a:extLst>
+          </a:blip>
+          <a:stretch>
+            <a:fillRect/>
+          </a:stretch>
+        </p:blipFill>
+        <p:spPr>
+          <a:xfrm>
+            <a:off x="5785222" y="2606521"/>
+            <a:ext cx="906779" cy="909322"/>
+          </a:xfrm>
+          <a:prstGeom prst="rect">
+            <a:avLst/>
+          </a:prstGeom>
+        </p:spPr>
+      </p:pic>
+      <p:pic>
+        <p:nvPicPr>
+          <p:cNvPr id="5" name="Picture 4">
+            <a:extLst>
+              <a:ext uri="{FF2B5EF4-FFF2-40B4-BE49-F238E27FC236}">
+                <a16:creationId xmlns:a16="http://schemas.microsoft.com/office/drawing/2014/main" id="{21D0DFBB-3120-4EE7-8C93-1E2220F4B816}"/>
+              </a:ext>
+            </a:extLst>
+          </p:cNvPr>
+          <p:cNvPicPr>
+            <a:picLocks noChangeAspect="1"/>
+          </p:cNvPicPr>
+          <p:nvPr/>
+        </p:nvPicPr>
+        <p:blipFill>
+          <a:blip r:embed="rId5">
+            <a:extLst>
+              <a:ext uri="{28A0092B-C50C-407E-A947-70E740481C1C}">
+                <a14:useLocalDpi xmlns:a14="http://schemas.microsoft.com/office/drawing/2010/main" val="0"/>
+              </a:ext>
+            </a:extLst>
+          </a:blip>
+          <a:stretch>
+            <a:fillRect/>
+          </a:stretch>
+        </p:blipFill>
+        <p:spPr>
+          <a:xfrm>
+            <a:off x="3959604" y="4287474"/>
+            <a:ext cx="973996" cy="973996"/>
+          </a:xfrm>
+          <a:prstGeom prst="rect">
+            <a:avLst/>
+          </a:prstGeom>
+        </p:spPr>
+      </p:pic>
+      <p:pic>
+        <p:nvPicPr>
+          <p:cNvPr id="7" name="Picture 6">
+            <a:extLst>
+              <a:ext uri="{FF2B5EF4-FFF2-40B4-BE49-F238E27FC236}">
+                <a16:creationId xmlns:a16="http://schemas.microsoft.com/office/drawing/2014/main" id="{9013D2D4-6BBF-4830-A41A-22E954AD0B6B}"/>
+              </a:ext>
+            </a:extLst>
+          </p:cNvPr>
+          <p:cNvPicPr>
+            <a:picLocks noChangeAspect="1"/>
+          </p:cNvPicPr>
+          <p:nvPr/>
+        </p:nvPicPr>
+        <p:blipFill>
+          <a:blip r:embed="rId6">
+            <a:extLst>
+              <a:ext uri="{28A0092B-C50C-407E-A947-70E740481C1C}">
+                <a14:useLocalDpi xmlns:a14="http://schemas.microsoft.com/office/drawing/2010/main" val="0"/>
+              </a:ext>
+            </a:extLst>
+          </a:blip>
+          <a:stretch>
+            <a:fillRect/>
+          </a:stretch>
+        </p:blipFill>
+        <p:spPr>
+          <a:xfrm>
+            <a:off x="7419297" y="2465187"/>
+            <a:ext cx="486553" cy="486553"/>
+          </a:xfrm>
+          <a:prstGeom prst="rect">
+            <a:avLst/>
+          </a:prstGeom>
+        </p:spPr>
+      </p:pic>
+      <p:pic>
+        <p:nvPicPr>
+          <p:cNvPr id="24" name="Picture 23">
+            <a:extLst>
+              <a:ext uri="{FF2B5EF4-FFF2-40B4-BE49-F238E27FC236}">
+                <a16:creationId xmlns:a16="http://schemas.microsoft.com/office/drawing/2014/main" id="{A64A57EE-8DC3-476D-B7F9-571C1A9F4451}"/>
+              </a:ext>
+            </a:extLst>
+          </p:cNvPr>
+          <p:cNvPicPr>
+            <a:picLocks noChangeAspect="1"/>
+          </p:cNvPicPr>
+          <p:nvPr/>
+        </p:nvPicPr>
+        <p:blipFill>
+          <a:blip r:embed="rId3">
+            <a:extLst>
+              <a:ext uri="{28A0092B-C50C-407E-A947-70E740481C1C}">
+                <a14:useLocalDpi xmlns:a14="http://schemas.microsoft.com/office/drawing/2010/main" val="0"/>
+              </a:ext>
+            </a:extLst>
+          </a:blip>
+          <a:stretch>
+            <a:fillRect/>
+          </a:stretch>
+        </p:blipFill>
+        <p:spPr>
+          <a:xfrm>
+            <a:off x="9844509" y="2606521"/>
+            <a:ext cx="1033573" cy="1033573"/>
+          </a:xfrm>
+          <a:prstGeom prst="rect">
+            <a:avLst/>
+          </a:prstGeom>
+        </p:spPr>
+      </p:pic>
+      <p:pic>
+        <p:nvPicPr>
+          <p:cNvPr id="25" name="Picture 24">
+            <a:extLst>
+              <a:ext uri="{FF2B5EF4-FFF2-40B4-BE49-F238E27FC236}">
+                <a16:creationId xmlns:a16="http://schemas.microsoft.com/office/drawing/2014/main" id="{26533A79-309E-4461-8BF4-D54E207A986A}"/>
+              </a:ext>
+            </a:extLst>
+          </p:cNvPr>
+          <p:cNvPicPr>
+            <a:picLocks noChangeAspect="1"/>
+          </p:cNvPicPr>
+          <p:nvPr/>
+        </p:nvPicPr>
+        <p:blipFill>
+          <a:blip r:embed="rId3">
+            <a:extLst>
+              <a:ext uri="{28A0092B-C50C-407E-A947-70E740481C1C}">
+                <a14:useLocalDpi xmlns:a14="http://schemas.microsoft.com/office/drawing/2010/main" val="0"/>
+              </a:ext>
+            </a:extLst>
+          </a:blip>
+          <a:stretch>
+            <a:fillRect/>
+          </a:stretch>
+        </p:blipFill>
+        <p:spPr>
+          <a:xfrm>
+            <a:off x="9844509" y="4013867"/>
+            <a:ext cx="1033573" cy="1033573"/>
+          </a:xfrm>
+          <a:prstGeom prst="rect">
+            <a:avLst/>
+          </a:prstGeom>
+        </p:spPr>
+      </p:pic>
+      <p:pic>
+        <p:nvPicPr>
+          <p:cNvPr id="26" name="Picture 25">
+            <a:extLst>
+              <a:ext uri="{FF2B5EF4-FFF2-40B4-BE49-F238E27FC236}">
+                <a16:creationId xmlns:a16="http://schemas.microsoft.com/office/drawing/2014/main" id="{0F1BF430-7EDF-4EA2-97F5-E08F36C70C52}"/>
+              </a:ext>
+            </a:extLst>
+          </p:cNvPr>
+          <p:cNvPicPr>
+            <a:picLocks noChangeAspect="1"/>
+          </p:cNvPicPr>
+          <p:nvPr/>
+        </p:nvPicPr>
+        <p:blipFill>
+          <a:blip r:embed="rId3">
+            <a:extLst>
+              <a:ext uri="{28A0092B-C50C-407E-A947-70E740481C1C}">
+                <a14:useLocalDpi xmlns:a14="http://schemas.microsoft.com/office/drawing/2010/main" val="0"/>
+              </a:ext>
+            </a:extLst>
+          </a:blip>
+          <a:stretch>
+            <a:fillRect/>
+          </a:stretch>
+        </p:blipFill>
+        <p:spPr>
+          <a:xfrm>
+            <a:off x="9844508" y="5343542"/>
+            <a:ext cx="1033573" cy="1033573"/>
+          </a:xfrm>
+          <a:prstGeom prst="rect">
+            <a:avLst/>
+          </a:prstGeom>
+        </p:spPr>
+      </p:pic>
+      <p:sp>
+        <p:nvSpPr>
+          <p:cNvPr id="9" name="Arrow: Right 8">
+            <a:extLst>
+              <a:ext uri="{FF2B5EF4-FFF2-40B4-BE49-F238E27FC236}">
+                <a16:creationId xmlns:a16="http://schemas.microsoft.com/office/drawing/2014/main" id="{60C2FF91-8D91-4E18-896C-67B422679613}"/>
+              </a:ext>
+            </a:extLst>
+          </p:cNvPr>
+          <p:cNvSpPr/>
+          <p:nvPr/>
+        </p:nvSpPr>
+        <p:spPr>
+          <a:xfrm rot="2669172">
+            <a:off x="2832046" y="4088952"/>
+            <a:ext cx="1052363" cy="286025"/>
+          </a:xfrm>
+          <a:prstGeom prst="rightArrow">
+            <a:avLst/>
+          </a:prstGeom>
+        </p:spPr>
+        <p:style>
+          <a:lnRef idx="2">
+            <a:schemeClr val="accent1">
+              <a:shade val="50000"/>
+            </a:schemeClr>
+          </a:lnRef>
+          <a:fillRef idx="1">
+            <a:schemeClr val="accent1"/>
+          </a:fillRef>
+          <a:effectRef idx="0">
+            <a:schemeClr val="accent1"/>
+          </a:effectRef>
+          <a:fontRef idx="minor">
+            <a:schemeClr val="lt1"/>
+          </a:fontRef>
+        </p:style>
+        <p:txBody>
+          <a:bodyPr rtlCol="0" anchor="ctr"/>
+          <a:lstStyle/>
+          <a:p>
+            <a:pPr algn="ctr"/>
+            <a:endParaRPr lang="th-TH"/>
+          </a:p>
+        </p:txBody>
+      </p:sp>
+      <p:sp>
+        <p:nvSpPr>
+          <p:cNvPr id="27" name="Arrow: Right 26">
+            <a:extLst>
+              <a:ext uri="{FF2B5EF4-FFF2-40B4-BE49-F238E27FC236}">
+                <a16:creationId xmlns:a16="http://schemas.microsoft.com/office/drawing/2014/main" id="{2A678B90-2448-49CA-BA93-3B7CEFEB4FFF}"/>
+              </a:ext>
+            </a:extLst>
+          </p:cNvPr>
+          <p:cNvSpPr/>
+          <p:nvPr/>
+        </p:nvSpPr>
+        <p:spPr>
+          <a:xfrm rot="18668734">
+            <a:off x="4987101" y="3875483"/>
+            <a:ext cx="1052363" cy="286025"/>
+          </a:xfrm>
+          <a:prstGeom prst="rightArrow">
+            <a:avLst/>
+          </a:prstGeom>
+        </p:spPr>
+        <p:style>
+          <a:lnRef idx="2">
+            <a:schemeClr val="accent1">
+              <a:shade val="50000"/>
+            </a:schemeClr>
+          </a:lnRef>
+          <a:fillRef idx="1">
+            <a:schemeClr val="accent1"/>
+          </a:fillRef>
+          <a:effectRef idx="0">
+            <a:schemeClr val="accent1"/>
+          </a:effectRef>
+          <a:fontRef idx="minor">
+            <a:schemeClr val="lt1"/>
+          </a:fontRef>
+        </p:style>
+        <p:txBody>
+          <a:bodyPr rtlCol="0" anchor="ctr"/>
+          <a:lstStyle/>
+          <a:p>
+            <a:pPr algn="ctr"/>
+            <a:endParaRPr lang="th-TH"/>
+          </a:p>
+        </p:txBody>
+      </p:sp>
+      <p:sp>
+        <p:nvSpPr>
+          <p:cNvPr id="28" name="Arrow: Right 27">
+            <a:extLst>
+              <a:ext uri="{FF2B5EF4-FFF2-40B4-BE49-F238E27FC236}">
+                <a16:creationId xmlns:a16="http://schemas.microsoft.com/office/drawing/2014/main" id="{45ECDB8E-72AD-4D4E-961E-5BED500FF67A}"/>
+              </a:ext>
+            </a:extLst>
+          </p:cNvPr>
+          <p:cNvSpPr/>
+          <p:nvPr/>
+        </p:nvSpPr>
+        <p:spPr>
+          <a:xfrm>
+            <a:off x="7515964" y="3015114"/>
+            <a:ext cx="2156487" cy="286025"/>
+          </a:xfrm>
+          <a:prstGeom prst="rightArrow">
+            <a:avLst/>
+          </a:prstGeom>
+        </p:spPr>
+        <p:style>
+          <a:lnRef idx="2">
+            <a:schemeClr val="accent1">
+              <a:shade val="50000"/>
+            </a:schemeClr>
+          </a:lnRef>
+          <a:fillRef idx="1">
+            <a:schemeClr val="accent1"/>
+          </a:fillRef>
+          <a:effectRef idx="0">
+            <a:schemeClr val="accent1"/>
+          </a:effectRef>
+          <a:fontRef idx="minor">
+            <a:schemeClr val="lt1"/>
+          </a:fontRef>
+        </p:style>
+        <p:txBody>
+          <a:bodyPr rtlCol="0" anchor="ctr"/>
+          <a:lstStyle/>
+          <a:p>
+            <a:pPr algn="ctr"/>
+            <a:endParaRPr lang="th-TH"/>
+          </a:p>
+        </p:txBody>
+      </p:sp>
+      <p:sp>
+        <p:nvSpPr>
+          <p:cNvPr id="29" name="Arrow: Right 28">
+            <a:extLst>
+              <a:ext uri="{FF2B5EF4-FFF2-40B4-BE49-F238E27FC236}">
+                <a16:creationId xmlns:a16="http://schemas.microsoft.com/office/drawing/2014/main" id="{43712905-2712-414E-91E4-8397118B05E9}"/>
+              </a:ext>
+            </a:extLst>
+          </p:cNvPr>
+          <p:cNvSpPr/>
+          <p:nvPr/>
+        </p:nvSpPr>
+        <p:spPr>
+          <a:xfrm rot="1363262">
+            <a:off x="7473616" y="4001193"/>
+            <a:ext cx="2123053" cy="286025"/>
+          </a:xfrm>
+          <a:prstGeom prst="rightArrow">
+            <a:avLst/>
+          </a:prstGeom>
+        </p:spPr>
+        <p:style>
+          <a:lnRef idx="2">
+            <a:schemeClr val="accent1">
+              <a:shade val="50000"/>
+            </a:schemeClr>
+          </a:lnRef>
+          <a:fillRef idx="1">
+            <a:schemeClr val="accent1"/>
+          </a:fillRef>
+          <a:effectRef idx="0">
+            <a:schemeClr val="accent1"/>
+          </a:effectRef>
+          <a:fontRef idx="minor">
+            <a:schemeClr val="lt1"/>
+          </a:fontRef>
+        </p:style>
+        <p:txBody>
+          <a:bodyPr rtlCol="0" anchor="ctr"/>
+          <a:lstStyle/>
+          <a:p>
+            <a:pPr algn="ctr"/>
+            <a:endParaRPr lang="th-TH"/>
+          </a:p>
+        </p:txBody>
+      </p:sp>
+      <p:sp>
+        <p:nvSpPr>
+          <p:cNvPr id="30" name="Arrow: Right 29">
+            <a:extLst>
+              <a:ext uri="{FF2B5EF4-FFF2-40B4-BE49-F238E27FC236}">
+                <a16:creationId xmlns:a16="http://schemas.microsoft.com/office/drawing/2014/main" id="{E4570AA7-C32B-495D-9F12-8B3CF57353F3}"/>
+              </a:ext>
+            </a:extLst>
+          </p:cNvPr>
+          <p:cNvSpPr/>
+          <p:nvPr/>
+        </p:nvSpPr>
+        <p:spPr>
+          <a:xfrm rot="1620868">
+            <a:off x="7034349" y="4723850"/>
+            <a:ext cx="2337593" cy="286025"/>
+          </a:xfrm>
+          <a:prstGeom prst="rightArrow">
+            <a:avLst/>
+          </a:prstGeom>
+        </p:spPr>
+        <p:style>
+          <a:lnRef idx="2">
+            <a:schemeClr val="accent1">
+              <a:shade val="50000"/>
+            </a:schemeClr>
+          </a:lnRef>
+          <a:fillRef idx="1">
+            <a:schemeClr val="accent1"/>
+          </a:fillRef>
+          <a:effectRef idx="0">
+            <a:schemeClr val="accent1"/>
+          </a:effectRef>
+          <a:fontRef idx="minor">
+            <a:schemeClr val="lt1"/>
+          </a:fontRef>
+        </p:style>
+        <p:txBody>
+          <a:bodyPr rtlCol="0" anchor="ctr"/>
+          <a:lstStyle/>
+          <a:p>
+            <a:pPr algn="ctr"/>
+            <a:endParaRPr lang="th-TH"/>
+          </a:p>
+        </p:txBody>
+      </p:sp>
+      <p:pic>
+        <p:nvPicPr>
+          <p:cNvPr id="31" name="Picture 30">
+            <a:extLst>
+              <a:ext uri="{FF2B5EF4-FFF2-40B4-BE49-F238E27FC236}">
+                <a16:creationId xmlns:a16="http://schemas.microsoft.com/office/drawing/2014/main" id="{45EEC556-57D2-4CFC-834E-EB164DDB7429}"/>
+              </a:ext>
+            </a:extLst>
+          </p:cNvPr>
+          <p:cNvPicPr>
+            <a:picLocks noChangeAspect="1"/>
+          </p:cNvPicPr>
+          <p:nvPr/>
+        </p:nvPicPr>
+        <p:blipFill>
+          <a:blip r:embed="rId6">
+            <a:extLst>
+              <a:ext uri="{28A0092B-C50C-407E-A947-70E740481C1C}">
+                <a14:useLocalDpi xmlns:a14="http://schemas.microsoft.com/office/drawing/2010/main" val="0"/>
+              </a:ext>
+            </a:extLst>
+          </a:blip>
+          <a:stretch>
+            <a:fillRect/>
+          </a:stretch>
+        </p:blipFill>
+        <p:spPr>
+          <a:xfrm>
+            <a:off x="7716592" y="3298650"/>
+            <a:ext cx="486553" cy="486553"/>
           </a:xfrm>
           <a:prstGeom prst="rect">
             <a:avLst/>
@@ -13783,792 +12929,13 @@
     </p:spTree>
     <p:extLst>
       <p:ext uri="{BB962C8B-B14F-4D97-AF65-F5344CB8AC3E}">
-        <p14:creationId xmlns:p14="http://schemas.microsoft.com/office/powerpoint/2010/main" val="1827852681"/>
+        <p14:creationId xmlns:p14="http://schemas.microsoft.com/office/powerpoint/2010/main" val="2171815189"/>
       </p:ext>
     </p:extLst>
   </p:cSld>
   <p:clrMapOvr>
     <a:masterClrMapping/>
   </p:clrMapOvr>
-  <mc:AlternateContent xmlns:mc="http://schemas.openxmlformats.org/markup-compatibility/2006" xmlns:p14="http://schemas.microsoft.com/office/powerpoint/2010/main">
-    <mc:Choice Requires="p14">
-      <p:transition spd="med" p14:dur="700">
-        <p:fade/>
-      </p:transition>
-    </mc:Choice>
-    <mc:Fallback xmlns="">
-      <p:transition spd="med">
-        <p:fade/>
-      </p:transition>
-    </mc:Fallback>
-  </mc:AlternateContent>
-</p:sld>
-</file>
-
-<file path=ppt/slides/slide4.xml><?xml version="1.0" encoding="utf-8"?>
-<p:sld xmlns:a="http://schemas.openxmlformats.org/drawingml/2006/main" xmlns:r="http://schemas.openxmlformats.org/officeDocument/2006/relationships" xmlns:p="http://schemas.openxmlformats.org/presentationml/2006/main">
-  <p:cSld>
-    <p:bg>
-      <p:bgPr>
-        <a:solidFill>
-          <a:schemeClr val="tx1">
-            <a:lumMod val="85000"/>
-            <a:lumOff val="15000"/>
-          </a:schemeClr>
-        </a:solidFill>
-        <a:effectLst/>
-      </p:bgPr>
-    </p:bg>
-    <p:spTree>
-      <p:nvGrpSpPr>
-        <p:cNvPr id="1" name=""/>
-        <p:cNvGrpSpPr/>
-        <p:nvPr/>
-      </p:nvGrpSpPr>
-      <p:grpSpPr>
-        <a:xfrm>
-          <a:off x="0" y="0"/>
-          <a:ext cx="0" cy="0"/>
-          <a:chOff x="0" y="0"/>
-          <a:chExt cx="0" cy="0"/>
-        </a:xfrm>
-      </p:grpSpPr>
-      <p:sp>
-        <p:nvSpPr>
-          <p:cNvPr id="2" name="Title 1">
-            <a:extLst>
-              <a:ext uri="{FF2B5EF4-FFF2-40B4-BE49-F238E27FC236}">
-                <a16:creationId xmlns:a16="http://schemas.microsoft.com/office/drawing/2014/main" id="{36017D3D-0042-4BC6-92A9-9F4A35242BEC}"/>
-              </a:ext>
-            </a:extLst>
-          </p:cNvPr>
-          <p:cNvSpPr>
-            <a:spLocks noGrp="1"/>
-          </p:cNvSpPr>
-          <p:nvPr>
-            <p:ph type="title"/>
-          </p:nvPr>
-        </p:nvSpPr>
-        <p:spPr/>
-        <p:txBody>
-          <a:bodyPr/>
-          <a:lstStyle/>
-          <a:p>
-            <a:pPr algn="ctr"/>
-            <a:r>
-              <a:rPr lang="th-TH" b="1" dirty="0">
-                <a:solidFill>
-                  <a:schemeClr val="bg1"/>
-                </a:solidFill>
-                <a:latin typeface="TH SarabunPSK" panose="020B0500040200020003" pitchFamily="34" charset="-34"/>
-                <a:cs typeface="TH SarabunPSK" panose="020B0500040200020003" pitchFamily="34" charset="-34"/>
-              </a:rPr>
-              <a:t>บทที่ 1 บทนำ</a:t>
-            </a:r>
-          </a:p>
-        </p:txBody>
-      </p:sp>
-      <p:sp>
-        <p:nvSpPr>
-          <p:cNvPr id="3" name="Content Placeholder 2">
-            <a:extLst>
-              <a:ext uri="{FF2B5EF4-FFF2-40B4-BE49-F238E27FC236}">
-                <a16:creationId xmlns:a16="http://schemas.microsoft.com/office/drawing/2014/main" id="{23E7C118-00F2-471D-BF9E-6DCF8E58FDD9}"/>
-              </a:ext>
-            </a:extLst>
-          </p:cNvPr>
-          <p:cNvSpPr>
-            <a:spLocks noGrp="1"/>
-          </p:cNvSpPr>
-          <p:nvPr>
-            <p:ph idx="1"/>
-          </p:nvPr>
-        </p:nvSpPr>
-        <p:spPr>
-          <a:xfrm>
-            <a:off x="1814379" y="1528038"/>
-            <a:ext cx="8791575" cy="2628929"/>
-          </a:xfrm>
-        </p:spPr>
-        <p:txBody>
-          <a:bodyPr>
-            <a:noAutofit/>
-          </a:bodyPr>
-          <a:lstStyle/>
-          <a:p>
-            <a:pPr marL="0" indent="0" algn="thaiDist">
-              <a:lnSpc>
-                <a:spcPct val="120000"/>
-              </a:lnSpc>
-              <a:buNone/>
-            </a:pPr>
-            <a:r>
-              <a:rPr lang="th-TH" sz="2000" b="1" dirty="0">
-                <a:solidFill>
-                  <a:schemeClr val="bg1"/>
-                </a:solidFill>
-                <a:latin typeface="TH SarabunPSK" panose="020B0500040200020003" pitchFamily="34" charset="-34"/>
-                <a:cs typeface="TH SarabunPSK" panose="020B0500040200020003" pitchFamily="34" charset="-34"/>
-              </a:rPr>
-              <a:t>		มหาวิทยาลัยเทคโนโลยีราชมงคลตะวันออก ในแต่ละวิทยาเขตก็จะมีการกำหนดการเข้าร่วมกิจกรรมของนักศึกษาในขณะที่ทำการศึกษาอยู่ในมหาวิทยาลัย ซึ่งหากถ้านักศึกษาไม่สามารถเก็บจำนวนกิจกรรมครบตามที่กำหนดไว้ จะไม่สามารถจบการศึกษาได้ และในการเข้าร่วมกิจกรรมในแต่ละครั้งนักศึกษาต้องนำสมุดบันทึกกิจกรรมของตัวเองมาให้ทาง สโมสรนักศึกษาในแต่ละคณะทำการลงตราประทับ เพื่อเป็นการยืนยันว่านักศึกษาคนนั้นทำการเข้าร่วมกิจกรรมแล้ว ซึ่งด้วยความที่ใช้สมุดบันทึกกิจกรรม สโมสรนักศึกษาจะทำการรวบรวมสมุดกิจกรรมและแบ่งเอาไว้ตามสาขาและลงตราประทับทีหลัง ซึ่งทำให้เวลาการลงตราประทับคลาดเคลื่อน และอาจจะก่อให้เกิดปัญหาการสูญหายของสมุดบันทึกกิจกรรมนักศึกษา และทำให้เกิดการต้องเก็บกิจกรรมใหม่ตั้งแต่ต้นซึ่งทำให้เสียเวลาทั้งนักศึกษา และสโมสรนักศึกษาที่ต้องมาจัดการสมุดกิจกรรมใหม่ ซึ่งการพัฒนาแอ</a:t>
-            </a:r>
-            <a:r>
-              <a:rPr lang="th-TH" sz="2000" b="1" dirty="0" err="1">
-                <a:solidFill>
-                  <a:schemeClr val="bg1"/>
-                </a:solidFill>
-                <a:latin typeface="TH SarabunPSK" panose="020B0500040200020003" pitchFamily="34" charset="-34"/>
-                <a:cs typeface="TH SarabunPSK" panose="020B0500040200020003" pitchFamily="34" charset="-34"/>
-              </a:rPr>
-              <a:t>ป</a:t>
-            </a:r>
-            <a:r>
-              <a:rPr lang="th-TH" sz="2000" b="1" dirty="0">
-                <a:solidFill>
-                  <a:schemeClr val="bg1"/>
-                </a:solidFill>
-                <a:latin typeface="TH SarabunPSK" panose="020B0500040200020003" pitchFamily="34" charset="-34"/>
-                <a:cs typeface="TH SarabunPSK" panose="020B0500040200020003" pitchFamily="34" charset="-34"/>
-              </a:rPr>
-              <a:t>พลิ</a:t>
-            </a:r>
-            <a:r>
-              <a:rPr lang="th-TH" sz="2000" b="1" dirty="0" err="1">
-                <a:solidFill>
-                  <a:schemeClr val="bg1"/>
-                </a:solidFill>
-                <a:latin typeface="TH SarabunPSK" panose="020B0500040200020003" pitchFamily="34" charset="-34"/>
-                <a:cs typeface="TH SarabunPSK" panose="020B0500040200020003" pitchFamily="34" charset="-34"/>
-              </a:rPr>
-              <a:t>เค</a:t>
-            </a:r>
-            <a:r>
-              <a:rPr lang="th-TH" sz="2000" b="1" dirty="0">
-                <a:solidFill>
-                  <a:schemeClr val="bg1"/>
-                </a:solidFill>
-                <a:latin typeface="TH SarabunPSK" panose="020B0500040200020003" pitchFamily="34" charset="-34"/>
-                <a:cs typeface="TH SarabunPSK" panose="020B0500040200020003" pitchFamily="34" charset="-34"/>
-              </a:rPr>
-              <a:t>ชันจะมาแก้ไขในส่วนนี้ รวมถึงปัญหาของผู้ประกอบการค้าในมหาวิทยาลัยนั้น เช่น ร้านค้าน้ำ ร้านค้าอาหาร รวมถึงร้านค้าอุปกรณ์การเรียน เป็นต้น ด้วยความที่นักศึกษาแต่ละคนชำระเงิน และยืนรอเงินทอนด้วยระยะเวลาในการรับประทานอาหารที่มีจำกัด ทำให้เกิดปัญหาการต่อแถวยาวและเกิดความวุ่นวายได้</a:t>
-            </a:r>
-          </a:p>
-          <a:p>
-            <a:pPr marL="0" indent="0" algn="thaiDist">
-              <a:lnSpc>
-                <a:spcPct val="120000"/>
-              </a:lnSpc>
-              <a:buNone/>
-            </a:pPr>
-            <a:endParaRPr lang="th-TH" sz="2000" b="1" dirty="0">
-              <a:solidFill>
-                <a:schemeClr val="bg1"/>
-              </a:solidFill>
-              <a:latin typeface="TH SarabunPSK" panose="020B0500040200020003" pitchFamily="34" charset="-34"/>
-              <a:cs typeface="TH SarabunPSK" panose="020B0500040200020003" pitchFamily="34" charset="-34"/>
-            </a:endParaRPr>
-          </a:p>
-        </p:txBody>
-      </p:sp>
-      <p:pic>
-        <p:nvPicPr>
-          <p:cNvPr id="4" name="Picture 3">
-            <a:extLst>
-              <a:ext uri="{FF2B5EF4-FFF2-40B4-BE49-F238E27FC236}">
-                <a16:creationId xmlns:a16="http://schemas.microsoft.com/office/drawing/2014/main" id="{90ADEC6B-FDB4-4129-AF06-7F9AAD11D107}"/>
-              </a:ext>
-            </a:extLst>
-          </p:cNvPr>
-          <p:cNvPicPr>
-            <a:picLocks noChangeAspect="1"/>
-          </p:cNvPicPr>
-          <p:nvPr/>
-        </p:nvPicPr>
-        <p:blipFill>
-          <a:blip r:embed="rId2">
-            <a:extLst>
-              <a:ext uri="{28A0092B-C50C-407E-A947-70E740481C1C}">
-                <a14:useLocalDpi xmlns:a14="http://schemas.microsoft.com/office/drawing/2010/main" val="0"/>
-              </a:ext>
-            </a:extLst>
-          </a:blip>
-          <a:stretch>
-            <a:fillRect/>
-          </a:stretch>
-        </p:blipFill>
-        <p:spPr>
-          <a:xfrm>
-            <a:off x="2109787" y="1438207"/>
-            <a:ext cx="7591425" cy="89831"/>
-          </a:xfrm>
-          <a:prstGeom prst="rect">
-            <a:avLst/>
-          </a:prstGeom>
-        </p:spPr>
-      </p:pic>
-    </p:spTree>
-    <p:extLst>
-      <p:ext uri="{BB962C8B-B14F-4D97-AF65-F5344CB8AC3E}">
-        <p14:creationId xmlns:p14="http://schemas.microsoft.com/office/powerpoint/2010/main" val="452979954"/>
-      </p:ext>
-    </p:extLst>
-  </p:cSld>
-  <p:clrMapOvr>
-    <a:masterClrMapping/>
-  </p:clrMapOvr>
-  <mc:AlternateContent xmlns:mc="http://schemas.openxmlformats.org/markup-compatibility/2006" xmlns:p14="http://schemas.microsoft.com/office/powerpoint/2010/main">
-    <mc:Choice Requires="p14">
-      <p:transition spd="med" p14:dur="700">
-        <p:fade/>
-      </p:transition>
-    </mc:Choice>
-    <mc:Fallback xmlns="">
-      <p:transition spd="med">
-        <p:fade/>
-      </p:transition>
-    </mc:Fallback>
-  </mc:AlternateContent>
-</p:sld>
-</file>
-
-<file path=ppt/slides/slide5.xml><?xml version="1.0" encoding="utf-8"?>
-<p:sld xmlns:a="http://schemas.openxmlformats.org/drawingml/2006/main" xmlns:r="http://schemas.openxmlformats.org/officeDocument/2006/relationships" xmlns:p="http://schemas.openxmlformats.org/presentationml/2006/main">
-  <p:cSld>
-    <p:bg>
-      <p:bgPr>
-        <a:solidFill>
-          <a:schemeClr val="tx1">
-            <a:lumMod val="85000"/>
-            <a:lumOff val="15000"/>
-          </a:schemeClr>
-        </a:solidFill>
-        <a:effectLst/>
-      </p:bgPr>
-    </p:bg>
-    <p:spTree>
-      <p:nvGrpSpPr>
-        <p:cNvPr id="1" name=""/>
-        <p:cNvGrpSpPr/>
-        <p:nvPr/>
-      </p:nvGrpSpPr>
-      <p:grpSpPr>
-        <a:xfrm>
-          <a:off x="0" y="0"/>
-          <a:ext cx="0" cy="0"/>
-          <a:chOff x="0" y="0"/>
-          <a:chExt cx="0" cy="0"/>
-        </a:xfrm>
-      </p:grpSpPr>
-      <p:sp>
-        <p:nvSpPr>
-          <p:cNvPr id="2" name="Title 1">
-            <a:extLst>
-              <a:ext uri="{FF2B5EF4-FFF2-40B4-BE49-F238E27FC236}">
-                <a16:creationId xmlns:a16="http://schemas.microsoft.com/office/drawing/2014/main" id="{36017D3D-0042-4BC6-92A9-9F4A35242BEC}"/>
-              </a:ext>
-            </a:extLst>
-          </p:cNvPr>
-          <p:cNvSpPr>
-            <a:spLocks noGrp="1"/>
-          </p:cNvSpPr>
-          <p:nvPr>
-            <p:ph type="title"/>
-          </p:nvPr>
-        </p:nvSpPr>
-        <p:spPr/>
-        <p:txBody>
-          <a:bodyPr/>
-          <a:lstStyle/>
-          <a:p>
-            <a:pPr algn="ctr"/>
-            <a:r>
-              <a:rPr lang="th-TH" b="1" dirty="0">
-                <a:solidFill>
-                  <a:schemeClr val="bg1"/>
-                </a:solidFill>
-                <a:latin typeface="TH SarabunPSK" panose="020B0500040200020003" pitchFamily="34" charset="-34"/>
-                <a:cs typeface="TH SarabunPSK" panose="020B0500040200020003" pitchFamily="34" charset="-34"/>
-              </a:rPr>
-              <a:t>บทที่ 1 บทนำ</a:t>
-            </a:r>
-          </a:p>
-        </p:txBody>
-      </p:sp>
-      <p:sp>
-        <p:nvSpPr>
-          <p:cNvPr id="3" name="Content Placeholder 2">
-            <a:extLst>
-              <a:ext uri="{FF2B5EF4-FFF2-40B4-BE49-F238E27FC236}">
-                <a16:creationId xmlns:a16="http://schemas.microsoft.com/office/drawing/2014/main" id="{23E7C118-00F2-471D-BF9E-6DCF8E58FDD9}"/>
-              </a:ext>
-            </a:extLst>
-          </p:cNvPr>
-          <p:cNvSpPr>
-            <a:spLocks noGrp="1"/>
-          </p:cNvSpPr>
-          <p:nvPr>
-            <p:ph idx="1"/>
-          </p:nvPr>
-        </p:nvSpPr>
-        <p:spPr>
-          <a:xfrm>
-            <a:off x="1814379" y="1528038"/>
-            <a:ext cx="8791575" cy="2628929"/>
-          </a:xfrm>
-        </p:spPr>
-        <p:txBody>
-          <a:bodyPr>
-            <a:noAutofit/>
-          </a:bodyPr>
-          <a:lstStyle/>
-          <a:p>
-            <a:pPr marL="0" indent="0" algn="thaiDist">
-              <a:lnSpc>
-                <a:spcPct val="120000"/>
-              </a:lnSpc>
-              <a:buNone/>
-            </a:pPr>
-            <a:r>
-              <a:rPr lang="th-TH" sz="2000" b="1" dirty="0">
-                <a:solidFill>
-                  <a:schemeClr val="bg1"/>
-                </a:solidFill>
-                <a:latin typeface="TH SarabunPSK" panose="020B0500040200020003" pitchFamily="34" charset="-34"/>
-                <a:cs typeface="TH SarabunPSK" panose="020B0500040200020003" pitchFamily="34" charset="-34"/>
-              </a:rPr>
-              <a:t>	จึงมีแนวคิดการพัฒนาระบบกระเป๋าตัง และข้อมูลส่วนตัวของนักศึกษา เป็นเว็บแอปพลิเคชันและโมบายแอปพลิเคชัน โดยเว็บแอปพลิเคชันและแอปพลิเคชันบนสมาร์ทโฟน จะพัฒนาด้วยโปรแกรม </a:t>
-            </a:r>
-            <a:r>
-              <a:rPr lang="en-US" sz="2000" b="1" dirty="0">
-                <a:solidFill>
-                  <a:schemeClr val="bg1"/>
-                </a:solidFill>
-                <a:latin typeface="TH SarabunPSK" panose="020B0500040200020003" pitchFamily="34" charset="-34"/>
-                <a:cs typeface="TH SarabunPSK" panose="020B0500040200020003" pitchFamily="34" charset="-34"/>
-              </a:rPr>
-              <a:t>Visual Studio Code </a:t>
-            </a:r>
-            <a:r>
-              <a:rPr lang="th-TH" sz="2000" b="1" dirty="0">
-                <a:solidFill>
-                  <a:schemeClr val="bg1"/>
-                </a:solidFill>
-                <a:latin typeface="TH SarabunPSK" panose="020B0500040200020003" pitchFamily="34" charset="-34"/>
-                <a:cs typeface="TH SarabunPSK" panose="020B0500040200020003" pitchFamily="34" charset="-34"/>
-              </a:rPr>
-              <a:t>เป็นโปรแกรม </a:t>
-            </a:r>
-            <a:r>
-              <a:rPr lang="en-US" sz="2000" b="1" dirty="0">
-                <a:solidFill>
-                  <a:schemeClr val="bg1"/>
-                </a:solidFill>
-                <a:latin typeface="TH SarabunPSK" panose="020B0500040200020003" pitchFamily="34" charset="-34"/>
-                <a:cs typeface="TH SarabunPSK" panose="020B0500040200020003" pitchFamily="34" charset="-34"/>
-              </a:rPr>
-              <a:t>Code Editing </a:t>
-            </a:r>
-            <a:r>
-              <a:rPr lang="th-TH" sz="2000" b="1" dirty="0">
-                <a:solidFill>
-                  <a:schemeClr val="bg1"/>
-                </a:solidFill>
-                <a:latin typeface="TH SarabunPSK" panose="020B0500040200020003" pitchFamily="34" charset="-34"/>
-                <a:cs typeface="TH SarabunPSK" panose="020B0500040200020003" pitchFamily="34" charset="-34"/>
-              </a:rPr>
-              <a:t>และใช้ภาษา </a:t>
-            </a:r>
-            <a:r>
-              <a:rPr lang="en-US" sz="2000" b="1" dirty="0">
-                <a:solidFill>
-                  <a:schemeClr val="bg1"/>
-                </a:solidFill>
-                <a:latin typeface="TH SarabunPSK" panose="020B0500040200020003" pitchFamily="34" charset="-34"/>
-                <a:cs typeface="TH SarabunPSK" panose="020B0500040200020003" pitchFamily="34" charset="-34"/>
-              </a:rPr>
-              <a:t>PHP </a:t>
-            </a:r>
-            <a:r>
-              <a:rPr lang="th-TH" sz="2000" b="1" dirty="0">
-                <a:solidFill>
-                  <a:schemeClr val="bg1"/>
-                </a:solidFill>
-                <a:latin typeface="TH SarabunPSK" panose="020B0500040200020003" pitchFamily="34" charset="-34"/>
-                <a:cs typeface="TH SarabunPSK" panose="020B0500040200020003" pitchFamily="34" charset="-34"/>
-              </a:rPr>
-              <a:t>โดยใช้ </a:t>
-            </a:r>
-            <a:r>
-              <a:rPr lang="en-US" sz="2000" b="1" dirty="0" err="1">
-                <a:solidFill>
-                  <a:schemeClr val="bg1"/>
-                </a:solidFill>
-                <a:latin typeface="TH SarabunPSK" panose="020B0500040200020003" pitchFamily="34" charset="-34"/>
-                <a:cs typeface="TH SarabunPSK" panose="020B0500040200020003" pitchFamily="34" charset="-34"/>
-              </a:rPr>
-              <a:t>Codeigniter</a:t>
-            </a:r>
-            <a:r>
-              <a:rPr lang="en-US" sz="2000" b="1" dirty="0">
-                <a:solidFill>
-                  <a:schemeClr val="bg1"/>
-                </a:solidFill>
-                <a:latin typeface="TH SarabunPSK" panose="020B0500040200020003" pitchFamily="34" charset="-34"/>
-                <a:cs typeface="TH SarabunPSK" panose="020B0500040200020003" pitchFamily="34" charset="-34"/>
-              </a:rPr>
-              <a:t> Frame Work </a:t>
-            </a:r>
-            <a:r>
-              <a:rPr lang="th-TH" sz="2000" b="1" dirty="0">
-                <a:solidFill>
-                  <a:schemeClr val="bg1"/>
-                </a:solidFill>
-                <a:latin typeface="TH SarabunPSK" panose="020B0500040200020003" pitchFamily="34" charset="-34"/>
-                <a:cs typeface="TH SarabunPSK" panose="020B0500040200020003" pitchFamily="34" charset="-34"/>
-              </a:rPr>
-              <a:t>ในการช่วยเขียนเว็บแอปพลิเคชัน ในการเขียนแอปพลิเคชันบนสมาร์ทโฟนใช้ </a:t>
-            </a:r>
-            <a:r>
-              <a:rPr lang="en-US" sz="2000" b="1" dirty="0">
-                <a:solidFill>
-                  <a:schemeClr val="bg1"/>
-                </a:solidFill>
-                <a:latin typeface="TH SarabunPSK" panose="020B0500040200020003" pitchFamily="34" charset="-34"/>
-                <a:cs typeface="TH SarabunPSK" panose="020B0500040200020003" pitchFamily="34" charset="-34"/>
-              </a:rPr>
-              <a:t>Flutter Frame Work </a:t>
-            </a:r>
-            <a:r>
-              <a:rPr lang="th-TH" sz="2000" b="1" dirty="0">
-                <a:solidFill>
-                  <a:schemeClr val="bg1"/>
-                </a:solidFill>
-                <a:latin typeface="TH SarabunPSK" panose="020B0500040200020003" pitchFamily="34" charset="-34"/>
-                <a:cs typeface="TH SarabunPSK" panose="020B0500040200020003" pitchFamily="34" charset="-34"/>
-              </a:rPr>
-              <a:t>และเชื่อมระหว่าง 2 </a:t>
-            </a:r>
-            <a:r>
-              <a:rPr lang="en-US" sz="2000" b="1" dirty="0">
-                <a:solidFill>
-                  <a:schemeClr val="bg1"/>
-                </a:solidFill>
-                <a:latin typeface="TH SarabunPSK" panose="020B0500040200020003" pitchFamily="34" charset="-34"/>
-                <a:cs typeface="TH SarabunPSK" panose="020B0500040200020003" pitchFamily="34" charset="-34"/>
-              </a:rPr>
-              <a:t>Platform </a:t>
-            </a:r>
-            <a:r>
-              <a:rPr lang="th-TH" sz="2000" b="1" dirty="0">
-                <a:solidFill>
-                  <a:schemeClr val="bg1"/>
-                </a:solidFill>
-                <a:latin typeface="TH SarabunPSK" panose="020B0500040200020003" pitchFamily="34" charset="-34"/>
-                <a:cs typeface="TH SarabunPSK" panose="020B0500040200020003" pitchFamily="34" charset="-34"/>
-              </a:rPr>
-              <a:t>นี้จะเชื่อมกันโดยใช้เทคการทำ </a:t>
-            </a:r>
-            <a:r>
-              <a:rPr lang="en-US" sz="2000" b="1" dirty="0">
-                <a:solidFill>
-                  <a:schemeClr val="bg1"/>
-                </a:solidFill>
-                <a:latin typeface="TH SarabunPSK" panose="020B0500040200020003" pitchFamily="34" charset="-34"/>
-                <a:cs typeface="TH SarabunPSK" panose="020B0500040200020003" pitchFamily="34" charset="-34"/>
-              </a:rPr>
-              <a:t>Web Service </a:t>
-            </a:r>
-            <a:r>
-              <a:rPr lang="th-TH" sz="2000" b="1" dirty="0">
-                <a:solidFill>
-                  <a:schemeClr val="bg1"/>
-                </a:solidFill>
-                <a:latin typeface="TH SarabunPSK" panose="020B0500040200020003" pitchFamily="34" charset="-34"/>
-                <a:cs typeface="TH SarabunPSK" panose="020B0500040200020003" pitchFamily="34" charset="-34"/>
-              </a:rPr>
-              <a:t>โดยจัดเก็บข้อมูลลงในฐานข้อมูล </a:t>
-            </a:r>
-            <a:r>
-              <a:rPr lang="en-US" sz="2000" b="1" dirty="0">
-                <a:solidFill>
-                  <a:schemeClr val="bg1"/>
-                </a:solidFill>
-                <a:latin typeface="TH SarabunPSK" panose="020B0500040200020003" pitchFamily="34" charset="-34"/>
-                <a:cs typeface="TH SarabunPSK" panose="020B0500040200020003" pitchFamily="34" charset="-34"/>
-              </a:rPr>
-              <a:t>MySQL API </a:t>
-            </a:r>
-            <a:r>
-              <a:rPr lang="th-TH" sz="2000" b="1" dirty="0">
-                <a:solidFill>
-                  <a:schemeClr val="bg1"/>
-                </a:solidFill>
-                <a:latin typeface="TH SarabunPSK" panose="020B0500040200020003" pitchFamily="34" charset="-34"/>
-                <a:cs typeface="TH SarabunPSK" panose="020B0500040200020003" pitchFamily="34" charset="-34"/>
-              </a:rPr>
-              <a:t>เพื่อช่วยในการจัดการของระบบได้อย่างมีประสิทธิภาพมากขึ้น และลดความซับซ้อนของข้อมูลได้ดียิ่งขึ้น</a:t>
-            </a:r>
-          </a:p>
-        </p:txBody>
-      </p:sp>
-      <p:pic>
-        <p:nvPicPr>
-          <p:cNvPr id="4" name="Picture 3">
-            <a:extLst>
-              <a:ext uri="{FF2B5EF4-FFF2-40B4-BE49-F238E27FC236}">
-                <a16:creationId xmlns:a16="http://schemas.microsoft.com/office/drawing/2014/main" id="{90ADEC6B-FDB4-4129-AF06-7F9AAD11D107}"/>
-              </a:ext>
-            </a:extLst>
-          </p:cNvPr>
-          <p:cNvPicPr>
-            <a:picLocks noChangeAspect="1"/>
-          </p:cNvPicPr>
-          <p:nvPr/>
-        </p:nvPicPr>
-        <p:blipFill>
-          <a:blip r:embed="rId2">
-            <a:extLst>
-              <a:ext uri="{28A0092B-C50C-407E-A947-70E740481C1C}">
-                <a14:useLocalDpi xmlns:a14="http://schemas.microsoft.com/office/drawing/2010/main" val="0"/>
-              </a:ext>
-            </a:extLst>
-          </a:blip>
-          <a:stretch>
-            <a:fillRect/>
-          </a:stretch>
-        </p:blipFill>
-        <p:spPr>
-          <a:xfrm>
-            <a:off x="2109787" y="1438207"/>
-            <a:ext cx="7591425" cy="89831"/>
-          </a:xfrm>
-          <a:prstGeom prst="rect">
-            <a:avLst/>
-          </a:prstGeom>
-        </p:spPr>
-      </p:pic>
-      <p:pic>
-        <p:nvPicPr>
-          <p:cNvPr id="11" name="รูปภาพ 10">
-            <a:extLst>
-              <a:ext uri="{FF2B5EF4-FFF2-40B4-BE49-F238E27FC236}">
-                <a16:creationId xmlns:a16="http://schemas.microsoft.com/office/drawing/2014/main" id="{B77F2DF0-7D42-134A-BE45-EBF2698EA61D}"/>
-              </a:ext>
-            </a:extLst>
-          </p:cNvPr>
-          <p:cNvPicPr>
-            <a:picLocks noChangeAspect="1"/>
-          </p:cNvPicPr>
-          <p:nvPr/>
-        </p:nvPicPr>
-        <p:blipFill>
-          <a:blip r:embed="rId3">
-            <a:extLst>
-              <a:ext uri="{28A0092B-C50C-407E-A947-70E740481C1C}">
-                <a14:useLocalDpi xmlns:a14="http://schemas.microsoft.com/office/drawing/2010/main" val="0"/>
-              </a:ext>
-            </a:extLst>
-          </a:blip>
-          <a:stretch>
-            <a:fillRect/>
-          </a:stretch>
-        </p:blipFill>
-        <p:spPr>
-          <a:xfrm>
-            <a:off x="5239700" y="4588251"/>
-            <a:ext cx="970466" cy="970466"/>
-          </a:xfrm>
-          <a:prstGeom prst="rect">
-            <a:avLst/>
-          </a:prstGeom>
-        </p:spPr>
-      </p:pic>
-      <p:pic>
-        <p:nvPicPr>
-          <p:cNvPr id="13" name="รูปภาพ 12">
-            <a:extLst>
-              <a:ext uri="{FF2B5EF4-FFF2-40B4-BE49-F238E27FC236}">
-                <a16:creationId xmlns:a16="http://schemas.microsoft.com/office/drawing/2014/main" id="{99EC1D4C-918F-294C-A2A4-94B03B6F27C0}"/>
-              </a:ext>
-            </a:extLst>
-          </p:cNvPr>
-          <p:cNvPicPr>
-            <a:picLocks noChangeAspect="1"/>
-          </p:cNvPicPr>
-          <p:nvPr/>
-        </p:nvPicPr>
-        <p:blipFill>
-          <a:blip r:embed="rId4">
-            <a:extLst>
-              <a:ext uri="{28A0092B-C50C-407E-A947-70E740481C1C}">
-                <a14:useLocalDpi xmlns:a14="http://schemas.microsoft.com/office/drawing/2010/main" val="0"/>
-              </a:ext>
-            </a:extLst>
-          </a:blip>
-          <a:stretch>
-            <a:fillRect/>
-          </a:stretch>
-        </p:blipFill>
-        <p:spPr>
-          <a:xfrm>
-            <a:off x="7940559" y="4438484"/>
-            <a:ext cx="1270000" cy="1270000"/>
-          </a:xfrm>
-          <a:prstGeom prst="rect">
-            <a:avLst/>
-          </a:prstGeom>
-        </p:spPr>
-      </p:pic>
-      <p:pic>
-        <p:nvPicPr>
-          <p:cNvPr id="17" name="รูปภาพ 16">
-            <a:extLst>
-              <a:ext uri="{FF2B5EF4-FFF2-40B4-BE49-F238E27FC236}">
-                <a16:creationId xmlns:a16="http://schemas.microsoft.com/office/drawing/2014/main" id="{7829712F-527D-B747-93C8-73B6050A21BD}"/>
-              </a:ext>
-            </a:extLst>
-          </p:cNvPr>
-          <p:cNvPicPr>
-            <a:picLocks noChangeAspect="1"/>
-          </p:cNvPicPr>
-          <p:nvPr/>
-        </p:nvPicPr>
-        <p:blipFill>
-          <a:blip r:embed="rId5">
-            <a:extLst>
-              <a:ext uri="{28A0092B-C50C-407E-A947-70E740481C1C}">
-                <a14:useLocalDpi xmlns:a14="http://schemas.microsoft.com/office/drawing/2010/main" val="0"/>
-              </a:ext>
-            </a:extLst>
-          </a:blip>
-          <a:stretch>
-            <a:fillRect/>
-          </a:stretch>
-        </p:blipFill>
-        <p:spPr>
-          <a:xfrm>
-            <a:off x="2602300" y="4438484"/>
-            <a:ext cx="1270000" cy="1270000"/>
-          </a:xfrm>
-          <a:prstGeom prst="rect">
-            <a:avLst/>
-          </a:prstGeom>
-        </p:spPr>
-      </p:pic>
-      <p:sp>
-        <p:nvSpPr>
-          <p:cNvPr id="18" name="ลูกศรขวา 17">
-            <a:extLst>
-              <a:ext uri="{FF2B5EF4-FFF2-40B4-BE49-F238E27FC236}">
-                <a16:creationId xmlns:a16="http://schemas.microsoft.com/office/drawing/2014/main" id="{1C4A56E9-B2A6-DF45-A2F2-B323DF56E6E6}"/>
-              </a:ext>
-            </a:extLst>
-          </p:cNvPr>
-          <p:cNvSpPr/>
-          <p:nvPr/>
-        </p:nvSpPr>
-        <p:spPr>
-          <a:xfrm>
-            <a:off x="4003287" y="4972962"/>
-            <a:ext cx="925552" cy="201043"/>
-          </a:xfrm>
-          <a:prstGeom prst="rightArrow">
-            <a:avLst/>
-          </a:prstGeom>
-        </p:spPr>
-        <p:style>
-          <a:lnRef idx="2">
-            <a:schemeClr val="accent2">
-              <a:shade val="50000"/>
-            </a:schemeClr>
-          </a:lnRef>
-          <a:fillRef idx="1">
-            <a:schemeClr val="accent2"/>
-          </a:fillRef>
-          <a:effectRef idx="0">
-            <a:schemeClr val="accent2"/>
-          </a:effectRef>
-          <a:fontRef idx="minor">
-            <a:schemeClr val="lt1"/>
-          </a:fontRef>
-        </p:style>
-        <p:txBody>
-          <a:bodyPr rtlCol="0" anchor="ctr"/>
-          <a:lstStyle/>
-          <a:p>
-            <a:pPr algn="ctr"/>
-            <a:endParaRPr lang="th-TH" dirty="0"/>
-          </a:p>
-        </p:txBody>
-      </p:sp>
-      <p:sp>
-        <p:nvSpPr>
-          <p:cNvPr id="19" name="ลูกศรขวา 18">
-            <a:extLst>
-              <a:ext uri="{FF2B5EF4-FFF2-40B4-BE49-F238E27FC236}">
-                <a16:creationId xmlns:a16="http://schemas.microsoft.com/office/drawing/2014/main" id="{65A97C8C-B871-A941-B2B2-D87790520E52}"/>
-              </a:ext>
-            </a:extLst>
-          </p:cNvPr>
-          <p:cNvSpPr/>
-          <p:nvPr/>
-        </p:nvSpPr>
-        <p:spPr>
-          <a:xfrm flipH="1">
-            <a:off x="6517680" y="4933971"/>
-            <a:ext cx="1115364" cy="279023"/>
-          </a:xfrm>
-          <a:prstGeom prst="rightArrow">
-            <a:avLst/>
-          </a:prstGeom>
-        </p:spPr>
-        <p:style>
-          <a:lnRef idx="2">
-            <a:schemeClr val="accent4">
-              <a:shade val="50000"/>
-            </a:schemeClr>
-          </a:lnRef>
-          <a:fillRef idx="1">
-            <a:schemeClr val="accent4"/>
-          </a:fillRef>
-          <a:effectRef idx="0">
-            <a:schemeClr val="accent4"/>
-          </a:effectRef>
-          <a:fontRef idx="minor">
-            <a:schemeClr val="lt1"/>
-          </a:fontRef>
-        </p:style>
-        <p:txBody>
-          <a:bodyPr rtlCol="0" anchor="ctr"/>
-          <a:lstStyle/>
-          <a:p>
-            <a:pPr algn="ctr"/>
-            <a:endParaRPr lang="th-TH" dirty="0"/>
-          </a:p>
-        </p:txBody>
-      </p:sp>
-    </p:spTree>
-    <p:extLst>
-      <p:ext uri="{BB962C8B-B14F-4D97-AF65-F5344CB8AC3E}">
-        <p14:creationId xmlns:p14="http://schemas.microsoft.com/office/powerpoint/2010/main" val="3286007479"/>
-      </p:ext>
-    </p:extLst>
-  </p:cSld>
-  <p:clrMapOvr>
-    <a:masterClrMapping/>
-  </p:clrMapOvr>
-  <mc:AlternateContent xmlns:mc="http://schemas.openxmlformats.org/markup-compatibility/2006" xmlns:p14="http://schemas.microsoft.com/office/powerpoint/2010/main">
-    <mc:Choice Requires="p14">
-      <p:transition spd="med" p14:dur="700">
-        <p:fade/>
-      </p:transition>
-    </mc:Choice>
-    <mc:Fallback xmlns="">
-      <p:transition spd="med">
-        <p:fade/>
-      </p:transition>
-    </mc:Fallback>
-  </mc:AlternateContent>
   <p:timing>
     <p:tnLst>
       <p:par>
@@ -14590,7 +12957,7 @@
                             </p:stCondLst>
                             <p:childTnLst>
                               <p:par>
-                                <p:cTn id="5" presetID="1" presetClass="entr" presetSubtype="0" fill="hold" grpId="0" nodeType="clickEffect">
+                                <p:cTn id="5" presetID="10" presetClass="entr" presetSubtype="0" fill="hold" grpId="0" nodeType="clickEffect">
                                   <p:stCondLst>
                                     <p:cond delay="0"/>
                                   </p:stCondLst>
@@ -14603,7 +12970,60 @@
                                           </p:stCondLst>
                                         </p:cTn>
                                         <p:tgtEl>
-                                          <p:spTgt spid="18"/>
+                                          <p:spTgt spid="9"/>
+                                        </p:tgtEl>
+                                        <p:attrNameLst>
+                                          <p:attrName>style.visibility</p:attrName>
+                                        </p:attrNameLst>
+                                      </p:cBhvr>
+                                      <p:to>
+                                        <p:strVal val="visible"/>
+                                      </p:to>
+                                    </p:set>
+                                    <p:animEffect transition="in" filter="fade">
+                                      <p:cBhvr>
+                                        <p:cTn id="7" dur="500"/>
+                                        <p:tgtEl>
+                                          <p:spTgt spid="9"/>
+                                        </p:tgtEl>
+                                      </p:cBhvr>
+                                    </p:animEffect>
+                                  </p:childTnLst>
+                                </p:cTn>
+                              </p:par>
+                            </p:childTnLst>
+                          </p:cTn>
+                        </p:par>
+                      </p:childTnLst>
+                    </p:cTn>
+                  </p:par>
+                  <p:par>
+                    <p:cTn id="8" fill="hold">
+                      <p:stCondLst>
+                        <p:cond delay="indefinite"/>
+                      </p:stCondLst>
+                      <p:childTnLst>
+                        <p:par>
+                          <p:cTn id="9" fill="hold">
+                            <p:stCondLst>
+                              <p:cond delay="0"/>
+                            </p:stCondLst>
+                            <p:childTnLst>
+                              <p:par>
+                                <p:cTn id="10" presetID="1" presetClass="entr" presetSubtype="0" fill="hold" nodeType="clickEffect">
+                                  <p:stCondLst>
+                                    <p:cond delay="0"/>
+                                  </p:stCondLst>
+                                  <p:childTnLst>
+                                    <p:set>
+                                      <p:cBhvr>
+                                        <p:cTn id="11" dur="1" fill="hold">
+                                          <p:stCondLst>
+                                            <p:cond delay="0"/>
+                                          </p:stCondLst>
+                                        </p:cTn>
+                                        <p:tgtEl>
+                                          <p:spTgt spid="5"/>
                                         </p:tgtEl>
                                         <p:attrNameLst>
                                           <p:attrName>style.visibility</p:attrName>
@@ -14623,32 +13043,549 @@
                     </p:cTn>
                   </p:par>
                   <p:par>
-                    <p:cTn id="7" fill="hold">
+                    <p:cTn id="12" fill="hold">
                       <p:stCondLst>
                         <p:cond delay="indefinite"/>
                       </p:stCondLst>
                       <p:childTnLst>
                         <p:par>
-                          <p:cTn id="8" fill="hold">
+                          <p:cTn id="13" fill="hold">
                             <p:stCondLst>
                               <p:cond delay="0"/>
                             </p:stCondLst>
                             <p:childTnLst>
                               <p:par>
-                                <p:cTn id="9" presetID="1" presetClass="entr" presetSubtype="0" fill="hold" grpId="0" nodeType="clickEffect">
+                                <p:cTn id="14" presetID="10" presetClass="entr" presetSubtype="0" fill="hold" grpId="0" nodeType="clickEffect">
                                   <p:stCondLst>
                                     <p:cond delay="0"/>
                                   </p:stCondLst>
                                   <p:childTnLst>
                                     <p:set>
                                       <p:cBhvr>
-                                        <p:cTn id="10" dur="1" fill="hold">
+                                        <p:cTn id="15" dur="1" fill="hold">
                                           <p:stCondLst>
                                             <p:cond delay="0"/>
                                           </p:stCondLst>
                                         </p:cTn>
                                         <p:tgtEl>
-                                          <p:spTgt spid="19"/>
+                                          <p:spTgt spid="27"/>
+                                        </p:tgtEl>
+                                        <p:attrNameLst>
+                                          <p:attrName>style.visibility</p:attrName>
+                                        </p:attrNameLst>
+                                      </p:cBhvr>
+                                      <p:to>
+                                        <p:strVal val="visible"/>
+                                      </p:to>
+                                    </p:set>
+                                    <p:animEffect transition="in" filter="fade">
+                                      <p:cBhvr>
+                                        <p:cTn id="16" dur="500"/>
+                                        <p:tgtEl>
+                                          <p:spTgt spid="27"/>
+                                        </p:tgtEl>
+                                      </p:cBhvr>
+                                    </p:animEffect>
+                                  </p:childTnLst>
+                                </p:cTn>
+                              </p:par>
+                            </p:childTnLst>
+                          </p:cTn>
+                        </p:par>
+                      </p:childTnLst>
+                    </p:cTn>
+                  </p:par>
+                  <p:par>
+                    <p:cTn id="17" fill="hold">
+                      <p:stCondLst>
+                        <p:cond delay="indefinite"/>
+                      </p:stCondLst>
+                      <p:childTnLst>
+                        <p:par>
+                          <p:cTn id="18" fill="hold">
+                            <p:stCondLst>
+                              <p:cond delay="0"/>
+                            </p:stCondLst>
+                            <p:childTnLst>
+                              <p:par>
+                                <p:cTn id="19" presetID="1" presetClass="entr" presetSubtype="0" fill="hold" nodeType="clickEffect">
+                                  <p:stCondLst>
+                                    <p:cond delay="0"/>
+                                  </p:stCondLst>
+                                  <p:childTnLst>
+                                    <p:set>
+                                      <p:cBhvr>
+                                        <p:cTn id="20" dur="1" fill="hold">
+                                          <p:stCondLst>
+                                            <p:cond delay="0"/>
+                                          </p:stCondLst>
+                                        </p:cTn>
+                                        <p:tgtEl>
+                                          <p:spTgt spid="15"/>
+                                        </p:tgtEl>
+                                        <p:attrNameLst>
+                                          <p:attrName>style.visibility</p:attrName>
+                                        </p:attrNameLst>
+                                      </p:cBhvr>
+                                      <p:to>
+                                        <p:strVal val="visible"/>
+                                      </p:to>
+                                    </p:set>
+                                  </p:childTnLst>
+                                </p:cTn>
+                              </p:par>
+                            </p:childTnLst>
+                          </p:cTn>
+                        </p:par>
+                      </p:childTnLst>
+                    </p:cTn>
+                  </p:par>
+                  <p:par>
+                    <p:cTn id="21" fill="hold">
+                      <p:stCondLst>
+                        <p:cond delay="indefinite"/>
+                      </p:stCondLst>
+                      <p:childTnLst>
+                        <p:par>
+                          <p:cTn id="22" fill="hold">
+                            <p:stCondLst>
+                              <p:cond delay="0"/>
+                            </p:stCondLst>
+                            <p:childTnLst>
+                              <p:par>
+                                <p:cTn id="23" presetID="10" presetClass="entr" presetSubtype="0" fill="hold" grpId="0" nodeType="clickEffect">
+                                  <p:stCondLst>
+                                    <p:cond delay="0"/>
+                                  </p:stCondLst>
+                                  <p:childTnLst>
+                                    <p:set>
+                                      <p:cBhvr>
+                                        <p:cTn id="24" dur="1" fill="hold">
+                                          <p:stCondLst>
+                                            <p:cond delay="0"/>
+                                          </p:stCondLst>
+                                        </p:cTn>
+                                        <p:tgtEl>
+                                          <p:spTgt spid="28"/>
+                                        </p:tgtEl>
+                                        <p:attrNameLst>
+                                          <p:attrName>style.visibility</p:attrName>
+                                        </p:attrNameLst>
+                                      </p:cBhvr>
+                                      <p:to>
+                                        <p:strVal val="visible"/>
+                                      </p:to>
+                                    </p:set>
+                                    <p:animEffect transition="in" filter="fade">
+                                      <p:cBhvr>
+                                        <p:cTn id="25" dur="500"/>
+                                        <p:tgtEl>
+                                          <p:spTgt spid="28"/>
+                                        </p:tgtEl>
+                                      </p:cBhvr>
+                                    </p:animEffect>
+                                  </p:childTnLst>
+                                </p:cTn>
+                              </p:par>
+                            </p:childTnLst>
+                          </p:cTn>
+                        </p:par>
+                      </p:childTnLst>
+                    </p:cTn>
+                  </p:par>
+                  <p:par>
+                    <p:cTn id="26" fill="hold">
+                      <p:stCondLst>
+                        <p:cond delay="indefinite"/>
+                      </p:stCondLst>
+                      <p:childTnLst>
+                        <p:par>
+                          <p:cTn id="27" fill="hold">
+                            <p:stCondLst>
+                              <p:cond delay="0"/>
+                            </p:stCondLst>
+                            <p:childTnLst>
+                              <p:par>
+                                <p:cTn id="28" presetID="1" presetClass="entr" presetSubtype="0" fill="hold" nodeType="clickEffect">
+                                  <p:stCondLst>
+                                    <p:cond delay="0"/>
+                                  </p:stCondLst>
+                                  <p:childTnLst>
+                                    <p:set>
+                                      <p:cBhvr>
+                                        <p:cTn id="29" dur="1" fill="hold">
+                                          <p:stCondLst>
+                                            <p:cond delay="0"/>
+                                          </p:stCondLst>
+                                        </p:cTn>
+                                        <p:tgtEl>
+                                          <p:spTgt spid="24"/>
+                                        </p:tgtEl>
+                                        <p:attrNameLst>
+                                          <p:attrName>style.visibility</p:attrName>
+                                        </p:attrNameLst>
+                                      </p:cBhvr>
+                                      <p:to>
+                                        <p:strVal val="visible"/>
+                                      </p:to>
+                                    </p:set>
+                                  </p:childTnLst>
+                                </p:cTn>
+                              </p:par>
+                            </p:childTnLst>
+                          </p:cTn>
+                        </p:par>
+                      </p:childTnLst>
+                    </p:cTn>
+                  </p:par>
+                  <p:par>
+                    <p:cTn id="30" fill="hold">
+                      <p:stCondLst>
+                        <p:cond delay="indefinite"/>
+                      </p:stCondLst>
+                      <p:childTnLst>
+                        <p:par>
+                          <p:cTn id="31" fill="hold">
+                            <p:stCondLst>
+                              <p:cond delay="0"/>
+                            </p:stCondLst>
+                            <p:childTnLst>
+                              <p:par>
+                                <p:cTn id="32" presetID="1" presetClass="entr" presetSubtype="0" fill="hold" nodeType="clickEffect">
+                                  <p:stCondLst>
+                                    <p:cond delay="0"/>
+                                  </p:stCondLst>
+                                  <p:childTnLst>
+                                    <p:set>
+                                      <p:cBhvr>
+                                        <p:cTn id="33" dur="1" fill="hold">
+                                          <p:stCondLst>
+                                            <p:cond delay="0"/>
+                                          </p:stCondLst>
+                                        </p:cTn>
+                                        <p:tgtEl>
+                                          <p:spTgt spid="7"/>
+                                        </p:tgtEl>
+                                        <p:attrNameLst>
+                                          <p:attrName>style.visibility</p:attrName>
+                                        </p:attrNameLst>
+                                      </p:cBhvr>
+                                      <p:to>
+                                        <p:strVal val="visible"/>
+                                      </p:to>
+                                    </p:set>
+                                  </p:childTnLst>
+                                </p:cTn>
+                              </p:par>
+                            </p:childTnLst>
+                          </p:cTn>
+                        </p:par>
+                      </p:childTnLst>
+                    </p:cTn>
+                  </p:par>
+                  <p:par>
+                    <p:cTn id="34" fill="hold">
+                      <p:stCondLst>
+                        <p:cond delay="indefinite"/>
+                      </p:stCondLst>
+                      <p:childTnLst>
+                        <p:par>
+                          <p:cTn id="35" fill="hold">
+                            <p:stCondLst>
+                              <p:cond delay="0"/>
+                            </p:stCondLst>
+                            <p:childTnLst>
+                              <p:par>
+                                <p:cTn id="36" presetID="42" presetClass="path" presetSubtype="0" accel="50000" decel="50000" fill="hold" nodeType="clickEffect">
+                                  <p:stCondLst>
+                                    <p:cond delay="0"/>
+                                  </p:stCondLst>
+                                  <p:childTnLst>
+                                    <p:animMotion origin="layout" path="M 4.375E-6 2.59259E-6 L 0.15638 0.00092 " pathEditMode="relative" rAng="0" ptsTypes="AA">
+                                      <p:cBhvr>
+                                        <p:cTn id="37" dur="2000" fill="hold"/>
+                                        <p:tgtEl>
+                                          <p:spTgt spid="7"/>
+                                        </p:tgtEl>
+                                        <p:attrNameLst>
+                                          <p:attrName>ppt_x</p:attrName>
+                                          <p:attrName>ppt_y</p:attrName>
+                                        </p:attrNameLst>
+                                      </p:cBhvr>
+                                      <p:rCtr x="7813" y="46"/>
+                                    </p:animMotion>
+                                  </p:childTnLst>
+                                </p:cTn>
+                              </p:par>
+                            </p:childTnLst>
+                          </p:cTn>
+                        </p:par>
+                      </p:childTnLst>
+                    </p:cTn>
+                  </p:par>
+                  <p:par>
+                    <p:cTn id="38" fill="hold">
+                      <p:stCondLst>
+                        <p:cond delay="indefinite"/>
+                      </p:stCondLst>
+                      <p:childTnLst>
+                        <p:par>
+                          <p:cTn id="39" fill="hold">
+                            <p:stCondLst>
+                              <p:cond delay="0"/>
+                            </p:stCondLst>
+                            <p:childTnLst>
+                              <p:par>
+                                <p:cTn id="40" presetID="10" presetClass="entr" presetSubtype="0" fill="hold" grpId="0" nodeType="clickEffect">
+                                  <p:stCondLst>
+                                    <p:cond delay="0"/>
+                                  </p:stCondLst>
+                                  <p:childTnLst>
+                                    <p:set>
+                                      <p:cBhvr>
+                                        <p:cTn id="41" dur="1" fill="hold">
+                                          <p:stCondLst>
+                                            <p:cond delay="0"/>
+                                          </p:stCondLst>
+                                        </p:cTn>
+                                        <p:tgtEl>
+                                          <p:spTgt spid="29"/>
+                                        </p:tgtEl>
+                                        <p:attrNameLst>
+                                          <p:attrName>style.visibility</p:attrName>
+                                        </p:attrNameLst>
+                                      </p:cBhvr>
+                                      <p:to>
+                                        <p:strVal val="visible"/>
+                                      </p:to>
+                                    </p:set>
+                                    <p:animEffect transition="in" filter="fade">
+                                      <p:cBhvr>
+                                        <p:cTn id="42" dur="500"/>
+                                        <p:tgtEl>
+                                          <p:spTgt spid="29"/>
+                                        </p:tgtEl>
+                                      </p:cBhvr>
+                                    </p:animEffect>
+                                  </p:childTnLst>
+                                </p:cTn>
+                              </p:par>
+                            </p:childTnLst>
+                          </p:cTn>
+                        </p:par>
+                      </p:childTnLst>
+                    </p:cTn>
+                  </p:par>
+                  <p:par>
+                    <p:cTn id="43" fill="hold">
+                      <p:stCondLst>
+                        <p:cond delay="indefinite"/>
+                      </p:stCondLst>
+                      <p:childTnLst>
+                        <p:par>
+                          <p:cTn id="44" fill="hold">
+                            <p:stCondLst>
+                              <p:cond delay="0"/>
+                            </p:stCondLst>
+                            <p:childTnLst>
+                              <p:par>
+                                <p:cTn id="45" presetID="1" presetClass="entr" presetSubtype="0" fill="hold" nodeType="clickEffect">
+                                  <p:stCondLst>
+                                    <p:cond delay="0"/>
+                                  </p:stCondLst>
+                                  <p:childTnLst>
+                                    <p:set>
+                                      <p:cBhvr>
+                                        <p:cTn id="46" dur="1" fill="hold">
+                                          <p:stCondLst>
+                                            <p:cond delay="0"/>
+                                          </p:stCondLst>
+                                        </p:cTn>
+                                        <p:tgtEl>
+                                          <p:spTgt spid="25"/>
+                                        </p:tgtEl>
+                                        <p:attrNameLst>
+                                          <p:attrName>style.visibility</p:attrName>
+                                        </p:attrNameLst>
+                                      </p:cBhvr>
+                                      <p:to>
+                                        <p:strVal val="visible"/>
+                                      </p:to>
+                                    </p:set>
+                                  </p:childTnLst>
+                                </p:cTn>
+                              </p:par>
+                            </p:childTnLst>
+                          </p:cTn>
+                        </p:par>
+                      </p:childTnLst>
+                    </p:cTn>
+                  </p:par>
+                  <p:par>
+                    <p:cTn id="47" fill="hold">
+                      <p:stCondLst>
+                        <p:cond delay="indefinite"/>
+                      </p:stCondLst>
+                      <p:childTnLst>
+                        <p:par>
+                          <p:cTn id="48" fill="hold">
+                            <p:stCondLst>
+                              <p:cond delay="0"/>
+                            </p:stCondLst>
+                            <p:childTnLst>
+                              <p:par>
+                                <p:cTn id="49" presetID="1" presetClass="entr" presetSubtype="0" fill="hold" nodeType="clickEffect">
+                                  <p:stCondLst>
+                                    <p:cond delay="0"/>
+                                  </p:stCondLst>
+                                  <p:childTnLst>
+                                    <p:set>
+                                      <p:cBhvr>
+                                        <p:cTn id="50" dur="1" fill="hold">
+                                          <p:stCondLst>
+                                            <p:cond delay="0"/>
+                                          </p:stCondLst>
+                                        </p:cTn>
+                                        <p:tgtEl>
+                                          <p:spTgt spid="31"/>
+                                        </p:tgtEl>
+                                        <p:attrNameLst>
+                                          <p:attrName>style.visibility</p:attrName>
+                                        </p:attrNameLst>
+                                      </p:cBhvr>
+                                      <p:to>
+                                        <p:strVal val="visible"/>
+                                      </p:to>
+                                    </p:set>
+                                  </p:childTnLst>
+                                </p:cTn>
+                              </p:par>
+                            </p:childTnLst>
+                          </p:cTn>
+                        </p:par>
+                      </p:childTnLst>
+                    </p:cTn>
+                  </p:par>
+                  <p:par>
+                    <p:cTn id="51" fill="hold">
+                      <p:stCondLst>
+                        <p:cond delay="indefinite"/>
+                      </p:stCondLst>
+                      <p:childTnLst>
+                        <p:par>
+                          <p:cTn id="52" fill="hold">
+                            <p:stCondLst>
+                              <p:cond delay="0"/>
+                            </p:stCondLst>
+                            <p:childTnLst>
+                              <p:par>
+                                <p:cTn id="53" presetID="42" presetClass="path" presetSubtype="0" accel="50000" decel="50000" fill="hold" nodeType="clickEffect">
+                                  <p:stCondLst>
+                                    <p:cond delay="0"/>
+                                  </p:stCondLst>
+                                  <p:childTnLst>
+                                    <p:animMotion origin="layout" path="M -4.58333E-6 4.81481E-6 L 0.13204 0.08657 " pathEditMode="relative" rAng="0" ptsTypes="AA">
+                                      <p:cBhvr>
+                                        <p:cTn id="54" dur="2000" fill="hold"/>
+                                        <p:tgtEl>
+                                          <p:spTgt spid="31"/>
+                                        </p:tgtEl>
+                                        <p:attrNameLst>
+                                          <p:attrName>ppt_x</p:attrName>
+                                          <p:attrName>ppt_y</p:attrName>
+                                        </p:attrNameLst>
+                                      </p:cBhvr>
+                                      <p:rCtr x="6602" y="4329"/>
+                                    </p:animMotion>
+                                  </p:childTnLst>
+                                </p:cTn>
+                              </p:par>
+                            </p:childTnLst>
+                          </p:cTn>
+                        </p:par>
+                      </p:childTnLst>
+                    </p:cTn>
+                  </p:par>
+                  <p:par>
+                    <p:cTn id="55" fill="hold">
+                      <p:stCondLst>
+                        <p:cond delay="indefinite"/>
+                      </p:stCondLst>
+                      <p:childTnLst>
+                        <p:par>
+                          <p:cTn id="56" fill="hold">
+                            <p:stCondLst>
+                              <p:cond delay="0"/>
+                            </p:stCondLst>
+                            <p:childTnLst>
+                              <p:par>
+                                <p:cTn id="57" presetID="10" presetClass="entr" presetSubtype="0" fill="hold" grpId="0" nodeType="clickEffect">
+                                  <p:stCondLst>
+                                    <p:cond delay="0"/>
+                                  </p:stCondLst>
+                                  <p:childTnLst>
+                                    <p:set>
+                                      <p:cBhvr>
+                                        <p:cTn id="58" dur="1" fill="hold">
+                                          <p:stCondLst>
+                                            <p:cond delay="0"/>
+                                          </p:stCondLst>
+                                        </p:cTn>
+                                        <p:tgtEl>
+                                          <p:spTgt spid="30"/>
+                                        </p:tgtEl>
+                                        <p:attrNameLst>
+                                          <p:attrName>style.visibility</p:attrName>
+                                        </p:attrNameLst>
+                                      </p:cBhvr>
+                                      <p:to>
+                                        <p:strVal val="visible"/>
+                                      </p:to>
+                                    </p:set>
+                                    <p:animEffect transition="in" filter="fade">
+                                      <p:cBhvr>
+                                        <p:cTn id="59" dur="500"/>
+                                        <p:tgtEl>
+                                          <p:spTgt spid="30"/>
+                                        </p:tgtEl>
+                                      </p:cBhvr>
+                                    </p:animEffect>
+                                  </p:childTnLst>
+                                </p:cTn>
+                              </p:par>
+                            </p:childTnLst>
+                          </p:cTn>
+                        </p:par>
+                      </p:childTnLst>
+                    </p:cTn>
+                  </p:par>
+                  <p:par>
+                    <p:cTn id="60" fill="hold">
+                      <p:stCondLst>
+                        <p:cond delay="indefinite"/>
+                      </p:stCondLst>
+                      <p:childTnLst>
+                        <p:par>
+                          <p:cTn id="61" fill="hold">
+                            <p:stCondLst>
+                              <p:cond delay="0"/>
+                            </p:stCondLst>
+                            <p:childTnLst>
+                              <p:par>
+                                <p:cTn id="62" presetID="1" presetClass="entr" presetSubtype="0" fill="hold" nodeType="clickEffect">
+                                  <p:stCondLst>
+                                    <p:cond delay="0"/>
+                                  </p:stCondLst>
+                                  <p:childTnLst>
+                                    <p:set>
+                                      <p:cBhvr>
+                                        <p:cTn id="63" dur="1" fill="hold">
+                                          <p:stCondLst>
+                                            <p:cond delay="0"/>
+                                          </p:stCondLst>
+                                        </p:cTn>
+                                        <p:tgtEl>
+                                          <p:spTgt spid="26"/>
                                         </p:tgtEl>
                                         <p:attrNameLst>
                                           <p:attrName>style.visibility</p:attrName>
@@ -14689,14 +13626,1252 @@
       </p:par>
     </p:tnLst>
     <p:bldLst>
-      <p:bldP spid="18" grpId="0" animBg="1"/>
-      <p:bldP spid="19" grpId="0" animBg="1"/>
+      <p:bldP spid="9" grpId="0" animBg="1"/>
+      <p:bldP spid="27" grpId="0" animBg="1"/>
+      <p:bldP spid="28" grpId="0" animBg="1"/>
+      <p:bldP spid="29" grpId="0" animBg="1"/>
+      <p:bldP spid="30" grpId="0" animBg="1"/>
     </p:bldLst>
   </p:timing>
 </p:sld>
 </file>
 
-<file path=ppt/slides/slide6.xml><?xml version="1.0" encoding="utf-8"?>
+<file path=ppt/slides/slide18.xml><?xml version="1.0" encoding="utf-8"?>
+<p:sld xmlns:a="http://schemas.openxmlformats.org/drawingml/2006/main" xmlns:r="http://schemas.openxmlformats.org/officeDocument/2006/relationships" xmlns:p="http://schemas.openxmlformats.org/presentationml/2006/main">
+  <p:cSld>
+    <p:bg>
+      <p:bgPr>
+        <a:solidFill>
+          <a:schemeClr val="tx1">
+            <a:lumMod val="85000"/>
+            <a:lumOff val="15000"/>
+          </a:schemeClr>
+        </a:solidFill>
+        <a:effectLst/>
+      </p:bgPr>
+    </p:bg>
+    <p:spTree>
+      <p:nvGrpSpPr>
+        <p:cNvPr id="1" name=""/>
+        <p:cNvGrpSpPr/>
+        <p:nvPr/>
+      </p:nvGrpSpPr>
+      <p:grpSpPr>
+        <a:xfrm>
+          <a:off x="0" y="0"/>
+          <a:ext cx="0" cy="0"/>
+          <a:chOff x="0" y="0"/>
+          <a:chExt cx="0" cy="0"/>
+        </a:xfrm>
+      </p:grpSpPr>
+      <p:sp>
+        <p:nvSpPr>
+          <p:cNvPr id="2" name="Title 1">
+            <a:extLst>
+              <a:ext uri="{FF2B5EF4-FFF2-40B4-BE49-F238E27FC236}">
+                <a16:creationId xmlns:a16="http://schemas.microsoft.com/office/drawing/2014/main" id="{36017D3D-0042-4BC6-92A9-9F4A35242BEC}"/>
+              </a:ext>
+            </a:extLst>
+          </p:cNvPr>
+          <p:cNvSpPr>
+            <a:spLocks noGrp="1"/>
+          </p:cNvSpPr>
+          <p:nvPr>
+            <p:ph type="title"/>
+          </p:nvPr>
+        </p:nvSpPr>
+        <p:spPr>
+          <a:xfrm>
+            <a:off x="838200" y="480885"/>
+            <a:ext cx="10515600" cy="1325563"/>
+          </a:xfrm>
+        </p:spPr>
+        <p:txBody>
+          <a:bodyPr/>
+          <a:lstStyle/>
+          <a:p>
+            <a:pPr algn="ctr"/>
+            <a:r>
+              <a:rPr lang="th-TH" b="1" dirty="0">
+                <a:solidFill>
+                  <a:schemeClr val="bg1"/>
+                </a:solidFill>
+                <a:latin typeface="TH SarabunPSK" panose="020B0500040200020003" pitchFamily="34" charset="-34"/>
+                <a:cs typeface="TH SarabunPSK" panose="020B0500040200020003" pitchFamily="34" charset="-34"/>
+              </a:rPr>
+              <a:t>หลักการทำงานส่วนการซื้อขายเดิม</a:t>
+            </a:r>
+          </a:p>
+        </p:txBody>
+      </p:sp>
+      <p:pic>
+        <p:nvPicPr>
+          <p:cNvPr id="4" name="Picture 3">
+            <a:extLst>
+              <a:ext uri="{FF2B5EF4-FFF2-40B4-BE49-F238E27FC236}">
+                <a16:creationId xmlns:a16="http://schemas.microsoft.com/office/drawing/2014/main" id="{90ADEC6B-FDB4-4129-AF06-7F9AAD11D107}"/>
+              </a:ext>
+            </a:extLst>
+          </p:cNvPr>
+          <p:cNvPicPr>
+            <a:picLocks noChangeAspect="1"/>
+          </p:cNvPicPr>
+          <p:nvPr/>
+        </p:nvPicPr>
+        <p:blipFill>
+          <a:blip r:embed="rId2">
+            <a:extLst>
+              <a:ext uri="{28A0092B-C50C-407E-A947-70E740481C1C}">
+                <a14:useLocalDpi xmlns:a14="http://schemas.microsoft.com/office/drawing/2010/main" val="0"/>
+              </a:ext>
+            </a:extLst>
+          </a:blip>
+          <a:stretch>
+            <a:fillRect/>
+          </a:stretch>
+        </p:blipFill>
+        <p:spPr>
+          <a:xfrm>
+            <a:off x="2109787" y="1438207"/>
+            <a:ext cx="7591425" cy="89831"/>
+          </a:xfrm>
+          <a:prstGeom prst="rect">
+            <a:avLst/>
+          </a:prstGeom>
+        </p:spPr>
+      </p:pic>
+      <p:pic>
+        <p:nvPicPr>
+          <p:cNvPr id="12" name="Picture 11">
+            <a:extLst>
+              <a:ext uri="{FF2B5EF4-FFF2-40B4-BE49-F238E27FC236}">
+                <a16:creationId xmlns:a16="http://schemas.microsoft.com/office/drawing/2014/main" id="{88B7B8B7-5E32-4DF3-AD28-872AB3F15BFB}"/>
+              </a:ext>
+            </a:extLst>
+          </p:cNvPr>
+          <p:cNvPicPr>
+            <a:picLocks noChangeAspect="1"/>
+          </p:cNvPicPr>
+          <p:nvPr/>
+        </p:nvPicPr>
+        <p:blipFill>
+          <a:blip r:embed="rId3">
+            <a:extLst>
+              <a:ext uri="{28A0092B-C50C-407E-A947-70E740481C1C}">
+                <a14:useLocalDpi xmlns:a14="http://schemas.microsoft.com/office/drawing/2010/main" val="0"/>
+              </a:ext>
+            </a:extLst>
+          </a:blip>
+          <a:stretch>
+            <a:fillRect/>
+          </a:stretch>
+        </p:blipFill>
+        <p:spPr>
+          <a:xfrm>
+            <a:off x="2109787" y="2838010"/>
+            <a:ext cx="1033573" cy="1033573"/>
+          </a:xfrm>
+          <a:prstGeom prst="rect">
+            <a:avLst/>
+          </a:prstGeom>
+        </p:spPr>
+      </p:pic>
+      <p:sp>
+        <p:nvSpPr>
+          <p:cNvPr id="15" name="Arrow: Right 14">
+            <a:extLst>
+              <a:ext uri="{FF2B5EF4-FFF2-40B4-BE49-F238E27FC236}">
+                <a16:creationId xmlns:a16="http://schemas.microsoft.com/office/drawing/2014/main" id="{28AF7E77-F8F0-4DFD-BB35-4510DE0BC6DF}"/>
+              </a:ext>
+            </a:extLst>
+          </p:cNvPr>
+          <p:cNvSpPr/>
+          <p:nvPr/>
+        </p:nvSpPr>
+        <p:spPr>
+          <a:xfrm rot="10800000" flipH="1" flipV="1">
+            <a:off x="3439703" y="3281047"/>
+            <a:ext cx="1937640" cy="295904"/>
+          </a:xfrm>
+          <a:prstGeom prst="rightArrow">
+            <a:avLst/>
+          </a:prstGeom>
+        </p:spPr>
+        <p:style>
+          <a:lnRef idx="2">
+            <a:schemeClr val="accent2">
+              <a:shade val="50000"/>
+            </a:schemeClr>
+          </a:lnRef>
+          <a:fillRef idx="1">
+            <a:schemeClr val="accent2"/>
+          </a:fillRef>
+          <a:effectRef idx="0">
+            <a:schemeClr val="accent2"/>
+          </a:effectRef>
+          <a:fontRef idx="minor">
+            <a:schemeClr val="lt1"/>
+          </a:fontRef>
+        </p:style>
+        <p:txBody>
+          <a:bodyPr rtlCol="0" anchor="ctr"/>
+          <a:lstStyle/>
+          <a:p>
+            <a:pPr algn="ctr"/>
+            <a:endParaRPr lang="th-TH"/>
+          </a:p>
+        </p:txBody>
+      </p:sp>
+      <p:pic>
+        <p:nvPicPr>
+          <p:cNvPr id="5" name="Picture 4">
+            <a:extLst>
+              <a:ext uri="{FF2B5EF4-FFF2-40B4-BE49-F238E27FC236}">
+                <a16:creationId xmlns:a16="http://schemas.microsoft.com/office/drawing/2014/main" id="{0E6E7F32-A961-4192-9379-CDB8756F4BB4}"/>
+              </a:ext>
+            </a:extLst>
+          </p:cNvPr>
+          <p:cNvPicPr>
+            <a:picLocks noChangeAspect="1"/>
+          </p:cNvPicPr>
+          <p:nvPr/>
+        </p:nvPicPr>
+        <p:blipFill>
+          <a:blip r:embed="rId4">
+            <a:extLst>
+              <a:ext uri="{28A0092B-C50C-407E-A947-70E740481C1C}">
+                <a14:useLocalDpi xmlns:a14="http://schemas.microsoft.com/office/drawing/2010/main" val="0"/>
+              </a:ext>
+            </a:extLst>
+          </a:blip>
+          <a:stretch>
+            <a:fillRect/>
+          </a:stretch>
+        </p:blipFill>
+        <p:spPr>
+          <a:xfrm>
+            <a:off x="5454770" y="2912212"/>
+            <a:ext cx="1033573" cy="1033573"/>
+          </a:xfrm>
+          <a:prstGeom prst="rect">
+            <a:avLst/>
+          </a:prstGeom>
+        </p:spPr>
+      </p:pic>
+      <p:pic>
+        <p:nvPicPr>
+          <p:cNvPr id="7" name="Picture 6">
+            <a:extLst>
+              <a:ext uri="{FF2B5EF4-FFF2-40B4-BE49-F238E27FC236}">
+                <a16:creationId xmlns:a16="http://schemas.microsoft.com/office/drawing/2014/main" id="{7D3E258B-2A4C-4E68-8381-BA1AA018C299}"/>
+              </a:ext>
+            </a:extLst>
+          </p:cNvPr>
+          <p:cNvPicPr>
+            <a:picLocks noChangeAspect="1"/>
+          </p:cNvPicPr>
+          <p:nvPr/>
+        </p:nvPicPr>
+        <p:blipFill>
+          <a:blip r:embed="rId5">
+            <a:extLst>
+              <a:ext uri="{28A0092B-C50C-407E-A947-70E740481C1C}">
+                <a14:useLocalDpi xmlns:a14="http://schemas.microsoft.com/office/drawing/2010/main" val="0"/>
+              </a:ext>
+            </a:extLst>
+          </a:blip>
+          <a:stretch>
+            <a:fillRect/>
+          </a:stretch>
+        </p:blipFill>
+        <p:spPr>
+          <a:xfrm>
+            <a:off x="3439703" y="2912212"/>
+            <a:ext cx="696069" cy="309488"/>
+          </a:xfrm>
+          <a:prstGeom prst="rect">
+            <a:avLst/>
+          </a:prstGeom>
+        </p:spPr>
+      </p:pic>
+      <p:pic>
+        <p:nvPicPr>
+          <p:cNvPr id="24" name="Picture 23">
+            <a:extLst>
+              <a:ext uri="{FF2B5EF4-FFF2-40B4-BE49-F238E27FC236}">
+                <a16:creationId xmlns:a16="http://schemas.microsoft.com/office/drawing/2014/main" id="{6BD4090A-0559-41C9-AB8E-EE782006D407}"/>
+              </a:ext>
+            </a:extLst>
+          </p:cNvPr>
+          <p:cNvPicPr>
+            <a:picLocks noChangeAspect="1"/>
+          </p:cNvPicPr>
+          <p:nvPr/>
+        </p:nvPicPr>
+        <p:blipFill>
+          <a:blip r:embed="rId6">
+            <a:extLst>
+              <a:ext uri="{28A0092B-C50C-407E-A947-70E740481C1C}">
+                <a14:useLocalDpi xmlns:a14="http://schemas.microsoft.com/office/drawing/2010/main" val="0"/>
+              </a:ext>
+            </a:extLst>
+          </a:blip>
+          <a:stretch>
+            <a:fillRect/>
+          </a:stretch>
+        </p:blipFill>
+        <p:spPr>
+          <a:xfrm>
+            <a:off x="5352620" y="5419793"/>
+            <a:ext cx="1237871" cy="1218222"/>
+          </a:xfrm>
+          <a:prstGeom prst="rect">
+            <a:avLst/>
+          </a:prstGeom>
+        </p:spPr>
+      </p:pic>
+      <p:sp>
+        <p:nvSpPr>
+          <p:cNvPr id="25" name="Arrow: Right 24">
+            <a:extLst>
+              <a:ext uri="{FF2B5EF4-FFF2-40B4-BE49-F238E27FC236}">
+                <a16:creationId xmlns:a16="http://schemas.microsoft.com/office/drawing/2014/main" id="{3A2F52AF-D953-4AFB-8CD2-FB5144D81D50}"/>
+              </a:ext>
+            </a:extLst>
+          </p:cNvPr>
+          <p:cNvSpPr/>
+          <p:nvPr/>
+        </p:nvSpPr>
+        <p:spPr>
+          <a:xfrm rot="16200000" flipH="1" flipV="1">
+            <a:off x="5362443" y="4674484"/>
+            <a:ext cx="1218222" cy="272397"/>
+          </a:xfrm>
+          <a:prstGeom prst="rightArrow">
+            <a:avLst/>
+          </a:prstGeom>
+        </p:spPr>
+        <p:style>
+          <a:lnRef idx="2">
+            <a:schemeClr val="accent2">
+              <a:shade val="50000"/>
+            </a:schemeClr>
+          </a:lnRef>
+          <a:fillRef idx="1">
+            <a:schemeClr val="accent2"/>
+          </a:fillRef>
+          <a:effectRef idx="0">
+            <a:schemeClr val="accent2"/>
+          </a:effectRef>
+          <a:fontRef idx="minor">
+            <a:schemeClr val="lt1"/>
+          </a:fontRef>
+        </p:style>
+        <p:txBody>
+          <a:bodyPr rtlCol="0" anchor="ctr"/>
+          <a:lstStyle/>
+          <a:p>
+            <a:pPr algn="ctr"/>
+            <a:endParaRPr lang="th-TH"/>
+          </a:p>
+        </p:txBody>
+      </p:sp>
+      <p:pic>
+        <p:nvPicPr>
+          <p:cNvPr id="26" name="Picture 25">
+            <a:extLst>
+              <a:ext uri="{FF2B5EF4-FFF2-40B4-BE49-F238E27FC236}">
+                <a16:creationId xmlns:a16="http://schemas.microsoft.com/office/drawing/2014/main" id="{C3558506-4FC0-457E-9A7C-68FFE98E6CAE}"/>
+              </a:ext>
+            </a:extLst>
+          </p:cNvPr>
+          <p:cNvPicPr>
+            <a:picLocks noChangeAspect="1"/>
+          </p:cNvPicPr>
+          <p:nvPr/>
+        </p:nvPicPr>
+        <p:blipFill>
+          <a:blip r:embed="rId5">
+            <a:extLst>
+              <a:ext uri="{28A0092B-C50C-407E-A947-70E740481C1C}">
+                <a14:useLocalDpi xmlns:a14="http://schemas.microsoft.com/office/drawing/2010/main" val="0"/>
+              </a:ext>
+            </a:extLst>
+          </a:blip>
+          <a:stretch>
+            <a:fillRect/>
+          </a:stretch>
+        </p:blipFill>
+        <p:spPr>
+          <a:xfrm>
+            <a:off x="6242453" y="4188885"/>
+            <a:ext cx="696069" cy="309488"/>
+          </a:xfrm>
+          <a:prstGeom prst="rect">
+            <a:avLst/>
+          </a:prstGeom>
+        </p:spPr>
+      </p:pic>
+      <p:pic>
+        <p:nvPicPr>
+          <p:cNvPr id="1026" name="Picture 2">
+            <a:extLst>
+              <a:ext uri="{FF2B5EF4-FFF2-40B4-BE49-F238E27FC236}">
+                <a16:creationId xmlns:a16="http://schemas.microsoft.com/office/drawing/2014/main" id="{1508DE76-05E9-431C-BDA9-2127D7B44EB5}"/>
+              </a:ext>
+            </a:extLst>
+          </p:cNvPr>
+          <p:cNvPicPr>
+            <a:picLocks noChangeAspect="1" noChangeArrowheads="1"/>
+          </p:cNvPicPr>
+          <p:nvPr/>
+        </p:nvPicPr>
+        <p:blipFill>
+          <a:blip r:embed="rId7">
+            <a:extLst>
+              <a:ext uri="{28A0092B-C50C-407E-A947-70E740481C1C}">
+                <a14:useLocalDpi xmlns:a14="http://schemas.microsoft.com/office/drawing/2010/main" val="0"/>
+              </a:ext>
+            </a:extLst>
+          </a:blip>
+          <a:srcRect/>
+          <a:stretch>
+            <a:fillRect/>
+          </a:stretch>
+        </p:blipFill>
+        <p:spPr bwMode="auto">
+          <a:xfrm>
+            <a:off x="5279863" y="4775783"/>
+            <a:ext cx="550353" cy="550353"/>
+          </a:xfrm>
+          <a:prstGeom prst="rect">
+            <a:avLst/>
+          </a:prstGeom>
+          <a:noFill/>
+          <a:extLst>
+            <a:ext uri="{909E8E84-426E-40DD-AFC4-6F175D3DCCD1}">
+              <a14:hiddenFill xmlns:a14="http://schemas.microsoft.com/office/drawing/2010/main">
+                <a:solidFill>
+                  <a:srgbClr val="FFFFFF"/>
+                </a:solidFill>
+              </a14:hiddenFill>
+            </a:ext>
+          </a:extLst>
+        </p:spPr>
+      </p:pic>
+      <p:pic>
+        <p:nvPicPr>
+          <p:cNvPr id="27" name="Picture 2">
+            <a:extLst>
+              <a:ext uri="{FF2B5EF4-FFF2-40B4-BE49-F238E27FC236}">
+                <a16:creationId xmlns:a16="http://schemas.microsoft.com/office/drawing/2014/main" id="{66CADD89-7F76-4BB5-96CC-392D2DE198B0}"/>
+              </a:ext>
+            </a:extLst>
+          </p:cNvPr>
+          <p:cNvPicPr>
+            <a:picLocks noChangeAspect="1" noChangeArrowheads="1"/>
+          </p:cNvPicPr>
+          <p:nvPr/>
+        </p:nvPicPr>
+        <p:blipFill>
+          <a:blip r:embed="rId7">
+            <a:extLst>
+              <a:ext uri="{28A0092B-C50C-407E-A947-70E740481C1C}">
+                <a14:useLocalDpi xmlns:a14="http://schemas.microsoft.com/office/drawing/2010/main" val="0"/>
+              </a:ext>
+            </a:extLst>
+          </a:blip>
+          <a:srcRect/>
+          <a:stretch>
+            <a:fillRect/>
+          </a:stretch>
+        </p:blipFill>
+        <p:spPr bwMode="auto">
+          <a:xfrm>
+            <a:off x="4787255" y="3565916"/>
+            <a:ext cx="550353" cy="550353"/>
+          </a:xfrm>
+          <a:prstGeom prst="rect">
+            <a:avLst/>
+          </a:prstGeom>
+          <a:noFill/>
+          <a:extLst>
+            <a:ext uri="{909E8E84-426E-40DD-AFC4-6F175D3DCCD1}">
+              <a14:hiddenFill xmlns:a14="http://schemas.microsoft.com/office/drawing/2010/main">
+                <a:solidFill>
+                  <a:srgbClr val="FFFFFF"/>
+                </a:solidFill>
+              </a14:hiddenFill>
+            </a:ext>
+          </a:extLst>
+        </p:spPr>
+      </p:pic>
+      <p:sp>
+        <p:nvSpPr>
+          <p:cNvPr id="9" name="Right Brace 8">
+            <a:extLst>
+              <a:ext uri="{FF2B5EF4-FFF2-40B4-BE49-F238E27FC236}">
+                <a16:creationId xmlns:a16="http://schemas.microsoft.com/office/drawing/2014/main" id="{98237D49-AB1E-4FF1-82B2-3F6627EEED4F}"/>
+              </a:ext>
+            </a:extLst>
+          </p:cNvPr>
+          <p:cNvSpPr/>
+          <p:nvPr/>
+        </p:nvSpPr>
+        <p:spPr>
+          <a:xfrm>
+            <a:off x="7290033" y="4116269"/>
+            <a:ext cx="696069" cy="2343254"/>
+          </a:xfrm>
+          <a:prstGeom prst="rightBrace">
+            <a:avLst/>
+          </a:prstGeom>
+        </p:spPr>
+        <p:style>
+          <a:lnRef idx="3">
+            <a:schemeClr val="accent1"/>
+          </a:lnRef>
+          <a:fillRef idx="0">
+            <a:schemeClr val="accent1"/>
+          </a:fillRef>
+          <a:effectRef idx="2">
+            <a:schemeClr val="accent1"/>
+          </a:effectRef>
+          <a:fontRef idx="minor">
+            <a:schemeClr val="tx1"/>
+          </a:fontRef>
+        </p:style>
+        <p:txBody>
+          <a:bodyPr rtlCol="0" anchor="ctr"/>
+          <a:lstStyle/>
+          <a:p>
+            <a:pPr algn="ctr"/>
+            <a:endParaRPr lang="th-TH"/>
+          </a:p>
+        </p:txBody>
+      </p:sp>
+      <p:pic>
+        <p:nvPicPr>
+          <p:cNvPr id="1028" name="Picture 4" descr="ผลการค้นหารูปภาพสำหรับ clock gif">
+            <a:extLst>
+              <a:ext uri="{FF2B5EF4-FFF2-40B4-BE49-F238E27FC236}">
+                <a16:creationId xmlns:a16="http://schemas.microsoft.com/office/drawing/2014/main" id="{85462307-FA73-40A8-BDB1-1C9AB269743C}"/>
+              </a:ext>
+            </a:extLst>
+          </p:cNvPr>
+          <p:cNvPicPr>
+            <a:picLocks noChangeAspect="1" noChangeArrowheads="1" noCrop="1"/>
+          </p:cNvPicPr>
+          <p:nvPr/>
+        </p:nvPicPr>
+        <p:blipFill>
+          <a:blip r:embed="rId8">
+            <a:extLst>
+              <a:ext uri="{28A0092B-C50C-407E-A947-70E740481C1C}">
+                <a14:useLocalDpi xmlns:a14="http://schemas.microsoft.com/office/drawing/2010/main" val="0"/>
+              </a:ext>
+            </a:extLst>
+          </a:blip>
+          <a:srcRect/>
+          <a:stretch>
+            <a:fillRect/>
+          </a:stretch>
+        </p:blipFill>
+        <p:spPr bwMode="auto">
+          <a:xfrm>
+            <a:off x="7986102" y="4693432"/>
+            <a:ext cx="1625589" cy="1188928"/>
+          </a:xfrm>
+          <a:prstGeom prst="rect">
+            <a:avLst/>
+          </a:prstGeom>
+          <a:noFill/>
+          <a:extLst>
+            <a:ext uri="{909E8E84-426E-40DD-AFC4-6F175D3DCCD1}">
+              <a14:hiddenFill xmlns:a14="http://schemas.microsoft.com/office/drawing/2010/main">
+                <a:solidFill>
+                  <a:srgbClr val="FFFFFF"/>
+                </a:solidFill>
+              </a14:hiddenFill>
+            </a:ext>
+          </a:extLst>
+        </p:spPr>
+      </p:pic>
+    </p:spTree>
+    <p:extLst>
+      <p:ext uri="{BB962C8B-B14F-4D97-AF65-F5344CB8AC3E}">
+        <p14:creationId xmlns:p14="http://schemas.microsoft.com/office/powerpoint/2010/main" val="311412703"/>
+      </p:ext>
+    </p:extLst>
+  </p:cSld>
+  <p:clrMapOvr>
+    <a:masterClrMapping/>
+  </p:clrMapOvr>
+  <p:timing>
+    <p:tnLst>
+      <p:par>
+        <p:cTn id="1" dur="indefinite" restart="never" nodeType="tmRoot">
+          <p:childTnLst>
+            <p:seq concurrent="1" nextAc="seek">
+              <p:cTn id="2" dur="indefinite" nodeType="mainSeq">
+                <p:childTnLst>
+                  <p:par>
+                    <p:cTn id="3" fill="hold">
+                      <p:stCondLst>
+                        <p:cond delay="indefinite"/>
+                      </p:stCondLst>
+                      <p:childTnLst>
+                        <p:par>
+                          <p:cTn id="4" fill="hold">
+                            <p:stCondLst>
+                              <p:cond delay="0"/>
+                            </p:stCondLst>
+                            <p:childTnLst>
+                              <p:par>
+                                <p:cTn id="5" presetID="10" presetClass="entr" presetSubtype="0" fill="hold" grpId="0" nodeType="clickEffect">
+                                  <p:stCondLst>
+                                    <p:cond delay="0"/>
+                                  </p:stCondLst>
+                                  <p:childTnLst>
+                                    <p:set>
+                                      <p:cBhvr>
+                                        <p:cTn id="6" dur="1" fill="hold">
+                                          <p:stCondLst>
+                                            <p:cond delay="0"/>
+                                          </p:stCondLst>
+                                        </p:cTn>
+                                        <p:tgtEl>
+                                          <p:spTgt spid="15"/>
+                                        </p:tgtEl>
+                                        <p:attrNameLst>
+                                          <p:attrName>style.visibility</p:attrName>
+                                        </p:attrNameLst>
+                                      </p:cBhvr>
+                                      <p:to>
+                                        <p:strVal val="visible"/>
+                                      </p:to>
+                                    </p:set>
+                                    <p:animEffect transition="in" filter="fade">
+                                      <p:cBhvr>
+                                        <p:cTn id="7" dur="500"/>
+                                        <p:tgtEl>
+                                          <p:spTgt spid="15"/>
+                                        </p:tgtEl>
+                                      </p:cBhvr>
+                                    </p:animEffect>
+                                  </p:childTnLst>
+                                </p:cTn>
+                              </p:par>
+                            </p:childTnLst>
+                          </p:cTn>
+                        </p:par>
+                      </p:childTnLst>
+                    </p:cTn>
+                  </p:par>
+                  <p:par>
+                    <p:cTn id="8" fill="hold">
+                      <p:stCondLst>
+                        <p:cond delay="indefinite"/>
+                      </p:stCondLst>
+                      <p:childTnLst>
+                        <p:par>
+                          <p:cTn id="9" fill="hold">
+                            <p:stCondLst>
+                              <p:cond delay="0"/>
+                            </p:stCondLst>
+                            <p:childTnLst>
+                              <p:par>
+                                <p:cTn id="10" presetID="1" presetClass="entr" presetSubtype="0" fill="hold" nodeType="clickEffect">
+                                  <p:stCondLst>
+                                    <p:cond delay="0"/>
+                                  </p:stCondLst>
+                                  <p:childTnLst>
+                                    <p:set>
+                                      <p:cBhvr>
+                                        <p:cTn id="11" dur="1" fill="hold">
+                                          <p:stCondLst>
+                                            <p:cond delay="0"/>
+                                          </p:stCondLst>
+                                        </p:cTn>
+                                        <p:tgtEl>
+                                          <p:spTgt spid="5"/>
+                                        </p:tgtEl>
+                                        <p:attrNameLst>
+                                          <p:attrName>style.visibility</p:attrName>
+                                        </p:attrNameLst>
+                                      </p:cBhvr>
+                                      <p:to>
+                                        <p:strVal val="visible"/>
+                                      </p:to>
+                                    </p:set>
+                                  </p:childTnLst>
+                                </p:cTn>
+                              </p:par>
+                            </p:childTnLst>
+                          </p:cTn>
+                        </p:par>
+                      </p:childTnLst>
+                    </p:cTn>
+                  </p:par>
+                  <p:par>
+                    <p:cTn id="12" fill="hold">
+                      <p:stCondLst>
+                        <p:cond delay="indefinite"/>
+                      </p:stCondLst>
+                      <p:childTnLst>
+                        <p:par>
+                          <p:cTn id="13" fill="hold">
+                            <p:stCondLst>
+                              <p:cond delay="0"/>
+                            </p:stCondLst>
+                            <p:childTnLst>
+                              <p:par>
+                                <p:cTn id="14" presetID="1" presetClass="entr" presetSubtype="0" fill="hold" nodeType="clickEffect">
+                                  <p:stCondLst>
+                                    <p:cond delay="0"/>
+                                  </p:stCondLst>
+                                  <p:childTnLst>
+                                    <p:set>
+                                      <p:cBhvr>
+                                        <p:cTn id="15" dur="1" fill="hold">
+                                          <p:stCondLst>
+                                            <p:cond delay="0"/>
+                                          </p:stCondLst>
+                                        </p:cTn>
+                                        <p:tgtEl>
+                                          <p:spTgt spid="7"/>
+                                        </p:tgtEl>
+                                        <p:attrNameLst>
+                                          <p:attrName>style.visibility</p:attrName>
+                                        </p:attrNameLst>
+                                      </p:cBhvr>
+                                      <p:to>
+                                        <p:strVal val="visible"/>
+                                      </p:to>
+                                    </p:set>
+                                  </p:childTnLst>
+                                </p:cTn>
+                              </p:par>
+                            </p:childTnLst>
+                          </p:cTn>
+                        </p:par>
+                      </p:childTnLst>
+                    </p:cTn>
+                  </p:par>
+                  <p:par>
+                    <p:cTn id="16" fill="hold">
+                      <p:stCondLst>
+                        <p:cond delay="indefinite"/>
+                      </p:stCondLst>
+                      <p:childTnLst>
+                        <p:par>
+                          <p:cTn id="17" fill="hold">
+                            <p:stCondLst>
+                              <p:cond delay="0"/>
+                            </p:stCondLst>
+                            <p:childTnLst>
+                              <p:par>
+                                <p:cTn id="18" presetID="42" presetClass="path" presetSubtype="0" accel="50000" decel="50000" fill="hold" nodeType="clickEffect">
+                                  <p:stCondLst>
+                                    <p:cond delay="0"/>
+                                  </p:stCondLst>
+                                  <p:childTnLst>
+                                    <p:animMotion origin="layout" path="M 2.91667E-6 -7.40741E-7 L 0.1056 0.0007 " pathEditMode="relative" rAng="0" ptsTypes="AA">
+                                      <p:cBhvr>
+                                        <p:cTn id="19" dur="2000" fill="hold"/>
+                                        <p:tgtEl>
+                                          <p:spTgt spid="7"/>
+                                        </p:tgtEl>
+                                        <p:attrNameLst>
+                                          <p:attrName>ppt_x</p:attrName>
+                                          <p:attrName>ppt_y</p:attrName>
+                                        </p:attrNameLst>
+                                      </p:cBhvr>
+                                      <p:rCtr x="5273" y="23"/>
+                                    </p:animMotion>
+                                  </p:childTnLst>
+                                </p:cTn>
+                              </p:par>
+                            </p:childTnLst>
+                          </p:cTn>
+                        </p:par>
+                      </p:childTnLst>
+                    </p:cTn>
+                  </p:par>
+                  <p:par>
+                    <p:cTn id="20" fill="hold">
+                      <p:stCondLst>
+                        <p:cond delay="indefinite"/>
+                      </p:stCondLst>
+                      <p:childTnLst>
+                        <p:par>
+                          <p:cTn id="21" fill="hold">
+                            <p:stCondLst>
+                              <p:cond delay="0"/>
+                            </p:stCondLst>
+                            <p:childTnLst>
+                              <p:par>
+                                <p:cTn id="22" presetID="10" presetClass="entr" presetSubtype="0" fill="hold" grpId="0" nodeType="clickEffect">
+                                  <p:stCondLst>
+                                    <p:cond delay="0"/>
+                                  </p:stCondLst>
+                                  <p:childTnLst>
+                                    <p:set>
+                                      <p:cBhvr>
+                                        <p:cTn id="23" dur="1" fill="hold">
+                                          <p:stCondLst>
+                                            <p:cond delay="0"/>
+                                          </p:stCondLst>
+                                        </p:cTn>
+                                        <p:tgtEl>
+                                          <p:spTgt spid="25"/>
+                                        </p:tgtEl>
+                                        <p:attrNameLst>
+                                          <p:attrName>style.visibility</p:attrName>
+                                        </p:attrNameLst>
+                                      </p:cBhvr>
+                                      <p:to>
+                                        <p:strVal val="visible"/>
+                                      </p:to>
+                                    </p:set>
+                                    <p:animEffect transition="in" filter="fade">
+                                      <p:cBhvr>
+                                        <p:cTn id="24" dur="500"/>
+                                        <p:tgtEl>
+                                          <p:spTgt spid="25"/>
+                                        </p:tgtEl>
+                                      </p:cBhvr>
+                                    </p:animEffect>
+                                  </p:childTnLst>
+                                </p:cTn>
+                              </p:par>
+                            </p:childTnLst>
+                          </p:cTn>
+                        </p:par>
+                      </p:childTnLst>
+                    </p:cTn>
+                  </p:par>
+                  <p:par>
+                    <p:cTn id="25" fill="hold">
+                      <p:stCondLst>
+                        <p:cond delay="indefinite"/>
+                      </p:stCondLst>
+                      <p:childTnLst>
+                        <p:par>
+                          <p:cTn id="26" fill="hold">
+                            <p:stCondLst>
+                              <p:cond delay="0"/>
+                            </p:stCondLst>
+                            <p:childTnLst>
+                              <p:par>
+                                <p:cTn id="27" presetID="1" presetClass="entr" presetSubtype="0" fill="hold" nodeType="clickEffect">
+                                  <p:stCondLst>
+                                    <p:cond delay="0"/>
+                                  </p:stCondLst>
+                                  <p:childTnLst>
+                                    <p:set>
+                                      <p:cBhvr>
+                                        <p:cTn id="28" dur="1" fill="hold">
+                                          <p:stCondLst>
+                                            <p:cond delay="0"/>
+                                          </p:stCondLst>
+                                        </p:cTn>
+                                        <p:tgtEl>
+                                          <p:spTgt spid="24"/>
+                                        </p:tgtEl>
+                                        <p:attrNameLst>
+                                          <p:attrName>style.visibility</p:attrName>
+                                        </p:attrNameLst>
+                                      </p:cBhvr>
+                                      <p:to>
+                                        <p:strVal val="visible"/>
+                                      </p:to>
+                                    </p:set>
+                                  </p:childTnLst>
+                                </p:cTn>
+                              </p:par>
+                            </p:childTnLst>
+                          </p:cTn>
+                        </p:par>
+                      </p:childTnLst>
+                    </p:cTn>
+                  </p:par>
+                  <p:par>
+                    <p:cTn id="29" fill="hold">
+                      <p:stCondLst>
+                        <p:cond delay="indefinite"/>
+                      </p:stCondLst>
+                      <p:childTnLst>
+                        <p:par>
+                          <p:cTn id="30" fill="hold">
+                            <p:stCondLst>
+                              <p:cond delay="0"/>
+                            </p:stCondLst>
+                            <p:childTnLst>
+                              <p:par>
+                                <p:cTn id="31" presetID="1" presetClass="entr" presetSubtype="0" fill="hold" nodeType="clickEffect">
+                                  <p:stCondLst>
+                                    <p:cond delay="0"/>
+                                  </p:stCondLst>
+                                  <p:childTnLst>
+                                    <p:set>
+                                      <p:cBhvr>
+                                        <p:cTn id="32" dur="1" fill="hold">
+                                          <p:stCondLst>
+                                            <p:cond delay="0"/>
+                                          </p:stCondLst>
+                                        </p:cTn>
+                                        <p:tgtEl>
+                                          <p:spTgt spid="26"/>
+                                        </p:tgtEl>
+                                        <p:attrNameLst>
+                                          <p:attrName>style.visibility</p:attrName>
+                                        </p:attrNameLst>
+                                      </p:cBhvr>
+                                      <p:to>
+                                        <p:strVal val="visible"/>
+                                      </p:to>
+                                    </p:set>
+                                  </p:childTnLst>
+                                </p:cTn>
+                              </p:par>
+                            </p:childTnLst>
+                          </p:cTn>
+                        </p:par>
+                      </p:childTnLst>
+                    </p:cTn>
+                  </p:par>
+                  <p:par>
+                    <p:cTn id="33" fill="hold">
+                      <p:stCondLst>
+                        <p:cond delay="indefinite"/>
+                      </p:stCondLst>
+                      <p:childTnLst>
+                        <p:par>
+                          <p:cTn id="34" fill="hold">
+                            <p:stCondLst>
+                              <p:cond delay="0"/>
+                            </p:stCondLst>
+                            <p:childTnLst>
+                              <p:par>
+                                <p:cTn id="35" presetID="42" presetClass="path" presetSubtype="0" accel="50000" decel="50000" fill="hold" nodeType="clickEffect">
+                                  <p:stCondLst>
+                                    <p:cond delay="0"/>
+                                  </p:stCondLst>
+                                  <p:childTnLst>
+                                    <p:animMotion origin="layout" path="M -4.79167E-6 -3.33333E-6 L -4.79167E-6 0.14329 " pathEditMode="relative" rAng="0" ptsTypes="AA">
+                                      <p:cBhvr>
+                                        <p:cTn id="36" dur="2000" fill="hold"/>
+                                        <p:tgtEl>
+                                          <p:spTgt spid="26"/>
+                                        </p:tgtEl>
+                                        <p:attrNameLst>
+                                          <p:attrName>ppt_x</p:attrName>
+                                          <p:attrName>ppt_y</p:attrName>
+                                        </p:attrNameLst>
+                                      </p:cBhvr>
+                                      <p:rCtr x="0" y="7153"/>
+                                    </p:animMotion>
+                                  </p:childTnLst>
+                                </p:cTn>
+                              </p:par>
+                            </p:childTnLst>
+                          </p:cTn>
+                        </p:par>
+                      </p:childTnLst>
+                    </p:cTn>
+                  </p:par>
+                  <p:par>
+                    <p:cTn id="37" fill="hold">
+                      <p:stCondLst>
+                        <p:cond delay="indefinite"/>
+                      </p:stCondLst>
+                      <p:childTnLst>
+                        <p:par>
+                          <p:cTn id="38" fill="hold">
+                            <p:stCondLst>
+                              <p:cond delay="0"/>
+                            </p:stCondLst>
+                            <p:childTnLst>
+                              <p:par>
+                                <p:cTn id="39" presetID="1" presetClass="entr" presetSubtype="0" fill="hold" nodeType="clickEffect">
+                                  <p:stCondLst>
+                                    <p:cond delay="0"/>
+                                  </p:stCondLst>
+                                  <p:childTnLst>
+                                    <p:set>
+                                      <p:cBhvr>
+                                        <p:cTn id="40" dur="1" fill="hold">
+                                          <p:stCondLst>
+                                            <p:cond delay="0"/>
+                                          </p:stCondLst>
+                                        </p:cTn>
+                                        <p:tgtEl>
+                                          <p:spTgt spid="1026"/>
+                                        </p:tgtEl>
+                                        <p:attrNameLst>
+                                          <p:attrName>style.visibility</p:attrName>
+                                        </p:attrNameLst>
+                                      </p:cBhvr>
+                                      <p:to>
+                                        <p:strVal val="visible"/>
+                                      </p:to>
+                                    </p:set>
+                                  </p:childTnLst>
+                                </p:cTn>
+                              </p:par>
+                            </p:childTnLst>
+                          </p:cTn>
+                        </p:par>
+                      </p:childTnLst>
+                    </p:cTn>
+                  </p:par>
+                  <p:par>
+                    <p:cTn id="41" fill="hold">
+                      <p:stCondLst>
+                        <p:cond delay="indefinite"/>
+                      </p:stCondLst>
+                      <p:childTnLst>
+                        <p:par>
+                          <p:cTn id="42" fill="hold">
+                            <p:stCondLst>
+                              <p:cond delay="0"/>
+                            </p:stCondLst>
+                            <p:childTnLst>
+                              <p:par>
+                                <p:cTn id="43" presetID="42" presetClass="path" presetSubtype="0" accel="50000" decel="50000" fill="hold" nodeType="clickEffect">
+                                  <p:stCondLst>
+                                    <p:cond delay="0"/>
+                                  </p:stCondLst>
+                                  <p:childTnLst>
+                                    <p:animMotion origin="layout" path="M 1.04167E-6 -2.59259E-6 L 0.00065 -0.12361 " pathEditMode="relative" rAng="0" ptsTypes="AA">
+                                      <p:cBhvr>
+                                        <p:cTn id="44" dur="2000" fill="hold"/>
+                                        <p:tgtEl>
+                                          <p:spTgt spid="1026"/>
+                                        </p:tgtEl>
+                                        <p:attrNameLst>
+                                          <p:attrName>ppt_x</p:attrName>
+                                          <p:attrName>ppt_y</p:attrName>
+                                        </p:attrNameLst>
+                                      </p:cBhvr>
+                                      <p:rCtr x="26" y="-6181"/>
+                                    </p:animMotion>
+                                  </p:childTnLst>
+                                </p:cTn>
+                              </p:par>
+                            </p:childTnLst>
+                          </p:cTn>
+                        </p:par>
+                      </p:childTnLst>
+                    </p:cTn>
+                  </p:par>
+                  <p:par>
+                    <p:cTn id="45" fill="hold">
+                      <p:stCondLst>
+                        <p:cond delay="indefinite"/>
+                      </p:stCondLst>
+                      <p:childTnLst>
+                        <p:par>
+                          <p:cTn id="46" fill="hold">
+                            <p:stCondLst>
+                              <p:cond delay="0"/>
+                            </p:stCondLst>
+                            <p:childTnLst>
+                              <p:par>
+                                <p:cTn id="47" presetID="1" presetClass="entr" presetSubtype="0" fill="hold" nodeType="clickEffect">
+                                  <p:stCondLst>
+                                    <p:cond delay="0"/>
+                                  </p:stCondLst>
+                                  <p:childTnLst>
+                                    <p:set>
+                                      <p:cBhvr>
+                                        <p:cTn id="48" dur="1" fill="hold">
+                                          <p:stCondLst>
+                                            <p:cond delay="0"/>
+                                          </p:stCondLst>
+                                        </p:cTn>
+                                        <p:tgtEl>
+                                          <p:spTgt spid="27"/>
+                                        </p:tgtEl>
+                                        <p:attrNameLst>
+                                          <p:attrName>style.visibility</p:attrName>
+                                        </p:attrNameLst>
+                                      </p:cBhvr>
+                                      <p:to>
+                                        <p:strVal val="visible"/>
+                                      </p:to>
+                                    </p:set>
+                                  </p:childTnLst>
+                                </p:cTn>
+                              </p:par>
+                            </p:childTnLst>
+                          </p:cTn>
+                        </p:par>
+                      </p:childTnLst>
+                    </p:cTn>
+                  </p:par>
+                  <p:par>
+                    <p:cTn id="49" fill="hold">
+                      <p:stCondLst>
+                        <p:cond delay="indefinite"/>
+                      </p:stCondLst>
+                      <p:childTnLst>
+                        <p:par>
+                          <p:cTn id="50" fill="hold">
+                            <p:stCondLst>
+                              <p:cond delay="0"/>
+                            </p:stCondLst>
+                            <p:childTnLst>
+                              <p:par>
+                                <p:cTn id="51" presetID="42" presetClass="path" presetSubtype="0" accel="50000" decel="50000" fill="hold" nodeType="clickEffect">
+                                  <p:stCondLst>
+                                    <p:cond delay="0"/>
+                                  </p:stCondLst>
+                                  <p:childTnLst>
+                                    <p:animMotion origin="layout" path="M 0.00391 -0.00764 L -0.13307 -0.00578 " pathEditMode="relative" rAng="0" ptsTypes="AA">
+                                      <p:cBhvr>
+                                        <p:cTn id="52" dur="2000" fill="hold"/>
+                                        <p:tgtEl>
+                                          <p:spTgt spid="27"/>
+                                        </p:tgtEl>
+                                        <p:attrNameLst>
+                                          <p:attrName>ppt_x</p:attrName>
+                                          <p:attrName>ppt_y</p:attrName>
+                                        </p:attrNameLst>
+                                      </p:cBhvr>
+                                      <p:rCtr x="-6849" y="93"/>
+                                    </p:animMotion>
+                                  </p:childTnLst>
+                                </p:cTn>
+                              </p:par>
+                            </p:childTnLst>
+                          </p:cTn>
+                        </p:par>
+                      </p:childTnLst>
+                    </p:cTn>
+                  </p:par>
+                  <p:par>
+                    <p:cTn id="53" fill="hold">
+                      <p:stCondLst>
+                        <p:cond delay="indefinite"/>
+                      </p:stCondLst>
+                      <p:childTnLst>
+                        <p:par>
+                          <p:cTn id="54" fill="hold">
+                            <p:stCondLst>
+                              <p:cond delay="0"/>
+                            </p:stCondLst>
+                            <p:childTnLst>
+                              <p:par>
+                                <p:cTn id="55" presetID="1" presetClass="entr" presetSubtype="0" fill="hold" grpId="0" nodeType="clickEffect">
+                                  <p:stCondLst>
+                                    <p:cond delay="0"/>
+                                  </p:stCondLst>
+                                  <p:childTnLst>
+                                    <p:set>
+                                      <p:cBhvr>
+                                        <p:cTn id="56" dur="1" fill="hold">
+                                          <p:stCondLst>
+                                            <p:cond delay="0"/>
+                                          </p:stCondLst>
+                                        </p:cTn>
+                                        <p:tgtEl>
+                                          <p:spTgt spid="9"/>
+                                        </p:tgtEl>
+                                        <p:attrNameLst>
+                                          <p:attrName>style.visibility</p:attrName>
+                                        </p:attrNameLst>
+                                      </p:cBhvr>
+                                      <p:to>
+                                        <p:strVal val="visible"/>
+                                      </p:to>
+                                    </p:set>
+                                  </p:childTnLst>
+                                </p:cTn>
+                              </p:par>
+                            </p:childTnLst>
+                          </p:cTn>
+                        </p:par>
+                      </p:childTnLst>
+                    </p:cTn>
+                  </p:par>
+                  <p:par>
+                    <p:cTn id="57" fill="hold">
+                      <p:stCondLst>
+                        <p:cond delay="indefinite"/>
+                      </p:stCondLst>
+                      <p:childTnLst>
+                        <p:par>
+                          <p:cTn id="58" fill="hold">
+                            <p:stCondLst>
+                              <p:cond delay="0"/>
+                            </p:stCondLst>
+                            <p:childTnLst>
+                              <p:par>
+                                <p:cTn id="59" presetID="1" presetClass="entr" presetSubtype="0" fill="hold" nodeType="clickEffect">
+                                  <p:stCondLst>
+                                    <p:cond delay="0"/>
+                                  </p:stCondLst>
+                                  <p:childTnLst>
+                                    <p:set>
+                                      <p:cBhvr>
+                                        <p:cTn id="60" dur="1" fill="hold">
+                                          <p:stCondLst>
+                                            <p:cond delay="0"/>
+                                          </p:stCondLst>
+                                        </p:cTn>
+                                        <p:tgtEl>
+                                          <p:spTgt spid="1028"/>
+                                        </p:tgtEl>
+                                        <p:attrNameLst>
+                                          <p:attrName>style.visibility</p:attrName>
+                                        </p:attrNameLst>
+                                      </p:cBhvr>
+                                      <p:to>
+                                        <p:strVal val="visible"/>
+                                      </p:to>
+                                    </p:set>
+                                  </p:childTnLst>
+                                </p:cTn>
+                              </p:par>
+                            </p:childTnLst>
+                          </p:cTn>
+                        </p:par>
+                      </p:childTnLst>
+                    </p:cTn>
+                  </p:par>
+                </p:childTnLst>
+              </p:cTn>
+              <p:prevCondLst>
+                <p:cond evt="onPrev" delay="0">
+                  <p:tgtEl>
+                    <p:sldTgt/>
+                  </p:tgtEl>
+                </p:cond>
+              </p:prevCondLst>
+              <p:nextCondLst>
+                <p:cond evt="onNext" delay="0">
+                  <p:tgtEl>
+                    <p:sldTgt/>
+                  </p:tgtEl>
+                </p:cond>
+              </p:nextCondLst>
+            </p:seq>
+          </p:childTnLst>
+        </p:cTn>
+      </p:par>
+    </p:tnLst>
+    <p:bldLst>
+      <p:bldP spid="15" grpId="0" animBg="1"/>
+      <p:bldP spid="25" grpId="0" animBg="1"/>
+      <p:bldP spid="9" grpId="0" animBg="1"/>
+    </p:bldLst>
+  </p:timing>
+</p:sld>
+</file>
+
+<file path=ppt/slides/slide19.xml><?xml version="1.0" encoding="utf-8"?>
 <p:sld xmlns:a="http://schemas.openxmlformats.org/drawingml/2006/main" xmlns:r="http://schemas.openxmlformats.org/officeDocument/2006/relationships" xmlns:p="http://schemas.openxmlformats.org/presentationml/2006/main">
   <p:cSld>
     <p:bg>
@@ -15625,7 +15800,305 @@
 </p:sld>
 </file>
 
-<file path=ppt/slides/slide7.xml><?xml version="1.0" encoding="utf-8"?>
+<file path=ppt/slides/slide2.xml><?xml version="1.0" encoding="utf-8"?>
+<p:sld xmlns:a="http://schemas.openxmlformats.org/drawingml/2006/main" xmlns:r="http://schemas.openxmlformats.org/officeDocument/2006/relationships" xmlns:p="http://schemas.openxmlformats.org/presentationml/2006/main">
+  <p:cSld>
+    <p:bg>
+      <p:bgPr>
+        <a:solidFill>
+          <a:schemeClr val="tx1">
+            <a:lumMod val="85000"/>
+            <a:lumOff val="15000"/>
+          </a:schemeClr>
+        </a:solidFill>
+        <a:effectLst/>
+      </p:bgPr>
+    </p:bg>
+    <p:spTree>
+      <p:nvGrpSpPr>
+        <p:cNvPr id="1" name=""/>
+        <p:cNvGrpSpPr/>
+        <p:nvPr/>
+      </p:nvGrpSpPr>
+      <p:grpSpPr>
+        <a:xfrm>
+          <a:off x="0" y="0"/>
+          <a:ext cx="0" cy="0"/>
+          <a:chOff x="0" y="0"/>
+          <a:chExt cx="0" cy="0"/>
+        </a:xfrm>
+      </p:grpSpPr>
+      <p:sp>
+        <p:nvSpPr>
+          <p:cNvPr id="2" name="Title 1">
+            <a:extLst>
+              <a:ext uri="{FF2B5EF4-FFF2-40B4-BE49-F238E27FC236}">
+                <a16:creationId xmlns:a16="http://schemas.microsoft.com/office/drawing/2014/main" id="{0E2F7D6E-1AC9-4ED3-9833-B2C57A9E3257}"/>
+              </a:ext>
+            </a:extLst>
+          </p:cNvPr>
+          <p:cNvSpPr>
+            <a:spLocks noGrp="1"/>
+          </p:cNvSpPr>
+          <p:nvPr>
+            <p:ph type="ctrTitle"/>
+          </p:nvPr>
+        </p:nvSpPr>
+        <p:spPr>
+          <a:xfrm>
+            <a:off x="1524000" y="899319"/>
+            <a:ext cx="9144000" cy="2387600"/>
+          </a:xfrm>
+        </p:spPr>
+        <p:txBody>
+          <a:bodyPr>
+            <a:normAutofit/>
+          </a:bodyPr>
+          <a:lstStyle/>
+          <a:p>
+            <a:r>
+              <a:rPr lang="th-TH" sz="4400" b="1" dirty="0">
+                <a:solidFill>
+                  <a:schemeClr val="bg1"/>
+                </a:solidFill>
+                <a:latin typeface="TH SarabunPSK" panose="020B0500040200020003" pitchFamily="34" charset="-34"/>
+                <a:cs typeface="TH SarabunPSK" panose="020B0500040200020003" pitchFamily="34" charset="-34"/>
+              </a:rPr>
+              <a:t>บทที่ 1 บทนำ</a:t>
+            </a:r>
+          </a:p>
+        </p:txBody>
+      </p:sp>
+      <p:pic>
+        <p:nvPicPr>
+          <p:cNvPr id="19" name="Picture 18">
+            <a:extLst>
+              <a:ext uri="{FF2B5EF4-FFF2-40B4-BE49-F238E27FC236}">
+                <a16:creationId xmlns:a16="http://schemas.microsoft.com/office/drawing/2014/main" id="{5DCA531B-967C-42B3-831F-58979AA524C1}"/>
+              </a:ext>
+            </a:extLst>
+          </p:cNvPr>
+          <p:cNvPicPr>
+            <a:picLocks noChangeAspect="1"/>
+          </p:cNvPicPr>
+          <p:nvPr/>
+        </p:nvPicPr>
+        <p:blipFill>
+          <a:blip r:embed="rId2">
+            <a:extLst>
+              <a:ext uri="{28A0092B-C50C-407E-A947-70E740481C1C}">
+                <a14:useLocalDpi xmlns:a14="http://schemas.microsoft.com/office/drawing/2010/main" val="0"/>
+              </a:ext>
+            </a:extLst>
+          </a:blip>
+          <a:stretch>
+            <a:fillRect/>
+          </a:stretch>
+        </p:blipFill>
+        <p:spPr>
+          <a:xfrm>
+            <a:off x="2205037" y="3143182"/>
+            <a:ext cx="7591425" cy="89831"/>
+          </a:xfrm>
+          <a:prstGeom prst="rect">
+            <a:avLst/>
+          </a:prstGeom>
+        </p:spPr>
+      </p:pic>
+      <p:pic>
+        <p:nvPicPr>
+          <p:cNvPr id="5" name="Picture 4">
+            <a:extLst>
+              <a:ext uri="{FF2B5EF4-FFF2-40B4-BE49-F238E27FC236}">
+                <a16:creationId xmlns:a16="http://schemas.microsoft.com/office/drawing/2014/main" id="{92C6D831-4416-4DEB-A606-A915DE072ADA}"/>
+              </a:ext>
+            </a:extLst>
+          </p:cNvPr>
+          <p:cNvPicPr>
+            <a:picLocks noChangeAspect="1"/>
+          </p:cNvPicPr>
+          <p:nvPr/>
+        </p:nvPicPr>
+        <p:blipFill>
+          <a:blip r:embed="rId3">
+            <a:extLst>
+              <a:ext uri="{28A0092B-C50C-407E-A947-70E740481C1C}">
+                <a14:useLocalDpi xmlns:a14="http://schemas.microsoft.com/office/drawing/2010/main" val="0"/>
+              </a:ext>
+            </a:extLst>
+          </a:blip>
+          <a:stretch>
+            <a:fillRect/>
+          </a:stretch>
+        </p:blipFill>
+        <p:spPr>
+          <a:xfrm>
+            <a:off x="3701082" y="3571082"/>
+            <a:ext cx="762764" cy="762764"/>
+          </a:xfrm>
+          <a:prstGeom prst="rect">
+            <a:avLst/>
+          </a:prstGeom>
+        </p:spPr>
+      </p:pic>
+      <p:pic>
+        <p:nvPicPr>
+          <p:cNvPr id="7" name="Picture 6">
+            <a:extLst>
+              <a:ext uri="{FF2B5EF4-FFF2-40B4-BE49-F238E27FC236}">
+                <a16:creationId xmlns:a16="http://schemas.microsoft.com/office/drawing/2014/main" id="{DD6A1119-A7DD-4C2C-92DD-9962B6823003}"/>
+              </a:ext>
+            </a:extLst>
+          </p:cNvPr>
+          <p:cNvPicPr>
+            <a:picLocks noChangeAspect="1"/>
+          </p:cNvPicPr>
+          <p:nvPr/>
+        </p:nvPicPr>
+        <p:blipFill>
+          <a:blip r:embed="rId4">
+            <a:extLst>
+              <a:ext uri="{28A0092B-C50C-407E-A947-70E740481C1C}">
+                <a14:useLocalDpi xmlns:a14="http://schemas.microsoft.com/office/drawing/2010/main" val="0"/>
+              </a:ext>
+            </a:extLst>
+          </a:blip>
+          <a:stretch>
+            <a:fillRect/>
+          </a:stretch>
+        </p:blipFill>
+        <p:spPr>
+          <a:xfrm>
+            <a:off x="4660682" y="3571082"/>
+            <a:ext cx="762764" cy="762764"/>
+          </a:xfrm>
+          <a:prstGeom prst="rect">
+            <a:avLst/>
+          </a:prstGeom>
+        </p:spPr>
+      </p:pic>
+      <p:pic>
+        <p:nvPicPr>
+          <p:cNvPr id="9" name="Picture 8">
+            <a:extLst>
+              <a:ext uri="{FF2B5EF4-FFF2-40B4-BE49-F238E27FC236}">
+                <a16:creationId xmlns:a16="http://schemas.microsoft.com/office/drawing/2014/main" id="{3D4CC8F2-5B8A-4D5D-8AEF-122B33B871C2}"/>
+              </a:ext>
+            </a:extLst>
+          </p:cNvPr>
+          <p:cNvPicPr>
+            <a:picLocks noChangeAspect="1"/>
+          </p:cNvPicPr>
+          <p:nvPr/>
+        </p:nvPicPr>
+        <p:blipFill>
+          <a:blip r:embed="rId5">
+            <a:extLst>
+              <a:ext uri="{28A0092B-C50C-407E-A947-70E740481C1C}">
+                <a14:useLocalDpi xmlns:a14="http://schemas.microsoft.com/office/drawing/2010/main" val="0"/>
+              </a:ext>
+            </a:extLst>
+          </a:blip>
+          <a:stretch>
+            <a:fillRect/>
+          </a:stretch>
+        </p:blipFill>
+        <p:spPr>
+          <a:xfrm>
+            <a:off x="5613950" y="3571082"/>
+            <a:ext cx="762764" cy="762764"/>
+          </a:xfrm>
+          <a:prstGeom prst="rect">
+            <a:avLst/>
+          </a:prstGeom>
+        </p:spPr>
+      </p:pic>
+      <p:pic>
+        <p:nvPicPr>
+          <p:cNvPr id="11" name="Picture 10">
+            <a:extLst>
+              <a:ext uri="{FF2B5EF4-FFF2-40B4-BE49-F238E27FC236}">
+                <a16:creationId xmlns:a16="http://schemas.microsoft.com/office/drawing/2014/main" id="{92652842-6317-44FB-88A5-04190BB96778}"/>
+              </a:ext>
+            </a:extLst>
+          </p:cNvPr>
+          <p:cNvPicPr>
+            <a:picLocks noChangeAspect="1"/>
+          </p:cNvPicPr>
+          <p:nvPr/>
+        </p:nvPicPr>
+        <p:blipFill>
+          <a:blip r:embed="rId6">
+            <a:extLst>
+              <a:ext uri="{28A0092B-C50C-407E-A947-70E740481C1C}">
+                <a14:useLocalDpi xmlns:a14="http://schemas.microsoft.com/office/drawing/2010/main" val="0"/>
+              </a:ext>
+            </a:extLst>
+          </a:blip>
+          <a:stretch>
+            <a:fillRect/>
+          </a:stretch>
+        </p:blipFill>
+        <p:spPr>
+          <a:xfrm>
+            <a:off x="6567218" y="3571082"/>
+            <a:ext cx="760502" cy="760502"/>
+          </a:xfrm>
+          <a:prstGeom prst="rect">
+            <a:avLst/>
+          </a:prstGeom>
+        </p:spPr>
+      </p:pic>
+      <p:pic>
+        <p:nvPicPr>
+          <p:cNvPr id="14" name="Picture 13">
+            <a:extLst>
+              <a:ext uri="{FF2B5EF4-FFF2-40B4-BE49-F238E27FC236}">
+                <a16:creationId xmlns:a16="http://schemas.microsoft.com/office/drawing/2014/main" id="{81667B42-1B7B-4AF9-BA6F-8AC8487746E4}"/>
+              </a:ext>
+            </a:extLst>
+          </p:cNvPr>
+          <p:cNvPicPr>
+            <a:picLocks noChangeAspect="1"/>
+          </p:cNvPicPr>
+          <p:nvPr/>
+        </p:nvPicPr>
+        <p:blipFill>
+          <a:blip r:embed="rId7">
+            <a:extLst>
+              <a:ext uri="{28A0092B-C50C-407E-A947-70E740481C1C}">
+                <a14:useLocalDpi xmlns:a14="http://schemas.microsoft.com/office/drawing/2010/main" val="0"/>
+              </a:ext>
+            </a:extLst>
+          </a:blip>
+          <a:stretch>
+            <a:fillRect/>
+          </a:stretch>
+        </p:blipFill>
+        <p:spPr>
+          <a:xfrm>
+            <a:off x="7518224" y="3571082"/>
+            <a:ext cx="760502" cy="760502"/>
+          </a:xfrm>
+          <a:prstGeom prst="rect">
+            <a:avLst/>
+          </a:prstGeom>
+        </p:spPr>
+      </p:pic>
+    </p:spTree>
+    <p:extLst>
+      <p:ext uri="{BB962C8B-B14F-4D97-AF65-F5344CB8AC3E}">
+        <p14:creationId xmlns:p14="http://schemas.microsoft.com/office/powerpoint/2010/main" val="1618839286"/>
+      </p:ext>
+    </p:extLst>
+  </p:cSld>
+  <p:clrMapOvr>
+    <a:masterClrMapping/>
+  </p:clrMapOvr>
+</p:sld>
+</file>
+
+<file path=ppt/slides/slide20.xml><?xml version="1.0" encoding="utf-8"?>
 <p:sld xmlns:a="http://schemas.openxmlformats.org/drawingml/2006/main" xmlns:r="http://schemas.openxmlformats.org/officeDocument/2006/relationships" xmlns:p="http://schemas.openxmlformats.org/presentationml/2006/main">
   <p:cSld>
     <p:bg>
@@ -16459,7 +16932,7 @@
 </p:sld>
 </file>
 
-<file path=ppt/slides/slide8.xml><?xml version="1.0" encoding="utf-8"?>
+<file path=ppt/slides/slide3.xml><?xml version="1.0" encoding="utf-8"?>
 <p:sld xmlns:a="http://schemas.openxmlformats.org/drawingml/2006/main" xmlns:r="http://schemas.openxmlformats.org/officeDocument/2006/relationships" xmlns:p="http://schemas.openxmlformats.org/presentationml/2006/main">
   <p:cSld>
     <p:bg>
@@ -16517,6 +16990,1141 @@
                 <a:latin typeface="TH SarabunPSK" panose="020B0500040200020003" pitchFamily="34" charset="-34"/>
                 <a:cs typeface="TH SarabunPSK" panose="020B0500040200020003" pitchFamily="34" charset="-34"/>
               </a:rPr>
+              <a:t>บทที่ 1 บทนำ</a:t>
+            </a:r>
+          </a:p>
+        </p:txBody>
+      </p:sp>
+      <p:sp>
+        <p:nvSpPr>
+          <p:cNvPr id="3" name="Content Placeholder 2">
+            <a:extLst>
+              <a:ext uri="{FF2B5EF4-FFF2-40B4-BE49-F238E27FC236}">
+                <a16:creationId xmlns:a16="http://schemas.microsoft.com/office/drawing/2014/main" id="{23E7C118-00F2-471D-BF9E-6DCF8E58FDD9}"/>
+              </a:ext>
+            </a:extLst>
+          </p:cNvPr>
+          <p:cNvSpPr>
+            <a:spLocks noGrp="1"/>
+          </p:cNvSpPr>
+          <p:nvPr>
+            <p:ph idx="1"/>
+          </p:nvPr>
+        </p:nvSpPr>
+        <p:spPr>
+          <a:xfrm>
+            <a:off x="1771650" y="1690688"/>
+            <a:ext cx="8791575" cy="2628929"/>
+          </a:xfrm>
+        </p:spPr>
+        <p:txBody>
+          <a:bodyPr>
+            <a:normAutofit fontScale="55000" lnSpcReduction="20000"/>
+          </a:bodyPr>
+          <a:lstStyle/>
+          <a:p>
+            <a:pPr marL="0" indent="0" algn="thaiDist">
+              <a:lnSpc>
+                <a:spcPct val="120000"/>
+              </a:lnSpc>
+              <a:buNone/>
+            </a:pPr>
+            <a:r>
+              <a:rPr lang="th-TH" b="1" dirty="0">
+                <a:solidFill>
+                  <a:schemeClr val="bg1"/>
+                </a:solidFill>
+                <a:latin typeface="TH SarabunPSK" panose="020B0500040200020003" pitchFamily="34" charset="-34"/>
+                <a:cs typeface="TH SarabunPSK" panose="020B0500040200020003" pitchFamily="34" charset="-34"/>
+              </a:rPr>
+              <a:t> 	</a:t>
+            </a:r>
+            <a:r>
+              <a:rPr lang="th-TH" sz="3800" b="1" dirty="0">
+                <a:solidFill>
+                  <a:schemeClr val="bg1"/>
+                </a:solidFill>
+                <a:latin typeface="TH SarabunPSK" panose="020B0500040200020003" pitchFamily="34" charset="-34"/>
+                <a:cs typeface="TH SarabunPSK" panose="020B0500040200020003" pitchFamily="34" charset="-34"/>
+              </a:rPr>
+              <a:t> มหาวิทยาลัยเทคโนโลยีราชมงคลตะวันออก เน้นการจัดการศึกษาเพื่อให้บัณฑิตมีคุณลักษณะที่มีทักษะด้านช่าง อุตสาหกรรม การก่อสร้าง เทคโนโลยีสารสนเทศ วิศวกรรมศาสตร์ สถาปัตยกรรม การเกษตร การบริหารจัดการ และทักษะด้านธุรกิจ สามารถปฏิบัติงานได้จริง มีความคิดสร้างสรรค์ที่ทำให้สามารถประกอบอาชีพได้หลายอาชีพ โดยมีคณะในมหาวิทยาลัยที่เปิดสอนทั้งหมด 10 คณะ และประกอบด้วย 4 วิทยาเขต คือ วิทยาเขตบางพระ จังหวัดชลบุรี วิทยาเขตจักรพง</a:t>
+            </a:r>
+            <a:r>
+              <a:rPr lang="th-TH" sz="3800" b="1" dirty="0" err="1">
+                <a:solidFill>
+                  <a:schemeClr val="bg1"/>
+                </a:solidFill>
+                <a:latin typeface="TH SarabunPSK" panose="020B0500040200020003" pitchFamily="34" charset="-34"/>
+                <a:cs typeface="TH SarabunPSK" panose="020B0500040200020003" pitchFamily="34" charset="-34"/>
+              </a:rPr>
+              <a:t>ษภู</a:t>
+            </a:r>
+            <a:r>
+              <a:rPr lang="th-TH" sz="3800" b="1" dirty="0">
+                <a:solidFill>
+                  <a:schemeClr val="bg1"/>
+                </a:solidFill>
+                <a:latin typeface="TH SarabunPSK" panose="020B0500040200020003" pitchFamily="34" charset="-34"/>
+                <a:cs typeface="TH SarabunPSK" panose="020B0500040200020003" pitchFamily="34" charset="-34"/>
+              </a:rPr>
+              <a:t>วนารถ จังหวัดกรุงเทพมหานคร วิทยาเขตอุเทนถวาย จังหวัดกรุงเทพมหานคร วิทยาเขตจันทบุรี จังหวัดจันทบุรี ซึ่งแต่ละวิทยาเขตจะมีคณะที่เปิดสอนนักศึกษาที่แตกต่างกันออกไป </a:t>
+            </a:r>
+            <a:endParaRPr lang="th-TH" b="1" dirty="0">
+              <a:solidFill>
+                <a:schemeClr val="bg1"/>
+              </a:solidFill>
+              <a:latin typeface="TH SarabunPSK" panose="020B0500040200020003" pitchFamily="34" charset="-34"/>
+              <a:cs typeface="TH SarabunPSK" panose="020B0500040200020003" pitchFamily="34" charset="-34"/>
+            </a:endParaRPr>
+          </a:p>
+        </p:txBody>
+      </p:sp>
+      <p:pic>
+        <p:nvPicPr>
+          <p:cNvPr id="4" name="Picture 3">
+            <a:extLst>
+              <a:ext uri="{FF2B5EF4-FFF2-40B4-BE49-F238E27FC236}">
+                <a16:creationId xmlns:a16="http://schemas.microsoft.com/office/drawing/2014/main" id="{90ADEC6B-FDB4-4129-AF06-7F9AAD11D107}"/>
+              </a:ext>
+            </a:extLst>
+          </p:cNvPr>
+          <p:cNvPicPr>
+            <a:picLocks noChangeAspect="1"/>
+          </p:cNvPicPr>
+          <p:nvPr/>
+        </p:nvPicPr>
+        <p:blipFill>
+          <a:blip r:embed="rId2">
+            <a:extLst>
+              <a:ext uri="{28A0092B-C50C-407E-A947-70E740481C1C}">
+                <a14:useLocalDpi xmlns:a14="http://schemas.microsoft.com/office/drawing/2010/main" val="0"/>
+              </a:ext>
+            </a:extLst>
+          </a:blip>
+          <a:stretch>
+            <a:fillRect/>
+          </a:stretch>
+        </p:blipFill>
+        <p:spPr>
+          <a:xfrm>
+            <a:off x="2109787" y="1438207"/>
+            <a:ext cx="7591425" cy="89831"/>
+          </a:xfrm>
+          <a:prstGeom prst="rect">
+            <a:avLst/>
+          </a:prstGeom>
+        </p:spPr>
+      </p:pic>
+      <p:pic>
+        <p:nvPicPr>
+          <p:cNvPr id="8" name="Picture 7">
+            <a:extLst>
+              <a:ext uri="{FF2B5EF4-FFF2-40B4-BE49-F238E27FC236}">
+                <a16:creationId xmlns:a16="http://schemas.microsoft.com/office/drawing/2014/main" id="{48014E51-C07C-4656-907C-BABE7E659126}"/>
+              </a:ext>
+            </a:extLst>
+          </p:cNvPr>
+          <p:cNvPicPr>
+            <a:picLocks noChangeAspect="1"/>
+          </p:cNvPicPr>
+          <p:nvPr/>
+        </p:nvPicPr>
+        <p:blipFill>
+          <a:blip r:embed="rId3">
+            <a:extLst>
+              <a:ext uri="{28A0092B-C50C-407E-A947-70E740481C1C}">
+                <a14:useLocalDpi xmlns:a14="http://schemas.microsoft.com/office/drawing/2010/main" val="0"/>
+              </a:ext>
+            </a:extLst>
+          </a:blip>
+          <a:stretch>
+            <a:fillRect/>
+          </a:stretch>
+        </p:blipFill>
+        <p:spPr>
+          <a:xfrm>
+            <a:off x="3862978" y="3869462"/>
+            <a:ext cx="4466044" cy="2459955"/>
+          </a:xfrm>
+          <a:prstGeom prst="rect">
+            <a:avLst/>
+          </a:prstGeom>
+        </p:spPr>
+      </p:pic>
+    </p:spTree>
+    <p:extLst>
+      <p:ext uri="{BB962C8B-B14F-4D97-AF65-F5344CB8AC3E}">
+        <p14:creationId xmlns:p14="http://schemas.microsoft.com/office/powerpoint/2010/main" val="1827852681"/>
+      </p:ext>
+    </p:extLst>
+  </p:cSld>
+  <p:clrMapOvr>
+    <a:masterClrMapping/>
+  </p:clrMapOvr>
+  <mc:AlternateContent xmlns:mc="http://schemas.openxmlformats.org/markup-compatibility/2006" xmlns:p14="http://schemas.microsoft.com/office/powerpoint/2010/main">
+    <mc:Choice Requires="p14">
+      <p:transition spd="med" p14:dur="700">
+        <p:fade/>
+      </p:transition>
+    </mc:Choice>
+    <mc:Fallback xmlns="">
+      <p:transition spd="med">
+        <p:fade/>
+      </p:transition>
+    </mc:Fallback>
+  </mc:AlternateContent>
+</p:sld>
+</file>
+
+<file path=ppt/slides/slide4.xml><?xml version="1.0" encoding="utf-8"?>
+<p:sld xmlns:a="http://schemas.openxmlformats.org/drawingml/2006/main" xmlns:r="http://schemas.openxmlformats.org/officeDocument/2006/relationships" xmlns:p="http://schemas.openxmlformats.org/presentationml/2006/main">
+  <p:cSld>
+    <p:bg>
+      <p:bgPr>
+        <a:solidFill>
+          <a:schemeClr val="tx1">
+            <a:lumMod val="85000"/>
+            <a:lumOff val="15000"/>
+          </a:schemeClr>
+        </a:solidFill>
+        <a:effectLst/>
+      </p:bgPr>
+    </p:bg>
+    <p:spTree>
+      <p:nvGrpSpPr>
+        <p:cNvPr id="1" name=""/>
+        <p:cNvGrpSpPr/>
+        <p:nvPr/>
+      </p:nvGrpSpPr>
+      <p:grpSpPr>
+        <a:xfrm>
+          <a:off x="0" y="0"/>
+          <a:ext cx="0" cy="0"/>
+          <a:chOff x="0" y="0"/>
+          <a:chExt cx="0" cy="0"/>
+        </a:xfrm>
+      </p:grpSpPr>
+      <p:sp>
+        <p:nvSpPr>
+          <p:cNvPr id="2" name="Title 1">
+            <a:extLst>
+              <a:ext uri="{FF2B5EF4-FFF2-40B4-BE49-F238E27FC236}">
+                <a16:creationId xmlns:a16="http://schemas.microsoft.com/office/drawing/2014/main" id="{36017D3D-0042-4BC6-92A9-9F4A35242BEC}"/>
+              </a:ext>
+            </a:extLst>
+          </p:cNvPr>
+          <p:cNvSpPr>
+            <a:spLocks noGrp="1"/>
+          </p:cNvSpPr>
+          <p:nvPr>
+            <p:ph type="title"/>
+          </p:nvPr>
+        </p:nvSpPr>
+        <p:spPr/>
+        <p:txBody>
+          <a:bodyPr/>
+          <a:lstStyle/>
+          <a:p>
+            <a:pPr algn="ctr"/>
+            <a:r>
+              <a:rPr lang="th-TH" b="1" dirty="0">
+                <a:solidFill>
+                  <a:schemeClr val="bg1"/>
+                </a:solidFill>
+                <a:latin typeface="TH SarabunPSK" panose="020B0500040200020003" pitchFamily="34" charset="-34"/>
+                <a:cs typeface="TH SarabunPSK" panose="020B0500040200020003" pitchFamily="34" charset="-34"/>
+              </a:rPr>
+              <a:t>บทที่ 1 บทนำ</a:t>
+            </a:r>
+          </a:p>
+        </p:txBody>
+      </p:sp>
+      <p:sp>
+        <p:nvSpPr>
+          <p:cNvPr id="3" name="Content Placeholder 2">
+            <a:extLst>
+              <a:ext uri="{FF2B5EF4-FFF2-40B4-BE49-F238E27FC236}">
+                <a16:creationId xmlns:a16="http://schemas.microsoft.com/office/drawing/2014/main" id="{23E7C118-00F2-471D-BF9E-6DCF8E58FDD9}"/>
+              </a:ext>
+            </a:extLst>
+          </p:cNvPr>
+          <p:cNvSpPr>
+            <a:spLocks noGrp="1"/>
+          </p:cNvSpPr>
+          <p:nvPr>
+            <p:ph idx="1"/>
+          </p:nvPr>
+        </p:nvSpPr>
+        <p:spPr>
+          <a:xfrm>
+            <a:off x="1814379" y="1528038"/>
+            <a:ext cx="8791575" cy="2628929"/>
+          </a:xfrm>
+        </p:spPr>
+        <p:txBody>
+          <a:bodyPr>
+            <a:noAutofit/>
+          </a:bodyPr>
+          <a:lstStyle/>
+          <a:p>
+            <a:pPr marL="0" indent="0" algn="thaiDist">
+              <a:lnSpc>
+                <a:spcPct val="120000"/>
+              </a:lnSpc>
+              <a:buNone/>
+            </a:pPr>
+            <a:r>
+              <a:rPr lang="th-TH" sz="2000" b="1" dirty="0">
+                <a:solidFill>
+                  <a:schemeClr val="bg1"/>
+                </a:solidFill>
+                <a:latin typeface="TH SarabunPSK" panose="020B0500040200020003" pitchFamily="34" charset="-34"/>
+                <a:cs typeface="TH SarabunPSK" panose="020B0500040200020003" pitchFamily="34" charset="-34"/>
+              </a:rPr>
+              <a:t>		มหาวิทยาลัยเทคโนโลยีราชมงคลตะวันออก ในแต่ละวิทยาเขตก็จะมีการกำหนดการเข้าร่วมกิจกรรมของนักศึกษาในขณะที่ทำการศึกษาอยู่ในมหาวิทยาลัย ซึ่งหากถ้านักศึกษาไม่สามารถเก็บจำนวนกิจกรรมครบตามที่กำหนดไว้ จะไม่สามารถจบการศึกษาได้ และในการเข้าร่วมกิจกรรมในแต่ละครั้งนักศึกษาต้องนำสมุดบันทึกกิจกรรมของตัวเองมาให้ทาง สโมสรนักศึกษาในแต่ละคณะทำการลงตราประทับ เพื่อเป็นการยืนยันว่านักศึกษาคนนั้นทำการเข้าร่วมกิจกรรมแล้ว ซึ่งด้วยความที่ใช้สมุดบันทึกกิจกรรม สโมสรนักศึกษาจะทำการรวบรวมสมุดกิจกรรมและแบ่งเอาไว้ตามสาขาและลงตราประทับทีหลัง ซึ่งทำให้เวลาการลงตราประทับคลาดเคลื่อน และอาจจะก่อให้เกิดปัญหาการสูญหายของสมุดบันทึกกิจกรรมนักศึกษา และทำให้เกิดการต้องเก็บกิจกรรมใหม่ตั้งแต่ต้นซึ่งทำให้เสียเวลาทั้งนักศึกษา และสโมสรนักศึกษาที่ต้องมาจัดการสมุดกิจกรรมใหม่ ซึ่งการพัฒนาแอ</a:t>
+            </a:r>
+            <a:r>
+              <a:rPr lang="th-TH" sz="2000" b="1" dirty="0" err="1">
+                <a:solidFill>
+                  <a:schemeClr val="bg1"/>
+                </a:solidFill>
+                <a:latin typeface="TH SarabunPSK" panose="020B0500040200020003" pitchFamily="34" charset="-34"/>
+                <a:cs typeface="TH SarabunPSK" panose="020B0500040200020003" pitchFamily="34" charset="-34"/>
+              </a:rPr>
+              <a:t>ป</a:t>
+            </a:r>
+            <a:r>
+              <a:rPr lang="th-TH" sz="2000" b="1" dirty="0">
+                <a:solidFill>
+                  <a:schemeClr val="bg1"/>
+                </a:solidFill>
+                <a:latin typeface="TH SarabunPSK" panose="020B0500040200020003" pitchFamily="34" charset="-34"/>
+                <a:cs typeface="TH SarabunPSK" panose="020B0500040200020003" pitchFamily="34" charset="-34"/>
+              </a:rPr>
+              <a:t>พลิ</a:t>
+            </a:r>
+            <a:r>
+              <a:rPr lang="th-TH" sz="2000" b="1" dirty="0" err="1">
+                <a:solidFill>
+                  <a:schemeClr val="bg1"/>
+                </a:solidFill>
+                <a:latin typeface="TH SarabunPSK" panose="020B0500040200020003" pitchFamily="34" charset="-34"/>
+                <a:cs typeface="TH SarabunPSK" panose="020B0500040200020003" pitchFamily="34" charset="-34"/>
+              </a:rPr>
+              <a:t>เค</a:t>
+            </a:r>
+            <a:r>
+              <a:rPr lang="th-TH" sz="2000" b="1" dirty="0">
+                <a:solidFill>
+                  <a:schemeClr val="bg1"/>
+                </a:solidFill>
+                <a:latin typeface="TH SarabunPSK" panose="020B0500040200020003" pitchFamily="34" charset="-34"/>
+                <a:cs typeface="TH SarabunPSK" panose="020B0500040200020003" pitchFamily="34" charset="-34"/>
+              </a:rPr>
+              <a:t>ชันจะมาแก้ไขในส่วนนี้ รวมถึงปัญหาของผู้ประกอบการค้าในมหาวิทยาลัยนั้น เช่น ร้านค้าน้ำ ร้านค้าอาหาร รวมถึงร้านค้าอุปกรณ์การเรียน เป็นต้น ด้วยความที่นักศึกษาแต่ละคนชำระเงิน และยืนรอเงินทอนด้วยระยะเวลาในการรับประทานอาหารที่มีจำกัด ทำให้เกิดปัญหาการต่อแถวยาวและเกิดความวุ่นวายได้</a:t>
+            </a:r>
+          </a:p>
+          <a:p>
+            <a:pPr marL="0" indent="0" algn="thaiDist">
+              <a:lnSpc>
+                <a:spcPct val="120000"/>
+              </a:lnSpc>
+              <a:buNone/>
+            </a:pPr>
+            <a:endParaRPr lang="th-TH" sz="2000" b="1" dirty="0">
+              <a:solidFill>
+                <a:schemeClr val="bg1"/>
+              </a:solidFill>
+              <a:latin typeface="TH SarabunPSK" panose="020B0500040200020003" pitchFamily="34" charset="-34"/>
+              <a:cs typeface="TH SarabunPSK" panose="020B0500040200020003" pitchFamily="34" charset="-34"/>
+            </a:endParaRPr>
+          </a:p>
+        </p:txBody>
+      </p:sp>
+      <p:pic>
+        <p:nvPicPr>
+          <p:cNvPr id="4" name="Picture 3">
+            <a:extLst>
+              <a:ext uri="{FF2B5EF4-FFF2-40B4-BE49-F238E27FC236}">
+                <a16:creationId xmlns:a16="http://schemas.microsoft.com/office/drawing/2014/main" id="{90ADEC6B-FDB4-4129-AF06-7F9AAD11D107}"/>
+              </a:ext>
+            </a:extLst>
+          </p:cNvPr>
+          <p:cNvPicPr>
+            <a:picLocks noChangeAspect="1"/>
+          </p:cNvPicPr>
+          <p:nvPr/>
+        </p:nvPicPr>
+        <p:blipFill>
+          <a:blip r:embed="rId2">
+            <a:extLst>
+              <a:ext uri="{28A0092B-C50C-407E-A947-70E740481C1C}">
+                <a14:useLocalDpi xmlns:a14="http://schemas.microsoft.com/office/drawing/2010/main" val="0"/>
+              </a:ext>
+            </a:extLst>
+          </a:blip>
+          <a:stretch>
+            <a:fillRect/>
+          </a:stretch>
+        </p:blipFill>
+        <p:spPr>
+          <a:xfrm>
+            <a:off x="2109787" y="1438207"/>
+            <a:ext cx="7591425" cy="89831"/>
+          </a:xfrm>
+          <a:prstGeom prst="rect">
+            <a:avLst/>
+          </a:prstGeom>
+        </p:spPr>
+      </p:pic>
+    </p:spTree>
+    <p:extLst>
+      <p:ext uri="{BB962C8B-B14F-4D97-AF65-F5344CB8AC3E}">
+        <p14:creationId xmlns:p14="http://schemas.microsoft.com/office/powerpoint/2010/main" val="452979954"/>
+      </p:ext>
+    </p:extLst>
+  </p:cSld>
+  <p:clrMapOvr>
+    <a:masterClrMapping/>
+  </p:clrMapOvr>
+  <mc:AlternateContent xmlns:mc="http://schemas.openxmlformats.org/markup-compatibility/2006" xmlns:p14="http://schemas.microsoft.com/office/powerpoint/2010/main">
+    <mc:Choice Requires="p14">
+      <p:transition spd="med" p14:dur="700">
+        <p:fade/>
+      </p:transition>
+    </mc:Choice>
+    <mc:Fallback xmlns="">
+      <p:transition spd="med">
+        <p:fade/>
+      </p:transition>
+    </mc:Fallback>
+  </mc:AlternateContent>
+</p:sld>
+</file>
+
+<file path=ppt/slides/slide5.xml><?xml version="1.0" encoding="utf-8"?>
+<p:sld xmlns:a="http://schemas.openxmlformats.org/drawingml/2006/main" xmlns:r="http://schemas.openxmlformats.org/officeDocument/2006/relationships" xmlns:p="http://schemas.openxmlformats.org/presentationml/2006/main">
+  <p:cSld>
+    <p:bg>
+      <p:bgPr>
+        <a:solidFill>
+          <a:schemeClr val="tx1">
+            <a:lumMod val="85000"/>
+            <a:lumOff val="15000"/>
+          </a:schemeClr>
+        </a:solidFill>
+        <a:effectLst/>
+      </p:bgPr>
+    </p:bg>
+    <p:spTree>
+      <p:nvGrpSpPr>
+        <p:cNvPr id="1" name=""/>
+        <p:cNvGrpSpPr/>
+        <p:nvPr/>
+      </p:nvGrpSpPr>
+      <p:grpSpPr>
+        <a:xfrm>
+          <a:off x="0" y="0"/>
+          <a:ext cx="0" cy="0"/>
+          <a:chOff x="0" y="0"/>
+          <a:chExt cx="0" cy="0"/>
+        </a:xfrm>
+      </p:grpSpPr>
+      <p:sp>
+        <p:nvSpPr>
+          <p:cNvPr id="2" name="Title 1">
+            <a:extLst>
+              <a:ext uri="{FF2B5EF4-FFF2-40B4-BE49-F238E27FC236}">
+                <a16:creationId xmlns:a16="http://schemas.microsoft.com/office/drawing/2014/main" id="{36017D3D-0042-4BC6-92A9-9F4A35242BEC}"/>
+              </a:ext>
+            </a:extLst>
+          </p:cNvPr>
+          <p:cNvSpPr>
+            <a:spLocks noGrp="1"/>
+          </p:cNvSpPr>
+          <p:nvPr>
+            <p:ph type="title"/>
+          </p:nvPr>
+        </p:nvSpPr>
+        <p:spPr/>
+        <p:txBody>
+          <a:bodyPr/>
+          <a:lstStyle/>
+          <a:p>
+            <a:pPr algn="ctr"/>
+            <a:r>
+              <a:rPr lang="th-TH" b="1" dirty="0">
+                <a:solidFill>
+                  <a:schemeClr val="bg1"/>
+                </a:solidFill>
+                <a:latin typeface="TH SarabunPSK" panose="020B0500040200020003" pitchFamily="34" charset="-34"/>
+                <a:cs typeface="TH SarabunPSK" panose="020B0500040200020003" pitchFamily="34" charset="-34"/>
+              </a:rPr>
+              <a:t>บทที่ 1 บทนำ</a:t>
+            </a:r>
+          </a:p>
+        </p:txBody>
+      </p:sp>
+      <p:sp>
+        <p:nvSpPr>
+          <p:cNvPr id="3" name="Content Placeholder 2">
+            <a:extLst>
+              <a:ext uri="{FF2B5EF4-FFF2-40B4-BE49-F238E27FC236}">
+                <a16:creationId xmlns:a16="http://schemas.microsoft.com/office/drawing/2014/main" id="{23E7C118-00F2-471D-BF9E-6DCF8E58FDD9}"/>
+              </a:ext>
+            </a:extLst>
+          </p:cNvPr>
+          <p:cNvSpPr>
+            <a:spLocks noGrp="1"/>
+          </p:cNvSpPr>
+          <p:nvPr>
+            <p:ph idx="1"/>
+          </p:nvPr>
+        </p:nvSpPr>
+        <p:spPr>
+          <a:xfrm>
+            <a:off x="1814379" y="1528038"/>
+            <a:ext cx="8791575" cy="2628929"/>
+          </a:xfrm>
+        </p:spPr>
+        <p:txBody>
+          <a:bodyPr>
+            <a:noAutofit/>
+          </a:bodyPr>
+          <a:lstStyle/>
+          <a:p>
+            <a:pPr marL="0" indent="0" algn="thaiDist">
+              <a:lnSpc>
+                <a:spcPct val="120000"/>
+              </a:lnSpc>
+              <a:buNone/>
+            </a:pPr>
+            <a:r>
+              <a:rPr lang="th-TH" sz="2000" b="1" dirty="0">
+                <a:solidFill>
+                  <a:schemeClr val="bg1"/>
+                </a:solidFill>
+                <a:latin typeface="TH SarabunPSK" panose="020B0500040200020003" pitchFamily="34" charset="-34"/>
+                <a:cs typeface="TH SarabunPSK" panose="020B0500040200020003" pitchFamily="34" charset="-34"/>
+              </a:rPr>
+              <a:t>	จึงมีแนวคิดการพัฒนาระบบกระเป๋าตัง และข้อมูลส่วนตัวของนักศึกษา เป็นเว็บแอปพลิเคชันและโมบายแอปพลิเคชัน โดยเว็บแอปพลิเคชันและแอปพลิเคชันบนสมาร์ทโฟน จะพัฒนาด้วยโปรแกรม </a:t>
+            </a:r>
+            <a:r>
+              <a:rPr lang="en-US" sz="2000" b="1" dirty="0">
+                <a:solidFill>
+                  <a:schemeClr val="bg1"/>
+                </a:solidFill>
+                <a:latin typeface="TH SarabunPSK" panose="020B0500040200020003" pitchFamily="34" charset="-34"/>
+                <a:cs typeface="TH SarabunPSK" panose="020B0500040200020003" pitchFamily="34" charset="-34"/>
+              </a:rPr>
+              <a:t>Visual Studio Code </a:t>
+            </a:r>
+            <a:r>
+              <a:rPr lang="th-TH" sz="2000" b="1" dirty="0">
+                <a:solidFill>
+                  <a:schemeClr val="bg1"/>
+                </a:solidFill>
+                <a:latin typeface="TH SarabunPSK" panose="020B0500040200020003" pitchFamily="34" charset="-34"/>
+                <a:cs typeface="TH SarabunPSK" panose="020B0500040200020003" pitchFamily="34" charset="-34"/>
+              </a:rPr>
+              <a:t>เป็นโปรแกรม </a:t>
+            </a:r>
+            <a:r>
+              <a:rPr lang="en-US" sz="2000" b="1" dirty="0">
+                <a:solidFill>
+                  <a:schemeClr val="bg1"/>
+                </a:solidFill>
+                <a:latin typeface="TH SarabunPSK" panose="020B0500040200020003" pitchFamily="34" charset="-34"/>
+                <a:cs typeface="TH SarabunPSK" panose="020B0500040200020003" pitchFamily="34" charset="-34"/>
+              </a:rPr>
+              <a:t>Code Editing </a:t>
+            </a:r>
+            <a:r>
+              <a:rPr lang="th-TH" sz="2000" b="1" dirty="0">
+                <a:solidFill>
+                  <a:schemeClr val="bg1"/>
+                </a:solidFill>
+                <a:latin typeface="TH SarabunPSK" panose="020B0500040200020003" pitchFamily="34" charset="-34"/>
+                <a:cs typeface="TH SarabunPSK" panose="020B0500040200020003" pitchFamily="34" charset="-34"/>
+              </a:rPr>
+              <a:t>และใช้ภาษา </a:t>
+            </a:r>
+            <a:r>
+              <a:rPr lang="en-US" sz="2000" b="1" dirty="0">
+                <a:solidFill>
+                  <a:schemeClr val="bg1"/>
+                </a:solidFill>
+                <a:latin typeface="TH SarabunPSK" panose="020B0500040200020003" pitchFamily="34" charset="-34"/>
+                <a:cs typeface="TH SarabunPSK" panose="020B0500040200020003" pitchFamily="34" charset="-34"/>
+              </a:rPr>
+              <a:t>PHP </a:t>
+            </a:r>
+            <a:r>
+              <a:rPr lang="th-TH" sz="2000" b="1" dirty="0">
+                <a:solidFill>
+                  <a:schemeClr val="bg1"/>
+                </a:solidFill>
+                <a:latin typeface="TH SarabunPSK" panose="020B0500040200020003" pitchFamily="34" charset="-34"/>
+                <a:cs typeface="TH SarabunPSK" panose="020B0500040200020003" pitchFamily="34" charset="-34"/>
+              </a:rPr>
+              <a:t>โดยใช้ </a:t>
+            </a:r>
+            <a:r>
+              <a:rPr lang="en-US" sz="2000" b="1" dirty="0" err="1">
+                <a:solidFill>
+                  <a:schemeClr val="bg1"/>
+                </a:solidFill>
+                <a:latin typeface="TH SarabunPSK" panose="020B0500040200020003" pitchFamily="34" charset="-34"/>
+                <a:cs typeface="TH SarabunPSK" panose="020B0500040200020003" pitchFamily="34" charset="-34"/>
+              </a:rPr>
+              <a:t>Codeigniter</a:t>
+            </a:r>
+            <a:r>
+              <a:rPr lang="en-US" sz="2000" b="1" dirty="0">
+                <a:solidFill>
+                  <a:schemeClr val="bg1"/>
+                </a:solidFill>
+                <a:latin typeface="TH SarabunPSK" panose="020B0500040200020003" pitchFamily="34" charset="-34"/>
+                <a:cs typeface="TH SarabunPSK" panose="020B0500040200020003" pitchFamily="34" charset="-34"/>
+              </a:rPr>
+              <a:t> Frame Work </a:t>
+            </a:r>
+            <a:r>
+              <a:rPr lang="th-TH" sz="2000" b="1" dirty="0">
+                <a:solidFill>
+                  <a:schemeClr val="bg1"/>
+                </a:solidFill>
+                <a:latin typeface="TH SarabunPSK" panose="020B0500040200020003" pitchFamily="34" charset="-34"/>
+                <a:cs typeface="TH SarabunPSK" panose="020B0500040200020003" pitchFamily="34" charset="-34"/>
+              </a:rPr>
+              <a:t>ในการช่วยเขียนเว็บแอปพลิเคชัน ในการเขียนแอปพลิเคชันบนสมาร์ทโฟนใช้ </a:t>
+            </a:r>
+            <a:r>
+              <a:rPr lang="en-US" sz="2000" b="1" dirty="0">
+                <a:solidFill>
+                  <a:schemeClr val="bg1"/>
+                </a:solidFill>
+                <a:latin typeface="TH SarabunPSK" panose="020B0500040200020003" pitchFamily="34" charset="-34"/>
+                <a:cs typeface="TH SarabunPSK" panose="020B0500040200020003" pitchFamily="34" charset="-34"/>
+              </a:rPr>
+              <a:t>Flutter Frame Work </a:t>
+            </a:r>
+            <a:r>
+              <a:rPr lang="th-TH" sz="2000" b="1" dirty="0">
+                <a:solidFill>
+                  <a:schemeClr val="bg1"/>
+                </a:solidFill>
+                <a:latin typeface="TH SarabunPSK" panose="020B0500040200020003" pitchFamily="34" charset="-34"/>
+                <a:cs typeface="TH SarabunPSK" panose="020B0500040200020003" pitchFamily="34" charset="-34"/>
+              </a:rPr>
+              <a:t>และเชื่อมระหว่าง 2 </a:t>
+            </a:r>
+            <a:r>
+              <a:rPr lang="en-US" sz="2000" b="1" dirty="0">
+                <a:solidFill>
+                  <a:schemeClr val="bg1"/>
+                </a:solidFill>
+                <a:latin typeface="TH SarabunPSK" panose="020B0500040200020003" pitchFamily="34" charset="-34"/>
+                <a:cs typeface="TH SarabunPSK" panose="020B0500040200020003" pitchFamily="34" charset="-34"/>
+              </a:rPr>
+              <a:t>Platform </a:t>
+            </a:r>
+            <a:r>
+              <a:rPr lang="th-TH" sz="2000" b="1" dirty="0">
+                <a:solidFill>
+                  <a:schemeClr val="bg1"/>
+                </a:solidFill>
+                <a:latin typeface="TH SarabunPSK" panose="020B0500040200020003" pitchFamily="34" charset="-34"/>
+                <a:cs typeface="TH SarabunPSK" panose="020B0500040200020003" pitchFamily="34" charset="-34"/>
+              </a:rPr>
+              <a:t>นี้จะเชื่อมกันโดยใช้เทคการทำ </a:t>
+            </a:r>
+            <a:r>
+              <a:rPr lang="en-US" sz="2000" b="1" dirty="0">
+                <a:solidFill>
+                  <a:schemeClr val="bg1"/>
+                </a:solidFill>
+                <a:latin typeface="TH SarabunPSK" panose="020B0500040200020003" pitchFamily="34" charset="-34"/>
+                <a:cs typeface="TH SarabunPSK" panose="020B0500040200020003" pitchFamily="34" charset="-34"/>
+              </a:rPr>
+              <a:t>Web Service </a:t>
+            </a:r>
+            <a:r>
+              <a:rPr lang="th-TH" sz="2000" b="1" dirty="0">
+                <a:solidFill>
+                  <a:schemeClr val="bg1"/>
+                </a:solidFill>
+                <a:latin typeface="TH SarabunPSK" panose="020B0500040200020003" pitchFamily="34" charset="-34"/>
+                <a:cs typeface="TH SarabunPSK" panose="020B0500040200020003" pitchFamily="34" charset="-34"/>
+              </a:rPr>
+              <a:t>โดยจัดเก็บข้อมูลลงในฐานข้อมูล </a:t>
+            </a:r>
+            <a:r>
+              <a:rPr lang="en-US" sz="2000" b="1" dirty="0">
+                <a:solidFill>
+                  <a:schemeClr val="bg1"/>
+                </a:solidFill>
+                <a:latin typeface="TH SarabunPSK" panose="020B0500040200020003" pitchFamily="34" charset="-34"/>
+                <a:cs typeface="TH SarabunPSK" panose="020B0500040200020003" pitchFamily="34" charset="-34"/>
+              </a:rPr>
+              <a:t>MySQL API </a:t>
+            </a:r>
+            <a:r>
+              <a:rPr lang="th-TH" sz="2000" b="1" dirty="0">
+                <a:solidFill>
+                  <a:schemeClr val="bg1"/>
+                </a:solidFill>
+                <a:latin typeface="TH SarabunPSK" panose="020B0500040200020003" pitchFamily="34" charset="-34"/>
+                <a:cs typeface="TH SarabunPSK" panose="020B0500040200020003" pitchFamily="34" charset="-34"/>
+              </a:rPr>
+              <a:t>เพื่อช่วยในการจัดการของระบบได้อย่างมีประสิทธิภาพมากขึ้น และลดความซับซ้อนของข้อมูลได้ดียิ่งขึ้น</a:t>
+            </a:r>
+          </a:p>
+        </p:txBody>
+      </p:sp>
+      <p:pic>
+        <p:nvPicPr>
+          <p:cNvPr id="4" name="Picture 3">
+            <a:extLst>
+              <a:ext uri="{FF2B5EF4-FFF2-40B4-BE49-F238E27FC236}">
+                <a16:creationId xmlns:a16="http://schemas.microsoft.com/office/drawing/2014/main" id="{90ADEC6B-FDB4-4129-AF06-7F9AAD11D107}"/>
+              </a:ext>
+            </a:extLst>
+          </p:cNvPr>
+          <p:cNvPicPr>
+            <a:picLocks noChangeAspect="1"/>
+          </p:cNvPicPr>
+          <p:nvPr/>
+        </p:nvPicPr>
+        <p:blipFill>
+          <a:blip r:embed="rId2">
+            <a:extLst>
+              <a:ext uri="{28A0092B-C50C-407E-A947-70E740481C1C}">
+                <a14:useLocalDpi xmlns:a14="http://schemas.microsoft.com/office/drawing/2010/main" val="0"/>
+              </a:ext>
+            </a:extLst>
+          </a:blip>
+          <a:stretch>
+            <a:fillRect/>
+          </a:stretch>
+        </p:blipFill>
+        <p:spPr>
+          <a:xfrm>
+            <a:off x="2109787" y="1438207"/>
+            <a:ext cx="7591425" cy="89831"/>
+          </a:xfrm>
+          <a:prstGeom prst="rect">
+            <a:avLst/>
+          </a:prstGeom>
+        </p:spPr>
+      </p:pic>
+      <p:pic>
+        <p:nvPicPr>
+          <p:cNvPr id="11" name="รูปภาพ 10">
+            <a:extLst>
+              <a:ext uri="{FF2B5EF4-FFF2-40B4-BE49-F238E27FC236}">
+                <a16:creationId xmlns:a16="http://schemas.microsoft.com/office/drawing/2014/main" id="{B77F2DF0-7D42-134A-BE45-EBF2698EA61D}"/>
+              </a:ext>
+            </a:extLst>
+          </p:cNvPr>
+          <p:cNvPicPr>
+            <a:picLocks noChangeAspect="1"/>
+          </p:cNvPicPr>
+          <p:nvPr/>
+        </p:nvPicPr>
+        <p:blipFill>
+          <a:blip r:embed="rId3">
+            <a:extLst>
+              <a:ext uri="{28A0092B-C50C-407E-A947-70E740481C1C}">
+                <a14:useLocalDpi xmlns:a14="http://schemas.microsoft.com/office/drawing/2010/main" val="0"/>
+              </a:ext>
+            </a:extLst>
+          </a:blip>
+          <a:stretch>
+            <a:fillRect/>
+          </a:stretch>
+        </p:blipFill>
+        <p:spPr>
+          <a:xfrm>
+            <a:off x="5239700" y="4588251"/>
+            <a:ext cx="970466" cy="970466"/>
+          </a:xfrm>
+          <a:prstGeom prst="rect">
+            <a:avLst/>
+          </a:prstGeom>
+        </p:spPr>
+      </p:pic>
+      <p:pic>
+        <p:nvPicPr>
+          <p:cNvPr id="13" name="รูปภาพ 12">
+            <a:extLst>
+              <a:ext uri="{FF2B5EF4-FFF2-40B4-BE49-F238E27FC236}">
+                <a16:creationId xmlns:a16="http://schemas.microsoft.com/office/drawing/2014/main" id="{99EC1D4C-918F-294C-A2A4-94B03B6F27C0}"/>
+              </a:ext>
+            </a:extLst>
+          </p:cNvPr>
+          <p:cNvPicPr>
+            <a:picLocks noChangeAspect="1"/>
+          </p:cNvPicPr>
+          <p:nvPr/>
+        </p:nvPicPr>
+        <p:blipFill>
+          <a:blip r:embed="rId4">
+            <a:extLst>
+              <a:ext uri="{28A0092B-C50C-407E-A947-70E740481C1C}">
+                <a14:useLocalDpi xmlns:a14="http://schemas.microsoft.com/office/drawing/2010/main" val="0"/>
+              </a:ext>
+            </a:extLst>
+          </a:blip>
+          <a:stretch>
+            <a:fillRect/>
+          </a:stretch>
+        </p:blipFill>
+        <p:spPr>
+          <a:xfrm>
+            <a:off x="7940559" y="4438484"/>
+            <a:ext cx="1270000" cy="1270000"/>
+          </a:xfrm>
+          <a:prstGeom prst="rect">
+            <a:avLst/>
+          </a:prstGeom>
+        </p:spPr>
+      </p:pic>
+      <p:pic>
+        <p:nvPicPr>
+          <p:cNvPr id="17" name="รูปภาพ 16">
+            <a:extLst>
+              <a:ext uri="{FF2B5EF4-FFF2-40B4-BE49-F238E27FC236}">
+                <a16:creationId xmlns:a16="http://schemas.microsoft.com/office/drawing/2014/main" id="{7829712F-527D-B747-93C8-73B6050A21BD}"/>
+              </a:ext>
+            </a:extLst>
+          </p:cNvPr>
+          <p:cNvPicPr>
+            <a:picLocks noChangeAspect="1"/>
+          </p:cNvPicPr>
+          <p:nvPr/>
+        </p:nvPicPr>
+        <p:blipFill>
+          <a:blip r:embed="rId5">
+            <a:extLst>
+              <a:ext uri="{28A0092B-C50C-407E-A947-70E740481C1C}">
+                <a14:useLocalDpi xmlns:a14="http://schemas.microsoft.com/office/drawing/2010/main" val="0"/>
+              </a:ext>
+            </a:extLst>
+          </a:blip>
+          <a:stretch>
+            <a:fillRect/>
+          </a:stretch>
+        </p:blipFill>
+        <p:spPr>
+          <a:xfrm>
+            <a:off x="2602300" y="4438484"/>
+            <a:ext cx="1270000" cy="1270000"/>
+          </a:xfrm>
+          <a:prstGeom prst="rect">
+            <a:avLst/>
+          </a:prstGeom>
+        </p:spPr>
+      </p:pic>
+      <p:sp>
+        <p:nvSpPr>
+          <p:cNvPr id="18" name="ลูกศรขวา 17">
+            <a:extLst>
+              <a:ext uri="{FF2B5EF4-FFF2-40B4-BE49-F238E27FC236}">
+                <a16:creationId xmlns:a16="http://schemas.microsoft.com/office/drawing/2014/main" id="{1C4A56E9-B2A6-DF45-A2F2-B323DF56E6E6}"/>
+              </a:ext>
+            </a:extLst>
+          </p:cNvPr>
+          <p:cNvSpPr/>
+          <p:nvPr/>
+        </p:nvSpPr>
+        <p:spPr>
+          <a:xfrm>
+            <a:off x="4003287" y="4972962"/>
+            <a:ext cx="925552" cy="201043"/>
+          </a:xfrm>
+          <a:prstGeom prst="rightArrow">
+            <a:avLst/>
+          </a:prstGeom>
+        </p:spPr>
+        <p:style>
+          <a:lnRef idx="2">
+            <a:schemeClr val="accent2">
+              <a:shade val="50000"/>
+            </a:schemeClr>
+          </a:lnRef>
+          <a:fillRef idx="1">
+            <a:schemeClr val="accent2"/>
+          </a:fillRef>
+          <a:effectRef idx="0">
+            <a:schemeClr val="accent2"/>
+          </a:effectRef>
+          <a:fontRef idx="minor">
+            <a:schemeClr val="lt1"/>
+          </a:fontRef>
+        </p:style>
+        <p:txBody>
+          <a:bodyPr rtlCol="0" anchor="ctr"/>
+          <a:lstStyle/>
+          <a:p>
+            <a:pPr algn="ctr"/>
+            <a:endParaRPr lang="th-TH" dirty="0"/>
+          </a:p>
+        </p:txBody>
+      </p:sp>
+      <p:sp>
+        <p:nvSpPr>
+          <p:cNvPr id="19" name="ลูกศรขวา 18">
+            <a:extLst>
+              <a:ext uri="{FF2B5EF4-FFF2-40B4-BE49-F238E27FC236}">
+                <a16:creationId xmlns:a16="http://schemas.microsoft.com/office/drawing/2014/main" id="{65A97C8C-B871-A941-B2B2-D87790520E52}"/>
+              </a:ext>
+            </a:extLst>
+          </p:cNvPr>
+          <p:cNvSpPr/>
+          <p:nvPr/>
+        </p:nvSpPr>
+        <p:spPr>
+          <a:xfrm flipH="1">
+            <a:off x="6517680" y="4933971"/>
+            <a:ext cx="1115364" cy="279023"/>
+          </a:xfrm>
+          <a:prstGeom prst="rightArrow">
+            <a:avLst/>
+          </a:prstGeom>
+        </p:spPr>
+        <p:style>
+          <a:lnRef idx="2">
+            <a:schemeClr val="accent4">
+              <a:shade val="50000"/>
+            </a:schemeClr>
+          </a:lnRef>
+          <a:fillRef idx="1">
+            <a:schemeClr val="accent4"/>
+          </a:fillRef>
+          <a:effectRef idx="0">
+            <a:schemeClr val="accent4"/>
+          </a:effectRef>
+          <a:fontRef idx="minor">
+            <a:schemeClr val="lt1"/>
+          </a:fontRef>
+        </p:style>
+        <p:txBody>
+          <a:bodyPr rtlCol="0" anchor="ctr"/>
+          <a:lstStyle/>
+          <a:p>
+            <a:pPr algn="ctr"/>
+            <a:endParaRPr lang="th-TH" dirty="0"/>
+          </a:p>
+        </p:txBody>
+      </p:sp>
+    </p:spTree>
+    <p:extLst>
+      <p:ext uri="{BB962C8B-B14F-4D97-AF65-F5344CB8AC3E}">
+        <p14:creationId xmlns:p14="http://schemas.microsoft.com/office/powerpoint/2010/main" val="3286007479"/>
+      </p:ext>
+    </p:extLst>
+  </p:cSld>
+  <p:clrMapOvr>
+    <a:masterClrMapping/>
+  </p:clrMapOvr>
+  <mc:AlternateContent xmlns:mc="http://schemas.openxmlformats.org/markup-compatibility/2006" xmlns:p14="http://schemas.microsoft.com/office/powerpoint/2010/main">
+    <mc:Choice Requires="p14">
+      <p:transition spd="med" p14:dur="700">
+        <p:fade/>
+      </p:transition>
+    </mc:Choice>
+    <mc:Fallback xmlns="">
+      <p:transition spd="med">
+        <p:fade/>
+      </p:transition>
+    </mc:Fallback>
+  </mc:AlternateContent>
+  <p:timing>
+    <p:tnLst>
+      <p:par>
+        <p:cTn id="1" dur="indefinite" restart="never" nodeType="tmRoot">
+          <p:childTnLst>
+            <p:seq concurrent="1" nextAc="seek">
+              <p:cTn id="2" dur="indefinite" nodeType="mainSeq">
+                <p:childTnLst>
+                  <p:par>
+                    <p:cTn id="3" fill="hold">
+                      <p:stCondLst>
+                        <p:cond delay="indefinite"/>
+                      </p:stCondLst>
+                      <p:childTnLst>
+                        <p:par>
+                          <p:cTn id="4" fill="hold">
+                            <p:stCondLst>
+                              <p:cond delay="0"/>
+                            </p:stCondLst>
+                            <p:childTnLst>
+                              <p:par>
+                                <p:cTn id="5" presetID="1" presetClass="entr" presetSubtype="0" fill="hold" grpId="0" nodeType="clickEffect">
+                                  <p:stCondLst>
+                                    <p:cond delay="0"/>
+                                  </p:stCondLst>
+                                  <p:childTnLst>
+                                    <p:set>
+                                      <p:cBhvr>
+                                        <p:cTn id="6" dur="1" fill="hold">
+                                          <p:stCondLst>
+                                            <p:cond delay="0"/>
+                                          </p:stCondLst>
+                                        </p:cTn>
+                                        <p:tgtEl>
+                                          <p:spTgt spid="18"/>
+                                        </p:tgtEl>
+                                        <p:attrNameLst>
+                                          <p:attrName>style.visibility</p:attrName>
+                                        </p:attrNameLst>
+                                      </p:cBhvr>
+                                      <p:to>
+                                        <p:strVal val="visible"/>
+                                      </p:to>
+                                    </p:set>
+                                  </p:childTnLst>
+                                </p:cTn>
+                              </p:par>
+                            </p:childTnLst>
+                          </p:cTn>
+                        </p:par>
+                      </p:childTnLst>
+                    </p:cTn>
+                  </p:par>
+                  <p:par>
+                    <p:cTn id="7" fill="hold">
+                      <p:stCondLst>
+                        <p:cond delay="indefinite"/>
+                      </p:stCondLst>
+                      <p:childTnLst>
+                        <p:par>
+                          <p:cTn id="8" fill="hold">
+                            <p:stCondLst>
+                              <p:cond delay="0"/>
+                            </p:stCondLst>
+                            <p:childTnLst>
+                              <p:par>
+                                <p:cTn id="9" presetID="1" presetClass="entr" presetSubtype="0" fill="hold" grpId="0" nodeType="clickEffect">
+                                  <p:stCondLst>
+                                    <p:cond delay="0"/>
+                                  </p:stCondLst>
+                                  <p:childTnLst>
+                                    <p:set>
+                                      <p:cBhvr>
+                                        <p:cTn id="10" dur="1" fill="hold">
+                                          <p:stCondLst>
+                                            <p:cond delay="0"/>
+                                          </p:stCondLst>
+                                        </p:cTn>
+                                        <p:tgtEl>
+                                          <p:spTgt spid="19"/>
+                                        </p:tgtEl>
+                                        <p:attrNameLst>
+                                          <p:attrName>style.visibility</p:attrName>
+                                        </p:attrNameLst>
+                                      </p:cBhvr>
+                                      <p:to>
+                                        <p:strVal val="visible"/>
+                                      </p:to>
+                                    </p:set>
+                                  </p:childTnLst>
+                                </p:cTn>
+                              </p:par>
+                            </p:childTnLst>
+                          </p:cTn>
+                        </p:par>
+                      </p:childTnLst>
+                    </p:cTn>
+                  </p:par>
+                </p:childTnLst>
+              </p:cTn>
+              <p:prevCondLst>
+                <p:cond evt="onPrev" delay="0">
+                  <p:tgtEl>
+                    <p:sldTgt/>
+                  </p:tgtEl>
+                </p:cond>
+              </p:prevCondLst>
+              <p:nextCondLst>
+                <p:cond evt="onNext" delay="0">
+                  <p:tgtEl>
+                    <p:sldTgt/>
+                  </p:tgtEl>
+                </p:cond>
+              </p:nextCondLst>
+            </p:seq>
+          </p:childTnLst>
+        </p:cTn>
+      </p:par>
+    </p:tnLst>
+    <p:bldLst>
+      <p:bldP spid="18" grpId="0" animBg="1"/>
+      <p:bldP spid="19" grpId="0" animBg="1"/>
+    </p:bldLst>
+  </p:timing>
+</p:sld>
+</file>
+
+<file path=ppt/slides/slide6.xml><?xml version="1.0" encoding="utf-8"?>
+<p:sld xmlns:a="http://schemas.openxmlformats.org/drawingml/2006/main" xmlns:r="http://schemas.openxmlformats.org/officeDocument/2006/relationships" xmlns:p="http://schemas.openxmlformats.org/presentationml/2006/main">
+  <p:cSld>
+    <p:bg>
+      <p:bgPr>
+        <a:solidFill>
+          <a:schemeClr val="tx1">
+            <a:lumMod val="85000"/>
+            <a:lumOff val="15000"/>
+          </a:schemeClr>
+        </a:solidFill>
+        <a:effectLst/>
+      </p:bgPr>
+    </p:bg>
+    <p:spTree>
+      <p:nvGrpSpPr>
+        <p:cNvPr id="1" name=""/>
+        <p:cNvGrpSpPr/>
+        <p:nvPr/>
+      </p:nvGrpSpPr>
+      <p:grpSpPr>
+        <a:xfrm>
+          <a:off x="0" y="0"/>
+          <a:ext cx="0" cy="0"/>
+          <a:chOff x="0" y="0"/>
+          <a:chExt cx="0" cy="0"/>
+        </a:xfrm>
+      </p:grpSpPr>
+      <p:sp>
+        <p:nvSpPr>
+          <p:cNvPr id="2" name="Title 1">
+            <a:extLst>
+              <a:ext uri="{FF2B5EF4-FFF2-40B4-BE49-F238E27FC236}">
+                <a16:creationId xmlns:a16="http://schemas.microsoft.com/office/drawing/2014/main" id="{36017D3D-0042-4BC6-92A9-9F4A35242BEC}"/>
+              </a:ext>
+            </a:extLst>
+          </p:cNvPr>
+          <p:cNvSpPr>
+            <a:spLocks noGrp="1"/>
+          </p:cNvSpPr>
+          <p:nvPr>
+            <p:ph type="title"/>
+          </p:nvPr>
+        </p:nvSpPr>
+        <p:spPr/>
+        <p:txBody>
+          <a:bodyPr/>
+          <a:lstStyle/>
+          <a:p>
+            <a:pPr algn="ctr"/>
+            <a:r>
+              <a:rPr lang="th-TH" b="1" dirty="0">
+                <a:solidFill>
+                  <a:schemeClr val="bg1"/>
+                </a:solidFill>
+                <a:latin typeface="TH SarabunPSK" panose="020B0500040200020003" pitchFamily="34" charset="-34"/>
+                <a:cs typeface="TH SarabunPSK" panose="020B0500040200020003" pitchFamily="34" charset="-34"/>
+              </a:rPr>
               <a:t>วัตถุประสงค์</a:t>
             </a:r>
           </a:p>
@@ -16707,6 +18315,707 @@
     <p:extLst>
       <p:ext uri="{BB962C8B-B14F-4D97-AF65-F5344CB8AC3E}">
         <p14:creationId xmlns:p14="http://schemas.microsoft.com/office/powerpoint/2010/main" val="4280416169"/>
+      </p:ext>
+    </p:extLst>
+  </p:cSld>
+  <p:clrMapOvr>
+    <a:masterClrMapping/>
+  </p:clrMapOvr>
+  <mc:AlternateContent xmlns:mc="http://schemas.openxmlformats.org/markup-compatibility/2006" xmlns:p14="http://schemas.microsoft.com/office/powerpoint/2010/main">
+    <mc:Choice Requires="p14">
+      <p:transition spd="med" p14:dur="700">
+        <p:fade/>
+      </p:transition>
+    </mc:Choice>
+    <mc:Fallback xmlns="">
+      <p:transition spd="med">
+        <p:fade/>
+      </p:transition>
+    </mc:Fallback>
+  </mc:AlternateContent>
+</p:sld>
+</file>
+
+<file path=ppt/slides/slide7.xml><?xml version="1.0" encoding="utf-8"?>
+<p:sld xmlns:a="http://schemas.openxmlformats.org/drawingml/2006/main" xmlns:r="http://schemas.openxmlformats.org/officeDocument/2006/relationships" xmlns:p="http://schemas.openxmlformats.org/presentationml/2006/main">
+  <p:cSld>
+    <p:bg>
+      <p:bgPr>
+        <a:solidFill>
+          <a:srgbClr val="262626"/>
+        </a:solidFill>
+        <a:effectLst/>
+      </p:bgPr>
+    </p:bg>
+    <p:spTree>
+      <p:nvGrpSpPr>
+        <p:cNvPr id="1" name=""/>
+        <p:cNvGrpSpPr/>
+        <p:nvPr/>
+      </p:nvGrpSpPr>
+      <p:grpSpPr>
+        <a:xfrm>
+          <a:off x="0" y="0"/>
+          <a:ext cx="0" cy="0"/>
+          <a:chOff x="0" y="0"/>
+          <a:chExt cx="0" cy="0"/>
+        </a:xfrm>
+      </p:grpSpPr>
+      <p:sp>
+        <p:nvSpPr>
+          <p:cNvPr id="2" name="Title 1">
+            <a:extLst>
+              <a:ext uri="{FF2B5EF4-FFF2-40B4-BE49-F238E27FC236}">
+                <a16:creationId xmlns:a16="http://schemas.microsoft.com/office/drawing/2014/main" id="{36017D3D-0042-4BC6-92A9-9F4A35242BEC}"/>
+              </a:ext>
+            </a:extLst>
+          </p:cNvPr>
+          <p:cNvSpPr>
+            <a:spLocks noGrp="1"/>
+          </p:cNvSpPr>
+          <p:nvPr>
+            <p:ph type="title"/>
+          </p:nvPr>
+        </p:nvSpPr>
+        <p:spPr/>
+        <p:txBody>
+          <a:bodyPr/>
+          <a:lstStyle/>
+          <a:p>
+            <a:pPr algn="ctr"/>
+            <a:r>
+              <a:rPr lang="th-TH" b="1" dirty="0">
+                <a:solidFill>
+                  <a:schemeClr val="bg1"/>
+                </a:solidFill>
+                <a:latin typeface="TH SarabunPSK" panose="020B0500040200020003" pitchFamily="34" charset="-34"/>
+                <a:cs typeface="TH SarabunPSK" panose="020B0500040200020003" pitchFamily="34" charset="-34"/>
+              </a:rPr>
+              <a:t>ขอบเขตการทำงาน</a:t>
+            </a:r>
+          </a:p>
+        </p:txBody>
+      </p:sp>
+      <p:sp>
+        <p:nvSpPr>
+          <p:cNvPr id="3" name="Content Placeholder 2">
+            <a:extLst>
+              <a:ext uri="{FF2B5EF4-FFF2-40B4-BE49-F238E27FC236}">
+                <a16:creationId xmlns:a16="http://schemas.microsoft.com/office/drawing/2014/main" id="{23E7C118-00F2-471D-BF9E-6DCF8E58FDD9}"/>
+              </a:ext>
+            </a:extLst>
+          </p:cNvPr>
+          <p:cNvSpPr>
+            <a:spLocks noGrp="1"/>
+          </p:cNvSpPr>
+          <p:nvPr>
+            <p:ph idx="1"/>
+          </p:nvPr>
+        </p:nvSpPr>
+        <p:spPr>
+          <a:xfrm>
+            <a:off x="1771650" y="1690688"/>
+            <a:ext cx="8791575" cy="4181606"/>
+          </a:xfrm>
+        </p:spPr>
+        <p:txBody>
+          <a:bodyPr>
+            <a:noAutofit/>
+          </a:bodyPr>
+          <a:lstStyle/>
+          <a:p>
+            <a:r>
+              <a:rPr lang="th-TH" sz="1800" b="1" dirty="0">
+                <a:solidFill>
+                  <a:schemeClr val="bg1"/>
+                </a:solidFill>
+                <a:latin typeface="TH SarabunPSK" panose="020B0500040200020003" pitchFamily="34" charset="-34"/>
+                <a:cs typeface="TH SarabunPSK" panose="020B0500040200020003" pitchFamily="34" charset="-34"/>
+              </a:rPr>
+              <a:t>1.3.1 เว็บแอปพลิเคชัน (</a:t>
+            </a:r>
+            <a:r>
+              <a:rPr lang="en-US" sz="1800" b="1" dirty="0">
+                <a:solidFill>
+                  <a:schemeClr val="bg1"/>
+                </a:solidFill>
+                <a:latin typeface="TH SarabunPSK" panose="020B0500040200020003" pitchFamily="34" charset="-34"/>
+                <a:cs typeface="TH SarabunPSK" panose="020B0500040200020003" pitchFamily="34" charset="-34"/>
+              </a:rPr>
+              <a:t>Web Application)</a:t>
+            </a:r>
+          </a:p>
+          <a:p>
+            <a:r>
+              <a:rPr lang="en-US" sz="1800" b="1" dirty="0">
+                <a:solidFill>
+                  <a:schemeClr val="bg1"/>
+                </a:solidFill>
+                <a:latin typeface="TH SarabunPSK" panose="020B0500040200020003" pitchFamily="34" charset="-34"/>
+                <a:cs typeface="TH SarabunPSK" panose="020B0500040200020003" pitchFamily="34" charset="-34"/>
+              </a:rPr>
+              <a:t>               1.3.1.1 </a:t>
+            </a:r>
+            <a:r>
+              <a:rPr lang="th-TH" sz="1800" b="1" dirty="0">
+                <a:solidFill>
+                  <a:schemeClr val="bg1"/>
+                </a:solidFill>
+                <a:latin typeface="TH SarabunPSK" panose="020B0500040200020003" pitchFamily="34" charset="-34"/>
+                <a:cs typeface="TH SarabunPSK" panose="020B0500040200020003" pitchFamily="34" charset="-34"/>
+              </a:rPr>
+              <a:t>นักศึกษา</a:t>
+            </a:r>
+          </a:p>
+          <a:p>
+            <a:r>
+              <a:rPr lang="th-TH" sz="1800" b="1" dirty="0">
+                <a:solidFill>
+                  <a:schemeClr val="bg1"/>
+                </a:solidFill>
+                <a:latin typeface="TH SarabunPSK" panose="020B0500040200020003" pitchFamily="34" charset="-34"/>
+                <a:cs typeface="TH SarabunPSK" panose="020B0500040200020003" pitchFamily="34" charset="-34"/>
+              </a:rPr>
+              <a:t>                         1) สามารถเข้าสู่ระบบ</a:t>
+            </a:r>
+          </a:p>
+          <a:p>
+            <a:r>
+              <a:rPr lang="th-TH" sz="1800" b="1" dirty="0">
+                <a:solidFill>
+                  <a:schemeClr val="bg1"/>
+                </a:solidFill>
+                <a:latin typeface="TH SarabunPSK" panose="020B0500040200020003" pitchFamily="34" charset="-34"/>
+                <a:cs typeface="TH SarabunPSK" panose="020B0500040200020003" pitchFamily="34" charset="-34"/>
+              </a:rPr>
+              <a:t>                          2) สามารถตรวจสอบการแจ้งเตือน</a:t>
+            </a:r>
+          </a:p>
+          <a:p>
+            <a:r>
+              <a:rPr lang="th-TH" sz="1800" b="1" dirty="0">
+                <a:solidFill>
+                  <a:schemeClr val="bg1"/>
+                </a:solidFill>
+                <a:latin typeface="TH SarabunPSK" panose="020B0500040200020003" pitchFamily="34" charset="-34"/>
+                <a:cs typeface="TH SarabunPSK" panose="020B0500040200020003" pitchFamily="34" charset="-34"/>
+              </a:rPr>
+              <a:t>                          3) สามารถขออนุมัติดำเนินการจัดกิจกรรม</a:t>
+            </a:r>
+          </a:p>
+          <a:p>
+            <a:r>
+              <a:rPr lang="th-TH" sz="1800" b="1" dirty="0">
+                <a:solidFill>
+                  <a:schemeClr val="bg1"/>
+                </a:solidFill>
+                <a:latin typeface="TH SarabunPSK" panose="020B0500040200020003" pitchFamily="34" charset="-34"/>
+                <a:cs typeface="TH SarabunPSK" panose="020B0500040200020003" pitchFamily="34" charset="-34"/>
+              </a:rPr>
+              <a:t>                          4) สามารถตั้งคำถามเกี่ยวกับกิจกรรม                   </a:t>
+            </a:r>
+          </a:p>
+          <a:p>
+            <a:r>
+              <a:rPr lang="th-TH" sz="1800" b="1" dirty="0">
+                <a:solidFill>
+                  <a:schemeClr val="bg1"/>
+                </a:solidFill>
+                <a:latin typeface="TH SarabunPSK" panose="020B0500040200020003" pitchFamily="34" charset="-34"/>
+                <a:cs typeface="TH SarabunPSK" panose="020B0500040200020003" pitchFamily="34" charset="-34"/>
+              </a:rPr>
+              <a:t>               1.3.1.2 ผู้ดำเนินกิจกรรม</a:t>
+            </a:r>
+          </a:p>
+          <a:p>
+            <a:r>
+              <a:rPr lang="th-TH" sz="1800" b="1" dirty="0">
+                <a:solidFill>
+                  <a:schemeClr val="bg1"/>
+                </a:solidFill>
+                <a:latin typeface="TH SarabunPSK" panose="020B0500040200020003" pitchFamily="34" charset="-34"/>
+                <a:cs typeface="TH SarabunPSK" panose="020B0500040200020003" pitchFamily="34" charset="-34"/>
+              </a:rPr>
+              <a:t>                         1) สามารถจัดการกิจกรรมของตนเอง</a:t>
+            </a:r>
+          </a:p>
+          <a:p>
+            <a:r>
+              <a:rPr lang="th-TH" sz="1800" b="1" dirty="0">
+                <a:solidFill>
+                  <a:schemeClr val="bg1"/>
+                </a:solidFill>
+                <a:latin typeface="TH SarabunPSK" panose="020B0500040200020003" pitchFamily="34" charset="-34"/>
+                <a:cs typeface="TH SarabunPSK" panose="020B0500040200020003" pitchFamily="34" charset="-34"/>
+              </a:rPr>
+              <a:t>                          2) สามารถจัดการคณะกรรมการในกิจกรรมของตนเอง</a:t>
+            </a:r>
+          </a:p>
+          <a:p>
+            <a:r>
+              <a:rPr lang="th-TH" sz="1800" b="1" dirty="0">
+                <a:solidFill>
+                  <a:schemeClr val="bg1"/>
+                </a:solidFill>
+                <a:latin typeface="TH SarabunPSK" panose="020B0500040200020003" pitchFamily="34" charset="-34"/>
+                <a:cs typeface="TH SarabunPSK" panose="020B0500040200020003" pitchFamily="34" charset="-34"/>
+              </a:rPr>
+              <a:t>                          3) สามารถดาวน์โหลด </a:t>
+            </a:r>
+            <a:r>
+              <a:rPr lang="en-US" sz="1800" b="1" dirty="0">
+                <a:solidFill>
+                  <a:schemeClr val="bg1"/>
+                </a:solidFill>
+                <a:latin typeface="TH SarabunPSK" panose="020B0500040200020003" pitchFamily="34" charset="-34"/>
+                <a:cs typeface="TH SarabunPSK" panose="020B0500040200020003" pitchFamily="34" charset="-34"/>
+              </a:rPr>
+              <a:t>QR Code </a:t>
+            </a:r>
+            <a:r>
+              <a:rPr lang="th-TH" sz="1800" b="1" dirty="0">
+                <a:solidFill>
+                  <a:schemeClr val="bg1"/>
+                </a:solidFill>
+                <a:latin typeface="TH SarabunPSK" panose="020B0500040200020003" pitchFamily="34" charset="-34"/>
+                <a:cs typeface="TH SarabunPSK" panose="020B0500040200020003" pitchFamily="34" charset="-34"/>
+              </a:rPr>
+              <a:t>ลงทะเบียนเข้าร่วมและจบกิจกรรมของตนเอง</a:t>
+            </a:r>
+          </a:p>
+          <a:p>
+            <a:r>
+              <a:rPr lang="th-TH" sz="1800" b="1" dirty="0">
+                <a:solidFill>
+                  <a:schemeClr val="bg1"/>
+                </a:solidFill>
+                <a:latin typeface="TH SarabunPSK" panose="020B0500040200020003" pitchFamily="34" charset="-34"/>
+                <a:cs typeface="TH SarabunPSK" panose="020B0500040200020003" pitchFamily="34" charset="-34"/>
+              </a:rPr>
+              <a:t>                          4) สามารถดาวน์โหลดผลสรุปรายชื่อผู้เข้าร่วมกิจกรรมของตนเอง</a:t>
+            </a:r>
+          </a:p>
+          <a:p>
+            <a:r>
+              <a:rPr lang="th-TH" sz="1800" b="1" dirty="0">
+                <a:solidFill>
+                  <a:schemeClr val="bg1"/>
+                </a:solidFill>
+                <a:latin typeface="TH SarabunPSK" panose="020B0500040200020003" pitchFamily="34" charset="-34"/>
+                <a:cs typeface="TH SarabunPSK" panose="020B0500040200020003" pitchFamily="34" charset="-34"/>
+              </a:rPr>
+              <a:t>                          5) สามารถจัดการเอกสารในกิจกรรมของตนเอง</a:t>
+            </a:r>
+          </a:p>
+          <a:p>
+            <a:r>
+              <a:rPr lang="th-TH" sz="1800" b="1" dirty="0">
+                <a:solidFill>
+                  <a:schemeClr val="bg1"/>
+                </a:solidFill>
+                <a:latin typeface="TH SarabunPSK" panose="020B0500040200020003" pitchFamily="34" charset="-34"/>
+                <a:cs typeface="TH SarabunPSK" panose="020B0500040200020003" pitchFamily="34" charset="-34"/>
+              </a:rPr>
+              <a:t>                          6) สามารถเพิ่มกลุ่มนักศึกษาในกิจกรรมได้</a:t>
+            </a:r>
+          </a:p>
+          <a:p>
+            <a:r>
+              <a:rPr lang="th-TH" sz="1800" b="1" dirty="0">
+                <a:solidFill>
+                  <a:schemeClr val="bg1"/>
+                </a:solidFill>
+                <a:latin typeface="TH SarabunPSK" panose="020B0500040200020003" pitchFamily="34" charset="-34"/>
+                <a:cs typeface="TH SarabunPSK" panose="020B0500040200020003" pitchFamily="34" charset="-34"/>
+              </a:rPr>
+              <a:t>                          7) สามารถตอบคำถามเกี่ยวกับกิจกรรมของนักศึกษา</a:t>
+            </a:r>
+          </a:p>
+          <a:p>
+            <a:r>
+              <a:rPr lang="th-TH" sz="1800" b="1" dirty="0">
+                <a:solidFill>
+                  <a:schemeClr val="bg1"/>
+                </a:solidFill>
+                <a:latin typeface="TH SarabunPSK" panose="020B0500040200020003" pitchFamily="34" charset="-34"/>
+                <a:cs typeface="TH SarabunPSK" panose="020B0500040200020003" pitchFamily="34" charset="-34"/>
+              </a:rPr>
+              <a:t>                          8) สามารถขออนุมัติเคลียร์เงิน</a:t>
+            </a:r>
+          </a:p>
+        </p:txBody>
+      </p:sp>
+      <p:pic>
+        <p:nvPicPr>
+          <p:cNvPr id="4" name="Picture 3">
+            <a:extLst>
+              <a:ext uri="{FF2B5EF4-FFF2-40B4-BE49-F238E27FC236}">
+                <a16:creationId xmlns:a16="http://schemas.microsoft.com/office/drawing/2014/main" id="{90ADEC6B-FDB4-4129-AF06-7F9AAD11D107}"/>
+              </a:ext>
+            </a:extLst>
+          </p:cNvPr>
+          <p:cNvPicPr>
+            <a:picLocks noChangeAspect="1"/>
+          </p:cNvPicPr>
+          <p:nvPr/>
+        </p:nvPicPr>
+        <p:blipFill>
+          <a:blip r:embed="rId2">
+            <a:extLst>
+              <a:ext uri="{28A0092B-C50C-407E-A947-70E740481C1C}">
+                <a14:useLocalDpi xmlns:a14="http://schemas.microsoft.com/office/drawing/2010/main" val="0"/>
+              </a:ext>
+            </a:extLst>
+          </a:blip>
+          <a:stretch>
+            <a:fillRect/>
+          </a:stretch>
+        </p:blipFill>
+        <p:spPr>
+          <a:xfrm>
+            <a:off x="2109787" y="1438207"/>
+            <a:ext cx="7591425" cy="89831"/>
+          </a:xfrm>
+          <a:prstGeom prst="rect">
+            <a:avLst/>
+          </a:prstGeom>
+        </p:spPr>
+      </p:pic>
+    </p:spTree>
+    <p:extLst>
+      <p:ext uri="{BB962C8B-B14F-4D97-AF65-F5344CB8AC3E}">
+        <p14:creationId xmlns:p14="http://schemas.microsoft.com/office/powerpoint/2010/main" val="872255735"/>
+      </p:ext>
+    </p:extLst>
+  </p:cSld>
+  <p:clrMapOvr>
+    <a:masterClrMapping/>
+  </p:clrMapOvr>
+  <mc:AlternateContent xmlns:mc="http://schemas.openxmlformats.org/markup-compatibility/2006" xmlns:p14="http://schemas.microsoft.com/office/powerpoint/2010/main">
+    <mc:Choice Requires="p14">
+      <p:transition spd="med" p14:dur="700">
+        <p:fade/>
+      </p:transition>
+    </mc:Choice>
+    <mc:Fallback xmlns="">
+      <p:transition spd="med">
+        <p:fade/>
+      </p:transition>
+    </mc:Fallback>
+  </mc:AlternateContent>
+</p:sld>
+</file>
+
+<file path=ppt/slides/slide8.xml><?xml version="1.0" encoding="utf-8"?>
+<p:sld xmlns:a="http://schemas.openxmlformats.org/drawingml/2006/main" xmlns:r="http://schemas.openxmlformats.org/officeDocument/2006/relationships" xmlns:p="http://schemas.openxmlformats.org/presentationml/2006/main">
+  <p:cSld>
+    <p:bg>
+      <p:bgPr>
+        <a:solidFill>
+          <a:srgbClr val="262626"/>
+        </a:solidFill>
+        <a:effectLst/>
+      </p:bgPr>
+    </p:bg>
+    <p:spTree>
+      <p:nvGrpSpPr>
+        <p:cNvPr id="1" name=""/>
+        <p:cNvGrpSpPr/>
+        <p:nvPr/>
+      </p:nvGrpSpPr>
+      <p:grpSpPr>
+        <a:xfrm>
+          <a:off x="0" y="0"/>
+          <a:ext cx="0" cy="0"/>
+          <a:chOff x="0" y="0"/>
+          <a:chExt cx="0" cy="0"/>
+        </a:xfrm>
+      </p:grpSpPr>
+      <p:sp>
+        <p:nvSpPr>
+          <p:cNvPr id="2" name="Title 1">
+            <a:extLst>
+              <a:ext uri="{FF2B5EF4-FFF2-40B4-BE49-F238E27FC236}">
+                <a16:creationId xmlns:a16="http://schemas.microsoft.com/office/drawing/2014/main" id="{36017D3D-0042-4BC6-92A9-9F4A35242BEC}"/>
+              </a:ext>
+            </a:extLst>
+          </p:cNvPr>
+          <p:cNvSpPr>
+            <a:spLocks noGrp="1"/>
+          </p:cNvSpPr>
+          <p:nvPr>
+            <p:ph type="title"/>
+          </p:nvPr>
+        </p:nvSpPr>
+        <p:spPr/>
+        <p:txBody>
+          <a:bodyPr/>
+          <a:lstStyle/>
+          <a:p>
+            <a:pPr algn="ctr"/>
+            <a:r>
+              <a:rPr lang="th-TH" b="1" dirty="0">
+                <a:solidFill>
+                  <a:schemeClr val="bg1"/>
+                </a:solidFill>
+                <a:latin typeface="TH SarabunPSK" panose="020B0500040200020003" pitchFamily="34" charset="-34"/>
+                <a:cs typeface="TH SarabunPSK" panose="020B0500040200020003" pitchFamily="34" charset="-34"/>
+              </a:rPr>
+              <a:t>ขอบเขตการทำงาน </a:t>
+            </a:r>
+            <a:r>
+              <a:rPr lang="en-US" b="1" dirty="0">
+                <a:solidFill>
+                  <a:schemeClr val="bg1"/>
+                </a:solidFill>
+                <a:latin typeface="TH SarabunPSK" panose="020B0500040200020003" pitchFamily="34" charset="-34"/>
+                <a:cs typeface="TH SarabunPSK" panose="020B0500040200020003" pitchFamily="34" charset="-34"/>
+              </a:rPr>
+              <a:t>(</a:t>
+            </a:r>
+            <a:r>
+              <a:rPr lang="th-TH" b="1" dirty="0">
+                <a:solidFill>
+                  <a:schemeClr val="bg1"/>
+                </a:solidFill>
+                <a:latin typeface="TH SarabunPSK" panose="020B0500040200020003" pitchFamily="34" charset="-34"/>
+                <a:cs typeface="TH SarabunPSK" panose="020B0500040200020003" pitchFamily="34" charset="-34"/>
+              </a:rPr>
+              <a:t>ต่อ</a:t>
+            </a:r>
+            <a:r>
+              <a:rPr lang="en-US" b="1" dirty="0">
+                <a:solidFill>
+                  <a:schemeClr val="bg1"/>
+                </a:solidFill>
+                <a:latin typeface="TH SarabunPSK" panose="020B0500040200020003" pitchFamily="34" charset="-34"/>
+                <a:cs typeface="TH SarabunPSK" panose="020B0500040200020003" pitchFamily="34" charset="-34"/>
+              </a:rPr>
+              <a:t>)</a:t>
+            </a:r>
+            <a:endParaRPr lang="th-TH" b="1" dirty="0">
+              <a:solidFill>
+                <a:schemeClr val="bg1"/>
+              </a:solidFill>
+              <a:latin typeface="TH SarabunPSK" panose="020B0500040200020003" pitchFamily="34" charset="-34"/>
+              <a:cs typeface="TH SarabunPSK" panose="020B0500040200020003" pitchFamily="34" charset="-34"/>
+            </a:endParaRPr>
+          </a:p>
+        </p:txBody>
+      </p:sp>
+      <p:sp>
+        <p:nvSpPr>
+          <p:cNvPr id="3" name="Content Placeholder 2">
+            <a:extLst>
+              <a:ext uri="{FF2B5EF4-FFF2-40B4-BE49-F238E27FC236}">
+                <a16:creationId xmlns:a16="http://schemas.microsoft.com/office/drawing/2014/main" id="{23E7C118-00F2-471D-BF9E-6DCF8E58FDD9}"/>
+              </a:ext>
+            </a:extLst>
+          </p:cNvPr>
+          <p:cNvSpPr>
+            <a:spLocks noGrp="1"/>
+          </p:cNvSpPr>
+          <p:nvPr>
+            <p:ph idx="1"/>
+          </p:nvPr>
+        </p:nvSpPr>
+        <p:spPr>
+          <a:xfrm>
+            <a:off x="2109787" y="2044873"/>
+            <a:ext cx="8791575" cy="4181606"/>
+          </a:xfrm>
+        </p:spPr>
+        <p:txBody>
+          <a:bodyPr>
+            <a:noAutofit/>
+          </a:bodyPr>
+          <a:lstStyle/>
+          <a:p>
+            <a:r>
+              <a:rPr lang="th-TH" sz="1800" b="1" dirty="0">
+                <a:solidFill>
+                  <a:schemeClr val="bg1"/>
+                </a:solidFill>
+                <a:latin typeface="TH SarabunPSK" panose="020B0500040200020003" pitchFamily="34" charset="-34"/>
+                <a:cs typeface="TH SarabunPSK" panose="020B0500040200020003" pitchFamily="34" charset="-34"/>
+              </a:rPr>
+              <a:t>                          6) สามารถเพิ่มกลุ่มนักศึกษาในกิจกรรมได้</a:t>
+            </a:r>
+          </a:p>
+          <a:p>
+            <a:r>
+              <a:rPr lang="th-TH" sz="1800" b="1" dirty="0">
+                <a:solidFill>
+                  <a:schemeClr val="bg1"/>
+                </a:solidFill>
+                <a:latin typeface="TH SarabunPSK" panose="020B0500040200020003" pitchFamily="34" charset="-34"/>
+                <a:cs typeface="TH SarabunPSK" panose="020B0500040200020003" pitchFamily="34" charset="-34"/>
+              </a:rPr>
+              <a:t>                          7) สามารถตอบคำถามเกี่ยวกับกิจกรรมของนักศึกษา</a:t>
+            </a:r>
+          </a:p>
+          <a:p>
+            <a:r>
+              <a:rPr lang="th-TH" sz="1800" b="1" dirty="0">
+                <a:solidFill>
+                  <a:schemeClr val="bg1"/>
+                </a:solidFill>
+                <a:latin typeface="TH SarabunPSK" panose="020B0500040200020003" pitchFamily="34" charset="-34"/>
+                <a:cs typeface="TH SarabunPSK" panose="020B0500040200020003" pitchFamily="34" charset="-34"/>
+              </a:rPr>
+              <a:t>                          8) สามารถขออนุมัติเคลียร์เงิน</a:t>
+            </a:r>
+          </a:p>
+          <a:p>
+            <a:r>
+              <a:rPr lang="th-TH" sz="1800" b="1" dirty="0">
+                <a:solidFill>
+                  <a:schemeClr val="bg1"/>
+                </a:solidFill>
+                <a:latin typeface="TH SarabunPSK" panose="020B0500040200020003" pitchFamily="34" charset="-34"/>
+                <a:cs typeface="TH SarabunPSK" panose="020B0500040200020003" pitchFamily="34" charset="-34"/>
+              </a:rPr>
+              <a:t> 1.3.1.3 นักศึกษาที่เป็นสโมสรนักศึกษา          </a:t>
+            </a:r>
+          </a:p>
+          <a:p>
+            <a:r>
+              <a:rPr lang="th-TH" sz="1800" b="1" dirty="0">
+                <a:solidFill>
+                  <a:schemeClr val="bg1"/>
+                </a:solidFill>
+                <a:latin typeface="TH SarabunPSK" panose="020B0500040200020003" pitchFamily="34" charset="-34"/>
+                <a:cs typeface="TH SarabunPSK" panose="020B0500040200020003" pitchFamily="34" charset="-34"/>
+              </a:rPr>
+              <a:t>                          1) สามารถอนุมัติการขอดำเนินกิจกรรมของนักศึกษา   </a:t>
+            </a:r>
+          </a:p>
+          <a:p>
+            <a:r>
+              <a:rPr lang="th-TH" sz="1800" b="1" dirty="0">
+                <a:solidFill>
+                  <a:schemeClr val="bg1"/>
+                </a:solidFill>
+                <a:latin typeface="TH SarabunPSK" panose="020B0500040200020003" pitchFamily="34" charset="-34"/>
+                <a:cs typeface="TH SarabunPSK" panose="020B0500040200020003" pitchFamily="34" charset="-34"/>
+              </a:rPr>
+              <a:t>                          2) สามารถดาวน์โหลดสรุปผลรายชื่อผู้เข้าร่วมกิจกรรม     </a:t>
+            </a:r>
+          </a:p>
+          <a:p>
+            <a:r>
+              <a:rPr lang="th-TH" sz="1800" b="1" dirty="0">
+                <a:solidFill>
+                  <a:schemeClr val="bg1"/>
+                </a:solidFill>
+                <a:latin typeface="TH SarabunPSK" panose="020B0500040200020003" pitchFamily="34" charset="-34"/>
+                <a:cs typeface="TH SarabunPSK" panose="020B0500040200020003" pitchFamily="34" charset="-34"/>
+              </a:rPr>
+              <a:t>               1.3.1.4 อาจารย์</a:t>
+            </a:r>
+          </a:p>
+          <a:p>
+            <a:r>
+              <a:rPr lang="th-TH" sz="1800" b="1" dirty="0">
+                <a:solidFill>
+                  <a:schemeClr val="bg1"/>
+                </a:solidFill>
+                <a:latin typeface="TH SarabunPSK" panose="020B0500040200020003" pitchFamily="34" charset="-34"/>
+                <a:cs typeface="TH SarabunPSK" panose="020B0500040200020003" pitchFamily="34" charset="-34"/>
+              </a:rPr>
+              <a:t>                          1) สามารถเข้าสู่ระบบ</a:t>
+            </a:r>
+          </a:p>
+          <a:p>
+            <a:r>
+              <a:rPr lang="th-TH" sz="1800" b="1" dirty="0">
+                <a:solidFill>
+                  <a:schemeClr val="bg1"/>
+                </a:solidFill>
+                <a:latin typeface="TH SarabunPSK" panose="020B0500040200020003" pitchFamily="34" charset="-34"/>
+                <a:cs typeface="TH SarabunPSK" panose="020B0500040200020003" pitchFamily="34" charset="-34"/>
+              </a:rPr>
+              <a:t>                          2) สามารถขออนุมัติดำเนินการจัดกิจกรรม</a:t>
+            </a:r>
+          </a:p>
+          <a:p>
+            <a:r>
+              <a:rPr lang="th-TH" sz="1800" b="1" dirty="0">
+                <a:solidFill>
+                  <a:schemeClr val="bg1"/>
+                </a:solidFill>
+                <a:latin typeface="TH SarabunPSK" panose="020B0500040200020003" pitchFamily="34" charset="-34"/>
+                <a:cs typeface="TH SarabunPSK" panose="020B0500040200020003" pitchFamily="34" charset="-34"/>
+              </a:rPr>
+              <a:t>                          3) สามารถแจ้งการจัดกิจกรรมที่ตนเองรับผิดชอบ</a:t>
+            </a:r>
+          </a:p>
+          <a:p>
+            <a:r>
+              <a:rPr lang="th-TH" sz="1800" b="1" dirty="0">
+                <a:solidFill>
+                  <a:schemeClr val="bg1"/>
+                </a:solidFill>
+                <a:latin typeface="TH SarabunPSK" panose="020B0500040200020003" pitchFamily="34" charset="-34"/>
+                <a:cs typeface="TH SarabunPSK" panose="020B0500040200020003" pitchFamily="34" charset="-34"/>
+              </a:rPr>
+              <a:t>                          4) สามารถดาวน์โหลดผลสรุปรายชื่อผู้เข้าร่วมกิจกรรมทุกกิจกรรม</a:t>
+            </a:r>
+          </a:p>
+          <a:p>
+            <a:r>
+              <a:rPr lang="th-TH" sz="1800" b="1" dirty="0">
+                <a:solidFill>
+                  <a:schemeClr val="bg1"/>
+                </a:solidFill>
+                <a:latin typeface="TH SarabunPSK" panose="020B0500040200020003" pitchFamily="34" charset="-34"/>
+                <a:cs typeface="TH SarabunPSK" panose="020B0500040200020003" pitchFamily="34" charset="-34"/>
+              </a:rPr>
+              <a:t>                          5) สามารถตั้งคำถามเกี่ยวกับกิจกรรม </a:t>
+            </a:r>
+          </a:p>
+        </p:txBody>
+      </p:sp>
+      <p:pic>
+        <p:nvPicPr>
+          <p:cNvPr id="4" name="Picture 3">
+            <a:extLst>
+              <a:ext uri="{FF2B5EF4-FFF2-40B4-BE49-F238E27FC236}">
+                <a16:creationId xmlns:a16="http://schemas.microsoft.com/office/drawing/2014/main" id="{90ADEC6B-FDB4-4129-AF06-7F9AAD11D107}"/>
+              </a:ext>
+            </a:extLst>
+          </p:cNvPr>
+          <p:cNvPicPr>
+            <a:picLocks noChangeAspect="1"/>
+          </p:cNvPicPr>
+          <p:nvPr/>
+        </p:nvPicPr>
+        <p:blipFill>
+          <a:blip r:embed="rId2">
+            <a:extLst>
+              <a:ext uri="{28A0092B-C50C-407E-A947-70E740481C1C}">
+                <a14:useLocalDpi xmlns:a14="http://schemas.microsoft.com/office/drawing/2010/main" val="0"/>
+              </a:ext>
+            </a:extLst>
+          </a:blip>
+          <a:stretch>
+            <a:fillRect/>
+          </a:stretch>
+        </p:blipFill>
+        <p:spPr>
+          <a:xfrm>
+            <a:off x="2109787" y="1438207"/>
+            <a:ext cx="7591425" cy="89831"/>
+          </a:xfrm>
+          <a:prstGeom prst="rect">
+            <a:avLst/>
+          </a:prstGeom>
+        </p:spPr>
+      </p:pic>
+    </p:spTree>
+    <p:extLst>
+      <p:ext uri="{BB962C8B-B14F-4D97-AF65-F5344CB8AC3E}">
+        <p14:creationId xmlns:p14="http://schemas.microsoft.com/office/powerpoint/2010/main" val="41797922"/>
       </p:ext>
     </p:extLst>
   </p:cSld>
@@ -16783,7 +19092,7 @@
                 <a:latin typeface="TH SarabunPSK" panose="020B0500040200020003" pitchFamily="34" charset="-34"/>
                 <a:cs typeface="TH SarabunPSK" panose="020B0500040200020003" pitchFamily="34" charset="-34"/>
               </a:rPr>
-              <a:t>ขอบเขตการทำงาน</a:t>
+              <a:t>ขอบเขตการทำงาน (ต่อ)</a:t>
             </a:r>
           </a:p>
         </p:txBody>
@@ -16824,18 +19133,10 @@
                 <a:latin typeface="TH SarabunPSK" panose="020B0500040200020003" pitchFamily="34" charset="-34"/>
                 <a:cs typeface="TH SarabunPSK" panose="020B0500040200020003" pitchFamily="34" charset="-34"/>
               </a:rPr>
-              <a:t>  1.3.1 เว็บแอ</a:t>
-            </a:r>
-            <a:r>
-              <a:rPr lang="th-TH" sz="1800" b="1" dirty="0" err="1">
-                <a:solidFill>
-                  <a:schemeClr val="bg1"/>
-                </a:solidFill>
-                <a:latin typeface="TH SarabunPSK" panose="020B0500040200020003" pitchFamily="34" charset="-34"/>
-                <a:cs typeface="TH SarabunPSK" panose="020B0500040200020003" pitchFamily="34" charset="-34"/>
-              </a:rPr>
-              <a:t>ป</a:t>
-            </a:r>
+              <a:t> 1.3.1.5 เจ้าหน้าที่การเงิน</a:t>
+            </a:r>
+          </a:p>
+          <a:p>
             <a:r>
               <a:rPr lang="th-TH" sz="1800" b="1" dirty="0">
                 <a:solidFill>
@@ -16844,18 +19145,10 @@
                 <a:latin typeface="TH SarabunPSK" panose="020B0500040200020003" pitchFamily="34" charset="-34"/>
                 <a:cs typeface="TH SarabunPSK" panose="020B0500040200020003" pitchFamily="34" charset="-34"/>
               </a:rPr>
-              <a:t>พลิ</a:t>
-            </a:r>
-            <a:r>
-              <a:rPr lang="th-TH" sz="1800" b="1" dirty="0" err="1">
-                <a:solidFill>
-                  <a:schemeClr val="bg1"/>
-                </a:solidFill>
-                <a:latin typeface="TH SarabunPSK" panose="020B0500040200020003" pitchFamily="34" charset="-34"/>
-                <a:cs typeface="TH SarabunPSK" panose="020B0500040200020003" pitchFamily="34" charset="-34"/>
-              </a:rPr>
-              <a:t>เค</a:t>
-            </a:r>
+              <a:t>                          1) สามารถเข้าสู่ระบบ</a:t>
+            </a:r>
+          </a:p>
+          <a:p>
             <a:r>
               <a:rPr lang="th-TH" sz="1800" b="1" dirty="0">
                 <a:solidFill>
@@ -16864,30 +19157,10 @@
                 <a:latin typeface="TH SarabunPSK" panose="020B0500040200020003" pitchFamily="34" charset="-34"/>
                 <a:cs typeface="TH SarabunPSK" panose="020B0500040200020003" pitchFamily="34" charset="-34"/>
               </a:rPr>
-              <a:t>ชัน (</a:t>
-            </a:r>
-            <a:r>
-              <a:rPr lang="en" sz="1800" b="1" dirty="0">
-                <a:solidFill>
-                  <a:schemeClr val="bg1"/>
-                </a:solidFill>
-                <a:latin typeface="TH SarabunPSK" panose="020B0500040200020003" pitchFamily="34" charset="-34"/>
-                <a:cs typeface="TH SarabunPSK" panose="020B0500040200020003" pitchFamily="34" charset="-34"/>
-              </a:rPr>
-              <a:t>Web Application)</a:t>
-            </a:r>
-          </a:p>
-          <a:p>
-            <a:r>
-              <a:rPr lang="en" sz="1800" b="1" dirty="0">
-                <a:solidFill>
-                  <a:schemeClr val="bg1"/>
-                </a:solidFill>
-                <a:latin typeface="TH SarabunPSK" panose="020B0500040200020003" pitchFamily="34" charset="-34"/>
-                <a:cs typeface="TH SarabunPSK" panose="020B0500040200020003" pitchFamily="34" charset="-34"/>
-              </a:rPr>
-              <a:t>               1.3.1.1 </a:t>
-            </a:r>
+              <a:t>                          2) สามารถจัดการสมุดบัญชี</a:t>
+            </a:r>
+          </a:p>
+          <a:p>
             <a:r>
               <a:rPr lang="th-TH" sz="1800" b="1" dirty="0">
                 <a:solidFill>
@@ -16896,7 +19169,7 @@
                 <a:latin typeface="TH SarabunPSK" panose="020B0500040200020003" pitchFamily="34" charset="-34"/>
                 <a:cs typeface="TH SarabunPSK" panose="020B0500040200020003" pitchFamily="34" charset="-34"/>
               </a:rPr>
-              <a:t>นักศึกษา</a:t>
+              <a:t>                          3) สามารถตรวจสอบสมุดบัญชี</a:t>
             </a:r>
           </a:p>
           <a:p>
@@ -16908,7 +19181,7 @@
                 <a:latin typeface="TH SarabunPSK" panose="020B0500040200020003" pitchFamily="34" charset="-34"/>
                 <a:cs typeface="TH SarabunPSK" panose="020B0500040200020003" pitchFamily="34" charset="-34"/>
               </a:rPr>
-              <a:t>                         1) สามารถเข้าสู่ระบบ</a:t>
+              <a:t>                          4) สามารถอนุมัติการฝากเงิน</a:t>
             </a:r>
           </a:p>
           <a:p>
@@ -16920,7 +19193,7 @@
                 <a:latin typeface="TH SarabunPSK" panose="020B0500040200020003" pitchFamily="34" charset="-34"/>
                 <a:cs typeface="TH SarabunPSK" panose="020B0500040200020003" pitchFamily="34" charset="-34"/>
               </a:rPr>
-              <a:t>                         2) สามารถตรวจสอบการแจ้งเตือน</a:t>
+              <a:t>                          5) สามารถอนุมัติการถอนเงิน</a:t>
             </a:r>
           </a:p>
           <a:p>
@@ -16932,7 +19205,7 @@
                 <a:latin typeface="TH SarabunPSK" panose="020B0500040200020003" pitchFamily="34" charset="-34"/>
                 <a:cs typeface="TH SarabunPSK" panose="020B0500040200020003" pitchFamily="34" charset="-34"/>
               </a:rPr>
-              <a:t>                         3) สามารถแจ้งการจัดกิจกรรมที่ตนเองรับผิดชอบ</a:t>
+              <a:t>                          6) สามารถอนุมัติการเคลียร์เงิน</a:t>
             </a:r>
           </a:p>
           <a:p>
@@ -16944,7 +19217,7 @@
                 <a:latin typeface="TH SarabunPSK" panose="020B0500040200020003" pitchFamily="34" charset="-34"/>
                 <a:cs typeface="TH SarabunPSK" panose="020B0500040200020003" pitchFamily="34" charset="-34"/>
               </a:rPr>
-              <a:t>                         4) สามารถแจ้งปัญหา</a:t>
+              <a:t>                          7) สามารถจัดการผู้ประกอบการร้านค้า</a:t>
             </a:r>
           </a:p>
           <a:p>
@@ -16956,10 +19229,18 @@
                 <a:latin typeface="TH SarabunPSK" panose="020B0500040200020003" pitchFamily="34" charset="-34"/>
                 <a:cs typeface="TH SarabunPSK" panose="020B0500040200020003" pitchFamily="34" charset="-34"/>
               </a:rPr>
-              <a:t>               1.3.1.2 ผู้ดำเนินกิจกรรม</a:t>
-            </a:r>
-          </a:p>
-          <a:p>
+              <a:t>                          8) สามารถตรวจสอบข้อมูล </a:t>
+            </a:r>
+            <a:r>
+              <a:rPr lang="en-US" sz="1800" b="1" dirty="0">
+                <a:solidFill>
+                  <a:schemeClr val="bg1"/>
+                </a:solidFill>
+                <a:latin typeface="TH SarabunPSK" panose="020B0500040200020003" pitchFamily="34" charset="-34"/>
+                <a:cs typeface="TH SarabunPSK" panose="020B0500040200020003" pitchFamily="34" charset="-34"/>
+              </a:rPr>
+              <a:t>Log </a:t>
+            </a:r>
             <a:r>
               <a:rPr lang="th-TH" sz="1800" b="1" dirty="0">
                 <a:solidFill>
@@ -16968,75 +19249,7 @@
                 <a:latin typeface="TH SarabunPSK" panose="020B0500040200020003" pitchFamily="34" charset="-34"/>
                 <a:cs typeface="TH SarabunPSK" panose="020B0500040200020003" pitchFamily="34" charset="-34"/>
               </a:rPr>
-              <a:t> 	            1) สามารถจัดการกิจกรรมของตนเอง</a:t>
-            </a:r>
-          </a:p>
-          <a:p>
-            <a:r>
-              <a:rPr lang="th-TH" sz="1800" b="1" dirty="0">
-                <a:solidFill>
-                  <a:schemeClr val="bg1"/>
-                </a:solidFill>
-                <a:latin typeface="TH SarabunPSK" panose="020B0500040200020003" pitchFamily="34" charset="-34"/>
-                <a:cs typeface="TH SarabunPSK" panose="020B0500040200020003" pitchFamily="34" charset="-34"/>
-              </a:rPr>
-              <a:t>                         2) สามารถจัดการคณะกรรมการในกิจกรรมของตนเอง</a:t>
-            </a:r>
-          </a:p>
-          <a:p>
-            <a:r>
-              <a:rPr lang="th-TH" sz="1800" b="1" dirty="0">
-                <a:solidFill>
-                  <a:schemeClr val="bg1"/>
-                </a:solidFill>
-                <a:latin typeface="TH SarabunPSK" panose="020B0500040200020003" pitchFamily="34" charset="-34"/>
-                <a:cs typeface="TH SarabunPSK" panose="020B0500040200020003" pitchFamily="34" charset="-34"/>
-              </a:rPr>
-              <a:t>                         3) สามารถดาวน์โหลด </a:t>
-            </a:r>
-            <a:r>
-              <a:rPr lang="en" sz="1800" b="1" dirty="0">
-                <a:solidFill>
-                  <a:schemeClr val="bg1"/>
-                </a:solidFill>
-                <a:latin typeface="TH SarabunPSK" panose="020B0500040200020003" pitchFamily="34" charset="-34"/>
-                <a:cs typeface="TH SarabunPSK" panose="020B0500040200020003" pitchFamily="34" charset="-34"/>
-              </a:rPr>
-              <a:t>QR Code </a:t>
-            </a:r>
-            <a:r>
-              <a:rPr lang="th-TH" sz="1800" b="1" dirty="0">
-                <a:solidFill>
-                  <a:schemeClr val="bg1"/>
-                </a:solidFill>
-                <a:latin typeface="TH SarabunPSK" panose="020B0500040200020003" pitchFamily="34" charset="-34"/>
-                <a:cs typeface="TH SarabunPSK" panose="020B0500040200020003" pitchFamily="34" charset="-34"/>
-              </a:rPr>
-              <a:t>ลงทะเบียนเข้าร่วมและจบกิจกรรมของตนเอง</a:t>
-            </a:r>
-          </a:p>
-          <a:p>
-            <a:r>
-              <a:rPr lang="th-TH" sz="1800" b="1" dirty="0">
-                <a:solidFill>
-                  <a:schemeClr val="bg1"/>
-                </a:solidFill>
-                <a:latin typeface="TH SarabunPSK" panose="020B0500040200020003" pitchFamily="34" charset="-34"/>
-                <a:cs typeface="TH SarabunPSK" panose="020B0500040200020003" pitchFamily="34" charset="-34"/>
-              </a:rPr>
-              <a:t>                         4) สามารถดาวน์โหลดผลสรุปรายชื่อผู้เข้าร่วมกิจกรรมของตนเอง</a:t>
-            </a:r>
-          </a:p>
-          <a:p>
-            <a:r>
-              <a:rPr lang="th-TH" sz="1800" b="1" dirty="0">
-                <a:solidFill>
-                  <a:schemeClr val="bg1"/>
-                </a:solidFill>
-                <a:latin typeface="TH SarabunPSK" panose="020B0500040200020003" pitchFamily="34" charset="-34"/>
-                <a:cs typeface="TH SarabunPSK" panose="020B0500040200020003" pitchFamily="34" charset="-34"/>
-              </a:rPr>
-              <a:t>                         5) สามารถจัดการเอกสารในกิจกรรมของตนเอง</a:t>
+              <a:t>สมุดบัญชี</a:t>
             </a:r>
           </a:p>
         </p:txBody>
@@ -17080,7 +19293,7 @@
     </p:spTree>
     <p:extLst>
       <p:ext uri="{BB962C8B-B14F-4D97-AF65-F5344CB8AC3E}">
-        <p14:creationId xmlns:p14="http://schemas.microsoft.com/office/powerpoint/2010/main" val="872255735"/>
+        <p14:creationId xmlns:p14="http://schemas.microsoft.com/office/powerpoint/2010/main" val="778023626"/>
       </p:ext>
     </p:extLst>
   </p:cSld>
